--- a/examples/ttc-2015-fuml-activity-diagrams/documentation/figures/solution-presentation.pptx
+++ b/examples/ttc-2015-fuml-activity-diagrams/documentation/figures/solution-presentation.pptx
@@ -5,7 +5,7 @@
     <p:sldMasterId id="2147483648" r:id="rId1"/>
   </p:sldMasterIdLst>
   <p:notesMasterIdLst>
-    <p:notesMasterId r:id="rId22"/>
+    <p:notesMasterId r:id="rId24"/>
   </p:notesMasterIdLst>
   <p:sldIdLst>
     <p:sldId id="256" r:id="rId2"/>
@@ -25,9 +25,11 @@
     <p:sldId id="277" r:id="rId16"/>
     <p:sldId id="278" r:id="rId17"/>
     <p:sldId id="262" r:id="rId18"/>
-    <p:sldId id="263" r:id="rId19"/>
+    <p:sldId id="289" r:id="rId19"/>
     <p:sldId id="264" r:id="rId20"/>
-    <p:sldId id="284" r:id="rId21"/>
+    <p:sldId id="263" r:id="rId21"/>
+    <p:sldId id="288" r:id="rId22"/>
+    <p:sldId id="286" r:id="rId23"/>
   </p:sldIdLst>
   <p:sldSz cx="9144000" cy="6858000" type="screen4x3"/>
   <p:notesSz cx="6858000" cy="9144000"/>
@@ -211,7 +213,7 @@
           <a:p>
             <a:fld id="{2DC44254-5F95-204D-8F07-2678B782EA19}" type="datetimeFigureOut">
               <a:rPr lang="en-US" smtClean="0"/>
-              <a:t>21/09/15</a:t>
+              <a:t>21/10/15</a:t>
             </a:fld>
             <a:endParaRPr lang="en-GB"/>
           </a:p>
@@ -796,7 +798,7 @@
           <a:p>
             <a:fld id="{62C7DB7A-D2BB-614B-B3DC-29EE0C91A468}" type="slidenum">
               <a:rPr lang="en-GB" smtClean="0"/>
-              <a:t>20</a:t>
+              <a:t>22</a:t>
             </a:fld>
             <a:endParaRPr lang="en-GB"/>
           </a:p>
@@ -996,7 +998,7 @@
           <a:p>
             <a:fld id="{9F50B6A4-EEFC-6D43-8633-B920B387D5FF}" type="datetimeFigureOut">
               <a:rPr lang="en-US" smtClean="0"/>
-              <a:t>21/09/15</a:t>
+              <a:t>21/10/15</a:t>
             </a:fld>
             <a:endParaRPr lang="en-GB"/>
           </a:p>
@@ -1166,7 +1168,7 @@
           <a:p>
             <a:fld id="{9F50B6A4-EEFC-6D43-8633-B920B387D5FF}" type="datetimeFigureOut">
               <a:rPr lang="en-US" smtClean="0"/>
-              <a:t>21/09/15</a:t>
+              <a:t>21/10/15</a:t>
             </a:fld>
             <a:endParaRPr lang="en-GB"/>
           </a:p>
@@ -1346,7 +1348,7 @@
           <a:p>
             <a:fld id="{9F50B6A4-EEFC-6D43-8633-B920B387D5FF}" type="datetimeFigureOut">
               <a:rPr lang="en-US" smtClean="0"/>
-              <a:t>21/09/15</a:t>
+              <a:t>21/10/15</a:t>
             </a:fld>
             <a:endParaRPr lang="en-GB"/>
           </a:p>
@@ -1516,7 +1518,7 @@
           <a:p>
             <a:fld id="{9F50B6A4-EEFC-6D43-8633-B920B387D5FF}" type="datetimeFigureOut">
               <a:rPr lang="en-US" smtClean="0"/>
-              <a:t>21/09/15</a:t>
+              <a:t>21/10/15</a:t>
             </a:fld>
             <a:endParaRPr lang="en-GB"/>
           </a:p>
@@ -1762,7 +1764,7 @@
           <a:p>
             <a:fld id="{9F50B6A4-EEFC-6D43-8633-B920B387D5FF}" type="datetimeFigureOut">
               <a:rPr lang="en-US" smtClean="0"/>
-              <a:t>21/09/15</a:t>
+              <a:t>21/10/15</a:t>
             </a:fld>
             <a:endParaRPr lang="en-GB"/>
           </a:p>
@@ -2050,7 +2052,7 @@
           <a:p>
             <a:fld id="{9F50B6A4-EEFC-6D43-8633-B920B387D5FF}" type="datetimeFigureOut">
               <a:rPr lang="en-US" smtClean="0"/>
-              <a:t>21/09/15</a:t>
+              <a:t>21/10/15</a:t>
             </a:fld>
             <a:endParaRPr lang="en-GB"/>
           </a:p>
@@ -2472,7 +2474,7 @@
           <a:p>
             <a:fld id="{9F50B6A4-EEFC-6D43-8633-B920B387D5FF}" type="datetimeFigureOut">
               <a:rPr lang="en-US" smtClean="0"/>
-              <a:t>21/09/15</a:t>
+              <a:t>21/10/15</a:t>
             </a:fld>
             <a:endParaRPr lang="en-GB"/>
           </a:p>
@@ -2590,7 +2592,7 @@
           <a:p>
             <a:fld id="{9F50B6A4-EEFC-6D43-8633-B920B387D5FF}" type="datetimeFigureOut">
               <a:rPr lang="en-US" smtClean="0"/>
-              <a:t>21/09/15</a:t>
+              <a:t>21/10/15</a:t>
             </a:fld>
             <a:endParaRPr lang="en-GB"/>
           </a:p>
@@ -2685,7 +2687,7 @@
           <a:p>
             <a:fld id="{9F50B6A4-EEFC-6D43-8633-B920B387D5FF}" type="datetimeFigureOut">
               <a:rPr lang="en-US" smtClean="0"/>
-              <a:t>21/09/15</a:t>
+              <a:t>21/10/15</a:t>
             </a:fld>
             <a:endParaRPr lang="en-GB"/>
           </a:p>
@@ -2962,7 +2964,7 @@
           <a:p>
             <a:fld id="{9F50B6A4-EEFC-6D43-8633-B920B387D5FF}" type="datetimeFigureOut">
               <a:rPr lang="en-US" smtClean="0"/>
-              <a:t>21/09/15</a:t>
+              <a:t>21/10/15</a:t>
             </a:fld>
             <a:endParaRPr lang="en-GB"/>
           </a:p>
@@ -3215,7 +3217,7 @@
           <a:p>
             <a:fld id="{9F50B6A4-EEFC-6D43-8633-B920B387D5FF}" type="datetimeFigureOut">
               <a:rPr lang="en-US" smtClean="0"/>
-              <a:t>21/09/15</a:t>
+              <a:t>21/10/15</a:t>
             </a:fld>
             <a:endParaRPr lang="en-GB"/>
           </a:p>
@@ -3428,7 +3430,7 @@
           <a:p>
             <a:fld id="{9F50B6A4-EEFC-6D43-8633-B920B387D5FF}" type="datetimeFigureOut">
               <a:rPr lang="en-US" smtClean="0"/>
-              <a:t>21/09/15</a:t>
+              <a:t>21/10/15</a:t>
             </a:fld>
             <a:endParaRPr lang="en-GB"/>
           </a:p>
@@ -4334,17 +4336,8 @@
             <a:pPr lvl="1"/>
             <a:r>
               <a:rPr lang="en-GB" dirty="0" smtClean="0"/>
-              <a:t>code generation (i.e., Petri </a:t>
-            </a:r>
-            <a:r>
-              <a:rPr lang="en-GB" dirty="0" smtClean="0"/>
-              <a:t>net </a:t>
-            </a:r>
-            <a:r>
-              <a:rPr lang="en-GB" dirty="0" smtClean="0"/>
-              <a:t>generation)</a:t>
-            </a:r>
-            <a:endParaRPr lang="en-GB" dirty="0" smtClean="0"/>
+              <a:t>code generation (i.e., Petri net generation)</a:t>
+            </a:r>
           </a:p>
         </p:txBody>
       </p:sp>
@@ -17669,90 +17662,69 @@
           <a:lstStyle/>
           <a:p>
             <a:r>
+              <a:rPr lang="en-GB" dirty="0"/>
+              <a:t>Implementation </a:t>
+            </a:r>
+            <a:r>
               <a:rPr lang="en-GB" dirty="0" smtClean="0"/>
-              <a:t>Performance</a:t>
+              <a:t>quality</a:t>
             </a:r>
             <a:endParaRPr lang="en-GB" dirty="0"/>
           </a:p>
         </p:txBody>
       </p:sp>
-      <p:pic>
-        <p:nvPicPr>
-          <p:cNvPr id="5" name="Picture 4" descr="performance.pdf"/>
-          <p:cNvPicPr>
-            <a:picLocks noChangeAspect="1"/>
-          </p:cNvPicPr>
-          <p:nvPr/>
-        </p:nvPicPr>
-        <p:blipFill>
-          <a:blip r:embed="rId2">
-            <a:extLst>
-              <a:ext uri="{28A0092B-C50C-407E-A947-70E740481C1C}">
-                <a14:useLocalDpi xmlns:a14="http://schemas.microsoft.com/office/drawing/2010/main" val="0"/>
-              </a:ext>
-            </a:extLst>
-          </a:blip>
-          <a:stretch>
-            <a:fillRect/>
-          </a:stretch>
-        </p:blipFill>
-        <p:spPr>
-          <a:xfrm>
-            <a:off x="129727" y="1910802"/>
-            <a:ext cx="8864323" cy="2036661"/>
-          </a:xfrm>
-          <a:prstGeom prst="rect">
-            <a:avLst/>
-          </a:prstGeom>
-        </p:spPr>
-      </p:pic>
       <p:sp>
         <p:nvSpPr>
-          <p:cNvPr id="8" name="TextBox 7"/>
-          <p:cNvSpPr txBox="1"/>
-          <p:nvPr/>
+          <p:cNvPr id="3" name="Content Placeholder 2"/>
+          <p:cNvSpPr>
+            <a:spLocks noGrp="1"/>
+          </p:cNvSpPr>
+          <p:nvPr>
+            <p:ph idx="1"/>
+          </p:nvPr>
         </p:nvSpPr>
-        <p:spPr>
-          <a:xfrm>
-            <a:off x="0" y="3981787"/>
-            <a:ext cx="9144000" cy="830997"/>
-          </a:xfrm>
-          <a:prstGeom prst="rect">
-            <a:avLst/>
-          </a:prstGeom>
-          <a:noFill/>
-        </p:spPr>
+        <p:spPr/>
         <p:txBody>
-          <a:bodyPr wrap="square" rtlCol="0">
-            <a:spAutoFit/>
+          <a:bodyPr>
+            <a:normAutofit fontScale="92500"/>
           </a:bodyPr>
           <a:lstStyle/>
           <a:p>
-            <a:pPr algn="ctr"/>
-            <a:r>
-              <a:rPr lang="en-GB" sz="2400" dirty="0" smtClean="0"/>
-              <a:t>execution times in </a:t>
-            </a:r>
-            <a:r>
-              <a:rPr lang="en-GB" sz="2400" dirty="0" err="1" smtClean="0"/>
-              <a:t>ms</a:t>
-            </a:r>
-            <a:endParaRPr lang="en-GB" sz="2400" dirty="0" smtClean="0"/>
-          </a:p>
-          <a:p>
-            <a:pPr algn="ctr"/>
-            <a:r>
-              <a:rPr lang="en-GB" sz="2400" dirty="0" smtClean="0"/>
-              <a:t>(cf. solution description)</a:t>
-            </a:r>
-            <a:endParaRPr lang="en-GB" sz="2400" dirty="0"/>
+            <a:r>
+              <a:rPr lang="en-GB" dirty="0" smtClean="0"/>
+              <a:t>straightforward rewriting thanks to attribute-based analysis (rewrites leverage on analyses)</a:t>
+            </a:r>
+          </a:p>
+          <a:p>
+            <a:r>
+              <a:rPr lang="en-GB" dirty="0" smtClean="0"/>
+              <a:t>focused rewriting (just actual state changes)</a:t>
+            </a:r>
+          </a:p>
+          <a:p>
+            <a:r>
+              <a:rPr lang="en-GB" dirty="0" smtClean="0"/>
+              <a:t>efficient, although naïvely specified (incremental)</a:t>
+            </a:r>
+          </a:p>
+          <a:p>
+            <a:r>
+              <a:rPr lang="en-GB" dirty="0" smtClean="0"/>
+              <a:t>declarative (automatic deduction of evaluation orders for intertwined analyses &amp; rewriting)</a:t>
+            </a:r>
+          </a:p>
+          <a:p>
+            <a:r>
+              <a:rPr lang="en-GB" dirty="0" smtClean="0"/>
+              <a:t>interactive (convenient runtime API for user-driven analyses &amp; state changes)</a:t>
+            </a:r>
           </a:p>
         </p:txBody>
       </p:sp>
     </p:spTree>
     <p:extLst>
       <p:ext uri="{BB962C8B-B14F-4D97-AF65-F5344CB8AC3E}">
-        <p14:creationId xmlns:p14="http://schemas.microsoft.com/office/powerpoint/2010/main" val="2872825342"/>
+        <p14:creationId xmlns:p14="http://schemas.microsoft.com/office/powerpoint/2010/main" val="3334663188"/>
       </p:ext>
     </p:extLst>
   </p:cSld>
@@ -17955,6 +17927,229 @@
 </file>
 
 <file path=ppt/slides/slide20.xml><?xml version="1.0" encoding="utf-8"?>
+<p:sld xmlns:a="http://schemas.openxmlformats.org/drawingml/2006/main" xmlns:r="http://schemas.openxmlformats.org/officeDocument/2006/relationships" xmlns:p="http://schemas.openxmlformats.org/presentationml/2006/main">
+  <p:cSld>
+    <p:spTree>
+      <p:nvGrpSpPr>
+        <p:cNvPr id="1" name=""/>
+        <p:cNvGrpSpPr/>
+        <p:nvPr/>
+      </p:nvGrpSpPr>
+      <p:grpSpPr>
+        <a:xfrm>
+          <a:off x="0" y="0"/>
+          <a:ext cx="0" cy="0"/>
+          <a:chOff x="0" y="0"/>
+          <a:chExt cx="0" cy="0"/>
+        </a:xfrm>
+      </p:grpSpPr>
+      <p:sp>
+        <p:nvSpPr>
+          <p:cNvPr id="2" name="Title 1"/>
+          <p:cNvSpPr>
+            <a:spLocks noGrp="1"/>
+          </p:cNvSpPr>
+          <p:nvPr>
+            <p:ph type="title"/>
+          </p:nvPr>
+        </p:nvSpPr>
+        <p:spPr/>
+        <p:txBody>
+          <a:bodyPr/>
+          <a:lstStyle/>
+          <a:p>
+            <a:r>
+              <a:rPr lang="en-GB" dirty="0" smtClean="0"/>
+              <a:t>Performance</a:t>
+            </a:r>
+            <a:endParaRPr lang="en-GB" dirty="0"/>
+          </a:p>
+        </p:txBody>
+      </p:sp>
+      <p:pic>
+        <p:nvPicPr>
+          <p:cNvPr id="5" name="Picture 4" descr="performance.pdf"/>
+          <p:cNvPicPr>
+            <a:picLocks noChangeAspect="1"/>
+          </p:cNvPicPr>
+          <p:nvPr/>
+        </p:nvPicPr>
+        <p:blipFill>
+          <a:blip r:embed="rId2">
+            <a:extLst>
+              <a:ext uri="{28A0092B-C50C-407E-A947-70E740481C1C}">
+                <a14:useLocalDpi xmlns:a14="http://schemas.microsoft.com/office/drawing/2010/main" val="0"/>
+              </a:ext>
+            </a:extLst>
+          </a:blip>
+          <a:stretch>
+            <a:fillRect/>
+          </a:stretch>
+        </p:blipFill>
+        <p:spPr>
+          <a:xfrm>
+            <a:off x="129727" y="1910802"/>
+            <a:ext cx="8864323" cy="2036661"/>
+          </a:xfrm>
+          <a:prstGeom prst="rect">
+            <a:avLst/>
+          </a:prstGeom>
+        </p:spPr>
+      </p:pic>
+      <p:sp>
+        <p:nvSpPr>
+          <p:cNvPr id="8" name="TextBox 7"/>
+          <p:cNvSpPr txBox="1"/>
+          <p:nvPr/>
+        </p:nvSpPr>
+        <p:spPr>
+          <a:xfrm>
+            <a:off x="0" y="3981787"/>
+            <a:ext cx="9144000" cy="830997"/>
+          </a:xfrm>
+          <a:prstGeom prst="rect">
+            <a:avLst/>
+          </a:prstGeom>
+          <a:noFill/>
+        </p:spPr>
+        <p:txBody>
+          <a:bodyPr wrap="square" rtlCol="0">
+            <a:spAutoFit/>
+          </a:bodyPr>
+          <a:lstStyle/>
+          <a:p>
+            <a:pPr algn="ctr"/>
+            <a:r>
+              <a:rPr lang="en-GB" sz="2400" dirty="0" smtClean="0"/>
+              <a:t>execution times in </a:t>
+            </a:r>
+            <a:r>
+              <a:rPr lang="en-GB" sz="2400" dirty="0" err="1" smtClean="0"/>
+              <a:t>ms</a:t>
+            </a:r>
+            <a:endParaRPr lang="en-GB" sz="2400" dirty="0" smtClean="0"/>
+          </a:p>
+          <a:p>
+            <a:pPr algn="ctr"/>
+            <a:r>
+              <a:rPr lang="en-GB" sz="2400" dirty="0" smtClean="0"/>
+              <a:t>(cf. solution description)</a:t>
+            </a:r>
+            <a:endParaRPr lang="en-GB" sz="2400" dirty="0"/>
+          </a:p>
+        </p:txBody>
+      </p:sp>
+    </p:spTree>
+    <p:extLst>
+      <p:ext uri="{BB962C8B-B14F-4D97-AF65-F5344CB8AC3E}">
+        <p14:creationId xmlns:p14="http://schemas.microsoft.com/office/powerpoint/2010/main" val="2872825342"/>
+      </p:ext>
+    </p:extLst>
+  </p:cSld>
+  <p:clrMapOvr>
+    <a:masterClrMapping/>
+  </p:clrMapOvr>
+  <p:timing>
+    <p:tnLst>
+      <p:par>
+        <p:cTn xmlns:p14="http://schemas.microsoft.com/office/powerpoint/2010/main" id="1" dur="indefinite" restart="never" nodeType="tmRoot"/>
+      </p:par>
+    </p:tnLst>
+  </p:timing>
+</p:sld>
+</file>
+
+<file path=ppt/slides/slide21.xml><?xml version="1.0" encoding="utf-8"?>
+<p:sld xmlns:a="http://schemas.openxmlformats.org/drawingml/2006/main" xmlns:r="http://schemas.openxmlformats.org/officeDocument/2006/relationships" xmlns:p="http://schemas.openxmlformats.org/presentationml/2006/main">
+  <p:cSld>
+    <p:spTree>
+      <p:nvGrpSpPr>
+        <p:cNvPr id="1" name=""/>
+        <p:cNvGrpSpPr/>
+        <p:nvPr/>
+      </p:nvGrpSpPr>
+      <p:grpSpPr>
+        <a:xfrm>
+          <a:off x="0" y="0"/>
+          <a:ext cx="0" cy="0"/>
+          <a:chOff x="0" y="0"/>
+          <a:chExt cx="0" cy="0"/>
+        </a:xfrm>
+      </p:grpSpPr>
+      <p:sp>
+        <p:nvSpPr>
+          <p:cNvPr id="2" name="Title 1"/>
+          <p:cNvSpPr>
+            <a:spLocks noGrp="1"/>
+          </p:cNvSpPr>
+          <p:nvPr>
+            <p:ph type="title"/>
+          </p:nvPr>
+        </p:nvSpPr>
+        <p:spPr/>
+        <p:txBody>
+          <a:bodyPr/>
+          <a:lstStyle/>
+          <a:p>
+            <a:r>
+              <a:rPr lang="en-GB" dirty="0" smtClean="0"/>
+              <a:t>Conclusion</a:t>
+            </a:r>
+            <a:endParaRPr lang="en-GB" dirty="0"/>
+          </a:p>
+        </p:txBody>
+      </p:sp>
+      <p:pic>
+        <p:nvPicPr>
+          <p:cNvPr id="5" name="Picture 4" descr="solution-award.pdf"/>
+          <p:cNvPicPr>
+            <a:picLocks noChangeAspect="1"/>
+          </p:cNvPicPr>
+          <p:nvPr/>
+        </p:nvPicPr>
+        <p:blipFill>
+          <a:blip r:embed="rId2">
+            <a:extLst>
+              <a:ext uri="{28A0092B-C50C-407E-A947-70E740481C1C}">
+                <a14:useLocalDpi xmlns:a14="http://schemas.microsoft.com/office/drawing/2010/main" val="0"/>
+              </a:ext>
+            </a:extLst>
+          </a:blip>
+          <a:stretch>
+            <a:fillRect/>
+          </a:stretch>
+        </p:blipFill>
+        <p:spPr>
+          <a:xfrm>
+            <a:off x="2786914" y="1305720"/>
+            <a:ext cx="3579611" cy="5065601"/>
+          </a:xfrm>
+          <a:prstGeom prst="rect">
+            <a:avLst/>
+          </a:prstGeom>
+        </p:spPr>
+      </p:pic>
+    </p:spTree>
+    <p:extLst>
+      <p:ext uri="{BB962C8B-B14F-4D97-AF65-F5344CB8AC3E}">
+        <p14:creationId xmlns:p14="http://schemas.microsoft.com/office/powerpoint/2010/main" val="1641817779"/>
+      </p:ext>
+    </p:extLst>
+  </p:cSld>
+  <p:clrMapOvr>
+    <a:masterClrMapping/>
+  </p:clrMapOvr>
+  <p:timing>
+    <p:tnLst>
+      <p:par>
+        <p:cTn xmlns:p14="http://schemas.microsoft.com/office/powerpoint/2010/main" id="1" dur="indefinite" restart="never" nodeType="tmRoot"/>
+      </p:par>
+    </p:tnLst>
+  </p:timing>
+</p:sld>
+</file>
+
+<file path=ppt/slides/slide22.xml><?xml version="1.0" encoding="utf-8"?>
 <p:sld xmlns:a="http://schemas.openxmlformats.org/drawingml/2006/main" xmlns:r="http://schemas.openxmlformats.org/officeDocument/2006/relationships" xmlns:p="http://schemas.openxmlformats.org/presentationml/2006/main">
   <p:cSld>
     <p:spTree>
@@ -23087,10 +23282,40 @@
           </a:p>
         </p:txBody>
       </p:sp>
+      <p:sp>
+        <p:nvSpPr>
+          <p:cNvPr id="82" name="TextBox 81"/>
+          <p:cNvSpPr txBox="1"/>
+          <p:nvPr/>
+        </p:nvSpPr>
+        <p:spPr>
+          <a:xfrm>
+            <a:off x="7731982" y="1875638"/>
+            <a:ext cx="1220707" cy="369332"/>
+          </a:xfrm>
+          <a:prstGeom prst="rect">
+            <a:avLst/>
+          </a:prstGeom>
+          <a:noFill/>
+        </p:spPr>
+        <p:txBody>
+          <a:bodyPr wrap="none" rtlCol="0">
+            <a:spAutoFit/>
+          </a:bodyPr>
+          <a:lstStyle/>
+          <a:p>
+            <a:r>
+              <a:rPr lang="en-GB" dirty="0" smtClean="0"/>
+              <a:t>declarative</a:t>
+            </a:r>
+            <a:endParaRPr lang="en-GB" dirty="0"/>
+          </a:p>
+        </p:txBody>
+      </p:sp>
     </p:spTree>
     <p:extLst>
       <p:ext uri="{BB962C8B-B14F-4D97-AF65-F5344CB8AC3E}">
-        <p14:creationId xmlns:p14="http://schemas.microsoft.com/office/powerpoint/2010/main" val="2065939023"/>
+        <p14:creationId xmlns:p14="http://schemas.microsoft.com/office/powerpoint/2010/main" val="122257325"/>
       </p:ext>
     </p:extLst>
   </p:cSld>
@@ -23831,11 +24056,7 @@
             </a:r>
             <a:r>
               <a:rPr lang="en-GB" dirty="0" smtClean="0"/>
-              <a:t> </a:t>
-            </a:r>
-            <a:r>
-              <a:rPr lang="en-GB" dirty="0" smtClean="0"/>
-              <a:t>+ </a:t>
+              <a:t> + </a:t>
             </a:r>
             <a:r>
               <a:rPr lang="en-GB" dirty="0" smtClean="0">
@@ -23845,21 +24066,12 @@
               </a:rPr>
               <a:t>graph rewriting</a:t>
             </a:r>
-            <a:endParaRPr lang="en-GB" dirty="0" smtClean="0">
-              <a:solidFill>
-                <a:srgbClr val="3366FF"/>
-              </a:solidFill>
-            </a:endParaRPr>
           </a:p>
           <a:p>
             <a:pPr lvl="1"/>
             <a:r>
               <a:rPr lang="en-GB" dirty="0" smtClean="0"/>
-              <a:t>reference attribute </a:t>
-            </a:r>
-            <a:r>
-              <a:rPr lang="en-GB" dirty="0" smtClean="0"/>
-              <a:t>grammar for declarative </a:t>
+              <a:t>reference attribute grammar for declarative </a:t>
             </a:r>
             <a:r>
               <a:rPr lang="en-GB" dirty="0" smtClean="0">
@@ -23886,7 +24098,11 @@
             </a:r>
             <a:r>
               <a:rPr lang="en-GB" dirty="0" smtClean="0"/>
-              <a:t>graph on top of abstract syntax tree (AST)</a:t>
+              <a:t>graph on top of abstract syntax tree (AST</a:t>
+            </a:r>
+            <a:r>
+              <a:rPr lang="en-GB" dirty="0" smtClean="0"/>
+              <a:t>) &gt;&gt; extend AST to ASG</a:t>
             </a:r>
             <a:endParaRPr lang="en-GB" dirty="0"/>
           </a:p>
@@ -23928,23 +24144,14 @@
             </a:r>
             <a:r>
               <a:rPr lang="en-GB" dirty="0" smtClean="0"/>
-              <a:t> </a:t>
-            </a:r>
+              <a:t> abstract syntax graph (ASG)</a:t>
+            </a:r>
+          </a:p>
+          <a:p>
+            <a:pPr lvl="1"/>
             <a:r>
               <a:rPr lang="en-GB" dirty="0" smtClean="0"/>
-              <a:t>abstract syntax graph (ASG)</a:t>
-            </a:r>
-            <a:endParaRPr lang="en-GB" dirty="0" smtClean="0"/>
-          </a:p>
-          <a:p>
-            <a:pPr lvl="1"/>
-            <a:r>
-              <a:rPr lang="en-GB" dirty="0" smtClean="0"/>
-              <a:t>graph rewriting for </a:t>
-            </a:r>
-            <a:r>
-              <a:rPr lang="en-GB" dirty="0" smtClean="0"/>
-              <a:t>ASG </a:t>
+              <a:t>graph rewriting for ASG </a:t>
             </a:r>
             <a:r>
               <a:rPr lang="en-GB" dirty="0" smtClean="0">
@@ -24001,11 +24208,7 @@
             <a:pPr lvl="2"/>
             <a:r>
               <a:rPr lang="en-GB" dirty="0" smtClean="0"/>
-              <a:t>use </a:t>
-            </a:r>
-            <a:r>
-              <a:rPr lang="en-GB" dirty="0" smtClean="0"/>
-              <a:t>of analyses to deduce rewrites</a:t>
+              <a:t>use of analyses to deduce rewrites</a:t>
             </a:r>
           </a:p>
           <a:p>

--- a/examples/ttc-2015-fuml-activity-diagrams/documentation/figures/solution-presentation.pptx
+++ b/examples/ttc-2015-fuml-activity-diagrams/documentation/figures/solution-presentation.pptx
@@ -213,7 +213,7 @@
           <a:p>
             <a:fld id="{2DC44254-5F95-204D-8F07-2678B782EA19}" type="datetimeFigureOut">
               <a:rPr lang="en-US" smtClean="0"/>
-              <a:t>21/10/15</a:t>
+              <a:t>05/03/16</a:t>
             </a:fld>
             <a:endParaRPr lang="en-GB"/>
           </a:p>
@@ -998,7 +998,7 @@
           <a:p>
             <a:fld id="{9F50B6A4-EEFC-6D43-8633-B920B387D5FF}" type="datetimeFigureOut">
               <a:rPr lang="en-US" smtClean="0"/>
-              <a:t>21/10/15</a:t>
+              <a:t>05/03/16</a:t>
             </a:fld>
             <a:endParaRPr lang="en-GB"/>
           </a:p>
@@ -1168,7 +1168,7 @@
           <a:p>
             <a:fld id="{9F50B6A4-EEFC-6D43-8633-B920B387D5FF}" type="datetimeFigureOut">
               <a:rPr lang="en-US" smtClean="0"/>
-              <a:t>21/10/15</a:t>
+              <a:t>05/03/16</a:t>
             </a:fld>
             <a:endParaRPr lang="en-GB"/>
           </a:p>
@@ -1348,7 +1348,7 @@
           <a:p>
             <a:fld id="{9F50B6A4-EEFC-6D43-8633-B920B387D5FF}" type="datetimeFigureOut">
               <a:rPr lang="en-US" smtClean="0"/>
-              <a:t>21/10/15</a:t>
+              <a:t>05/03/16</a:t>
             </a:fld>
             <a:endParaRPr lang="en-GB"/>
           </a:p>
@@ -1518,7 +1518,7 @@
           <a:p>
             <a:fld id="{9F50B6A4-EEFC-6D43-8633-B920B387D5FF}" type="datetimeFigureOut">
               <a:rPr lang="en-US" smtClean="0"/>
-              <a:t>21/10/15</a:t>
+              <a:t>05/03/16</a:t>
             </a:fld>
             <a:endParaRPr lang="en-GB"/>
           </a:p>
@@ -1764,7 +1764,7 @@
           <a:p>
             <a:fld id="{9F50B6A4-EEFC-6D43-8633-B920B387D5FF}" type="datetimeFigureOut">
               <a:rPr lang="en-US" smtClean="0"/>
-              <a:t>21/10/15</a:t>
+              <a:t>05/03/16</a:t>
             </a:fld>
             <a:endParaRPr lang="en-GB"/>
           </a:p>
@@ -2052,7 +2052,7 @@
           <a:p>
             <a:fld id="{9F50B6A4-EEFC-6D43-8633-B920B387D5FF}" type="datetimeFigureOut">
               <a:rPr lang="en-US" smtClean="0"/>
-              <a:t>21/10/15</a:t>
+              <a:t>05/03/16</a:t>
             </a:fld>
             <a:endParaRPr lang="en-GB"/>
           </a:p>
@@ -2474,7 +2474,7 @@
           <a:p>
             <a:fld id="{9F50B6A4-EEFC-6D43-8633-B920B387D5FF}" type="datetimeFigureOut">
               <a:rPr lang="en-US" smtClean="0"/>
-              <a:t>21/10/15</a:t>
+              <a:t>05/03/16</a:t>
             </a:fld>
             <a:endParaRPr lang="en-GB"/>
           </a:p>
@@ -2592,7 +2592,7 @@
           <a:p>
             <a:fld id="{9F50B6A4-EEFC-6D43-8633-B920B387D5FF}" type="datetimeFigureOut">
               <a:rPr lang="en-US" smtClean="0"/>
-              <a:t>21/10/15</a:t>
+              <a:t>05/03/16</a:t>
             </a:fld>
             <a:endParaRPr lang="en-GB"/>
           </a:p>
@@ -2687,7 +2687,7 @@
           <a:p>
             <a:fld id="{9F50B6A4-EEFC-6D43-8633-B920B387D5FF}" type="datetimeFigureOut">
               <a:rPr lang="en-US" smtClean="0"/>
-              <a:t>21/10/15</a:t>
+              <a:t>05/03/16</a:t>
             </a:fld>
             <a:endParaRPr lang="en-GB"/>
           </a:p>
@@ -2964,7 +2964,7 @@
           <a:p>
             <a:fld id="{9F50B6A4-EEFC-6D43-8633-B920B387D5FF}" type="datetimeFigureOut">
               <a:rPr lang="en-US" smtClean="0"/>
-              <a:t>21/10/15</a:t>
+              <a:t>05/03/16</a:t>
             </a:fld>
             <a:endParaRPr lang="en-GB"/>
           </a:p>
@@ -3217,7 +3217,7 @@
           <a:p>
             <a:fld id="{9F50B6A4-EEFC-6D43-8633-B920B387D5FF}" type="datetimeFigureOut">
               <a:rPr lang="en-US" smtClean="0"/>
-              <a:t>21/10/15</a:t>
+              <a:t>05/03/16</a:t>
             </a:fld>
             <a:endParaRPr lang="en-GB"/>
           </a:p>
@@ -3430,7 +3430,7 @@
           <a:p>
             <a:fld id="{9F50B6A4-EEFC-6D43-8633-B920B387D5FF}" type="datetimeFigureOut">
               <a:rPr lang="en-US" smtClean="0"/>
-              <a:t>21/10/15</a:t>
+              <a:t>05/03/16</a:t>
             </a:fld>
             <a:endParaRPr lang="en-GB"/>
           </a:p>
@@ -3837,7 +3837,11 @@
             </a:r>
             <a:r>
               <a:rPr lang="en-US" dirty="0"/>
-              <a:t> with RAG-controlled Rewriting</a:t>
+              <a:t> with RAG-controlled </a:t>
+            </a:r>
+            <a:r>
+              <a:rPr lang="en-US" dirty="0" smtClean="0"/>
+              <a:t>rewriting</a:t>
             </a:r>
             <a:endParaRPr lang="en-GB" i="1" dirty="0"/>
           </a:p>
@@ -3878,8 +3882,12 @@
               <a:t>1 </a:t>
             </a:r>
             <a:r>
+              <a:rPr lang="en-US" dirty="0"/>
+              <a:t>s</a:t>
+            </a:r>
+            <a:r>
               <a:rPr lang="en-US" dirty="0" smtClean="0"/>
-              <a:t>Solution </a:t>
+              <a:t>olution </a:t>
             </a:r>
             <a:r>
               <a:rPr lang="en-US" dirty="0"/>
@@ -4968,7 +4976,7 @@
         <p:spPr>
           <a:xfrm flipH="1" flipV="1">
             <a:off x="5173246" y="1238859"/>
-            <a:ext cx="1" cy="4796852"/>
+            <a:ext cx="2" cy="4923852"/>
           </a:xfrm>
           <a:prstGeom prst="line">
             <a:avLst/>
@@ -5030,7 +5038,7 @@
         </p:nvSpPr>
         <p:spPr>
           <a:xfrm>
-            <a:off x="1364652" y="1791825"/>
+            <a:off x="1364652" y="1918825"/>
             <a:ext cx="1063988" cy="457677"/>
           </a:xfrm>
           <a:prstGeom prst="rect">
@@ -5095,7 +5103,7 @@
         </p:nvSpPr>
         <p:spPr>
           <a:xfrm>
-            <a:off x="607936" y="2833041"/>
+            <a:off x="607936" y="2960041"/>
             <a:ext cx="1018225" cy="411909"/>
           </a:xfrm>
           <a:prstGeom prst="roundRect">
@@ -5154,7 +5162,7 @@
         </p:nvSpPr>
         <p:spPr>
           <a:xfrm>
-            <a:off x="607936" y="3435332"/>
+            <a:off x="607936" y="3562332"/>
             <a:ext cx="1018225" cy="411909"/>
           </a:xfrm>
           <a:prstGeom prst="roundRect">
@@ -5213,7 +5221,7 @@
         </p:nvSpPr>
         <p:spPr>
           <a:xfrm>
-            <a:off x="3757824" y="2833041"/>
+            <a:off x="3757824" y="2960041"/>
             <a:ext cx="1018225" cy="411909"/>
           </a:xfrm>
           <a:prstGeom prst="roundRect">
@@ -5272,7 +5280,7 @@
         </p:nvSpPr>
         <p:spPr>
           <a:xfrm>
-            <a:off x="3757824" y="4053195"/>
+            <a:off x="3757824" y="4180195"/>
             <a:ext cx="1018225" cy="411909"/>
           </a:xfrm>
           <a:prstGeom prst="roundRect">
@@ -5331,7 +5339,7 @@
         </p:nvSpPr>
         <p:spPr>
           <a:xfrm>
-            <a:off x="2228431" y="2833041"/>
+            <a:off x="2228431" y="2960041"/>
             <a:ext cx="1018225" cy="411909"/>
           </a:xfrm>
           <a:prstGeom prst="roundRect">
@@ -5390,7 +5398,7 @@
         </p:nvCxnSpPr>
         <p:spPr>
           <a:xfrm>
-            <a:off x="262658" y="2565746"/>
+            <a:off x="262658" y="2692746"/>
             <a:ext cx="1" cy="1079195"/>
           </a:xfrm>
           <a:prstGeom prst="line">
@@ -5426,7 +5434,7 @@
         </p:nvCxnSpPr>
         <p:spPr>
           <a:xfrm>
-            <a:off x="262658" y="3644941"/>
+            <a:off x="262658" y="3771941"/>
             <a:ext cx="331785" cy="0"/>
           </a:xfrm>
           <a:prstGeom prst="line">
@@ -5462,7 +5470,7 @@
         </p:nvCxnSpPr>
         <p:spPr>
           <a:xfrm>
-            <a:off x="262658" y="3049962"/>
+            <a:off x="262658" y="3176962"/>
             <a:ext cx="331785" cy="0"/>
           </a:xfrm>
           <a:prstGeom prst="line">
@@ -5498,7 +5506,7 @@
         </p:nvSpPr>
         <p:spPr>
           <a:xfrm>
-            <a:off x="2228431" y="3435332"/>
+            <a:off x="2228431" y="3562332"/>
             <a:ext cx="1018225" cy="411909"/>
           </a:xfrm>
           <a:prstGeom prst="roundRect">
@@ -5557,7 +5565,7 @@
         </p:nvSpPr>
         <p:spPr>
           <a:xfrm>
-            <a:off x="2228431" y="4053195"/>
+            <a:off x="2228431" y="4180195"/>
             <a:ext cx="1018225" cy="411909"/>
           </a:xfrm>
           <a:prstGeom prst="roundRect">
@@ -5616,7 +5624,7 @@
         </p:nvCxnSpPr>
         <p:spPr>
           <a:xfrm>
-            <a:off x="1896646" y="4266460"/>
+            <a:off x="1896646" y="4393460"/>
             <a:ext cx="331785" cy="0"/>
           </a:xfrm>
           <a:prstGeom prst="line">
@@ -5652,7 +5660,7 @@
         </p:nvCxnSpPr>
         <p:spPr>
           <a:xfrm>
-            <a:off x="1896646" y="3671005"/>
+            <a:off x="1896646" y="3798005"/>
             <a:ext cx="331785" cy="0"/>
           </a:xfrm>
           <a:prstGeom prst="line">
@@ -5688,7 +5696,7 @@
         </p:nvCxnSpPr>
         <p:spPr>
           <a:xfrm>
-            <a:off x="1896646" y="3053142"/>
+            <a:off x="1896646" y="3180142"/>
             <a:ext cx="331785" cy="0"/>
           </a:xfrm>
           <a:prstGeom prst="line">
@@ -5724,7 +5732,7 @@
         </p:nvCxnSpPr>
         <p:spPr>
           <a:xfrm>
-            <a:off x="1896646" y="4872882"/>
+            <a:off x="1896646" y="4999882"/>
             <a:ext cx="331785" cy="0"/>
           </a:xfrm>
           <a:prstGeom prst="line">
@@ -5760,7 +5768,7 @@
         </p:nvSpPr>
         <p:spPr>
           <a:xfrm>
-            <a:off x="3757824" y="4674714"/>
+            <a:off x="3757824" y="4801714"/>
             <a:ext cx="1018225" cy="411909"/>
           </a:xfrm>
           <a:prstGeom prst="roundRect">
@@ -5819,7 +5827,7 @@
         </p:nvSpPr>
         <p:spPr>
           <a:xfrm>
-            <a:off x="2228431" y="4662321"/>
+            <a:off x="2228431" y="4789321"/>
             <a:ext cx="1018225" cy="411909"/>
           </a:xfrm>
           <a:prstGeom prst="roundRect">
@@ -5878,7 +5886,7 @@
         </p:nvCxnSpPr>
         <p:spPr>
           <a:xfrm>
-            <a:off x="3426039" y="3044880"/>
+            <a:off x="3426039" y="3171880"/>
             <a:ext cx="331785" cy="0"/>
           </a:xfrm>
           <a:prstGeom prst="line">
@@ -5914,7 +5922,7 @@
         </p:nvCxnSpPr>
         <p:spPr>
           <a:xfrm>
-            <a:off x="3426039" y="4266460"/>
+            <a:off x="3426039" y="4393460"/>
             <a:ext cx="331785" cy="0"/>
           </a:xfrm>
           <a:prstGeom prst="line">
@@ -5950,7 +5958,7 @@
         </p:nvCxnSpPr>
         <p:spPr>
           <a:xfrm>
-            <a:off x="3426039" y="4902126"/>
+            <a:off x="3426039" y="5029126"/>
             <a:ext cx="331785" cy="0"/>
           </a:xfrm>
           <a:prstGeom prst="line">
@@ -5988,7 +5996,7 @@
         </p:nvCxnSpPr>
         <p:spPr>
           <a:xfrm flipV="1">
-            <a:off x="1896646" y="2249502"/>
+            <a:off x="1896646" y="2376502"/>
             <a:ext cx="0" cy="2623380"/>
           </a:xfrm>
           <a:prstGeom prst="line">
@@ -6024,7 +6032,7 @@
         </p:nvCxnSpPr>
         <p:spPr>
           <a:xfrm flipV="1">
-            <a:off x="3426039" y="2565747"/>
+            <a:off x="3426039" y="2692747"/>
             <a:ext cx="0" cy="2336379"/>
           </a:xfrm>
           <a:prstGeom prst="line">
@@ -6060,7 +6068,7 @@
         </p:nvCxnSpPr>
         <p:spPr>
           <a:xfrm flipV="1">
-            <a:off x="276151" y="2565746"/>
+            <a:off x="276151" y="2692746"/>
             <a:ext cx="3149888" cy="1"/>
           </a:xfrm>
           <a:prstGeom prst="line">
@@ -6096,7 +6104,7 @@
         </p:nvSpPr>
         <p:spPr>
           <a:xfrm>
-            <a:off x="3627597" y="3299431"/>
+            <a:off x="3627597" y="3426431"/>
             <a:ext cx="1018278" cy="369332"/>
           </a:xfrm>
           <a:prstGeom prst="rect">
@@ -6134,7 +6142,7 @@
         </p:nvSpPr>
         <p:spPr>
           <a:xfrm>
-            <a:off x="4096961" y="5281610"/>
+            <a:off x="4096961" y="5408610"/>
             <a:ext cx="679088" cy="303850"/>
           </a:xfrm>
           <a:prstGeom prst="roundRect">
@@ -6211,7 +6219,7 @@
         </p:nvCxnSpPr>
         <p:spPr>
           <a:xfrm>
-            <a:off x="3960072" y="5433535"/>
+            <a:off x="3960072" y="5560535"/>
             <a:ext cx="136889" cy="0"/>
           </a:xfrm>
           <a:prstGeom prst="line">
@@ -6247,7 +6255,7 @@
         </p:nvCxnSpPr>
         <p:spPr>
           <a:xfrm flipV="1">
-            <a:off x="3960072" y="5074230"/>
+            <a:off x="3960072" y="5201230"/>
             <a:ext cx="0" cy="359305"/>
           </a:xfrm>
           <a:prstGeom prst="line">
@@ -6283,7 +6291,7 @@
         </p:nvSpPr>
         <p:spPr>
           <a:xfrm>
-            <a:off x="4096961" y="5585460"/>
+            <a:off x="4096961" y="5712460"/>
             <a:ext cx="679088" cy="181316"/>
           </a:xfrm>
           <a:prstGeom prst="triangle">
@@ -6327,7 +6335,7 @@
         </p:nvCxnSpPr>
         <p:spPr>
           <a:xfrm>
-            <a:off x="1117049" y="5729312"/>
+            <a:off x="1117049" y="5856312"/>
             <a:ext cx="3322311" cy="1"/>
           </a:xfrm>
           <a:prstGeom prst="line">
@@ -6365,7 +6373,7 @@
         </p:nvCxnSpPr>
         <p:spPr>
           <a:xfrm>
-            <a:off x="1117049" y="3847241"/>
+            <a:off x="1117049" y="3974241"/>
             <a:ext cx="0" cy="1882071"/>
           </a:xfrm>
           <a:prstGeom prst="line">
@@ -6403,7 +6411,7 @@
         </p:nvCxnSpPr>
         <p:spPr>
           <a:xfrm flipH="1" flipV="1">
-            <a:off x="3246658" y="2678661"/>
+            <a:off x="3246658" y="2805661"/>
             <a:ext cx="286675" cy="1039"/>
           </a:xfrm>
           <a:prstGeom prst="line">
@@ -6441,7 +6449,7 @@
         </p:nvCxnSpPr>
         <p:spPr>
           <a:xfrm flipV="1">
-            <a:off x="2737544" y="2679700"/>
+            <a:off x="2737544" y="2806700"/>
             <a:ext cx="509112" cy="153341"/>
           </a:xfrm>
           <a:prstGeom prst="line">
@@ -6481,7 +6489,7 @@
         </p:nvCxnSpPr>
         <p:spPr>
           <a:xfrm>
-            <a:off x="3246656" y="3641287"/>
+            <a:off x="3246656" y="3768287"/>
             <a:ext cx="372844" cy="3654"/>
           </a:xfrm>
           <a:prstGeom prst="line">
@@ -6519,7 +6527,7 @@
         </p:nvCxnSpPr>
         <p:spPr>
           <a:xfrm flipV="1">
-            <a:off x="3246658" y="3244950"/>
+            <a:off x="3246658" y="3371950"/>
             <a:ext cx="511166" cy="1451221"/>
           </a:xfrm>
           <a:prstGeom prst="line">
@@ -6557,7 +6565,7 @@
         </p:nvSpPr>
         <p:spPr>
           <a:xfrm>
-            <a:off x="5868836" y="1791825"/>
+            <a:off x="5868836" y="1918825"/>
             <a:ext cx="1063988" cy="457677"/>
           </a:xfrm>
           <a:prstGeom prst="rect">
@@ -6614,7 +6622,7 @@
         </p:nvSpPr>
         <p:spPr>
           <a:xfrm>
-            <a:off x="5904124" y="2833041"/>
+            <a:off x="5904124" y="2960041"/>
             <a:ext cx="1018225" cy="411909"/>
           </a:xfrm>
           <a:prstGeom prst="roundRect">
@@ -6673,7 +6681,7 @@
         </p:nvSpPr>
         <p:spPr>
           <a:xfrm>
-            <a:off x="5904124" y="4066836"/>
+            <a:off x="5904124" y="4193836"/>
             <a:ext cx="1018225" cy="411909"/>
           </a:xfrm>
           <a:prstGeom prst="roundRect">
@@ -6732,7 +6740,7 @@
         </p:nvSpPr>
         <p:spPr>
           <a:xfrm>
-            <a:off x="5904124" y="4696171"/>
+            <a:off x="5904124" y="4823171"/>
             <a:ext cx="1018225" cy="411909"/>
           </a:xfrm>
           <a:prstGeom prst="roundRect">
@@ -6791,7 +6799,7 @@
         </p:nvSpPr>
         <p:spPr>
           <a:xfrm>
-            <a:off x="7554275" y="2833041"/>
+            <a:off x="7554275" y="2960041"/>
             <a:ext cx="1018225" cy="411909"/>
           </a:xfrm>
           <a:prstGeom prst="roundRect">
@@ -6850,7 +6858,7 @@
         </p:nvSpPr>
         <p:spPr>
           <a:xfrm>
-            <a:off x="7554275" y="3465050"/>
+            <a:off x="7554275" y="3592050"/>
             <a:ext cx="1018225" cy="411909"/>
           </a:xfrm>
           <a:prstGeom prst="roundRect">
@@ -6909,7 +6917,7 @@
         </p:nvSpPr>
         <p:spPr>
           <a:xfrm>
-            <a:off x="7554275" y="4066836"/>
+            <a:off x="7554275" y="4193836"/>
             <a:ext cx="1018225" cy="411909"/>
           </a:xfrm>
           <a:prstGeom prst="roundRect">
@@ -6968,7 +6976,7 @@
         </p:nvCxnSpPr>
         <p:spPr>
           <a:xfrm>
-            <a:off x="5572339" y="3029060"/>
+            <a:off x="5572339" y="3156060"/>
             <a:ext cx="331785" cy="0"/>
           </a:xfrm>
           <a:prstGeom prst="line">
@@ -7004,7 +7012,7 @@
         </p:nvCxnSpPr>
         <p:spPr>
           <a:xfrm>
-            <a:off x="5572339" y="4263340"/>
+            <a:off x="5572339" y="4390340"/>
             <a:ext cx="331785" cy="0"/>
           </a:xfrm>
           <a:prstGeom prst="line">
@@ -7040,7 +7048,7 @@
         </p:nvCxnSpPr>
         <p:spPr>
           <a:xfrm>
-            <a:off x="5572339" y="4873606"/>
+            <a:off x="5572339" y="5000606"/>
             <a:ext cx="331785" cy="0"/>
           </a:xfrm>
           <a:prstGeom prst="line">
@@ -7076,7 +7084,7 @@
         </p:nvCxnSpPr>
         <p:spPr>
           <a:xfrm>
-            <a:off x="7222490" y="3029060"/>
+            <a:off x="7222490" y="3156060"/>
             <a:ext cx="331785" cy="0"/>
           </a:xfrm>
           <a:prstGeom prst="line">
@@ -7112,7 +7120,7 @@
         </p:nvCxnSpPr>
         <p:spPr>
           <a:xfrm>
-            <a:off x="7222490" y="3680585"/>
+            <a:off x="7222490" y="3807585"/>
             <a:ext cx="331785" cy="0"/>
           </a:xfrm>
           <a:prstGeom prst="line">
@@ -7148,7 +7156,7 @@
         </p:nvCxnSpPr>
         <p:spPr>
           <a:xfrm>
-            <a:off x="7222490" y="4266460"/>
+            <a:off x="7222490" y="4393460"/>
             <a:ext cx="331785" cy="0"/>
           </a:xfrm>
           <a:prstGeom prst="line">
@@ -7184,7 +7192,7 @@
         </p:nvCxnSpPr>
         <p:spPr>
           <a:xfrm flipV="1">
-            <a:off x="5572339" y="2565747"/>
+            <a:off x="5572339" y="2692747"/>
             <a:ext cx="0" cy="2307859"/>
           </a:xfrm>
           <a:prstGeom prst="line">
@@ -7220,7 +7228,7 @@
         </p:nvCxnSpPr>
         <p:spPr>
           <a:xfrm flipH="1" flipV="1">
-            <a:off x="7222490" y="2565746"/>
+            <a:off x="7222490" y="2692746"/>
             <a:ext cx="1" cy="1697595"/>
           </a:xfrm>
           <a:prstGeom prst="line">
@@ -7256,7 +7264,7 @@
         </p:nvCxnSpPr>
         <p:spPr>
           <a:xfrm flipH="1">
-            <a:off x="5572339" y="2565747"/>
+            <a:off x="5572339" y="2692747"/>
             <a:ext cx="1650152" cy="0"/>
           </a:xfrm>
           <a:prstGeom prst="line">
@@ -7294,7 +7302,7 @@
         </p:nvCxnSpPr>
         <p:spPr>
           <a:xfrm flipV="1">
-            <a:off x="6400800" y="2249502"/>
+            <a:off x="6400800" y="2376502"/>
             <a:ext cx="30" cy="316244"/>
           </a:xfrm>
           <a:prstGeom prst="line">
@@ -7330,7 +7338,7 @@
         </p:nvCxnSpPr>
         <p:spPr>
           <a:xfrm flipH="1">
-            <a:off x="4776049" y="2833041"/>
+            <a:off x="4776049" y="2960041"/>
             <a:ext cx="1128075" cy="0"/>
           </a:xfrm>
           <a:prstGeom prst="line">
@@ -7368,7 +7376,7 @@
         </p:nvCxnSpPr>
         <p:spPr>
           <a:xfrm flipH="1" flipV="1">
-            <a:off x="4776049" y="4053195"/>
+            <a:off x="4776049" y="4180195"/>
             <a:ext cx="1128075" cy="13641"/>
           </a:xfrm>
           <a:prstGeom prst="line">
@@ -7406,7 +7414,7 @@
         </p:nvCxnSpPr>
         <p:spPr>
           <a:xfrm flipH="1">
-            <a:off x="4776049" y="4696751"/>
+            <a:off x="4776049" y="4823751"/>
             <a:ext cx="1128075" cy="0"/>
           </a:xfrm>
           <a:prstGeom prst="line">
@@ -7444,7 +7452,7 @@
         </p:nvSpPr>
         <p:spPr>
           <a:xfrm>
-            <a:off x="4728467" y="2738654"/>
+            <a:off x="4728467" y="2865654"/>
             <a:ext cx="681947" cy="369332"/>
           </a:xfrm>
           <a:prstGeom prst="rect">
@@ -7480,7 +7488,7 @@
         </p:nvCxnSpPr>
         <p:spPr>
           <a:xfrm flipH="1">
-            <a:off x="2428640" y="2020664"/>
+            <a:off x="2428640" y="2147664"/>
             <a:ext cx="3440196" cy="0"/>
           </a:xfrm>
           <a:prstGeom prst="line">
@@ -7518,7 +7526,7 @@
         </p:nvSpPr>
         <p:spPr>
           <a:xfrm>
-            <a:off x="2381944" y="1657959"/>
+            <a:off x="2381944" y="1784959"/>
             <a:ext cx="945015" cy="369332"/>
           </a:xfrm>
           <a:prstGeom prst="rect">
@@ -7556,7 +7564,7 @@
         </p:nvSpPr>
         <p:spPr>
           <a:xfrm>
-            <a:off x="6243261" y="5281610"/>
+            <a:off x="6243261" y="5408610"/>
             <a:ext cx="679088" cy="303850"/>
           </a:xfrm>
           <a:prstGeom prst="roundRect">
@@ -7615,7 +7623,7 @@
         </p:nvCxnSpPr>
         <p:spPr>
           <a:xfrm flipV="1">
-            <a:off x="6106372" y="5108081"/>
+            <a:off x="6106372" y="5235081"/>
             <a:ext cx="0" cy="325454"/>
           </a:xfrm>
           <a:prstGeom prst="line">
@@ -7651,7 +7659,7 @@
         </p:nvCxnSpPr>
         <p:spPr>
           <a:xfrm>
-            <a:off x="6106372" y="5433535"/>
+            <a:off x="6106372" y="5560535"/>
             <a:ext cx="136889" cy="0"/>
           </a:xfrm>
           <a:prstGeom prst="line">
@@ -7689,7 +7697,7 @@
         </p:nvCxnSpPr>
         <p:spPr>
           <a:xfrm>
-            <a:off x="6922349" y="5433535"/>
+            <a:off x="6922349" y="5560535"/>
             <a:ext cx="1967651" cy="0"/>
           </a:xfrm>
           <a:prstGeom prst="line">
@@ -7727,7 +7735,7 @@
         </p:nvCxnSpPr>
         <p:spPr>
           <a:xfrm>
-            <a:off x="8890000" y="3029060"/>
+            <a:off x="8890000" y="3156060"/>
             <a:ext cx="0" cy="2404475"/>
           </a:xfrm>
           <a:prstGeom prst="line">
@@ -7765,7 +7773,7 @@
         </p:nvCxnSpPr>
         <p:spPr>
           <a:xfrm>
-            <a:off x="8572500" y="3038996"/>
+            <a:off x="8572500" y="3165996"/>
             <a:ext cx="317500" cy="0"/>
           </a:xfrm>
           <a:prstGeom prst="line">
@@ -7803,7 +7811,7 @@
         </p:nvCxnSpPr>
         <p:spPr>
           <a:xfrm flipV="1">
-            <a:off x="8572500" y="4266460"/>
+            <a:off x="8572500" y="4393460"/>
             <a:ext cx="317500" cy="6331"/>
           </a:xfrm>
           <a:prstGeom prst="line">
@@ -7839,7 +7847,7 @@
         </p:nvSpPr>
         <p:spPr>
           <a:xfrm>
-            <a:off x="7893412" y="4674714"/>
+            <a:off x="7893412" y="4801714"/>
             <a:ext cx="679088" cy="303850"/>
           </a:xfrm>
           <a:prstGeom prst="roundRect">
@@ -7898,7 +7906,7 @@
         </p:nvSpPr>
         <p:spPr>
           <a:xfrm>
-            <a:off x="7893412" y="4995965"/>
+            <a:off x="7893412" y="5122965"/>
             <a:ext cx="679088" cy="181316"/>
           </a:xfrm>
           <a:prstGeom prst="triangle">
@@ -7946,7 +7954,7 @@
         </p:nvCxnSpPr>
         <p:spPr>
           <a:xfrm>
-            <a:off x="7756523" y="4814410"/>
+            <a:off x="7756523" y="4941410"/>
             <a:ext cx="136889" cy="0"/>
           </a:xfrm>
           <a:prstGeom prst="line">
@@ -7982,7 +7990,7 @@
         </p:nvCxnSpPr>
         <p:spPr>
           <a:xfrm flipV="1">
-            <a:off x="7756523" y="4478745"/>
+            <a:off x="7756523" y="4605745"/>
             <a:ext cx="0" cy="335667"/>
           </a:xfrm>
           <a:prstGeom prst="line">
@@ -8021,7 +8029,7 @@
         </p:nvCxnSpPr>
         <p:spPr>
           <a:xfrm>
-            <a:off x="6922349" y="4902126"/>
+            <a:off x="6922349" y="5029126"/>
             <a:ext cx="971063" cy="275155"/>
           </a:xfrm>
           <a:prstGeom prst="line">
@@ -8059,7 +8067,7 @@
         </p:nvCxnSpPr>
         <p:spPr>
           <a:xfrm>
-            <a:off x="6922349" y="3244950"/>
+            <a:off x="6922349" y="3371950"/>
             <a:ext cx="157901" cy="1552202"/>
           </a:xfrm>
           <a:prstGeom prst="line">
@@ -8099,7 +8107,7 @@
         </p:nvCxnSpPr>
         <p:spPr>
           <a:xfrm>
-            <a:off x="7080250" y="4797152"/>
+            <a:off x="7080250" y="4924152"/>
             <a:ext cx="982934" cy="289471"/>
           </a:xfrm>
           <a:prstGeom prst="line">
@@ -8135,7 +8143,7 @@
         </p:nvSpPr>
         <p:spPr>
           <a:xfrm>
-            <a:off x="8025956" y="5384306"/>
+            <a:off x="8025956" y="5511306"/>
             <a:ext cx="941747" cy="369332"/>
           </a:xfrm>
           <a:prstGeom prst="rect">
@@ -8168,7 +8176,7 @@
         </p:nvSpPr>
         <p:spPr>
           <a:xfrm>
-            <a:off x="7381827" y="4971133"/>
+            <a:off x="7381827" y="5098133"/>
             <a:ext cx="358917" cy="369332"/>
           </a:xfrm>
           <a:prstGeom prst="rect">
@@ -8201,7 +8209,7 @@
         </p:nvSpPr>
         <p:spPr>
           <a:xfrm>
-            <a:off x="3137679" y="5666379"/>
+            <a:off x="3137679" y="5793379"/>
             <a:ext cx="1003512" cy="369332"/>
           </a:xfrm>
           <a:prstGeom prst="rect">
@@ -8228,14 +8236,14 @@
       </p:sp>
       <p:sp>
         <p:nvSpPr>
-          <p:cNvPr id="78" name="TextBox 77"/>
+          <p:cNvPr id="80" name="TextBox 79"/>
           <p:cNvSpPr txBox="1"/>
           <p:nvPr/>
         </p:nvSpPr>
         <p:spPr>
           <a:xfrm>
-            <a:off x="262657" y="1238859"/>
-            <a:ext cx="4910590" cy="369332"/>
+            <a:off x="5173247" y="1238859"/>
+            <a:ext cx="3716754" cy="369332"/>
           </a:xfrm>
           <a:prstGeom prst="rect">
             <a:avLst/>
@@ -8253,49 +8261,12 @@
           <a:p>
             <a:pPr algn="ctr"/>
             <a:r>
-              <a:rPr lang="en-GB" i="1" dirty="0"/>
-              <a:t>O</a:t>
-            </a:r>
-            <a:r>
-              <a:rPr lang="en-GB" i="1" dirty="0" smtClean="0"/>
-              <a:t>riginal Input Tree</a:t>
-            </a:r>
-          </a:p>
-        </p:txBody>
-      </p:sp>
-      <p:sp>
-        <p:nvSpPr>
-          <p:cNvPr id="80" name="TextBox 79"/>
-          <p:cNvSpPr txBox="1"/>
-          <p:nvPr/>
-        </p:nvSpPr>
-        <p:spPr>
-          <a:xfrm>
-            <a:off x="5173247" y="1238859"/>
-            <a:ext cx="3716754" cy="369332"/>
-          </a:xfrm>
-          <a:prstGeom prst="rect">
-            <a:avLst/>
-          </a:prstGeom>
-          <a:noFill/>
-          <a:ln>
-            <a:noFill/>
-          </a:ln>
-        </p:spPr>
-        <p:txBody>
-          <a:bodyPr wrap="square" rtlCol="0">
-            <a:spAutoFit/>
-          </a:bodyPr>
-          <a:lstStyle/>
-          <a:p>
-            <a:pPr algn="ctr"/>
-            <a:r>
               <a:rPr lang="en-GB" i="1" dirty="0">
                 <a:solidFill>
                   <a:srgbClr val="660066"/>
                 </a:solidFill>
               </a:rPr>
-              <a:t>D</a:t>
+              <a:t>d</a:t>
             </a:r>
             <a:r>
               <a:rPr lang="en-GB" i="1" dirty="0" smtClean="0">
@@ -8303,8 +8274,29 @@
                   <a:srgbClr val="660066"/>
                 </a:solidFill>
               </a:rPr>
-              <a:t>erived Petri Net</a:t>
-            </a:r>
+              <a:t>erived </a:t>
+            </a:r>
+            <a:r>
+              <a:rPr lang="en-GB" i="1" dirty="0" smtClean="0">
+                <a:solidFill>
+                  <a:srgbClr val="660066"/>
+                </a:solidFill>
+              </a:rPr>
+              <a:t>Petri </a:t>
+            </a:r>
+            <a:r>
+              <a:rPr lang="en-GB" i="1" dirty="0" smtClean="0">
+                <a:solidFill>
+                  <a:srgbClr val="660066"/>
+                </a:solidFill>
+              </a:rPr>
+              <a:t>net</a:t>
+            </a:r>
+            <a:endParaRPr lang="en-GB" i="1" dirty="0" smtClean="0">
+              <a:solidFill>
+                <a:srgbClr val="660066"/>
+              </a:solidFill>
+            </a:endParaRPr>
           </a:p>
         </p:txBody>
       </p:sp>
@@ -8316,7 +8308,7 @@
         </p:nvSpPr>
         <p:spPr>
           <a:xfrm>
-            <a:off x="262659" y="6130822"/>
+            <a:off x="262659" y="6207022"/>
             <a:ext cx="8627342" cy="369332"/>
           </a:xfrm>
           <a:prstGeom prst="rect">
@@ -8414,7 +8406,7 @@
         </p:nvCxnSpPr>
         <p:spPr>
           <a:xfrm>
-            <a:off x="4776049" y="3244950"/>
+            <a:off x="4776049" y="3371950"/>
             <a:ext cx="227751" cy="323750"/>
           </a:xfrm>
           <a:prstGeom prst="line">
@@ -8450,7 +8442,7 @@
         </p:nvCxnSpPr>
         <p:spPr>
           <a:xfrm flipH="1">
-            <a:off x="7080250" y="3847241"/>
+            <a:off x="7080250" y="3974241"/>
             <a:ext cx="474028" cy="0"/>
           </a:xfrm>
           <a:prstGeom prst="line">
@@ -8488,7 +8480,7 @@
         </p:nvCxnSpPr>
         <p:spPr>
           <a:xfrm flipH="1">
-            <a:off x="7080250" y="4478745"/>
+            <a:off x="7080250" y="4605745"/>
             <a:ext cx="474028" cy="698536"/>
           </a:xfrm>
           <a:prstGeom prst="line">
@@ -8526,7 +8518,7 @@
         </p:nvCxnSpPr>
         <p:spPr>
           <a:xfrm>
-            <a:off x="4671317" y="5177281"/>
+            <a:off x="4671317" y="5304281"/>
             <a:ext cx="2408933" cy="0"/>
           </a:xfrm>
           <a:prstGeom prst="line">
@@ -8564,7 +8556,7 @@
         </p:nvCxnSpPr>
         <p:spPr>
           <a:xfrm flipH="1" flipV="1">
-            <a:off x="4266937" y="5086623"/>
+            <a:off x="4266937" y="5213623"/>
             <a:ext cx="404380" cy="90659"/>
           </a:xfrm>
           <a:prstGeom prst="line">
@@ -8600,7 +8592,7 @@
         </p:nvSpPr>
         <p:spPr>
           <a:xfrm>
-            <a:off x="4730540" y="3471397"/>
+            <a:off x="4730540" y="3598397"/>
             <a:ext cx="1184940" cy="369332"/>
           </a:xfrm>
           <a:prstGeom prst="rect">
@@ -8633,7 +8625,7 @@
         </p:nvCxnSpPr>
         <p:spPr>
           <a:xfrm flipH="1">
-            <a:off x="7080250" y="3244950"/>
+            <a:off x="7080250" y="3371950"/>
             <a:ext cx="474026" cy="0"/>
           </a:xfrm>
           <a:prstGeom prst="line">
@@ -8671,7 +8663,7 @@
         </p:nvSpPr>
         <p:spPr>
           <a:xfrm>
-            <a:off x="4730524" y="5080887"/>
+            <a:off x="4730524" y="5207887"/>
             <a:ext cx="1184940" cy="369332"/>
           </a:xfrm>
           <a:prstGeom prst="rect">
@@ -8704,7 +8696,7 @@
         </p:nvSpPr>
         <p:spPr>
           <a:xfrm>
-            <a:off x="4730540" y="3963363"/>
+            <a:off x="4730540" y="4090363"/>
             <a:ext cx="681947" cy="369332"/>
           </a:xfrm>
           <a:prstGeom prst="rect">
@@ -8737,7 +8729,7 @@
         </p:nvSpPr>
         <p:spPr>
           <a:xfrm>
-            <a:off x="4730540" y="4604986"/>
+            <a:off x="4730540" y="4731986"/>
             <a:ext cx="681947" cy="369332"/>
           </a:xfrm>
           <a:prstGeom prst="rect">
@@ -8770,7 +8762,7 @@
         </p:nvCxnSpPr>
         <p:spPr>
           <a:xfrm flipH="1" flipV="1">
-            <a:off x="3533333" y="2679700"/>
+            <a:off x="3533333" y="2806700"/>
             <a:ext cx="224491" cy="153341"/>
           </a:xfrm>
           <a:prstGeom prst="line">
@@ -8806,7 +8798,7 @@
         </p:nvSpPr>
         <p:spPr>
           <a:xfrm>
-            <a:off x="3394797" y="2353060"/>
+            <a:off x="3394797" y="2480060"/>
             <a:ext cx="1045554" cy="369332"/>
           </a:xfrm>
           <a:prstGeom prst="rect">
@@ -8839,7 +8831,7 @@
         </p:nvCxnSpPr>
         <p:spPr>
           <a:xfrm flipV="1">
-            <a:off x="7080250" y="3244950"/>
+            <a:off x="7080250" y="3371950"/>
             <a:ext cx="0" cy="602291"/>
           </a:xfrm>
           <a:prstGeom prst="line">
@@ -8875,7 +8867,7 @@
         </p:nvCxnSpPr>
         <p:spPr>
           <a:xfrm>
-            <a:off x="5003800" y="3568700"/>
+            <a:off x="5003800" y="3695700"/>
             <a:ext cx="2076450" cy="0"/>
           </a:xfrm>
           <a:prstGeom prst="line">
@@ -8911,7 +8903,7 @@
         </p:nvSpPr>
         <p:spPr>
           <a:xfrm>
-            <a:off x="7319106" y="4602644"/>
+            <a:off x="7319106" y="4729644"/>
             <a:ext cx="505267" cy="369332"/>
           </a:xfrm>
           <a:prstGeom prst="rect">
@@ -8933,6 +8925,51 @@
               </a:rPr>
               <a:t>out</a:t>
             </a:r>
+          </a:p>
+        </p:txBody>
+      </p:sp>
+      <p:sp>
+        <p:nvSpPr>
+          <p:cNvPr id="96" name="TextBox 95"/>
+          <p:cNvSpPr txBox="1"/>
+          <p:nvPr/>
+        </p:nvSpPr>
+        <p:spPr>
+          <a:xfrm>
+            <a:off x="262657" y="1238859"/>
+            <a:ext cx="4910590" cy="584776"/>
+          </a:xfrm>
+          <a:prstGeom prst="rect">
+            <a:avLst/>
+          </a:prstGeom>
+          <a:noFill/>
+          <a:ln>
+            <a:noFill/>
+          </a:ln>
+        </p:spPr>
+        <p:txBody>
+          <a:bodyPr wrap="square" rtlCol="0">
+            <a:spAutoFit/>
+          </a:bodyPr>
+          <a:lstStyle/>
+          <a:p>
+            <a:pPr algn="ctr"/>
+            <a:r>
+              <a:rPr lang="en-GB" i="1" dirty="0"/>
+              <a:t>i</a:t>
+            </a:r>
+            <a:r>
+              <a:rPr lang="en-GB" i="1" dirty="0" smtClean="0"/>
+              <a:t>nitial tree</a:t>
+            </a:r>
+          </a:p>
+          <a:p>
+            <a:pPr algn="ctr"/>
+            <a:r>
+              <a:rPr lang="en-GB" sz="1400" i="1" dirty="0" smtClean="0"/>
+              <a:t>(original input diagram)</a:t>
+            </a:r>
+            <a:endParaRPr lang="en-GB" sz="1400" i="1" dirty="0" smtClean="0"/>
           </a:p>
         </p:txBody>
       </p:sp>
@@ -8982,7 +9019,7 @@
         <p:spPr>
           <a:xfrm flipH="1" flipV="1">
             <a:off x="5173246" y="1238859"/>
-            <a:ext cx="1" cy="4796852"/>
+            <a:ext cx="2" cy="4923852"/>
           </a:xfrm>
           <a:prstGeom prst="line">
             <a:avLst/>
@@ -9045,7 +9082,7 @@
         </p:nvSpPr>
         <p:spPr>
           <a:xfrm>
-            <a:off x="1364652" y="1791825"/>
+            <a:off x="1364652" y="1918825"/>
             <a:ext cx="1063988" cy="457677"/>
           </a:xfrm>
           <a:prstGeom prst="rect">
@@ -9110,7 +9147,7 @@
         </p:nvSpPr>
         <p:spPr>
           <a:xfrm>
-            <a:off x="607936" y="2833041"/>
+            <a:off x="607936" y="2960041"/>
             <a:ext cx="1018225" cy="411909"/>
           </a:xfrm>
           <a:prstGeom prst="roundRect">
@@ -9169,7 +9206,7 @@
         </p:nvSpPr>
         <p:spPr>
           <a:xfrm>
-            <a:off x="607936" y="3435332"/>
+            <a:off x="607936" y="3562332"/>
             <a:ext cx="1018225" cy="411909"/>
           </a:xfrm>
           <a:prstGeom prst="roundRect">
@@ -9228,7 +9265,7 @@
         </p:nvSpPr>
         <p:spPr>
           <a:xfrm>
-            <a:off x="3757824" y="2833041"/>
+            <a:off x="3757824" y="2960041"/>
             <a:ext cx="1018225" cy="411909"/>
           </a:xfrm>
           <a:prstGeom prst="roundRect">
@@ -9287,7 +9324,7 @@
         </p:nvSpPr>
         <p:spPr>
           <a:xfrm>
-            <a:off x="3757824" y="4053195"/>
+            <a:off x="3757824" y="4180195"/>
             <a:ext cx="1018225" cy="411909"/>
           </a:xfrm>
           <a:prstGeom prst="roundRect">
@@ -9346,7 +9383,7 @@
         </p:nvSpPr>
         <p:spPr>
           <a:xfrm>
-            <a:off x="2228431" y="2833041"/>
+            <a:off x="2228431" y="2960041"/>
             <a:ext cx="1018225" cy="411909"/>
           </a:xfrm>
           <a:prstGeom prst="roundRect">
@@ -9405,7 +9442,7 @@
         </p:nvCxnSpPr>
         <p:spPr>
           <a:xfrm>
-            <a:off x="262658" y="2565746"/>
+            <a:off x="262658" y="2692746"/>
             <a:ext cx="1" cy="1079195"/>
           </a:xfrm>
           <a:prstGeom prst="line">
@@ -9441,7 +9478,7 @@
         </p:nvCxnSpPr>
         <p:spPr>
           <a:xfrm>
-            <a:off x="262658" y="3644941"/>
+            <a:off x="262658" y="3771941"/>
             <a:ext cx="331785" cy="0"/>
           </a:xfrm>
           <a:prstGeom prst="line">
@@ -9477,7 +9514,7 @@
         </p:nvCxnSpPr>
         <p:spPr>
           <a:xfrm>
-            <a:off x="262658" y="3049962"/>
+            <a:off x="262658" y="3176962"/>
             <a:ext cx="331785" cy="0"/>
           </a:xfrm>
           <a:prstGeom prst="line">
@@ -9513,7 +9550,7 @@
         </p:nvSpPr>
         <p:spPr>
           <a:xfrm>
-            <a:off x="2228431" y="3435332"/>
+            <a:off x="2228431" y="3562332"/>
             <a:ext cx="1018225" cy="411909"/>
           </a:xfrm>
           <a:prstGeom prst="roundRect">
@@ -9572,7 +9609,7 @@
         </p:nvSpPr>
         <p:spPr>
           <a:xfrm>
-            <a:off x="2228431" y="4053195"/>
+            <a:off x="2228431" y="4180195"/>
             <a:ext cx="1018225" cy="411909"/>
           </a:xfrm>
           <a:prstGeom prst="roundRect">
@@ -9631,7 +9668,7 @@
         </p:nvCxnSpPr>
         <p:spPr>
           <a:xfrm>
-            <a:off x="1896646" y="4266460"/>
+            <a:off x="1896646" y="4393460"/>
             <a:ext cx="331785" cy="0"/>
           </a:xfrm>
           <a:prstGeom prst="line">
@@ -9667,7 +9704,7 @@
         </p:nvCxnSpPr>
         <p:spPr>
           <a:xfrm>
-            <a:off x="1896646" y="3671005"/>
+            <a:off x="1896646" y="3798005"/>
             <a:ext cx="331785" cy="0"/>
           </a:xfrm>
           <a:prstGeom prst="line">
@@ -9703,7 +9740,7 @@
         </p:nvCxnSpPr>
         <p:spPr>
           <a:xfrm>
-            <a:off x="1896646" y="3053142"/>
+            <a:off x="1896646" y="3180142"/>
             <a:ext cx="331785" cy="0"/>
           </a:xfrm>
           <a:prstGeom prst="line">
@@ -9739,7 +9776,7 @@
         </p:nvCxnSpPr>
         <p:spPr>
           <a:xfrm>
-            <a:off x="1896646" y="4872882"/>
+            <a:off x="1896646" y="4999882"/>
             <a:ext cx="331785" cy="0"/>
           </a:xfrm>
           <a:prstGeom prst="line">
@@ -9775,7 +9812,7 @@
         </p:nvSpPr>
         <p:spPr>
           <a:xfrm>
-            <a:off x="3757824" y="4674714"/>
+            <a:off x="3757824" y="4801714"/>
             <a:ext cx="1018225" cy="411909"/>
           </a:xfrm>
           <a:prstGeom prst="roundRect">
@@ -9834,7 +9871,7 @@
         </p:nvSpPr>
         <p:spPr>
           <a:xfrm>
-            <a:off x="2228431" y="4662321"/>
+            <a:off x="2228431" y="4789321"/>
             <a:ext cx="1018225" cy="411909"/>
           </a:xfrm>
           <a:prstGeom prst="roundRect">
@@ -9893,7 +9930,7 @@
         </p:nvCxnSpPr>
         <p:spPr>
           <a:xfrm>
-            <a:off x="3426039" y="3044880"/>
+            <a:off x="3426039" y="3171880"/>
             <a:ext cx="331785" cy="0"/>
           </a:xfrm>
           <a:prstGeom prst="line">
@@ -9929,7 +9966,7 @@
         </p:nvCxnSpPr>
         <p:spPr>
           <a:xfrm>
-            <a:off x="3426039" y="4266460"/>
+            <a:off x="3426039" y="4393460"/>
             <a:ext cx="331785" cy="0"/>
           </a:xfrm>
           <a:prstGeom prst="line">
@@ -9965,7 +10002,7 @@
         </p:nvCxnSpPr>
         <p:spPr>
           <a:xfrm>
-            <a:off x="3426039" y="4902126"/>
+            <a:off x="3426039" y="5029126"/>
             <a:ext cx="331785" cy="0"/>
           </a:xfrm>
           <a:prstGeom prst="line">
@@ -10003,7 +10040,7 @@
         </p:nvCxnSpPr>
         <p:spPr>
           <a:xfrm flipV="1">
-            <a:off x="1896646" y="2249502"/>
+            <a:off x="1896646" y="2376502"/>
             <a:ext cx="0" cy="2623380"/>
           </a:xfrm>
           <a:prstGeom prst="line">
@@ -10039,7 +10076,7 @@
         </p:nvCxnSpPr>
         <p:spPr>
           <a:xfrm flipV="1">
-            <a:off x="3426039" y="2565747"/>
+            <a:off x="3426039" y="2692747"/>
             <a:ext cx="0" cy="2336379"/>
           </a:xfrm>
           <a:prstGeom prst="line">
@@ -10075,7 +10112,7 @@
         </p:nvCxnSpPr>
         <p:spPr>
           <a:xfrm flipV="1">
-            <a:off x="276151" y="2565746"/>
+            <a:off x="276151" y="2692746"/>
             <a:ext cx="3149888" cy="1"/>
           </a:xfrm>
           <a:prstGeom prst="line">
@@ -10111,7 +10148,7 @@
         </p:nvSpPr>
         <p:spPr>
           <a:xfrm>
-            <a:off x="3627597" y="3299431"/>
+            <a:off x="3627597" y="3426431"/>
             <a:ext cx="1018278" cy="369332"/>
           </a:xfrm>
           <a:prstGeom prst="rect">
@@ -10149,7 +10186,7 @@
         </p:nvSpPr>
         <p:spPr>
           <a:xfrm>
-            <a:off x="4096961" y="5281610"/>
+            <a:off x="4096961" y="5408610"/>
             <a:ext cx="679088" cy="303850"/>
           </a:xfrm>
           <a:prstGeom prst="roundRect">
@@ -10226,7 +10263,7 @@
         </p:nvCxnSpPr>
         <p:spPr>
           <a:xfrm>
-            <a:off x="3960072" y="5433535"/>
+            <a:off x="3960072" y="5560535"/>
             <a:ext cx="136889" cy="0"/>
           </a:xfrm>
           <a:prstGeom prst="line">
@@ -10262,7 +10299,7 @@
         </p:nvCxnSpPr>
         <p:spPr>
           <a:xfrm flipV="1">
-            <a:off x="3960072" y="5074230"/>
+            <a:off x="3960072" y="5201230"/>
             <a:ext cx="0" cy="359305"/>
           </a:xfrm>
           <a:prstGeom prst="line">
@@ -10298,7 +10335,7 @@
         </p:nvSpPr>
         <p:spPr>
           <a:xfrm>
-            <a:off x="4096961" y="5585460"/>
+            <a:off x="4096961" y="5712460"/>
             <a:ext cx="679088" cy="181316"/>
           </a:xfrm>
           <a:prstGeom prst="triangle">
@@ -10342,7 +10379,7 @@
         </p:nvCxnSpPr>
         <p:spPr>
           <a:xfrm>
-            <a:off x="1117049" y="5729312"/>
+            <a:off x="1117049" y="5856312"/>
             <a:ext cx="3322311" cy="1"/>
           </a:xfrm>
           <a:prstGeom prst="line">
@@ -10380,7 +10417,7 @@
         </p:nvCxnSpPr>
         <p:spPr>
           <a:xfrm>
-            <a:off x="1117049" y="3847241"/>
+            <a:off x="1117049" y="3974241"/>
             <a:ext cx="0" cy="1882071"/>
           </a:xfrm>
           <a:prstGeom prst="line">
@@ -10418,7 +10455,7 @@
         </p:nvCxnSpPr>
         <p:spPr>
           <a:xfrm flipH="1" flipV="1">
-            <a:off x="3246658" y="2678661"/>
+            <a:off x="3246658" y="2805661"/>
             <a:ext cx="286675" cy="1039"/>
           </a:xfrm>
           <a:prstGeom prst="line">
@@ -10456,7 +10493,7 @@
         </p:nvCxnSpPr>
         <p:spPr>
           <a:xfrm flipV="1">
-            <a:off x="2737544" y="2679700"/>
+            <a:off x="2737544" y="2806700"/>
             <a:ext cx="509112" cy="153341"/>
           </a:xfrm>
           <a:prstGeom prst="line">
@@ -10496,7 +10533,7 @@
         </p:nvCxnSpPr>
         <p:spPr>
           <a:xfrm>
-            <a:off x="3246656" y="3641287"/>
+            <a:off x="3246656" y="3768287"/>
             <a:ext cx="372844" cy="3654"/>
           </a:xfrm>
           <a:prstGeom prst="line">
@@ -10534,7 +10571,7 @@
         </p:nvCxnSpPr>
         <p:spPr>
           <a:xfrm flipV="1">
-            <a:off x="3246658" y="3244950"/>
+            <a:off x="3246658" y="3371950"/>
             <a:ext cx="511166" cy="1451221"/>
           </a:xfrm>
           <a:prstGeom prst="line">
@@ -10572,7 +10609,7 @@
         </p:nvSpPr>
         <p:spPr>
           <a:xfrm>
-            <a:off x="5868836" y="1791825"/>
+            <a:off x="5868836" y="1918825"/>
             <a:ext cx="1063988" cy="457677"/>
           </a:xfrm>
           <a:prstGeom prst="rect">
@@ -10629,7 +10666,7 @@
         </p:nvSpPr>
         <p:spPr>
           <a:xfrm>
-            <a:off x="5904124" y="2833041"/>
+            <a:off x="5904124" y="2960041"/>
             <a:ext cx="1018225" cy="411909"/>
           </a:xfrm>
           <a:prstGeom prst="roundRect">
@@ -10688,7 +10725,7 @@
         </p:nvSpPr>
         <p:spPr>
           <a:xfrm>
-            <a:off x="5904124" y="4066836"/>
+            <a:off x="5904124" y="4193836"/>
             <a:ext cx="1018225" cy="411909"/>
           </a:xfrm>
           <a:prstGeom prst="roundRect">
@@ -10747,7 +10784,7 @@
         </p:nvSpPr>
         <p:spPr>
           <a:xfrm>
-            <a:off x="5904124" y="4696171"/>
+            <a:off x="5904124" y="4823171"/>
             <a:ext cx="1018225" cy="411909"/>
           </a:xfrm>
           <a:prstGeom prst="roundRect">
@@ -10806,7 +10843,7 @@
         </p:nvSpPr>
         <p:spPr>
           <a:xfrm>
-            <a:off x="7554275" y="2833041"/>
+            <a:off x="7554275" y="2960041"/>
             <a:ext cx="1018225" cy="411909"/>
           </a:xfrm>
           <a:prstGeom prst="roundRect">
@@ -10865,7 +10902,7 @@
         </p:nvSpPr>
         <p:spPr>
           <a:xfrm>
-            <a:off x="7554275" y="3465050"/>
+            <a:off x="7554275" y="3592050"/>
             <a:ext cx="1018225" cy="411909"/>
           </a:xfrm>
           <a:prstGeom prst="roundRect">
@@ -10924,7 +10961,7 @@
         </p:nvSpPr>
         <p:spPr>
           <a:xfrm>
-            <a:off x="7554275" y="4066836"/>
+            <a:off x="7554275" y="4193836"/>
             <a:ext cx="1018225" cy="411909"/>
           </a:xfrm>
           <a:prstGeom prst="roundRect">
@@ -10986,7 +11023,7 @@
         </p:nvCxnSpPr>
         <p:spPr>
           <a:xfrm>
-            <a:off x="5572339" y="3029060"/>
+            <a:off x="5572339" y="3156060"/>
             <a:ext cx="331785" cy="0"/>
           </a:xfrm>
           <a:prstGeom prst="line">
@@ -11022,7 +11059,7 @@
         </p:nvCxnSpPr>
         <p:spPr>
           <a:xfrm>
-            <a:off x="5572339" y="4263340"/>
+            <a:off x="5572339" y="4390340"/>
             <a:ext cx="331785" cy="0"/>
           </a:xfrm>
           <a:prstGeom prst="line">
@@ -11058,7 +11095,7 @@
         </p:nvCxnSpPr>
         <p:spPr>
           <a:xfrm>
-            <a:off x="5572339" y="4873606"/>
+            <a:off x="5572339" y="5000606"/>
             <a:ext cx="331785" cy="0"/>
           </a:xfrm>
           <a:prstGeom prst="line">
@@ -11094,7 +11131,7 @@
         </p:nvCxnSpPr>
         <p:spPr>
           <a:xfrm>
-            <a:off x="7222490" y="3029060"/>
+            <a:off x="7222490" y="3156060"/>
             <a:ext cx="331785" cy="0"/>
           </a:xfrm>
           <a:prstGeom prst="line">
@@ -11130,7 +11167,7 @@
         </p:nvCxnSpPr>
         <p:spPr>
           <a:xfrm>
-            <a:off x="7222490" y="3680585"/>
+            <a:off x="7222490" y="3807585"/>
             <a:ext cx="331785" cy="0"/>
           </a:xfrm>
           <a:prstGeom prst="line">
@@ -11166,7 +11203,7 @@
         </p:nvCxnSpPr>
         <p:spPr>
           <a:xfrm>
-            <a:off x="7222490" y="4266460"/>
+            <a:off x="7222490" y="4393460"/>
             <a:ext cx="331785" cy="0"/>
           </a:xfrm>
           <a:prstGeom prst="line">
@@ -11202,7 +11239,7 @@
         </p:nvCxnSpPr>
         <p:spPr>
           <a:xfrm flipV="1">
-            <a:off x="5572339" y="2565747"/>
+            <a:off x="5572339" y="2692747"/>
             <a:ext cx="0" cy="2307859"/>
           </a:xfrm>
           <a:prstGeom prst="line">
@@ -11238,7 +11275,7 @@
         </p:nvCxnSpPr>
         <p:spPr>
           <a:xfrm flipH="1" flipV="1">
-            <a:off x="7222490" y="2565746"/>
+            <a:off x="7222490" y="2692746"/>
             <a:ext cx="1" cy="1697595"/>
           </a:xfrm>
           <a:prstGeom prst="line">
@@ -11274,7 +11311,7 @@
         </p:nvCxnSpPr>
         <p:spPr>
           <a:xfrm flipH="1">
-            <a:off x="5572339" y="2565747"/>
+            <a:off x="5572339" y="2692747"/>
             <a:ext cx="1650152" cy="0"/>
           </a:xfrm>
           <a:prstGeom prst="line">
@@ -11312,7 +11349,7 @@
         </p:nvCxnSpPr>
         <p:spPr>
           <a:xfrm flipV="1">
-            <a:off x="6400800" y="2249502"/>
+            <a:off x="6400800" y="2376502"/>
             <a:ext cx="30" cy="316244"/>
           </a:xfrm>
           <a:prstGeom prst="line">
@@ -11348,7 +11385,7 @@
         </p:nvCxnSpPr>
         <p:spPr>
           <a:xfrm flipH="1">
-            <a:off x="4776049" y="2833041"/>
+            <a:off x="4776049" y="2960041"/>
             <a:ext cx="1128075" cy="0"/>
           </a:xfrm>
           <a:prstGeom prst="line">
@@ -11386,7 +11423,7 @@
         </p:nvCxnSpPr>
         <p:spPr>
           <a:xfrm flipH="1" flipV="1">
-            <a:off x="4776049" y="4053195"/>
+            <a:off x="4776049" y="4180195"/>
             <a:ext cx="1128075" cy="13641"/>
           </a:xfrm>
           <a:prstGeom prst="line">
@@ -11424,7 +11461,7 @@
         </p:nvCxnSpPr>
         <p:spPr>
           <a:xfrm flipH="1">
-            <a:off x="4776049" y="4696751"/>
+            <a:off x="4776049" y="4823751"/>
             <a:ext cx="1128075" cy="0"/>
           </a:xfrm>
           <a:prstGeom prst="line">
@@ -11462,7 +11499,7 @@
         </p:nvSpPr>
         <p:spPr>
           <a:xfrm>
-            <a:off x="4728467" y="2738654"/>
+            <a:off x="4728467" y="2865654"/>
             <a:ext cx="681947" cy="369332"/>
           </a:xfrm>
           <a:prstGeom prst="rect">
@@ -11498,7 +11535,7 @@
         </p:nvCxnSpPr>
         <p:spPr>
           <a:xfrm flipH="1">
-            <a:off x="2428640" y="2020664"/>
+            <a:off x="2428640" y="2147664"/>
             <a:ext cx="3440196" cy="0"/>
           </a:xfrm>
           <a:prstGeom prst="line">
@@ -11536,7 +11573,7 @@
         </p:nvSpPr>
         <p:spPr>
           <a:xfrm>
-            <a:off x="2381944" y="1657959"/>
+            <a:off x="2381944" y="1784959"/>
             <a:ext cx="945015" cy="369332"/>
           </a:xfrm>
           <a:prstGeom prst="rect">
@@ -11574,7 +11611,7 @@
         </p:nvSpPr>
         <p:spPr>
           <a:xfrm>
-            <a:off x="6243261" y="5281610"/>
+            <a:off x="6243261" y="5408610"/>
             <a:ext cx="679088" cy="303850"/>
           </a:xfrm>
           <a:prstGeom prst="roundRect">
@@ -11633,7 +11670,7 @@
         </p:nvCxnSpPr>
         <p:spPr>
           <a:xfrm flipV="1">
-            <a:off x="6106372" y="5108081"/>
+            <a:off x="6106372" y="5235081"/>
             <a:ext cx="0" cy="325454"/>
           </a:xfrm>
           <a:prstGeom prst="line">
@@ -11669,7 +11706,7 @@
         </p:nvCxnSpPr>
         <p:spPr>
           <a:xfrm>
-            <a:off x="6106372" y="5433535"/>
+            <a:off x="6106372" y="5560535"/>
             <a:ext cx="136889" cy="0"/>
           </a:xfrm>
           <a:prstGeom prst="line">
@@ -11707,7 +11744,7 @@
         </p:nvCxnSpPr>
         <p:spPr>
           <a:xfrm>
-            <a:off x="6922349" y="5433535"/>
+            <a:off x="6922349" y="5560535"/>
             <a:ext cx="1967651" cy="0"/>
           </a:xfrm>
           <a:prstGeom prst="line">
@@ -11745,7 +11782,7 @@
         </p:nvCxnSpPr>
         <p:spPr>
           <a:xfrm>
-            <a:off x="8890000" y="3029060"/>
+            <a:off x="8890000" y="3156060"/>
             <a:ext cx="0" cy="2404475"/>
           </a:xfrm>
           <a:prstGeom prst="line">
@@ -11783,7 +11820,7 @@
         </p:nvCxnSpPr>
         <p:spPr>
           <a:xfrm>
-            <a:off x="8572500" y="3038996"/>
+            <a:off x="8572500" y="3165996"/>
             <a:ext cx="317500" cy="0"/>
           </a:xfrm>
           <a:prstGeom prst="line">
@@ -11821,7 +11858,7 @@
         </p:nvCxnSpPr>
         <p:spPr>
           <a:xfrm flipV="1">
-            <a:off x="8572500" y="4266460"/>
+            <a:off x="8572500" y="4393460"/>
             <a:ext cx="317500" cy="6331"/>
           </a:xfrm>
           <a:prstGeom prst="line">
@@ -11857,7 +11894,7 @@
         </p:nvSpPr>
         <p:spPr>
           <a:xfrm>
-            <a:off x="7893412" y="4674714"/>
+            <a:off x="7893412" y="4801714"/>
             <a:ext cx="679088" cy="303850"/>
           </a:xfrm>
           <a:prstGeom prst="roundRect">
@@ -11916,7 +11953,7 @@
         </p:nvSpPr>
         <p:spPr>
           <a:xfrm>
-            <a:off x="7893412" y="4995965"/>
+            <a:off x="7893412" y="5122965"/>
             <a:ext cx="679088" cy="181316"/>
           </a:xfrm>
           <a:prstGeom prst="triangle">
@@ -11964,7 +12001,7 @@
         </p:nvCxnSpPr>
         <p:spPr>
           <a:xfrm>
-            <a:off x="7756523" y="4814410"/>
+            <a:off x="7756523" y="4941410"/>
             <a:ext cx="136889" cy="0"/>
           </a:xfrm>
           <a:prstGeom prst="line">
@@ -12000,7 +12037,7 @@
         </p:nvCxnSpPr>
         <p:spPr>
           <a:xfrm flipV="1">
-            <a:off x="7756523" y="4478745"/>
+            <a:off x="7756523" y="4605745"/>
             <a:ext cx="0" cy="335667"/>
           </a:xfrm>
           <a:prstGeom prst="line">
@@ -12039,7 +12076,7 @@
         </p:nvCxnSpPr>
         <p:spPr>
           <a:xfrm>
-            <a:off x="6922349" y="4902126"/>
+            <a:off x="6922349" y="5029126"/>
             <a:ext cx="971063" cy="275155"/>
           </a:xfrm>
           <a:prstGeom prst="line">
@@ -12077,7 +12114,7 @@
         </p:nvCxnSpPr>
         <p:spPr>
           <a:xfrm>
-            <a:off x="6922349" y="3244950"/>
+            <a:off x="6922349" y="3371950"/>
             <a:ext cx="157901" cy="1552202"/>
           </a:xfrm>
           <a:prstGeom prst="line">
@@ -12117,7 +12154,7 @@
         </p:nvCxnSpPr>
         <p:spPr>
           <a:xfrm>
-            <a:off x="7080250" y="4797152"/>
+            <a:off x="7080250" y="4924152"/>
             <a:ext cx="982934" cy="289471"/>
           </a:xfrm>
           <a:prstGeom prst="line">
@@ -12153,7 +12190,7 @@
         </p:nvSpPr>
         <p:spPr>
           <a:xfrm>
-            <a:off x="8025956" y="5384306"/>
+            <a:off x="8025956" y="5511306"/>
             <a:ext cx="941747" cy="369332"/>
           </a:xfrm>
           <a:prstGeom prst="rect">
@@ -12186,7 +12223,7 @@
         </p:nvSpPr>
         <p:spPr>
           <a:xfrm>
-            <a:off x="7381827" y="4971133"/>
+            <a:off x="7381827" y="5098133"/>
             <a:ext cx="358917" cy="369332"/>
           </a:xfrm>
           <a:prstGeom prst="rect">
@@ -12219,7 +12256,7 @@
         </p:nvSpPr>
         <p:spPr>
           <a:xfrm>
-            <a:off x="3137679" y="5666379"/>
+            <a:off x="3137679" y="5793379"/>
             <a:ext cx="1003512" cy="369332"/>
           </a:xfrm>
           <a:prstGeom prst="rect">
@@ -12253,7 +12290,7 @@
         <p:spPr>
           <a:xfrm>
             <a:off x="262657" y="1238859"/>
-            <a:ext cx="4910590" cy="369332"/>
+            <a:ext cx="4910590" cy="584776"/>
           </a:xfrm>
           <a:prstGeom prst="rect">
             <a:avLst/>
@@ -12272,12 +12309,20 @@
             <a:pPr algn="ctr"/>
             <a:r>
               <a:rPr lang="en-GB" i="1" dirty="0"/>
-              <a:t>O</a:t>
+              <a:t>i</a:t>
             </a:r>
             <a:r>
               <a:rPr lang="en-GB" i="1" dirty="0" smtClean="0"/>
-              <a:t>riginal Input Tree</a:t>
-            </a:r>
+              <a:t>nitial tree</a:t>
+            </a:r>
+          </a:p>
+          <a:p>
+            <a:pPr algn="ctr"/>
+            <a:r>
+              <a:rPr lang="en-GB" sz="1400" i="1" dirty="0" smtClean="0"/>
+              <a:t>(original input diagram)</a:t>
+            </a:r>
+            <a:endParaRPr lang="en-GB" sz="1400" i="1" dirty="0" smtClean="0"/>
           </a:p>
         </p:txBody>
       </p:sp>
@@ -12313,7 +12358,7 @@
                   <a:srgbClr val="660066"/>
                 </a:solidFill>
               </a:rPr>
-              <a:t>D</a:t>
+              <a:t>d</a:t>
             </a:r>
             <a:r>
               <a:rPr lang="en-GB" i="1" dirty="0" smtClean="0">
@@ -12321,8 +12366,29 @@
                   <a:srgbClr val="660066"/>
                 </a:solidFill>
               </a:rPr>
-              <a:t>erived Petri Net</a:t>
-            </a:r>
+              <a:t>erived </a:t>
+            </a:r>
+            <a:r>
+              <a:rPr lang="en-GB" i="1" dirty="0" smtClean="0">
+                <a:solidFill>
+                  <a:srgbClr val="660066"/>
+                </a:solidFill>
+              </a:rPr>
+              <a:t>Petri </a:t>
+            </a:r>
+            <a:r>
+              <a:rPr lang="en-GB" i="1" dirty="0" smtClean="0">
+                <a:solidFill>
+                  <a:srgbClr val="660066"/>
+                </a:solidFill>
+              </a:rPr>
+              <a:t>net</a:t>
+            </a:r>
+            <a:endParaRPr lang="en-GB" i="1" dirty="0" smtClean="0">
+              <a:solidFill>
+                <a:srgbClr val="660066"/>
+              </a:solidFill>
+            </a:endParaRPr>
           </a:p>
         </p:txBody>
       </p:sp>
@@ -12334,7 +12400,7 @@
         </p:nvSpPr>
         <p:spPr>
           <a:xfrm>
-            <a:off x="262659" y="6130822"/>
+            <a:off x="262659" y="6207022"/>
             <a:ext cx="8627342" cy="369332"/>
           </a:xfrm>
           <a:prstGeom prst="rect">
@@ -12432,7 +12498,7 @@
         </p:nvCxnSpPr>
         <p:spPr>
           <a:xfrm>
-            <a:off x="4776049" y="3244950"/>
+            <a:off x="4776049" y="3371950"/>
             <a:ext cx="227751" cy="323750"/>
           </a:xfrm>
           <a:prstGeom prst="line">
@@ -12468,7 +12534,7 @@
         </p:nvCxnSpPr>
         <p:spPr>
           <a:xfrm flipH="1">
-            <a:off x="7080250" y="3847241"/>
+            <a:off x="7080250" y="3974241"/>
             <a:ext cx="474028" cy="0"/>
           </a:xfrm>
           <a:prstGeom prst="line">
@@ -12506,7 +12572,7 @@
         </p:nvCxnSpPr>
         <p:spPr>
           <a:xfrm flipH="1">
-            <a:off x="7080250" y="4478745"/>
+            <a:off x="7080250" y="4605745"/>
             <a:ext cx="474028" cy="698536"/>
           </a:xfrm>
           <a:prstGeom prst="line">
@@ -12544,7 +12610,7 @@
         </p:nvCxnSpPr>
         <p:spPr>
           <a:xfrm>
-            <a:off x="4671317" y="5177281"/>
+            <a:off x="4671317" y="5304281"/>
             <a:ext cx="2408933" cy="0"/>
           </a:xfrm>
           <a:prstGeom prst="line">
@@ -12582,7 +12648,7 @@
         </p:nvCxnSpPr>
         <p:spPr>
           <a:xfrm flipH="1" flipV="1">
-            <a:off x="4266937" y="5086623"/>
+            <a:off x="4266937" y="5213623"/>
             <a:ext cx="404380" cy="90659"/>
           </a:xfrm>
           <a:prstGeom prst="line">
@@ -12618,7 +12684,7 @@
         </p:nvSpPr>
         <p:spPr>
           <a:xfrm>
-            <a:off x="4730540" y="3471397"/>
+            <a:off x="4730540" y="3598397"/>
             <a:ext cx="1184940" cy="369332"/>
           </a:xfrm>
           <a:prstGeom prst="rect">
@@ -12651,7 +12717,7 @@
         </p:nvCxnSpPr>
         <p:spPr>
           <a:xfrm flipH="1">
-            <a:off x="7080250" y="3244950"/>
+            <a:off x="7080250" y="3371950"/>
             <a:ext cx="474026" cy="0"/>
           </a:xfrm>
           <a:prstGeom prst="line">
@@ -12689,7 +12755,7 @@
         </p:nvSpPr>
         <p:spPr>
           <a:xfrm>
-            <a:off x="4730524" y="5080887"/>
+            <a:off x="4730524" y="5207887"/>
             <a:ext cx="1184940" cy="369332"/>
           </a:xfrm>
           <a:prstGeom prst="rect">
@@ -12722,7 +12788,7 @@
         </p:nvSpPr>
         <p:spPr>
           <a:xfrm>
-            <a:off x="4730540" y="3963363"/>
+            <a:off x="4730540" y="4090363"/>
             <a:ext cx="681947" cy="369332"/>
           </a:xfrm>
           <a:prstGeom prst="rect">
@@ -12755,7 +12821,7 @@
         </p:nvSpPr>
         <p:spPr>
           <a:xfrm>
-            <a:off x="4730540" y="4604986"/>
+            <a:off x="4730540" y="4731986"/>
             <a:ext cx="681947" cy="369332"/>
           </a:xfrm>
           <a:prstGeom prst="rect">
@@ -12788,7 +12854,7 @@
         </p:nvCxnSpPr>
         <p:spPr>
           <a:xfrm flipH="1" flipV="1">
-            <a:off x="3533333" y="2679700"/>
+            <a:off x="3533333" y="2806700"/>
             <a:ext cx="224491" cy="153341"/>
           </a:xfrm>
           <a:prstGeom prst="line">
@@ -12824,7 +12890,7 @@
         </p:nvSpPr>
         <p:spPr>
           <a:xfrm>
-            <a:off x="3394797" y="2353060"/>
+            <a:off x="3394797" y="2480060"/>
             <a:ext cx="1045554" cy="369332"/>
           </a:xfrm>
           <a:prstGeom prst="rect">
@@ -12857,7 +12923,7 @@
         </p:nvCxnSpPr>
         <p:spPr>
           <a:xfrm flipV="1">
-            <a:off x="7080250" y="3244950"/>
+            <a:off x="7080250" y="3371950"/>
             <a:ext cx="0" cy="602291"/>
           </a:xfrm>
           <a:prstGeom prst="line">
@@ -12893,7 +12959,7 @@
         </p:nvCxnSpPr>
         <p:spPr>
           <a:xfrm>
-            <a:off x="5003800" y="3568700"/>
+            <a:off x="5003800" y="3695700"/>
             <a:ext cx="2076450" cy="0"/>
           </a:xfrm>
           <a:prstGeom prst="line">
@@ -12929,7 +12995,7 @@
         </p:nvSpPr>
         <p:spPr>
           <a:xfrm>
-            <a:off x="7319106" y="4602644"/>
+            <a:off x="7319106" y="4729644"/>
             <a:ext cx="505267" cy="369332"/>
           </a:xfrm>
           <a:prstGeom prst="rect">
@@ -12962,7 +13028,7 @@
         </p:nvSpPr>
         <p:spPr>
           <a:xfrm>
-            <a:off x="5863696" y="5483376"/>
+            <a:off x="5863696" y="5610376"/>
             <a:ext cx="1111264" cy="369332"/>
           </a:xfrm>
           <a:prstGeom prst="rect">
@@ -12995,7 +13061,7 @@
         </p:nvSpPr>
         <p:spPr>
           <a:xfrm>
-            <a:off x="5927427" y="3540678"/>
+            <a:off x="5927427" y="3667678"/>
             <a:ext cx="1038340" cy="369332"/>
           </a:xfrm>
           <a:prstGeom prst="rect">
@@ -13028,7 +13094,7 @@
         </p:nvSpPr>
         <p:spPr>
           <a:xfrm>
-            <a:off x="6243261" y="3331700"/>
+            <a:off x="6243261" y="3458700"/>
             <a:ext cx="679088" cy="303850"/>
           </a:xfrm>
           <a:prstGeom prst="roundRect">
@@ -13090,7 +13156,7 @@
         </p:nvCxnSpPr>
         <p:spPr>
           <a:xfrm flipV="1">
-            <a:off x="6106372" y="3248007"/>
+            <a:off x="6106372" y="3375007"/>
             <a:ext cx="0" cy="223390"/>
           </a:xfrm>
           <a:prstGeom prst="line">
@@ -13126,7 +13192,7 @@
         </p:nvCxnSpPr>
         <p:spPr>
           <a:xfrm>
-            <a:off x="6106372" y="3478210"/>
+            <a:off x="6106372" y="3605210"/>
             <a:ext cx="136889" cy="0"/>
           </a:xfrm>
           <a:prstGeom prst="line">
@@ -13162,7 +13228,7 @@
         </p:nvSpPr>
         <p:spPr>
           <a:xfrm>
-            <a:off x="8251302" y="4372303"/>
+            <a:off x="8251302" y="4499303"/>
             <a:ext cx="577352" cy="369332"/>
           </a:xfrm>
           <a:prstGeom prst="rect">
@@ -13241,7 +13307,7 @@
         <p:spPr>
           <a:xfrm flipH="1" flipV="1">
             <a:off x="5173246" y="1238859"/>
-            <a:ext cx="1" cy="4796852"/>
+            <a:ext cx="2" cy="4923852"/>
           </a:xfrm>
           <a:prstGeom prst="line">
             <a:avLst/>
@@ -13304,7 +13370,7 @@
         </p:nvSpPr>
         <p:spPr>
           <a:xfrm>
-            <a:off x="1364652" y="1791825"/>
+            <a:off x="1364652" y="1918825"/>
             <a:ext cx="1063988" cy="457677"/>
           </a:xfrm>
           <a:prstGeom prst="rect">
@@ -13369,7 +13435,7 @@
         </p:nvSpPr>
         <p:spPr>
           <a:xfrm>
-            <a:off x="607936" y="2833041"/>
+            <a:off x="607936" y="2960041"/>
             <a:ext cx="1018225" cy="411909"/>
           </a:xfrm>
           <a:prstGeom prst="roundRect">
@@ -13428,7 +13494,7 @@
         </p:nvSpPr>
         <p:spPr>
           <a:xfrm>
-            <a:off x="607936" y="3435332"/>
+            <a:off x="607936" y="3562332"/>
             <a:ext cx="1018225" cy="411909"/>
           </a:xfrm>
           <a:prstGeom prst="roundRect">
@@ -13487,7 +13553,7 @@
         </p:nvSpPr>
         <p:spPr>
           <a:xfrm>
-            <a:off x="3757824" y="2833041"/>
+            <a:off x="3757824" y="2960041"/>
             <a:ext cx="1018225" cy="411909"/>
           </a:xfrm>
           <a:prstGeom prst="roundRect">
@@ -13546,7 +13612,7 @@
         </p:nvSpPr>
         <p:spPr>
           <a:xfrm>
-            <a:off x="3757824" y="4053195"/>
+            <a:off x="3757824" y="4180195"/>
             <a:ext cx="1018225" cy="411909"/>
           </a:xfrm>
           <a:prstGeom prst="roundRect">
@@ -13605,7 +13671,7 @@
         </p:nvSpPr>
         <p:spPr>
           <a:xfrm>
-            <a:off x="2228431" y="2833041"/>
+            <a:off x="2228431" y="2960041"/>
             <a:ext cx="1018225" cy="411909"/>
           </a:xfrm>
           <a:prstGeom prst="roundRect">
@@ -13664,7 +13730,7 @@
         </p:nvCxnSpPr>
         <p:spPr>
           <a:xfrm>
-            <a:off x="262658" y="2565746"/>
+            <a:off x="262658" y="2692746"/>
             <a:ext cx="1" cy="1079195"/>
           </a:xfrm>
           <a:prstGeom prst="line">
@@ -13700,7 +13766,7 @@
         </p:nvCxnSpPr>
         <p:spPr>
           <a:xfrm>
-            <a:off x="262658" y="3644941"/>
+            <a:off x="262658" y="3771941"/>
             <a:ext cx="331785" cy="0"/>
           </a:xfrm>
           <a:prstGeom prst="line">
@@ -13736,7 +13802,7 @@
         </p:nvCxnSpPr>
         <p:spPr>
           <a:xfrm>
-            <a:off x="262658" y="3049962"/>
+            <a:off x="262658" y="3176962"/>
             <a:ext cx="331785" cy="0"/>
           </a:xfrm>
           <a:prstGeom prst="line">
@@ -13772,7 +13838,7 @@
         </p:nvSpPr>
         <p:spPr>
           <a:xfrm>
-            <a:off x="2228431" y="3435332"/>
+            <a:off x="2228431" y="3562332"/>
             <a:ext cx="1018225" cy="411909"/>
           </a:xfrm>
           <a:prstGeom prst="roundRect">
@@ -13831,7 +13897,7 @@
         </p:nvSpPr>
         <p:spPr>
           <a:xfrm>
-            <a:off x="2228431" y="4053195"/>
+            <a:off x="2228431" y="4180195"/>
             <a:ext cx="1018225" cy="411909"/>
           </a:xfrm>
           <a:prstGeom prst="roundRect">
@@ -13890,7 +13956,7 @@
         </p:nvCxnSpPr>
         <p:spPr>
           <a:xfrm>
-            <a:off x="1896646" y="4266460"/>
+            <a:off x="1896646" y="4393460"/>
             <a:ext cx="331785" cy="0"/>
           </a:xfrm>
           <a:prstGeom prst="line">
@@ -13926,7 +13992,7 @@
         </p:nvCxnSpPr>
         <p:spPr>
           <a:xfrm>
-            <a:off x="1896646" y="3671005"/>
+            <a:off x="1896646" y="3798005"/>
             <a:ext cx="331785" cy="0"/>
           </a:xfrm>
           <a:prstGeom prst="line">
@@ -13962,7 +14028,7 @@
         </p:nvCxnSpPr>
         <p:spPr>
           <a:xfrm>
-            <a:off x="1896646" y="3053142"/>
+            <a:off x="1896646" y="3180142"/>
             <a:ext cx="331785" cy="0"/>
           </a:xfrm>
           <a:prstGeom prst="line">
@@ -13998,7 +14064,7 @@
         </p:nvCxnSpPr>
         <p:spPr>
           <a:xfrm>
-            <a:off x="1896646" y="4872882"/>
+            <a:off x="1896646" y="4999882"/>
             <a:ext cx="331785" cy="0"/>
           </a:xfrm>
           <a:prstGeom prst="line">
@@ -14034,7 +14100,7 @@
         </p:nvSpPr>
         <p:spPr>
           <a:xfrm>
-            <a:off x="3757824" y="4674714"/>
+            <a:off x="3757824" y="4801714"/>
             <a:ext cx="1018225" cy="411909"/>
           </a:xfrm>
           <a:prstGeom prst="roundRect">
@@ -14093,7 +14159,7 @@
         </p:nvSpPr>
         <p:spPr>
           <a:xfrm>
-            <a:off x="2228431" y="4662321"/>
+            <a:off x="2228431" y="4789321"/>
             <a:ext cx="1018225" cy="411909"/>
           </a:xfrm>
           <a:prstGeom prst="roundRect">
@@ -14152,7 +14218,7 @@
         </p:nvCxnSpPr>
         <p:spPr>
           <a:xfrm>
-            <a:off x="3426039" y="3044880"/>
+            <a:off x="3426039" y="3171880"/>
             <a:ext cx="331785" cy="0"/>
           </a:xfrm>
           <a:prstGeom prst="line">
@@ -14188,7 +14254,7 @@
         </p:nvCxnSpPr>
         <p:spPr>
           <a:xfrm>
-            <a:off x="3426039" y="4266460"/>
+            <a:off x="3426039" y="4393460"/>
             <a:ext cx="331785" cy="0"/>
           </a:xfrm>
           <a:prstGeom prst="line">
@@ -14224,7 +14290,7 @@
         </p:nvCxnSpPr>
         <p:spPr>
           <a:xfrm>
-            <a:off x="3426039" y="4902126"/>
+            <a:off x="3426039" y="5029126"/>
             <a:ext cx="331785" cy="0"/>
           </a:xfrm>
           <a:prstGeom prst="line">
@@ -14262,7 +14328,7 @@
         </p:nvCxnSpPr>
         <p:spPr>
           <a:xfrm flipV="1">
-            <a:off x="1896646" y="2249502"/>
+            <a:off x="1896646" y="2376502"/>
             <a:ext cx="0" cy="2623380"/>
           </a:xfrm>
           <a:prstGeom prst="line">
@@ -14298,7 +14364,7 @@
         </p:nvCxnSpPr>
         <p:spPr>
           <a:xfrm flipV="1">
-            <a:off x="3426039" y="2565747"/>
+            <a:off x="3426039" y="2692747"/>
             <a:ext cx="0" cy="2336379"/>
           </a:xfrm>
           <a:prstGeom prst="line">
@@ -14334,7 +14400,7 @@
         </p:nvCxnSpPr>
         <p:spPr>
           <a:xfrm flipV="1">
-            <a:off x="276151" y="2565746"/>
+            <a:off x="276151" y="2692746"/>
             <a:ext cx="3149888" cy="1"/>
           </a:xfrm>
           <a:prstGeom prst="line">
@@ -14370,7 +14436,7 @@
         </p:nvSpPr>
         <p:spPr>
           <a:xfrm>
-            <a:off x="3627597" y="3299431"/>
+            <a:off x="3627597" y="3426431"/>
             <a:ext cx="1018278" cy="369332"/>
           </a:xfrm>
           <a:prstGeom prst="rect">
@@ -14408,7 +14474,7 @@
         </p:nvSpPr>
         <p:spPr>
           <a:xfrm>
-            <a:off x="4096961" y="5281610"/>
+            <a:off x="4096961" y="5408610"/>
             <a:ext cx="679088" cy="303850"/>
           </a:xfrm>
           <a:prstGeom prst="roundRect">
@@ -14485,7 +14551,7 @@
         </p:nvCxnSpPr>
         <p:spPr>
           <a:xfrm>
-            <a:off x="3960072" y="5433535"/>
+            <a:off x="3960072" y="5560535"/>
             <a:ext cx="136889" cy="0"/>
           </a:xfrm>
           <a:prstGeom prst="line">
@@ -14521,7 +14587,7 @@
         </p:nvCxnSpPr>
         <p:spPr>
           <a:xfrm flipV="1">
-            <a:off x="3960072" y="5074230"/>
+            <a:off x="3960072" y="5201230"/>
             <a:ext cx="0" cy="359305"/>
           </a:xfrm>
           <a:prstGeom prst="line">
@@ -14557,7 +14623,7 @@
         </p:nvSpPr>
         <p:spPr>
           <a:xfrm>
-            <a:off x="4096961" y="5585460"/>
+            <a:off x="4096961" y="5712460"/>
             <a:ext cx="679088" cy="181316"/>
           </a:xfrm>
           <a:prstGeom prst="triangle">
@@ -14601,7 +14667,7 @@
         </p:nvCxnSpPr>
         <p:spPr>
           <a:xfrm>
-            <a:off x="1117049" y="5729312"/>
+            <a:off x="1117049" y="5856312"/>
             <a:ext cx="3322311" cy="1"/>
           </a:xfrm>
           <a:prstGeom prst="line">
@@ -14639,7 +14705,7 @@
         </p:nvCxnSpPr>
         <p:spPr>
           <a:xfrm>
-            <a:off x="1117049" y="3847241"/>
+            <a:off x="1117049" y="3974241"/>
             <a:ext cx="0" cy="1882071"/>
           </a:xfrm>
           <a:prstGeom prst="line">
@@ -14677,7 +14743,7 @@
         </p:nvCxnSpPr>
         <p:spPr>
           <a:xfrm flipH="1" flipV="1">
-            <a:off x="3246658" y="2678661"/>
+            <a:off x="3246658" y="2805661"/>
             <a:ext cx="286675" cy="1039"/>
           </a:xfrm>
           <a:prstGeom prst="line">
@@ -14715,7 +14781,7 @@
         </p:nvCxnSpPr>
         <p:spPr>
           <a:xfrm flipV="1">
-            <a:off x="2737544" y="2679700"/>
+            <a:off x="2737544" y="2806700"/>
             <a:ext cx="509112" cy="153341"/>
           </a:xfrm>
           <a:prstGeom prst="line">
@@ -14755,7 +14821,7 @@
         </p:nvCxnSpPr>
         <p:spPr>
           <a:xfrm>
-            <a:off x="3246656" y="3641287"/>
+            <a:off x="3246656" y="3768287"/>
             <a:ext cx="372844" cy="3654"/>
           </a:xfrm>
           <a:prstGeom prst="line">
@@ -14793,7 +14859,7 @@
         </p:nvCxnSpPr>
         <p:spPr>
           <a:xfrm flipV="1">
-            <a:off x="3246658" y="3244950"/>
+            <a:off x="3246658" y="3371950"/>
             <a:ext cx="511166" cy="1451221"/>
           </a:xfrm>
           <a:prstGeom prst="line">
@@ -14831,7 +14897,7 @@
         </p:nvSpPr>
         <p:spPr>
           <a:xfrm>
-            <a:off x="5868836" y="1791825"/>
+            <a:off x="5868836" y="1918825"/>
             <a:ext cx="1063988" cy="457677"/>
           </a:xfrm>
           <a:prstGeom prst="rect">
@@ -14888,7 +14954,7 @@
         </p:nvSpPr>
         <p:spPr>
           <a:xfrm>
-            <a:off x="5904124" y="2833041"/>
+            <a:off x="5904124" y="2960041"/>
             <a:ext cx="1018225" cy="411909"/>
           </a:xfrm>
           <a:prstGeom prst="roundRect">
@@ -14947,7 +15013,7 @@
         </p:nvSpPr>
         <p:spPr>
           <a:xfrm>
-            <a:off x="5904124" y="4066836"/>
+            <a:off x="5904124" y="4193836"/>
             <a:ext cx="1018225" cy="411909"/>
           </a:xfrm>
           <a:prstGeom prst="roundRect">
@@ -15006,7 +15072,7 @@
         </p:nvSpPr>
         <p:spPr>
           <a:xfrm>
-            <a:off x="5904124" y="4696171"/>
+            <a:off x="5904124" y="4823171"/>
             <a:ext cx="1018225" cy="411909"/>
           </a:xfrm>
           <a:prstGeom prst="roundRect">
@@ -15065,7 +15131,7 @@
         </p:nvSpPr>
         <p:spPr>
           <a:xfrm>
-            <a:off x="7554275" y="2833041"/>
+            <a:off x="7554275" y="2960041"/>
             <a:ext cx="1018225" cy="411909"/>
           </a:xfrm>
           <a:prstGeom prst="roundRect">
@@ -15122,7 +15188,7 @@
         </p:nvSpPr>
         <p:spPr>
           <a:xfrm>
-            <a:off x="7554275" y="3465050"/>
+            <a:off x="7554275" y="3592050"/>
             <a:ext cx="1018225" cy="411909"/>
           </a:xfrm>
           <a:prstGeom prst="roundRect">
@@ -15181,7 +15247,7 @@
         </p:nvSpPr>
         <p:spPr>
           <a:xfrm>
-            <a:off x="7554275" y="4066836"/>
+            <a:off x="7554275" y="4193836"/>
             <a:ext cx="1018225" cy="411909"/>
           </a:xfrm>
           <a:prstGeom prst="roundRect">
@@ -15243,7 +15309,7 @@
         </p:nvCxnSpPr>
         <p:spPr>
           <a:xfrm>
-            <a:off x="5572339" y="3029060"/>
+            <a:off x="5572339" y="3156060"/>
             <a:ext cx="331785" cy="0"/>
           </a:xfrm>
           <a:prstGeom prst="line">
@@ -15279,7 +15345,7 @@
         </p:nvCxnSpPr>
         <p:spPr>
           <a:xfrm>
-            <a:off x="5572339" y="4263340"/>
+            <a:off x="5572339" y="4390340"/>
             <a:ext cx="331785" cy="0"/>
           </a:xfrm>
           <a:prstGeom prst="line">
@@ -15315,7 +15381,7 @@
         </p:nvCxnSpPr>
         <p:spPr>
           <a:xfrm>
-            <a:off x="5572339" y="4873606"/>
+            <a:off x="5572339" y="5000606"/>
             <a:ext cx="331785" cy="0"/>
           </a:xfrm>
           <a:prstGeom prst="line">
@@ -15351,7 +15417,7 @@
         </p:nvCxnSpPr>
         <p:spPr>
           <a:xfrm>
-            <a:off x="7222490" y="3029060"/>
+            <a:off x="7222490" y="3156060"/>
             <a:ext cx="331785" cy="0"/>
           </a:xfrm>
           <a:prstGeom prst="line">
@@ -15387,7 +15453,7 @@
         </p:nvCxnSpPr>
         <p:spPr>
           <a:xfrm>
-            <a:off x="7222490" y="3680585"/>
+            <a:off x="7222490" y="3807585"/>
             <a:ext cx="331785" cy="0"/>
           </a:xfrm>
           <a:prstGeom prst="line">
@@ -15423,7 +15489,7 @@
         </p:nvCxnSpPr>
         <p:spPr>
           <a:xfrm>
-            <a:off x="7222490" y="4266460"/>
+            <a:off x="7222490" y="4393460"/>
             <a:ext cx="331785" cy="0"/>
           </a:xfrm>
           <a:prstGeom prst="line">
@@ -15459,7 +15525,7 @@
         </p:nvCxnSpPr>
         <p:spPr>
           <a:xfrm flipV="1">
-            <a:off x="5572339" y="2565747"/>
+            <a:off x="5572339" y="2692747"/>
             <a:ext cx="0" cy="2307859"/>
           </a:xfrm>
           <a:prstGeom prst="line">
@@ -15495,7 +15561,7 @@
         </p:nvCxnSpPr>
         <p:spPr>
           <a:xfrm flipH="1" flipV="1">
-            <a:off x="7222490" y="2565746"/>
+            <a:off x="7222490" y="2692746"/>
             <a:ext cx="1" cy="1697595"/>
           </a:xfrm>
           <a:prstGeom prst="line">
@@ -15531,7 +15597,7 @@
         </p:nvCxnSpPr>
         <p:spPr>
           <a:xfrm flipH="1">
-            <a:off x="5572339" y="2565747"/>
+            <a:off x="5572339" y="2692747"/>
             <a:ext cx="1650152" cy="0"/>
           </a:xfrm>
           <a:prstGeom prst="line">
@@ -15569,7 +15635,7 @@
         </p:nvCxnSpPr>
         <p:spPr>
           <a:xfrm flipV="1">
-            <a:off x="6400800" y="2249502"/>
+            <a:off x="6400800" y="2376502"/>
             <a:ext cx="30" cy="316244"/>
           </a:xfrm>
           <a:prstGeom prst="line">
@@ -15605,7 +15671,7 @@
         </p:nvCxnSpPr>
         <p:spPr>
           <a:xfrm flipH="1">
-            <a:off x="4776049" y="2833041"/>
+            <a:off x="4776049" y="2960041"/>
             <a:ext cx="1128075" cy="0"/>
           </a:xfrm>
           <a:prstGeom prst="line">
@@ -15643,7 +15709,7 @@
         </p:nvCxnSpPr>
         <p:spPr>
           <a:xfrm flipH="1" flipV="1">
-            <a:off x="4776049" y="4053195"/>
+            <a:off x="4776049" y="4180195"/>
             <a:ext cx="1128075" cy="13641"/>
           </a:xfrm>
           <a:prstGeom prst="line">
@@ -15681,7 +15747,7 @@
         </p:nvCxnSpPr>
         <p:spPr>
           <a:xfrm flipH="1">
-            <a:off x="4776049" y="4696751"/>
+            <a:off x="4776049" y="4823751"/>
             <a:ext cx="1128075" cy="0"/>
           </a:xfrm>
           <a:prstGeom prst="line">
@@ -15719,7 +15785,7 @@
         </p:nvSpPr>
         <p:spPr>
           <a:xfrm>
-            <a:off x="4728467" y="2738654"/>
+            <a:off x="4728467" y="2865654"/>
             <a:ext cx="681947" cy="369332"/>
           </a:xfrm>
           <a:prstGeom prst="rect">
@@ -15755,7 +15821,7 @@
         </p:nvCxnSpPr>
         <p:spPr>
           <a:xfrm flipH="1">
-            <a:off x="2428640" y="2020664"/>
+            <a:off x="2428640" y="2147664"/>
             <a:ext cx="3440196" cy="0"/>
           </a:xfrm>
           <a:prstGeom prst="line">
@@ -15793,7 +15859,7 @@
         </p:nvSpPr>
         <p:spPr>
           <a:xfrm>
-            <a:off x="2381944" y="1657959"/>
+            <a:off x="2381944" y="1784959"/>
             <a:ext cx="945015" cy="369332"/>
           </a:xfrm>
           <a:prstGeom prst="rect">
@@ -15831,7 +15897,7 @@
         </p:nvSpPr>
         <p:spPr>
           <a:xfrm>
-            <a:off x="6243261" y="5281610"/>
+            <a:off x="6243261" y="5408610"/>
             <a:ext cx="679088" cy="303850"/>
           </a:xfrm>
           <a:prstGeom prst="roundRect">
@@ -15900,7 +15966,7 @@
         </p:nvCxnSpPr>
         <p:spPr>
           <a:xfrm flipV="1">
-            <a:off x="6106372" y="5108081"/>
+            <a:off x="6106372" y="5235081"/>
             <a:ext cx="0" cy="325454"/>
           </a:xfrm>
           <a:prstGeom prst="line">
@@ -15938,7 +16004,7 @@
         </p:nvCxnSpPr>
         <p:spPr>
           <a:xfrm>
-            <a:off x="6106372" y="5433535"/>
+            <a:off x="6106372" y="5560535"/>
             <a:ext cx="136889" cy="0"/>
           </a:xfrm>
           <a:prstGeom prst="line">
@@ -15978,7 +16044,7 @@
         </p:nvCxnSpPr>
         <p:spPr>
           <a:xfrm>
-            <a:off x="6922349" y="5433535"/>
+            <a:off x="6922349" y="5560535"/>
             <a:ext cx="1967651" cy="0"/>
           </a:xfrm>
           <a:prstGeom prst="line">
@@ -16018,7 +16084,7 @@
         </p:nvCxnSpPr>
         <p:spPr>
           <a:xfrm>
-            <a:off x="8890000" y="3029060"/>
+            <a:off x="8890000" y="3156060"/>
             <a:ext cx="0" cy="2404475"/>
           </a:xfrm>
           <a:prstGeom prst="line">
@@ -16058,7 +16124,7 @@
         </p:nvCxnSpPr>
         <p:spPr>
           <a:xfrm>
-            <a:off x="8572500" y="3038996"/>
+            <a:off x="8572500" y="3165996"/>
             <a:ext cx="317500" cy="0"/>
           </a:xfrm>
           <a:prstGeom prst="line">
@@ -16098,7 +16164,7 @@
         </p:nvCxnSpPr>
         <p:spPr>
           <a:xfrm flipV="1">
-            <a:off x="8572500" y="4266460"/>
+            <a:off x="8572500" y="4393460"/>
             <a:ext cx="317500" cy="6331"/>
           </a:xfrm>
           <a:prstGeom prst="line">
@@ -16136,7 +16202,7 @@
         </p:nvSpPr>
         <p:spPr>
           <a:xfrm>
-            <a:off x="7893412" y="4674714"/>
+            <a:off x="7893412" y="4801714"/>
             <a:ext cx="679088" cy="303850"/>
           </a:xfrm>
           <a:prstGeom prst="roundRect">
@@ -16195,7 +16261,7 @@
         </p:nvSpPr>
         <p:spPr>
           <a:xfrm>
-            <a:off x="7893412" y="4995965"/>
+            <a:off x="7893412" y="5122965"/>
             <a:ext cx="679088" cy="181316"/>
           </a:xfrm>
           <a:prstGeom prst="triangle">
@@ -16243,7 +16309,7 @@
         </p:nvCxnSpPr>
         <p:spPr>
           <a:xfrm>
-            <a:off x="7756523" y="4814410"/>
+            <a:off x="7756523" y="4941410"/>
             <a:ext cx="136889" cy="0"/>
           </a:xfrm>
           <a:prstGeom prst="line">
@@ -16279,7 +16345,7 @@
         </p:nvCxnSpPr>
         <p:spPr>
           <a:xfrm flipV="1">
-            <a:off x="7756523" y="4478745"/>
+            <a:off x="7756523" y="4605745"/>
             <a:ext cx="0" cy="335667"/>
           </a:xfrm>
           <a:prstGeom prst="line">
@@ -16318,7 +16384,7 @@
         </p:nvCxnSpPr>
         <p:spPr>
           <a:xfrm>
-            <a:off x="6922349" y="4902126"/>
+            <a:off x="6922349" y="5029126"/>
             <a:ext cx="971063" cy="275155"/>
           </a:xfrm>
           <a:prstGeom prst="line">
@@ -16356,7 +16422,7 @@
         </p:nvCxnSpPr>
         <p:spPr>
           <a:xfrm>
-            <a:off x="6922349" y="3244950"/>
+            <a:off x="6922349" y="3371950"/>
             <a:ext cx="157901" cy="1552202"/>
           </a:xfrm>
           <a:prstGeom prst="line">
@@ -16396,7 +16462,7 @@
         </p:nvCxnSpPr>
         <p:spPr>
           <a:xfrm>
-            <a:off x="7080250" y="4797152"/>
+            <a:off x="7080250" y="4924152"/>
             <a:ext cx="982934" cy="289471"/>
           </a:xfrm>
           <a:prstGeom prst="line">
@@ -16432,7 +16498,7 @@
         </p:nvSpPr>
         <p:spPr>
           <a:xfrm>
-            <a:off x="7381827" y="4971133"/>
+            <a:off x="7381827" y="5098133"/>
             <a:ext cx="358917" cy="369332"/>
           </a:xfrm>
           <a:prstGeom prst="rect">
@@ -16465,7 +16531,7 @@
         </p:nvSpPr>
         <p:spPr>
           <a:xfrm>
-            <a:off x="3137679" y="5666379"/>
+            <a:off x="3137679" y="5793379"/>
             <a:ext cx="1003512" cy="369332"/>
           </a:xfrm>
           <a:prstGeom prst="rect">
@@ -16492,14 +16558,14 @@
       </p:sp>
       <p:sp>
         <p:nvSpPr>
-          <p:cNvPr id="78" name="TextBox 77"/>
+          <p:cNvPr id="80" name="TextBox 79"/>
           <p:cNvSpPr txBox="1"/>
           <p:nvPr/>
         </p:nvSpPr>
         <p:spPr>
           <a:xfrm>
-            <a:off x="262657" y="1238859"/>
-            <a:ext cx="4910590" cy="369332"/>
+            <a:off x="5173247" y="1238859"/>
+            <a:ext cx="3716754" cy="369332"/>
           </a:xfrm>
           <a:prstGeom prst="rect">
             <a:avLst/>
@@ -16517,49 +16583,12 @@
           <a:p>
             <a:pPr algn="ctr"/>
             <a:r>
-              <a:rPr lang="en-GB" i="1" dirty="0"/>
-              <a:t>O</a:t>
-            </a:r>
-            <a:r>
-              <a:rPr lang="en-GB" i="1" dirty="0" smtClean="0"/>
-              <a:t>riginal Input Tree</a:t>
-            </a:r>
-          </a:p>
-        </p:txBody>
-      </p:sp>
-      <p:sp>
-        <p:nvSpPr>
-          <p:cNvPr id="80" name="TextBox 79"/>
-          <p:cNvSpPr txBox="1"/>
-          <p:nvPr/>
-        </p:nvSpPr>
-        <p:spPr>
-          <a:xfrm>
-            <a:off x="5173247" y="1238859"/>
-            <a:ext cx="3716754" cy="369332"/>
-          </a:xfrm>
-          <a:prstGeom prst="rect">
-            <a:avLst/>
-          </a:prstGeom>
-          <a:noFill/>
-          <a:ln>
-            <a:noFill/>
-          </a:ln>
-        </p:spPr>
-        <p:txBody>
-          <a:bodyPr wrap="square" rtlCol="0">
-            <a:spAutoFit/>
-          </a:bodyPr>
-          <a:lstStyle/>
-          <a:p>
-            <a:pPr algn="ctr"/>
-            <a:r>
               <a:rPr lang="en-GB" i="1" dirty="0">
                 <a:solidFill>
                   <a:srgbClr val="660066"/>
                 </a:solidFill>
               </a:rPr>
-              <a:t>D</a:t>
+              <a:t>d</a:t>
             </a:r>
             <a:r>
               <a:rPr lang="en-GB" i="1" dirty="0" smtClean="0">
@@ -16567,8 +16596,29 @@
                   <a:srgbClr val="660066"/>
                 </a:solidFill>
               </a:rPr>
-              <a:t>erived Petri Net</a:t>
-            </a:r>
+              <a:t>erived </a:t>
+            </a:r>
+            <a:r>
+              <a:rPr lang="en-GB" i="1" dirty="0" smtClean="0">
+                <a:solidFill>
+                  <a:srgbClr val="660066"/>
+                </a:solidFill>
+              </a:rPr>
+              <a:t>Petri </a:t>
+            </a:r>
+            <a:r>
+              <a:rPr lang="en-GB" i="1" dirty="0" smtClean="0">
+                <a:solidFill>
+                  <a:srgbClr val="660066"/>
+                </a:solidFill>
+              </a:rPr>
+              <a:t>net</a:t>
+            </a:r>
+            <a:endParaRPr lang="en-GB" i="1" dirty="0" smtClean="0">
+              <a:solidFill>
+                <a:srgbClr val="660066"/>
+              </a:solidFill>
+            </a:endParaRPr>
           </a:p>
         </p:txBody>
       </p:sp>
@@ -16580,7 +16630,7 @@
         </p:nvSpPr>
         <p:spPr>
           <a:xfrm>
-            <a:off x="262659" y="6130822"/>
+            <a:off x="262659" y="6207022"/>
             <a:ext cx="8627342" cy="369332"/>
           </a:xfrm>
           <a:prstGeom prst="rect">
@@ -16678,7 +16728,7 @@
         </p:nvCxnSpPr>
         <p:spPr>
           <a:xfrm>
-            <a:off x="4776049" y="3244950"/>
+            <a:off x="4776049" y="3371950"/>
             <a:ext cx="227751" cy="323750"/>
           </a:xfrm>
           <a:prstGeom prst="line">
@@ -16714,7 +16764,7 @@
         </p:nvCxnSpPr>
         <p:spPr>
           <a:xfrm flipH="1">
-            <a:off x="7080250" y="3847241"/>
+            <a:off x="7080250" y="3974241"/>
             <a:ext cx="474028" cy="0"/>
           </a:xfrm>
           <a:prstGeom prst="line">
@@ -16752,7 +16802,7 @@
         </p:nvCxnSpPr>
         <p:spPr>
           <a:xfrm flipH="1">
-            <a:off x="7080250" y="4478745"/>
+            <a:off x="7080250" y="4605745"/>
             <a:ext cx="474028" cy="698536"/>
           </a:xfrm>
           <a:prstGeom prst="line">
@@ -16790,7 +16840,7 @@
         </p:nvCxnSpPr>
         <p:spPr>
           <a:xfrm>
-            <a:off x="4671317" y="5177281"/>
+            <a:off x="4671317" y="5304281"/>
             <a:ext cx="2408933" cy="0"/>
           </a:xfrm>
           <a:prstGeom prst="line">
@@ -16828,7 +16878,7 @@
         </p:nvCxnSpPr>
         <p:spPr>
           <a:xfrm flipH="1" flipV="1">
-            <a:off x="4266937" y="5086623"/>
+            <a:off x="4266937" y="5213623"/>
             <a:ext cx="404380" cy="90659"/>
           </a:xfrm>
           <a:prstGeom prst="line">
@@ -16864,7 +16914,7 @@
         </p:nvSpPr>
         <p:spPr>
           <a:xfrm>
-            <a:off x="4730540" y="3471397"/>
+            <a:off x="4730540" y="3598397"/>
             <a:ext cx="1184940" cy="369332"/>
           </a:xfrm>
           <a:prstGeom prst="rect">
@@ -16897,7 +16947,7 @@
         </p:nvCxnSpPr>
         <p:spPr>
           <a:xfrm flipH="1">
-            <a:off x="7080250" y="3244950"/>
+            <a:off x="7080250" y="3371950"/>
             <a:ext cx="474026" cy="0"/>
           </a:xfrm>
           <a:prstGeom prst="line">
@@ -16935,7 +16985,7 @@
         </p:nvSpPr>
         <p:spPr>
           <a:xfrm>
-            <a:off x="4730524" y="5080887"/>
+            <a:off x="4730524" y="5207887"/>
             <a:ext cx="1184940" cy="369332"/>
           </a:xfrm>
           <a:prstGeom prst="rect">
@@ -16968,7 +17018,7 @@
         </p:nvSpPr>
         <p:spPr>
           <a:xfrm>
-            <a:off x="4730540" y="3963363"/>
+            <a:off x="4730540" y="4090363"/>
             <a:ext cx="681947" cy="369332"/>
           </a:xfrm>
           <a:prstGeom prst="rect">
@@ -17001,7 +17051,7 @@
         </p:nvSpPr>
         <p:spPr>
           <a:xfrm>
-            <a:off x="4730540" y="4604986"/>
+            <a:off x="4730540" y="4731986"/>
             <a:ext cx="681947" cy="369332"/>
           </a:xfrm>
           <a:prstGeom prst="rect">
@@ -17034,7 +17084,7 @@
         </p:nvCxnSpPr>
         <p:spPr>
           <a:xfrm flipH="1" flipV="1">
-            <a:off x="3533333" y="2679700"/>
+            <a:off x="3533333" y="2806700"/>
             <a:ext cx="224491" cy="153341"/>
           </a:xfrm>
           <a:prstGeom prst="line">
@@ -17070,7 +17120,7 @@
         </p:nvSpPr>
         <p:spPr>
           <a:xfrm>
-            <a:off x="3394797" y="2353060"/>
+            <a:off x="3394797" y="2480060"/>
             <a:ext cx="1045554" cy="369332"/>
           </a:xfrm>
           <a:prstGeom prst="rect">
@@ -17103,7 +17153,7 @@
         </p:nvCxnSpPr>
         <p:spPr>
           <a:xfrm flipV="1">
-            <a:off x="7080250" y="3244950"/>
+            <a:off x="7080250" y="3371950"/>
             <a:ext cx="0" cy="602291"/>
           </a:xfrm>
           <a:prstGeom prst="line">
@@ -17139,7 +17189,7 @@
         </p:nvCxnSpPr>
         <p:spPr>
           <a:xfrm>
-            <a:off x="5003800" y="3568700"/>
+            <a:off x="5003800" y="3695700"/>
             <a:ext cx="2076450" cy="0"/>
           </a:xfrm>
           <a:prstGeom prst="line">
@@ -17175,7 +17225,7 @@
         </p:nvSpPr>
         <p:spPr>
           <a:xfrm>
-            <a:off x="7319106" y="4602644"/>
+            <a:off x="7319106" y="4729644"/>
             <a:ext cx="505267" cy="369332"/>
           </a:xfrm>
           <a:prstGeom prst="rect">
@@ -17208,7 +17258,7 @@
         </p:nvSpPr>
         <p:spPr>
           <a:xfrm>
-            <a:off x="7300422" y="1677845"/>
+            <a:off x="7300422" y="1804845"/>
             <a:ext cx="1573831" cy="1200329"/>
           </a:xfrm>
           <a:prstGeom prst="rect">
@@ -17283,7 +17333,7 @@
         </p:nvSpPr>
         <p:spPr>
           <a:xfrm>
-            <a:off x="6243261" y="3331700"/>
+            <a:off x="6243261" y="3458700"/>
             <a:ext cx="679088" cy="303850"/>
           </a:xfrm>
           <a:prstGeom prst="roundRect">
@@ -17342,7 +17392,7 @@
         </p:nvCxnSpPr>
         <p:spPr>
           <a:xfrm flipV="1">
-            <a:off x="6106372" y="3248007"/>
+            <a:off x="6106372" y="3375007"/>
             <a:ext cx="0" cy="223390"/>
           </a:xfrm>
           <a:prstGeom prst="line">
@@ -17378,7 +17428,7 @@
         </p:nvCxnSpPr>
         <p:spPr>
           <a:xfrm>
-            <a:off x="6106372" y="3478210"/>
+            <a:off x="6106372" y="3605210"/>
             <a:ext cx="136889" cy="0"/>
           </a:xfrm>
           <a:prstGeom prst="line">
@@ -17414,7 +17464,7 @@
         </p:nvCxnSpPr>
         <p:spPr>
           <a:xfrm>
-            <a:off x="6582805" y="3635550"/>
+            <a:off x="6582805" y="3762550"/>
             <a:ext cx="298492" cy="327813"/>
           </a:xfrm>
           <a:prstGeom prst="line">
@@ -17452,7 +17502,7 @@
         </p:nvSpPr>
         <p:spPr>
           <a:xfrm>
-            <a:off x="5867637" y="3669777"/>
+            <a:off x="5867637" y="3796777"/>
             <a:ext cx="941747" cy="369332"/>
           </a:xfrm>
           <a:prstGeom prst="rect">
@@ -17485,7 +17535,7 @@
         </p:nvCxnSpPr>
         <p:spPr>
           <a:xfrm>
-            <a:off x="6881297" y="3963363"/>
+            <a:off x="6881297" y="4090363"/>
             <a:ext cx="943076" cy="8380"/>
           </a:xfrm>
           <a:prstGeom prst="line">
@@ -17521,7 +17571,7 @@
         </p:nvCxnSpPr>
         <p:spPr>
           <a:xfrm flipV="1">
-            <a:off x="7824373" y="3876959"/>
+            <a:off x="7824373" y="4003959"/>
             <a:ext cx="239015" cy="94784"/>
           </a:xfrm>
           <a:prstGeom prst="line">
@@ -17549,6 +17599,51 @@
           </a:fontRef>
         </p:style>
       </p:cxnSp>
+      <p:sp>
+        <p:nvSpPr>
+          <p:cNvPr id="138" name="TextBox 137"/>
+          <p:cNvSpPr txBox="1"/>
+          <p:nvPr/>
+        </p:nvSpPr>
+        <p:spPr>
+          <a:xfrm>
+            <a:off x="262657" y="1238859"/>
+            <a:ext cx="4910590" cy="584776"/>
+          </a:xfrm>
+          <a:prstGeom prst="rect">
+            <a:avLst/>
+          </a:prstGeom>
+          <a:noFill/>
+          <a:ln>
+            <a:noFill/>
+          </a:ln>
+        </p:spPr>
+        <p:txBody>
+          <a:bodyPr wrap="square" rtlCol="0">
+            <a:spAutoFit/>
+          </a:bodyPr>
+          <a:lstStyle/>
+          <a:p>
+            <a:pPr algn="ctr"/>
+            <a:r>
+              <a:rPr lang="en-GB" i="1" dirty="0"/>
+              <a:t>i</a:t>
+            </a:r>
+            <a:r>
+              <a:rPr lang="en-GB" i="1" dirty="0" smtClean="0"/>
+              <a:t>nitial tree</a:t>
+            </a:r>
+          </a:p>
+          <a:p>
+            <a:pPr algn="ctr"/>
+            <a:r>
+              <a:rPr lang="en-GB" sz="1400" i="1" dirty="0" smtClean="0"/>
+              <a:t>(original input diagram)</a:t>
+            </a:r>
+            <a:endParaRPr lang="en-GB" sz="1400" i="1" dirty="0" smtClean="0"/>
+          </a:p>
+        </p:txBody>
+      </p:sp>
     </p:spTree>
     <p:extLst>
       <p:ext uri="{BB962C8B-B14F-4D97-AF65-F5344CB8AC3E}">
@@ -17900,7 +17995,11 @@
             </a:r>
             <a:r>
               <a:rPr lang="en-GB" dirty="0" smtClean="0"/>
-              <a:t> Background</a:t>
+              <a:t> </a:t>
+            </a:r>
+            <a:r>
+              <a:rPr lang="en-GB" dirty="0" smtClean="0"/>
+              <a:t>background</a:t>
             </a:r>
             <a:endParaRPr lang="en-GB" dirty="0"/>
           </a:p>
@@ -23763,8 +23862,20 @@
               <a:t>RACR </a:t>
             </a:r>
             <a:r>
+              <a:rPr lang="en-GB" dirty="0"/>
+              <a:t>s</a:t>
+            </a:r>
+            <a:r>
               <a:rPr lang="en-GB" dirty="0" smtClean="0"/>
-              <a:t>Solution Background</a:t>
+              <a:t>olution </a:t>
+            </a:r>
+            <a:r>
+              <a:rPr lang="en-GB" dirty="0"/>
+              <a:t>b</a:t>
+            </a:r>
+            <a:r>
+              <a:rPr lang="en-GB" dirty="0" smtClean="0"/>
+              <a:t>ackground</a:t>
             </a:r>
             <a:endParaRPr lang="en-GB" dirty="0"/>
           </a:p>
@@ -24098,11 +24209,7 @@
             </a:r>
             <a:r>
               <a:rPr lang="en-GB" dirty="0" smtClean="0"/>
-              <a:t>graph on top of abstract syntax tree (AST</a:t>
-            </a:r>
-            <a:r>
-              <a:rPr lang="en-GB" dirty="0" smtClean="0"/>
-              <a:t>) &gt;&gt; extend AST to ASG</a:t>
+              <a:t>graph on top of abstract syntax tree (AST) &gt;&gt; extend AST to ASG</a:t>
             </a:r>
             <a:endParaRPr lang="en-GB" dirty="0"/>
           </a:p>

--- a/examples/ttc-2015-fuml-activity-diagrams/documentation/figures/solution-presentation.pptx
+++ b/examples/ttc-2015-fuml-activity-diagrams/documentation/figures/solution-presentation.pptx
@@ -213,7 +213,7 @@
           <a:p>
             <a:fld id="{2DC44254-5F95-204D-8F07-2678B782EA19}" type="datetimeFigureOut">
               <a:rPr lang="en-US" smtClean="0"/>
-              <a:t>05/03/16</a:t>
+              <a:t>11/05/16</a:t>
             </a:fld>
             <a:endParaRPr lang="en-GB"/>
           </a:p>
@@ -998,7 +998,7 @@
           <a:p>
             <a:fld id="{9F50B6A4-EEFC-6D43-8633-B920B387D5FF}" type="datetimeFigureOut">
               <a:rPr lang="en-US" smtClean="0"/>
-              <a:t>05/03/16</a:t>
+              <a:t>11/05/16</a:t>
             </a:fld>
             <a:endParaRPr lang="en-GB"/>
           </a:p>
@@ -1168,7 +1168,7 @@
           <a:p>
             <a:fld id="{9F50B6A4-EEFC-6D43-8633-B920B387D5FF}" type="datetimeFigureOut">
               <a:rPr lang="en-US" smtClean="0"/>
-              <a:t>05/03/16</a:t>
+              <a:t>11/05/16</a:t>
             </a:fld>
             <a:endParaRPr lang="en-GB"/>
           </a:p>
@@ -1348,7 +1348,7 @@
           <a:p>
             <a:fld id="{9F50B6A4-EEFC-6D43-8633-B920B387D5FF}" type="datetimeFigureOut">
               <a:rPr lang="en-US" smtClean="0"/>
-              <a:t>05/03/16</a:t>
+              <a:t>11/05/16</a:t>
             </a:fld>
             <a:endParaRPr lang="en-GB"/>
           </a:p>
@@ -1518,7 +1518,7 @@
           <a:p>
             <a:fld id="{9F50B6A4-EEFC-6D43-8633-B920B387D5FF}" type="datetimeFigureOut">
               <a:rPr lang="en-US" smtClean="0"/>
-              <a:t>05/03/16</a:t>
+              <a:t>11/05/16</a:t>
             </a:fld>
             <a:endParaRPr lang="en-GB"/>
           </a:p>
@@ -1764,7 +1764,7 @@
           <a:p>
             <a:fld id="{9F50B6A4-EEFC-6D43-8633-B920B387D5FF}" type="datetimeFigureOut">
               <a:rPr lang="en-US" smtClean="0"/>
-              <a:t>05/03/16</a:t>
+              <a:t>11/05/16</a:t>
             </a:fld>
             <a:endParaRPr lang="en-GB"/>
           </a:p>
@@ -2052,7 +2052,7 @@
           <a:p>
             <a:fld id="{9F50B6A4-EEFC-6D43-8633-B920B387D5FF}" type="datetimeFigureOut">
               <a:rPr lang="en-US" smtClean="0"/>
-              <a:t>05/03/16</a:t>
+              <a:t>11/05/16</a:t>
             </a:fld>
             <a:endParaRPr lang="en-GB"/>
           </a:p>
@@ -2474,7 +2474,7 @@
           <a:p>
             <a:fld id="{9F50B6A4-EEFC-6D43-8633-B920B387D5FF}" type="datetimeFigureOut">
               <a:rPr lang="en-US" smtClean="0"/>
-              <a:t>05/03/16</a:t>
+              <a:t>11/05/16</a:t>
             </a:fld>
             <a:endParaRPr lang="en-GB"/>
           </a:p>
@@ -2592,7 +2592,7 @@
           <a:p>
             <a:fld id="{9F50B6A4-EEFC-6D43-8633-B920B387D5FF}" type="datetimeFigureOut">
               <a:rPr lang="en-US" smtClean="0"/>
-              <a:t>05/03/16</a:t>
+              <a:t>11/05/16</a:t>
             </a:fld>
             <a:endParaRPr lang="en-GB"/>
           </a:p>
@@ -2687,7 +2687,7 @@
           <a:p>
             <a:fld id="{9F50B6A4-EEFC-6D43-8633-B920B387D5FF}" type="datetimeFigureOut">
               <a:rPr lang="en-US" smtClean="0"/>
-              <a:t>05/03/16</a:t>
+              <a:t>11/05/16</a:t>
             </a:fld>
             <a:endParaRPr lang="en-GB"/>
           </a:p>
@@ -2964,7 +2964,7 @@
           <a:p>
             <a:fld id="{9F50B6A4-EEFC-6D43-8633-B920B387D5FF}" type="datetimeFigureOut">
               <a:rPr lang="en-US" smtClean="0"/>
-              <a:t>05/03/16</a:t>
+              <a:t>11/05/16</a:t>
             </a:fld>
             <a:endParaRPr lang="en-GB"/>
           </a:p>
@@ -3217,7 +3217,7 @@
           <a:p>
             <a:fld id="{9F50B6A4-EEFC-6D43-8633-B920B387D5FF}" type="datetimeFigureOut">
               <a:rPr lang="en-US" smtClean="0"/>
-              <a:t>05/03/16</a:t>
+              <a:t>11/05/16</a:t>
             </a:fld>
             <a:endParaRPr lang="en-GB"/>
           </a:p>
@@ -3430,7 +3430,7 @@
           <a:p>
             <a:fld id="{9F50B6A4-EEFC-6D43-8633-B920B387D5FF}" type="datetimeFigureOut">
               <a:rPr lang="en-US" smtClean="0"/>
-              <a:t>05/03/16</a:t>
+              <a:t>11/05/16</a:t>
             </a:fld>
             <a:endParaRPr lang="en-GB"/>
           </a:p>
@@ -3917,8 +3917,8 @@
         </p:nvSpPr>
         <p:spPr>
           <a:xfrm>
-            <a:off x="1371600" y="4600008"/>
-            <a:ext cx="6400800" cy="1498891"/>
+            <a:off x="1371600" y="4600009"/>
+            <a:ext cx="6400800" cy="772092"/>
           </a:xfrm>
           <a:prstGeom prst="rect">
             <a:avLst/>
@@ -3926,7 +3926,7 @@
         </p:spPr>
         <p:txBody>
           <a:bodyPr vert="horz" lIns="91440" tIns="45720" rIns="91440" bIns="45720" rtlCol="0">
-            <a:normAutofit fontScale="55000" lnSpcReduction="20000"/>
+            <a:normAutofit fontScale="70000" lnSpcReduction="20000"/>
           </a:bodyPr>
           <a:lstStyle>
             <a:lvl1pPr marL="0" indent="0" algn="ctr" defTabSz="457200" rtl="0" eaLnBrk="1" latinLnBrk="0" hangingPunct="1">
@@ -4095,50 +4095,10 @@
           </a:p>
           <a:p>
             <a:r>
-              <a:rPr lang="en-US" dirty="0"/>
-              <a:t>Department of Computer </a:t>
-            </a:r>
-            <a:r>
-              <a:rPr lang="en-US" dirty="0" smtClean="0"/>
-              <a:t>Science, </a:t>
-            </a:r>
-            <a:r>
-              <a:rPr lang="en-US" dirty="0"/>
-              <a:t>Faculty of Engineering, </a:t>
-            </a:r>
-            <a:r>
-              <a:rPr lang="en-US" dirty="0" smtClean="0"/>
-              <a:t>LTH</a:t>
-            </a:r>
-          </a:p>
-          <a:p>
-            <a:r>
-              <a:rPr lang="en-US" dirty="0" smtClean="0"/>
-              <a:t>Lund University</a:t>
-            </a:r>
-            <a:r>
-              <a:rPr lang="en-US" dirty="0"/>
-              <a:t/>
-            </a:r>
-            <a:br>
-              <a:rPr lang="en-US" dirty="0"/>
-            </a:br>
-            <a:r>
-              <a:rPr lang="en-US" dirty="0"/>
-              <a:t>Lund, Sweden </a:t>
-            </a:r>
-            <a:endParaRPr lang="en-US" dirty="0" smtClean="0"/>
-          </a:p>
-          <a:p>
-            <a:r>
-              <a:rPr lang="en-US" dirty="0">
+              <a:rPr lang="en-US" dirty="0" smtClean="0">
                 <a:hlinkClick r:id="rId2"/>
               </a:rPr>
-              <a:t>christoff.burger@cs.lth.se</a:t>
-            </a:r>
-            <a:r>
-              <a:rPr lang="en-US" dirty="0"/>
-              <a:t> </a:t>
+              <a:t>christoff.buerger@gmail.com</a:t>
             </a:r>
             <a:endParaRPr lang="en-US" dirty="0" smtClean="0"/>
           </a:p>
@@ -8274,29 +8234,8 @@
                   <a:srgbClr val="660066"/>
                 </a:solidFill>
               </a:rPr>
-              <a:t>erived </a:t>
-            </a:r>
-            <a:r>
-              <a:rPr lang="en-GB" i="1" dirty="0" smtClean="0">
-                <a:solidFill>
-                  <a:srgbClr val="660066"/>
-                </a:solidFill>
-              </a:rPr>
-              <a:t>Petri </a:t>
-            </a:r>
-            <a:r>
-              <a:rPr lang="en-GB" i="1" dirty="0" smtClean="0">
-                <a:solidFill>
-                  <a:srgbClr val="660066"/>
-                </a:solidFill>
-              </a:rPr>
-              <a:t>net</a:t>
-            </a:r>
-            <a:endParaRPr lang="en-GB" i="1" dirty="0" smtClean="0">
-              <a:solidFill>
-                <a:srgbClr val="660066"/>
-              </a:solidFill>
-            </a:endParaRPr>
+              <a:t>erived Petri net</a:t>
+            </a:r>
           </a:p>
         </p:txBody>
       </p:sp>
@@ -8969,7 +8908,6 @@
               <a:rPr lang="en-GB" sz="1400" i="1" dirty="0" smtClean="0"/>
               <a:t>(original input diagram)</a:t>
             </a:r>
-            <a:endParaRPr lang="en-GB" sz="1400" i="1" dirty="0" smtClean="0"/>
           </a:p>
         </p:txBody>
       </p:sp>
@@ -12322,7 +12260,6 @@
               <a:rPr lang="en-GB" sz="1400" i="1" dirty="0" smtClean="0"/>
               <a:t>(original input diagram)</a:t>
             </a:r>
-            <a:endParaRPr lang="en-GB" sz="1400" i="1" dirty="0" smtClean="0"/>
           </a:p>
         </p:txBody>
       </p:sp>
@@ -12366,29 +12303,8 @@
                   <a:srgbClr val="660066"/>
                 </a:solidFill>
               </a:rPr>
-              <a:t>erived </a:t>
-            </a:r>
-            <a:r>
-              <a:rPr lang="en-GB" i="1" dirty="0" smtClean="0">
-                <a:solidFill>
-                  <a:srgbClr val="660066"/>
-                </a:solidFill>
-              </a:rPr>
-              <a:t>Petri </a:t>
-            </a:r>
-            <a:r>
-              <a:rPr lang="en-GB" i="1" dirty="0" smtClean="0">
-                <a:solidFill>
-                  <a:srgbClr val="660066"/>
-                </a:solidFill>
-              </a:rPr>
-              <a:t>net</a:t>
-            </a:r>
-            <a:endParaRPr lang="en-GB" i="1" dirty="0" smtClean="0">
-              <a:solidFill>
-                <a:srgbClr val="660066"/>
-              </a:solidFill>
-            </a:endParaRPr>
+              <a:t>erived Petri net</a:t>
+            </a:r>
           </a:p>
         </p:txBody>
       </p:sp>
@@ -15195,7 +15111,7 @@
             <a:avLst/>
           </a:prstGeom>
           <a:solidFill>
-            <a:srgbClr val="FFFFFF"/>
+            <a:srgbClr val="CCFFCC"/>
           </a:solidFill>
           <a:ln>
             <a:solidFill>
@@ -15253,12 +15169,7 @@
           <a:prstGeom prst="roundRect">
             <a:avLst/>
           </a:prstGeom>
-          <a:solidFill>
-            <a:schemeClr val="accent4">
-              <a:lumMod val="40000"/>
-              <a:lumOff val="60000"/>
-            </a:schemeClr>
-          </a:solidFill>
+          <a:noFill/>
           <a:ln>
             <a:solidFill>
               <a:srgbClr val="660066"/>
@@ -15903,11 +15814,7 @@
           <a:prstGeom prst="roundRect">
             <a:avLst/>
           </a:prstGeom>
-          <a:solidFill>
-            <a:srgbClr val="CCC1DA">
-              <a:alpha val="30000"/>
-            </a:srgbClr>
-          </a:solidFill>
+          <a:noFill/>
           <a:ln>
             <a:solidFill>
               <a:srgbClr val="660066">
@@ -16596,29 +16503,8 @@
                   <a:srgbClr val="660066"/>
                 </a:solidFill>
               </a:rPr>
-              <a:t>erived </a:t>
-            </a:r>
-            <a:r>
-              <a:rPr lang="en-GB" i="1" dirty="0" smtClean="0">
-                <a:solidFill>
-                  <a:srgbClr val="660066"/>
-                </a:solidFill>
-              </a:rPr>
-              <a:t>Petri </a:t>
-            </a:r>
-            <a:r>
-              <a:rPr lang="en-GB" i="1" dirty="0" smtClean="0">
-                <a:solidFill>
-                  <a:srgbClr val="660066"/>
-                </a:solidFill>
-              </a:rPr>
-              <a:t>net</a:t>
-            </a:r>
-            <a:endParaRPr lang="en-GB" i="1" dirty="0" smtClean="0">
-              <a:solidFill>
-                <a:srgbClr val="660066"/>
-              </a:solidFill>
-            </a:endParaRPr>
+              <a:t>erived Petri net</a:t>
+            </a:r>
           </a:p>
         </p:txBody>
       </p:sp>
@@ -17640,7 +17526,6 @@
               <a:rPr lang="en-GB" sz="1400" i="1" dirty="0" smtClean="0"/>
               <a:t>(original input diagram)</a:t>
             </a:r>
-            <a:endParaRPr lang="en-GB" sz="1400" i="1" dirty="0" smtClean="0"/>
           </a:p>
         </p:txBody>
       </p:sp>
@@ -17876,9 +17761,40 @@
           </a:p>
         </p:txBody>
       </p:sp>
+      <p:sp>
+        <p:nvSpPr>
+          <p:cNvPr id="3" name="TextBox 2"/>
+          <p:cNvSpPr txBox="1"/>
+          <p:nvPr/>
+        </p:nvSpPr>
+        <p:spPr>
+          <a:xfrm>
+            <a:off x="0" y="6107989"/>
+            <a:ext cx="9144000" cy="461665"/>
+          </a:xfrm>
+          <a:prstGeom prst="rect">
+            <a:avLst/>
+          </a:prstGeom>
+          <a:noFill/>
+        </p:spPr>
+        <p:txBody>
+          <a:bodyPr wrap="square" rtlCol="0">
+            <a:spAutoFit/>
+          </a:bodyPr>
+          <a:lstStyle/>
+          <a:p>
+            <a:pPr algn="ctr"/>
+            <a:r>
+              <a:rPr lang="en-GB" sz="2400" dirty="0" smtClean="0"/>
+              <a:t>no further software artefacts</a:t>
+            </a:r>
+            <a:endParaRPr lang="en-GB" sz="2400" dirty="0"/>
+          </a:p>
+        </p:txBody>
+      </p:sp>
       <p:pic>
         <p:nvPicPr>
-          <p:cNvPr id="6" name="Picture 5" descr="lines-of-code.pdf"/>
+          <p:cNvPr id="4" name="Picture 3" descr="Pages from solution-description.pdf"/>
           <p:cNvPicPr>
             <a:picLocks noChangeAspect="1"/>
           </p:cNvPicPr>
@@ -17898,45 +17814,14 @@
         </p:blipFill>
         <p:spPr>
           <a:xfrm>
-            <a:off x="522234" y="1395912"/>
-            <a:ext cx="8073038" cy="4756973"/>
+            <a:off x="457200" y="1219200"/>
+            <a:ext cx="8229600" cy="4937760"/>
           </a:xfrm>
           <a:prstGeom prst="rect">
             <a:avLst/>
           </a:prstGeom>
         </p:spPr>
       </p:pic>
-      <p:sp>
-        <p:nvSpPr>
-          <p:cNvPr id="3" name="TextBox 2"/>
-          <p:cNvSpPr txBox="1"/>
-          <p:nvPr/>
-        </p:nvSpPr>
-        <p:spPr>
-          <a:xfrm>
-            <a:off x="0" y="6107989"/>
-            <a:ext cx="9144000" cy="461665"/>
-          </a:xfrm>
-          <a:prstGeom prst="rect">
-            <a:avLst/>
-          </a:prstGeom>
-          <a:noFill/>
-        </p:spPr>
-        <p:txBody>
-          <a:bodyPr wrap="square" rtlCol="0">
-            <a:spAutoFit/>
-          </a:bodyPr>
-          <a:lstStyle/>
-          <a:p>
-            <a:pPr algn="ctr"/>
-            <a:r>
-              <a:rPr lang="en-GB" sz="2400" dirty="0" smtClean="0"/>
-              <a:t>no further software artefacts</a:t>
-            </a:r>
-            <a:endParaRPr lang="en-GB" sz="2400" dirty="0"/>
-          </a:p>
-        </p:txBody>
-      </p:sp>
     </p:spTree>
     <p:extLst>
       <p:ext uri="{BB962C8B-B14F-4D97-AF65-F5344CB8AC3E}">
@@ -17995,11 +17880,7 @@
             </a:r>
             <a:r>
               <a:rPr lang="en-GB" dirty="0" smtClean="0"/>
-              <a:t> </a:t>
-            </a:r>
-            <a:r>
-              <a:rPr lang="en-GB" dirty="0" smtClean="0"/>
-              <a:t>background</a:t>
+              <a:t> background</a:t>
             </a:r>
             <a:endParaRPr lang="en-GB" dirty="0"/>
           </a:p>
@@ -18065,9 +17946,52 @@
           </a:p>
         </p:txBody>
       </p:sp>
+      <p:sp>
+        <p:nvSpPr>
+          <p:cNvPr id="8" name="TextBox 7"/>
+          <p:cNvSpPr txBox="1"/>
+          <p:nvPr/>
+        </p:nvSpPr>
+        <p:spPr>
+          <a:xfrm>
+            <a:off x="0" y="4616787"/>
+            <a:ext cx="9144000" cy="830997"/>
+          </a:xfrm>
+          <a:prstGeom prst="rect">
+            <a:avLst/>
+          </a:prstGeom>
+          <a:noFill/>
+        </p:spPr>
+        <p:txBody>
+          <a:bodyPr wrap="square" rtlCol="0">
+            <a:spAutoFit/>
+          </a:bodyPr>
+          <a:lstStyle/>
+          <a:p>
+            <a:pPr algn="ctr"/>
+            <a:r>
+              <a:rPr lang="en-GB" sz="2400" dirty="0" smtClean="0"/>
+              <a:t>execution times in </a:t>
+            </a:r>
+            <a:r>
+              <a:rPr lang="en-GB" sz="2400" dirty="0" err="1" smtClean="0"/>
+              <a:t>ms</a:t>
+            </a:r>
+            <a:endParaRPr lang="en-GB" sz="2400" dirty="0" smtClean="0"/>
+          </a:p>
+          <a:p>
+            <a:pPr algn="ctr"/>
+            <a:r>
+              <a:rPr lang="en-GB" sz="2400" dirty="0" smtClean="0"/>
+              <a:t>(cf. solution description)</a:t>
+            </a:r>
+            <a:endParaRPr lang="en-GB" sz="2400" dirty="0"/>
+          </a:p>
+        </p:txBody>
+      </p:sp>
       <p:pic>
         <p:nvPicPr>
-          <p:cNvPr id="5" name="Picture 4" descr="performance.pdf"/>
+          <p:cNvPr id="3" name="Picture 2" descr="Pages from solution-description-2.pdf"/>
           <p:cNvPicPr>
             <a:picLocks noChangeAspect="1"/>
           </p:cNvPicPr>
@@ -18087,57 +18011,14 @@
         </p:blipFill>
         <p:spPr>
           <a:xfrm>
-            <a:off x="129727" y="1910802"/>
-            <a:ext cx="8864323" cy="2036661"/>
+            <a:off x="225490" y="1589906"/>
+            <a:ext cx="8702610" cy="3055584"/>
           </a:xfrm>
           <a:prstGeom prst="rect">
             <a:avLst/>
           </a:prstGeom>
         </p:spPr>
       </p:pic>
-      <p:sp>
-        <p:nvSpPr>
-          <p:cNvPr id="8" name="TextBox 7"/>
-          <p:cNvSpPr txBox="1"/>
-          <p:nvPr/>
-        </p:nvSpPr>
-        <p:spPr>
-          <a:xfrm>
-            <a:off x="0" y="3981787"/>
-            <a:ext cx="9144000" cy="830997"/>
-          </a:xfrm>
-          <a:prstGeom prst="rect">
-            <a:avLst/>
-          </a:prstGeom>
-          <a:noFill/>
-        </p:spPr>
-        <p:txBody>
-          <a:bodyPr wrap="square" rtlCol="0">
-            <a:spAutoFit/>
-          </a:bodyPr>
-          <a:lstStyle/>
-          <a:p>
-            <a:pPr algn="ctr"/>
-            <a:r>
-              <a:rPr lang="en-GB" sz="2400" dirty="0" smtClean="0"/>
-              <a:t>execution times in </a:t>
-            </a:r>
-            <a:r>
-              <a:rPr lang="en-GB" sz="2400" dirty="0" err="1" smtClean="0"/>
-              <a:t>ms</a:t>
-            </a:r>
-            <a:endParaRPr lang="en-GB" sz="2400" dirty="0" smtClean="0"/>
-          </a:p>
-          <a:p>
-            <a:pPr algn="ctr"/>
-            <a:r>
-              <a:rPr lang="en-GB" sz="2400" dirty="0" smtClean="0"/>
-              <a:t>(cf. solution description)</a:t>
-            </a:r>
-            <a:endParaRPr lang="en-GB" sz="2400" dirty="0"/>
-          </a:p>
-        </p:txBody>
-      </p:sp>
     </p:spTree>
     <p:extLst>
       <p:ext uri="{BB962C8B-B14F-4D97-AF65-F5344CB8AC3E}">
@@ -18267,1269 +18148,106 @@
       </p:grpSpPr>
       <p:sp>
         <p:nvSpPr>
-          <p:cNvPr id="2" name="Title 1"/>
-          <p:cNvSpPr>
-            <a:spLocks noGrp="1"/>
-          </p:cNvSpPr>
-          <p:nvPr>
-            <p:ph type="title"/>
-          </p:nvPr>
-        </p:nvSpPr>
-        <p:spPr/>
-        <p:txBody>
-          <a:bodyPr>
-            <a:normAutofit fontScale="90000"/>
+          <p:cNvPr id="84" name="Oval 83"/>
+          <p:cNvSpPr/>
+          <p:nvPr/>
+        </p:nvSpPr>
+        <p:spPr bwMode="auto">
+          <a:xfrm>
+            <a:off x="3491219" y="1398503"/>
+            <a:ext cx="2158882" cy="2157120"/>
+          </a:xfrm>
+          <a:prstGeom prst="ellipse">
+            <a:avLst/>
+          </a:prstGeom>
+          <a:solidFill>
+            <a:schemeClr val="bg1">
+              <a:lumMod val="95000"/>
+            </a:schemeClr>
+          </a:solidFill>
+          <a:ln w="9525" cap="flat" cmpd="sng" algn="ctr">
+            <a:noFill/>
+            <a:prstDash val="solid"/>
+            <a:round/>
+            <a:headEnd type="none" w="med" len="med"/>
+            <a:tailEnd type="none" w="med" len="med"/>
+          </a:ln>
+          <a:effectLst/>
+        </p:spPr>
+        <p:txBody>
+          <a:bodyPr vert="horz" wrap="square" lIns="91440" tIns="45720" rIns="91440" bIns="45720" numCol="1" rtlCol="0" anchor="t" anchorCtr="0" compatLnSpc="1">
+            <a:prstTxWarp prst="textNoShape">
+              <a:avLst/>
+            </a:prstTxWarp>
           </a:bodyPr>
           <a:lstStyle/>
           <a:p>
-            <a:r>
-              <a:rPr lang="en-GB" dirty="0" smtClean="0"/>
-              <a:t>Benefits of RAG</a:t>
-            </a:r>
-            <a:r>
-              <a:rPr lang="en-GB" dirty="0"/>
-              <a:t>-controlled </a:t>
-            </a:r>
-            <a:r>
-              <a:rPr lang="en-GB" dirty="0" smtClean="0"/>
-              <a:t>rewriting</a:t>
-            </a:r>
-            <a:endParaRPr lang="en-GB" dirty="0"/>
+            <a:pPr marL="0" marR="0" indent="0" algn="l" defTabSz="914400" rtl="0" eaLnBrk="1" fontAlgn="base" latinLnBrk="0" hangingPunct="1">
+              <a:lnSpc>
+                <a:spcPct val="100000"/>
+              </a:lnSpc>
+              <a:spcBef>
+                <a:spcPct val="0"/>
+              </a:spcBef>
+              <a:spcAft>
+                <a:spcPct val="0"/>
+              </a:spcAft>
+              <a:buClrTx/>
+              <a:buSzTx/>
+              <a:buFontTx/>
+              <a:buNone/>
+              <a:tabLst/>
+            </a:pPr>
+            <a:endParaRPr kumimoji="0" lang="en-GB" sz="1000" i="0" u="none" strike="noStrike" cap="none" normalizeH="0" baseline="0" smtClean="0">
+              <a:ln>
+                <a:noFill/>
+              </a:ln>
+              <a:solidFill>
+                <a:schemeClr val="bg2"/>
+              </a:solidFill>
+              <a:effectLst/>
+            </a:endParaRPr>
           </a:p>
         </p:txBody>
       </p:sp>
       <p:grpSp>
         <p:nvGrpSpPr>
-          <p:cNvPr id="138" name="Group 137"/>
+          <p:cNvPr id="4" name="Group 3"/>
           <p:cNvGrpSpPr/>
           <p:nvPr/>
         </p:nvGrpSpPr>
         <p:grpSpPr>
           <a:xfrm>
-            <a:off x="268063" y="3810000"/>
-            <a:ext cx="8667702" cy="2320250"/>
-            <a:chOff x="1503835" y="34517018"/>
-            <a:chExt cx="21267092" cy="5522807"/>
+            <a:off x="3459826" y="1398503"/>
+            <a:ext cx="2222500" cy="2200413"/>
+            <a:chOff x="3459826" y="1398503"/>
+            <a:chExt cx="2222500" cy="2200413"/>
           </a:xfrm>
         </p:grpSpPr>
         <p:sp>
           <p:nvSpPr>
-            <p:cNvPr id="139" name="Rechteck 1"/>
+            <p:cNvPr id="86" name="Octagon 85"/>
             <p:cNvSpPr/>
             <p:nvPr/>
           </p:nvSpPr>
           <p:spPr bwMode="auto">
             <a:xfrm>
-              <a:off x="10801035" y="34811568"/>
-              <a:ext cx="11969892" cy="3608234"/>
+              <a:off x="4401541" y="1398503"/>
+              <a:ext cx="201622" cy="201622"/>
             </a:xfrm>
-            <a:prstGeom prst="rect">
-              <a:avLst/>
+            <a:prstGeom prst="octagon">
+              <a:avLst>
+                <a:gd name="adj" fmla="val 30759"/>
+              </a:avLst>
             </a:prstGeom>
             <a:solidFill>
               <a:schemeClr val="bg1">
                 <a:lumMod val="75000"/>
               </a:schemeClr>
             </a:solidFill>
-            <a:ln w="9525" cap="flat" cmpd="sng" algn="ctr">
-              <a:noFill/>
-              <a:prstDash val="solid"/>
-              <a:round/>
-              <a:headEnd type="none" w="med" len="med"/>
-              <a:tailEnd type="none" w="med" len="med"/>
-            </a:ln>
-            <a:effectLst/>
-          </p:spPr>
-          <p:txBody>
-            <a:bodyPr vert="horz" wrap="square" lIns="91440" tIns="45720" rIns="91440" bIns="45720" numCol="1" rtlCol="0" anchor="t" anchorCtr="0" compatLnSpc="1">
-              <a:prstTxWarp prst="textNoShape">
-                <a:avLst/>
-              </a:prstTxWarp>
-            </a:bodyPr>
-            <a:lstStyle/>
-            <a:p>
-              <a:pPr marL="0" marR="0" lvl="0" indent="0" algn="r" defTabSz="914323" eaLnBrk="1" fontAlgn="auto" latinLnBrk="0" hangingPunct="1">
-                <a:lnSpc>
-                  <a:spcPct val="100000"/>
-                </a:lnSpc>
-                <a:spcBef>
-                  <a:spcPts val="0"/>
-                </a:spcBef>
-                <a:spcAft>
-                  <a:spcPts val="0"/>
-                </a:spcAft>
-                <a:buClrTx/>
-                <a:buSzTx/>
-                <a:buFontTx/>
-                <a:buNone/>
-                <a:tabLst/>
-                <a:defRPr/>
-              </a:pPr>
-              <a:endParaRPr kumimoji="0" lang="de-DE" sz="2800" b="0" i="0" u="none" strike="noStrike" kern="0" cap="none" spc="0" normalizeH="0" baseline="0" noProof="0" dirty="0" smtClean="0">
-                <a:ln>
-                  <a:noFill/>
-                </a:ln>
-                <a:solidFill>
-                  <a:srgbClr val="000000"/>
-                </a:solidFill>
-                <a:effectLst/>
-                <a:uLnTx/>
-                <a:uFillTx/>
-                <a:cs typeface="Arial"/>
-              </a:endParaRPr>
-            </a:p>
-          </p:txBody>
-        </p:sp>
-        <p:sp>
-          <p:nvSpPr>
-            <p:cNvPr id="140" name="Rechteck 13"/>
-            <p:cNvSpPr/>
-            <p:nvPr/>
-          </p:nvSpPr>
-          <p:spPr bwMode="auto">
-            <a:xfrm>
-              <a:off x="1503835" y="34517018"/>
-              <a:ext cx="12835622" cy="3129591"/>
-            </a:xfrm>
-            <a:prstGeom prst="rect">
-              <a:avLst/>
-            </a:prstGeom>
-            <a:solidFill>
-              <a:schemeClr val="bg1">
-                <a:lumMod val="75000"/>
-              </a:schemeClr>
-            </a:solidFill>
-            <a:ln w="9525" cap="flat" cmpd="sng" algn="ctr">
-              <a:noFill/>
-              <a:prstDash val="solid"/>
-              <a:round/>
-              <a:headEnd type="none" w="med" len="med"/>
-              <a:tailEnd type="none" w="med" len="med"/>
-            </a:ln>
-            <a:effectLst/>
-          </p:spPr>
-          <p:txBody>
-            <a:bodyPr vert="horz" wrap="square" lIns="91440" tIns="45720" rIns="91440" bIns="45720" numCol="1" rtlCol="0" anchor="t" anchorCtr="0" compatLnSpc="1">
-              <a:prstTxWarp prst="textNoShape">
-                <a:avLst/>
-              </a:prstTxWarp>
-            </a:bodyPr>
-            <a:lstStyle/>
-            <a:p>
-              <a:pPr marL="0" marR="0" lvl="0" indent="0" defTabSz="914323" eaLnBrk="1" fontAlgn="auto" latinLnBrk="0" hangingPunct="1">
-                <a:lnSpc>
-                  <a:spcPct val="100000"/>
-                </a:lnSpc>
-                <a:spcBef>
-                  <a:spcPts val="0"/>
-                </a:spcBef>
-                <a:spcAft>
-                  <a:spcPts val="0"/>
-                </a:spcAft>
-                <a:buClrTx/>
-                <a:buSzTx/>
-                <a:buFontTx/>
-                <a:buNone/>
-                <a:tabLst/>
-                <a:defRPr/>
-              </a:pPr>
-              <a:endParaRPr kumimoji="0" lang="de-DE" sz="2800" b="0" i="0" u="none" strike="noStrike" kern="0" cap="none" spc="0" normalizeH="0" baseline="0" noProof="0" dirty="0">
-                <a:ln>
-                  <a:noFill/>
-                </a:ln>
-                <a:solidFill>
-                  <a:srgbClr val="000000"/>
-                </a:solidFill>
-                <a:effectLst/>
-                <a:uLnTx/>
-                <a:uFillTx/>
-                <a:cs typeface="Arial"/>
-              </a:endParaRPr>
-            </a:p>
-          </p:txBody>
-        </p:sp>
-        <p:sp>
-          <p:nvSpPr>
-            <p:cNvPr id="141" name="Rechteck 16"/>
-            <p:cNvSpPr/>
-            <p:nvPr/>
-          </p:nvSpPr>
-          <p:spPr bwMode="auto">
-            <a:xfrm>
-              <a:off x="2681411" y="37031568"/>
-              <a:ext cx="18650383" cy="3008257"/>
-            </a:xfrm>
-            <a:prstGeom prst="rect">
-              <a:avLst/>
-            </a:prstGeom>
-            <a:solidFill>
-              <a:schemeClr val="bg1">
-                <a:lumMod val="75000"/>
-              </a:schemeClr>
-            </a:solidFill>
-            <a:ln w="9525" cap="flat" cmpd="sng" algn="ctr">
-              <a:noFill/>
-              <a:prstDash val="solid"/>
-              <a:round/>
-              <a:headEnd type="none" w="med" len="med"/>
-              <a:tailEnd type="none" w="med" len="med"/>
-            </a:ln>
-            <a:effectLst/>
-          </p:spPr>
-          <p:txBody>
-            <a:bodyPr vert="horz" wrap="square" lIns="91440" tIns="45720" rIns="91440" bIns="45720" numCol="1" rtlCol="0" anchor="b" anchorCtr="0" compatLnSpc="1">
-              <a:prstTxWarp prst="textNoShape">
-                <a:avLst/>
-              </a:prstTxWarp>
-            </a:bodyPr>
-            <a:lstStyle/>
-            <a:p>
-              <a:pPr marL="0" marR="0" lvl="0" indent="0" algn="ctr" defTabSz="914400" eaLnBrk="1" fontAlgn="auto" latinLnBrk="0" hangingPunct="1">
-                <a:lnSpc>
-                  <a:spcPct val="100000"/>
-                </a:lnSpc>
-                <a:spcBef>
-                  <a:spcPts val="0"/>
-                </a:spcBef>
-                <a:spcAft>
-                  <a:spcPts val="0"/>
-                </a:spcAft>
-                <a:buClrTx/>
-                <a:buSzTx/>
-                <a:buFontTx/>
-                <a:buNone/>
-                <a:tabLst/>
-                <a:defRPr/>
-              </a:pPr>
-              <a:endParaRPr kumimoji="0" lang="de-DE" sz="2800" b="0" i="0" u="none" strike="noStrike" kern="0" cap="none" spc="0" normalizeH="0" baseline="0" noProof="0" dirty="0" smtClean="0">
-                <a:ln>
-                  <a:noFill/>
-                </a:ln>
-                <a:solidFill>
-                  <a:srgbClr val="000000"/>
-                </a:solidFill>
-                <a:effectLst/>
-                <a:uLnTx/>
-                <a:uFillTx/>
-                <a:cs typeface="Arial"/>
-              </a:endParaRPr>
-            </a:p>
-          </p:txBody>
-        </p:sp>
-        <p:sp>
-          <p:nvSpPr>
-            <p:cNvPr id="144" name="Rechteck 1"/>
-            <p:cNvSpPr/>
-            <p:nvPr/>
-          </p:nvSpPr>
-          <p:spPr bwMode="auto">
-            <a:xfrm>
-              <a:off x="9847722" y="35003714"/>
-              <a:ext cx="12697113" cy="3061802"/>
-            </a:xfrm>
-            <a:prstGeom prst="rect">
-              <a:avLst/>
-            </a:prstGeom>
-            <a:solidFill>
-              <a:srgbClr val="660066"/>
-            </a:solidFill>
-            <a:ln w="9525" cap="flat" cmpd="sng" algn="ctr">
-              <a:noFill/>
-              <a:prstDash val="solid"/>
-              <a:round/>
-              <a:headEnd type="none" w="med" len="med"/>
-              <a:tailEnd type="none" w="med" len="med"/>
-            </a:ln>
-            <a:effectLst/>
-          </p:spPr>
-          <p:txBody>
-            <a:bodyPr vert="horz" wrap="square" lIns="91440" tIns="45720" rIns="91440" bIns="45720" numCol="1" rtlCol="0" anchor="t" anchorCtr="0" compatLnSpc="1">
-              <a:prstTxWarp prst="textNoShape">
-                <a:avLst/>
-              </a:prstTxWarp>
-            </a:bodyPr>
-            <a:lstStyle/>
-            <a:p>
-              <a:pPr marL="0" marR="0" lvl="0" indent="0" algn="r" defTabSz="914323" eaLnBrk="1" fontAlgn="auto" latinLnBrk="0" hangingPunct="1">
-                <a:lnSpc>
-                  <a:spcPct val="100000"/>
-                </a:lnSpc>
-                <a:spcBef>
-                  <a:spcPts val="0"/>
-                </a:spcBef>
-                <a:spcAft>
-                  <a:spcPts val="0"/>
-                </a:spcAft>
-                <a:buClrTx/>
-                <a:buSzTx/>
-                <a:buFontTx/>
-                <a:buNone/>
-                <a:tabLst/>
-                <a:defRPr/>
-              </a:pPr>
-              <a:r>
-                <a:rPr kumimoji="0" lang="de-DE" sz="2800" b="0" i="0" u="none" strike="noStrike" kern="0" cap="none" spc="0" normalizeH="0" baseline="0" noProof="0" dirty="0" err="1" smtClean="0">
-                  <a:ln>
-                    <a:noFill/>
-                  </a:ln>
-                  <a:solidFill>
-                    <a:srgbClr val="FFFFFF"/>
-                  </a:solidFill>
-                  <a:effectLst/>
-                  <a:uLnTx/>
-                  <a:uFillTx/>
-                  <a:cs typeface="Arial"/>
-                </a:rPr>
-                <a:t>Efficient</a:t>
-              </a:r>
-              <a:r>
-                <a:rPr kumimoji="0" lang="de-DE" sz="2800" b="0" i="0" u="none" strike="noStrike" kern="0" cap="none" spc="0" normalizeH="0" baseline="0" noProof="0" dirty="0" smtClean="0">
-                  <a:ln>
-                    <a:noFill/>
-                  </a:ln>
-                  <a:solidFill>
-                    <a:srgbClr val="FFFFFF"/>
-                  </a:solidFill>
-                  <a:effectLst/>
-                  <a:uLnTx/>
-                  <a:uFillTx/>
-                  <a:cs typeface="Arial"/>
-                </a:rPr>
-                <a:t> </a:t>
-              </a:r>
-              <a:r>
-                <a:rPr kumimoji="0" lang="de-DE" sz="2800" b="0" i="0" u="none" strike="noStrike" kern="0" cap="none" spc="0" normalizeH="0" baseline="0" noProof="0" dirty="0" err="1" smtClean="0">
-                  <a:ln>
-                    <a:noFill/>
-                  </a:ln>
-                  <a:solidFill>
-                    <a:srgbClr val="FFFFFF"/>
-                  </a:solidFill>
-                  <a:effectLst/>
-                  <a:uLnTx/>
-                  <a:uFillTx/>
-                  <a:cs typeface="Arial"/>
-                </a:rPr>
-                <a:t>Rewriting</a:t>
-              </a:r>
-              <a:endParaRPr kumimoji="0" lang="de-DE" sz="2800" b="0" i="0" u="none" strike="noStrike" kern="0" cap="none" spc="0" normalizeH="0" baseline="0" noProof="0" dirty="0" smtClean="0">
-                <a:ln>
-                  <a:noFill/>
-                </a:ln>
-                <a:solidFill>
-                  <a:srgbClr val="FFFFFF"/>
-                </a:solidFill>
-                <a:effectLst/>
-                <a:uLnTx/>
-                <a:uFillTx/>
-                <a:cs typeface="Arial"/>
-              </a:endParaRPr>
-            </a:p>
-          </p:txBody>
-        </p:sp>
-        <p:sp>
-          <p:nvSpPr>
-            <p:cNvPr id="145" name="Rechteck 13"/>
-            <p:cNvSpPr/>
-            <p:nvPr/>
-          </p:nvSpPr>
-          <p:spPr bwMode="auto">
-            <a:xfrm>
-              <a:off x="1722320" y="34725364"/>
-              <a:ext cx="12404899" cy="2706707"/>
-            </a:xfrm>
-            <a:prstGeom prst="rect">
-              <a:avLst/>
-            </a:prstGeom>
-            <a:solidFill>
-              <a:srgbClr val="008000"/>
-            </a:solidFill>
-            <a:ln w="9525" cap="flat" cmpd="sng" algn="ctr">
-              <a:noFill/>
-              <a:prstDash val="solid"/>
-              <a:round/>
-              <a:headEnd type="none" w="med" len="med"/>
-              <a:tailEnd type="none" w="med" len="med"/>
-            </a:ln>
-            <a:effectLst/>
-          </p:spPr>
-          <p:txBody>
-            <a:bodyPr vert="horz" wrap="square" lIns="91440" tIns="45720" rIns="91440" bIns="45720" numCol="1" rtlCol="0" anchor="t" anchorCtr="0" compatLnSpc="1">
-              <a:prstTxWarp prst="textNoShape">
-                <a:avLst/>
-              </a:prstTxWarp>
-            </a:bodyPr>
-            <a:lstStyle/>
-            <a:p>
-              <a:pPr marL="0" marR="0" lvl="0" indent="0" defTabSz="914323" eaLnBrk="1" fontAlgn="auto" latinLnBrk="0" hangingPunct="1">
-                <a:lnSpc>
-                  <a:spcPct val="100000"/>
-                </a:lnSpc>
-                <a:spcBef>
-                  <a:spcPts val="0"/>
-                </a:spcBef>
-                <a:spcAft>
-                  <a:spcPts val="0"/>
-                </a:spcAft>
-                <a:buClrTx/>
-                <a:buSzTx/>
-                <a:buFontTx/>
-                <a:buNone/>
-                <a:tabLst/>
-                <a:defRPr/>
-              </a:pPr>
-              <a:r>
-                <a:rPr kumimoji="0" lang="de-DE" sz="2800" b="0" i="0" u="none" strike="noStrike" kern="0" cap="none" spc="0" normalizeH="0" baseline="0" noProof="0" dirty="0" err="1" smtClean="0">
-                  <a:ln>
-                    <a:noFill/>
-                  </a:ln>
-                  <a:solidFill>
-                    <a:srgbClr val="FFFFFF"/>
-                  </a:solidFill>
-                  <a:effectLst/>
-                  <a:uLnTx/>
-                  <a:uFillTx/>
-                  <a:cs typeface="Arial"/>
-                </a:rPr>
-                <a:t>Efficient</a:t>
-              </a:r>
-              <a:r>
-                <a:rPr kumimoji="0" lang="de-DE" sz="2800" b="0" i="0" u="none" strike="noStrike" kern="0" cap="none" spc="0" normalizeH="0" baseline="0" noProof="0" dirty="0" smtClean="0">
-                  <a:ln>
-                    <a:noFill/>
-                  </a:ln>
-                  <a:solidFill>
-                    <a:srgbClr val="FFFFFF"/>
-                  </a:solidFill>
-                  <a:effectLst/>
-                  <a:uLnTx/>
-                  <a:uFillTx/>
-                  <a:cs typeface="Arial"/>
-                </a:rPr>
-                <a:t> </a:t>
-              </a:r>
-              <a:r>
-                <a:rPr kumimoji="0" lang="de-DE" sz="2800" b="0" i="0" u="none" strike="noStrike" kern="0" cap="none" spc="0" normalizeH="0" baseline="0" noProof="0" dirty="0" err="1" smtClean="0">
-                  <a:ln>
-                    <a:noFill/>
-                  </a:ln>
-                  <a:solidFill>
-                    <a:srgbClr val="FFFFFF"/>
-                  </a:solidFill>
-                  <a:effectLst/>
-                  <a:uLnTx/>
-                  <a:uFillTx/>
-                  <a:cs typeface="Arial"/>
-                </a:rPr>
-                <a:t>Analyses</a:t>
-              </a:r>
-              <a:endParaRPr kumimoji="0" lang="de-DE" sz="2800" b="0" i="0" u="none" strike="noStrike" kern="0" cap="none" spc="0" normalizeH="0" baseline="0" noProof="0" dirty="0">
-                <a:ln>
-                  <a:noFill/>
-                </a:ln>
-                <a:solidFill>
-                  <a:srgbClr val="FFFFFF"/>
-                </a:solidFill>
-                <a:effectLst/>
-                <a:uLnTx/>
-                <a:uFillTx/>
-                <a:cs typeface="Arial"/>
-              </a:endParaRPr>
-            </a:p>
-          </p:txBody>
-        </p:sp>
-        <p:sp>
-          <p:nvSpPr>
-            <p:cNvPr id="146" name="Rechteck 16"/>
-            <p:cNvSpPr/>
-            <p:nvPr/>
-          </p:nvSpPr>
-          <p:spPr bwMode="auto">
-            <a:xfrm>
-              <a:off x="2903865" y="36756543"/>
-              <a:ext cx="12819433" cy="3055845"/>
-            </a:xfrm>
-            <a:prstGeom prst="rect">
-              <a:avLst/>
-            </a:prstGeom>
-            <a:solidFill>
-              <a:srgbClr val="10253F"/>
-            </a:solidFill>
-            <a:ln w="9525" cap="flat" cmpd="sng" algn="ctr">
-              <a:noFill/>
-              <a:prstDash val="solid"/>
-              <a:round/>
-              <a:headEnd type="none" w="med" len="med"/>
-              <a:tailEnd type="none" w="med" len="med"/>
-            </a:ln>
-            <a:effectLst/>
-          </p:spPr>
-          <p:txBody>
-            <a:bodyPr vert="horz" wrap="square" lIns="91440" tIns="45720" rIns="91440" bIns="45720" numCol="1" rtlCol="0" anchor="b" anchorCtr="0" compatLnSpc="1">
-              <a:prstTxWarp prst="textNoShape">
-                <a:avLst/>
-              </a:prstTxWarp>
-            </a:bodyPr>
-            <a:lstStyle/>
-            <a:p>
-              <a:pPr marL="0" marR="0" lvl="0" indent="0" defTabSz="914400" eaLnBrk="1" fontAlgn="auto" latinLnBrk="0" hangingPunct="1">
-                <a:lnSpc>
-                  <a:spcPct val="100000"/>
-                </a:lnSpc>
-                <a:spcBef>
-                  <a:spcPts val="0"/>
-                </a:spcBef>
-                <a:spcAft>
-                  <a:spcPts val="0"/>
-                </a:spcAft>
-                <a:buClrTx/>
-                <a:buSzTx/>
-                <a:buFontTx/>
-                <a:buNone/>
-                <a:tabLst/>
-                <a:defRPr/>
-              </a:pPr>
-              <a:r>
-                <a:rPr kumimoji="0" lang="de-DE" sz="2800" b="0" i="0" u="none" strike="noStrike" kern="0" cap="none" spc="0" normalizeH="0" baseline="0" noProof="0" dirty="0" err="1" smtClean="0">
-                  <a:ln>
-                    <a:noFill/>
-                  </a:ln>
-                  <a:solidFill>
-                    <a:srgbClr val="FFFFFF"/>
-                  </a:solidFill>
-                  <a:effectLst/>
-                  <a:uLnTx/>
-                  <a:uFillTx/>
-                  <a:cs typeface="Arial"/>
-                </a:rPr>
-                <a:t>Programmed</a:t>
-              </a:r>
-              <a:r>
-                <a:rPr kumimoji="0" lang="de-DE" sz="2800" b="0" i="0" u="none" strike="noStrike" kern="0" cap="none" spc="0" normalizeH="0" baseline="0" noProof="0" dirty="0" smtClean="0">
-                  <a:ln>
-                    <a:noFill/>
-                  </a:ln>
-                  <a:solidFill>
-                    <a:srgbClr val="FFFFFF"/>
-                  </a:solidFill>
-                  <a:effectLst/>
-                  <a:uLnTx/>
-                  <a:uFillTx/>
-                  <a:cs typeface="Arial"/>
-                </a:rPr>
-                <a:t> /</a:t>
-              </a:r>
-            </a:p>
-            <a:p>
-              <a:pPr marL="0" marR="0" lvl="0" indent="0" defTabSz="914400" eaLnBrk="1" fontAlgn="auto" latinLnBrk="0" hangingPunct="1">
-                <a:lnSpc>
-                  <a:spcPct val="100000"/>
-                </a:lnSpc>
-                <a:spcBef>
-                  <a:spcPts val="0"/>
-                </a:spcBef>
-                <a:spcAft>
-                  <a:spcPts val="0"/>
-                </a:spcAft>
-                <a:buClrTx/>
-                <a:buSzTx/>
-                <a:buFontTx/>
-                <a:buNone/>
-                <a:tabLst/>
-                <a:defRPr/>
-              </a:pPr>
-              <a:r>
-                <a:rPr kumimoji="0" lang="de-DE" sz="2800" b="0" i="0" u="none" strike="noStrike" kern="0" cap="none" spc="0" normalizeH="0" baseline="0" noProof="0" dirty="0" smtClean="0">
-                  <a:ln>
-                    <a:noFill/>
-                  </a:ln>
-                  <a:solidFill>
-                    <a:srgbClr val="FFFFFF"/>
-                  </a:solidFill>
-                  <a:effectLst/>
-                  <a:uLnTx/>
-                  <a:uFillTx/>
-                  <a:cs typeface="Arial"/>
-                </a:rPr>
-                <a:t>RAG </a:t>
-              </a:r>
-              <a:r>
-                <a:rPr kumimoji="0" lang="de-DE" sz="2800" b="0" i="0" u="none" strike="noStrike" kern="0" cap="none" spc="0" normalizeH="0" baseline="0" noProof="0" dirty="0" err="1" smtClean="0">
-                  <a:ln>
-                    <a:noFill/>
-                  </a:ln>
-                  <a:solidFill>
-                    <a:srgbClr val="FFFFFF"/>
-                  </a:solidFill>
-                  <a:effectLst/>
-                  <a:uLnTx/>
-                  <a:uFillTx/>
-                  <a:cs typeface="Arial"/>
-                </a:rPr>
-                <a:t>Controlled</a:t>
-              </a:r>
-              <a:r>
-                <a:rPr kumimoji="0" lang="de-DE" sz="2800" b="0" i="0" u="none" strike="noStrike" kern="0" cap="none" spc="0" normalizeH="0" baseline="0" noProof="0" dirty="0" smtClean="0">
-                  <a:ln>
-                    <a:noFill/>
-                  </a:ln>
-                  <a:solidFill>
-                    <a:srgbClr val="FFFFFF"/>
-                  </a:solidFill>
-                  <a:effectLst/>
-                  <a:uLnTx/>
-                  <a:uFillTx/>
-                  <a:cs typeface="Arial"/>
-                </a:rPr>
-                <a:t> </a:t>
-              </a:r>
-              <a:r>
-                <a:rPr kumimoji="0" lang="de-DE" sz="2800" b="0" i="0" u="none" strike="noStrike" kern="0" cap="none" spc="0" normalizeH="0" baseline="0" noProof="0" dirty="0" err="1" smtClean="0">
-                  <a:ln>
-                    <a:noFill/>
-                  </a:ln>
-                  <a:solidFill>
-                    <a:srgbClr val="FFFFFF"/>
-                  </a:solidFill>
-                  <a:effectLst/>
-                  <a:uLnTx/>
-                  <a:uFillTx/>
-                  <a:cs typeface="Arial"/>
-                </a:rPr>
-                <a:t>Rewriting</a:t>
-              </a:r>
-              <a:endParaRPr kumimoji="0" lang="de-DE" sz="2800" b="0" i="0" u="none" strike="noStrike" kern="0" cap="none" spc="0" normalizeH="0" baseline="0" noProof="0" dirty="0" smtClean="0">
-                <a:ln>
-                  <a:noFill/>
-                </a:ln>
-                <a:solidFill>
-                  <a:srgbClr val="FFFFFF"/>
-                </a:solidFill>
-                <a:effectLst/>
-                <a:uLnTx/>
-                <a:uFillTx/>
-                <a:cs typeface="Arial"/>
-              </a:endParaRPr>
-            </a:p>
-          </p:txBody>
-        </p:sp>
-        <p:sp>
-          <p:nvSpPr>
-            <p:cNvPr id="148" name="Rectangle 3" descr=" 5126"/>
-            <p:cNvSpPr txBox="1">
-              <a:spLocks noChangeArrowheads="1"/>
-            </p:cNvSpPr>
-            <p:nvPr/>
-          </p:nvSpPr>
-          <p:spPr bwMode="auto">
-            <a:xfrm>
-              <a:off x="15723299" y="38006261"/>
-              <a:ext cx="5608496" cy="2033564"/>
-            </a:xfrm>
-            <a:prstGeom prst="rect">
-              <a:avLst/>
-            </a:prstGeom>
-            <a:noFill/>
-            <a:ln>
-              <a:noFill/>
-            </a:ln>
-            <a:extLst>
-              <a:ext uri="{909E8E84-426E-40dd-AFC4-6F175D3DCCD1}">
-                <a14:hiddenFill xmlns:a14="http://schemas.microsoft.com/office/drawing/2010/main">
-                  <a:solidFill>
-                    <a:srgbClr val="FFFFFF"/>
-                  </a:solidFill>
-                </a14:hiddenFill>
-              </a:ext>
-              <a:ext uri="{91240B29-F687-4f45-9708-019B960494DF}">
-                <a14:hiddenLine xmlns:a14="http://schemas.microsoft.com/office/drawing/2010/main" w="9525">
-                  <a:solidFill>
-                    <a:srgbClr val="000000"/>
-                  </a:solidFill>
-                  <a:miter lim="800000"/>
-                  <a:headEnd/>
-                  <a:tailEnd/>
-                </a14:hiddenLine>
-              </a:ext>
-              <a:ext uri="{FAA26D3D-D897-4be2-8F04-BA451C77F1D7}">
-                <ma14:placeholderFlag xmlns:ma14="http://schemas.microsoft.com/office/mac/drawingml/2011/main" val="1"/>
-              </a:ext>
-            </a:extLst>
-          </p:spPr>
-          <p:txBody>
-            <a:bodyPr vert="horz" wrap="square" lIns="0" tIns="0" rIns="0" bIns="0" numCol="1" anchor="t" anchorCtr="0" compatLnSpc="1">
-              <a:prstTxWarp prst="textNoShape">
-                <a:avLst/>
-              </a:prstTxWarp>
-            </a:bodyPr>
-            <a:lstStyle>
-              <a:lvl1pPr marL="342900" indent="-342900" algn="l" rtl="0" eaLnBrk="0" fontAlgn="base" hangingPunct="0">
-                <a:spcBef>
-                  <a:spcPct val="20000"/>
-                </a:spcBef>
-                <a:spcAft>
-                  <a:spcPct val="0"/>
-                </a:spcAft>
-                <a:defRPr sz="1400">
-                  <a:solidFill>
-                    <a:srgbClr val="001D4B"/>
-                  </a:solidFill>
-                  <a:latin typeface="+mn-lt"/>
-                  <a:ea typeface="ＭＳ Ｐゴシック" charset="0"/>
-                  <a:cs typeface="ＭＳ Ｐゴシック" charset="0"/>
-                </a:defRPr>
-              </a:lvl1pPr>
-              <a:lvl2pPr marL="742950" indent="-285750" algn="l" rtl="0" eaLnBrk="0" fontAlgn="base" hangingPunct="0">
-                <a:spcBef>
-                  <a:spcPct val="20000"/>
-                </a:spcBef>
-                <a:spcAft>
-                  <a:spcPct val="0"/>
-                </a:spcAft>
-                <a:defRPr sz="1400">
-                  <a:solidFill>
-                    <a:srgbClr val="001D4B"/>
-                  </a:solidFill>
-                  <a:latin typeface="+mn-lt"/>
-                  <a:ea typeface="ＭＳ Ｐゴシック" charset="0"/>
-                </a:defRPr>
-              </a:lvl2pPr>
-              <a:lvl3pPr marL="1143000" indent="-228600" algn="l" rtl="0" eaLnBrk="0" fontAlgn="base" hangingPunct="0">
-                <a:spcBef>
-                  <a:spcPct val="20000"/>
-                </a:spcBef>
-                <a:spcAft>
-                  <a:spcPct val="0"/>
-                </a:spcAft>
-                <a:defRPr sz="1400">
-                  <a:solidFill>
-                    <a:srgbClr val="001D4B"/>
-                  </a:solidFill>
-                  <a:latin typeface="+mn-lt"/>
-                  <a:ea typeface="ＭＳ Ｐゴシック" charset="0"/>
-                </a:defRPr>
-              </a:lvl3pPr>
-              <a:lvl4pPr marL="1600200" indent="-228600" algn="l" rtl="0" eaLnBrk="0" fontAlgn="base" hangingPunct="0">
-                <a:spcBef>
-                  <a:spcPct val="20000"/>
-                </a:spcBef>
-                <a:spcAft>
-                  <a:spcPct val="0"/>
-                </a:spcAft>
-                <a:defRPr sz="1400">
-                  <a:solidFill>
-                    <a:srgbClr val="001D4B"/>
-                  </a:solidFill>
-                  <a:latin typeface="+mn-lt"/>
-                  <a:ea typeface="ＭＳ Ｐゴシック" charset="0"/>
-                </a:defRPr>
-              </a:lvl4pPr>
-              <a:lvl5pPr marL="2057400" indent="-228600" algn="l" rtl="0" eaLnBrk="0" fontAlgn="base" hangingPunct="0">
-                <a:spcBef>
-                  <a:spcPct val="20000"/>
-                </a:spcBef>
-                <a:spcAft>
-                  <a:spcPct val="0"/>
-                </a:spcAft>
-                <a:defRPr sz="1400">
-                  <a:solidFill>
-                    <a:srgbClr val="001D4B"/>
-                  </a:solidFill>
-                  <a:latin typeface="+mn-lt"/>
-                  <a:ea typeface="ＭＳ Ｐゴシック" charset="0"/>
-                </a:defRPr>
-              </a:lvl5pPr>
-              <a:lvl6pPr marL="2514600" indent="-228600" algn="l" rtl="0" fontAlgn="base">
-                <a:spcBef>
-                  <a:spcPct val="20000"/>
-                </a:spcBef>
-                <a:spcAft>
-                  <a:spcPct val="0"/>
-                </a:spcAft>
-                <a:defRPr sz="1400">
-                  <a:solidFill>
-                    <a:srgbClr val="001D4B"/>
-                  </a:solidFill>
-                  <a:latin typeface="+mn-lt"/>
-                </a:defRPr>
-              </a:lvl6pPr>
-              <a:lvl7pPr marL="2971800" indent="-228600" algn="l" rtl="0" fontAlgn="base">
-                <a:spcBef>
-                  <a:spcPct val="20000"/>
-                </a:spcBef>
-                <a:spcAft>
-                  <a:spcPct val="0"/>
-                </a:spcAft>
-                <a:defRPr sz="1400">
-                  <a:solidFill>
-                    <a:srgbClr val="001D4B"/>
-                  </a:solidFill>
-                  <a:latin typeface="+mn-lt"/>
-                </a:defRPr>
-              </a:lvl7pPr>
-              <a:lvl8pPr marL="3429000" indent="-228600" algn="l" rtl="0" fontAlgn="base">
-                <a:spcBef>
-                  <a:spcPct val="20000"/>
-                </a:spcBef>
-                <a:spcAft>
-                  <a:spcPct val="0"/>
-                </a:spcAft>
-                <a:defRPr sz="1400">
-                  <a:solidFill>
-                    <a:srgbClr val="001D4B"/>
-                  </a:solidFill>
-                  <a:latin typeface="+mn-lt"/>
-                </a:defRPr>
-              </a:lvl8pPr>
-              <a:lvl9pPr marL="3886200" indent="-228600" algn="l" rtl="0" fontAlgn="base">
-                <a:spcBef>
-                  <a:spcPct val="20000"/>
-                </a:spcBef>
-                <a:spcAft>
-                  <a:spcPct val="0"/>
-                </a:spcAft>
-                <a:defRPr sz="1400">
-                  <a:solidFill>
-                    <a:srgbClr val="001D4B"/>
-                  </a:solidFill>
-                  <a:latin typeface="+mn-lt"/>
-                </a:defRPr>
-              </a:lvl9pPr>
-            </a:lstStyle>
-            <a:p>
-              <a:pPr marL="342900" marR="0" lvl="0" indent="-342900" algn="ctr" defTabSz="914400" rtl="0" eaLnBrk="1" fontAlgn="base" latinLnBrk="0" hangingPunct="1">
-                <a:lnSpc>
-                  <a:spcPct val="100000"/>
-                </a:lnSpc>
-                <a:spcBef>
-                  <a:spcPct val="20000"/>
-                </a:spcBef>
-                <a:spcAft>
-                  <a:spcPct val="0"/>
-                </a:spcAft>
-                <a:buClrTx/>
-                <a:buSzTx/>
-                <a:buFontTx/>
-                <a:buNone/>
-                <a:tabLst/>
-                <a:defRPr/>
-              </a:pPr>
-              <a:r>
-                <a:rPr kumimoji="0" lang="en-US" sz="4400" b="1" i="1" u="none" strike="noStrike" kern="0" cap="none" spc="0" normalizeH="0" baseline="0" noProof="0" dirty="0" smtClean="0">
-                  <a:ln>
-                    <a:noFill/>
-                  </a:ln>
-                  <a:solidFill>
-                    <a:schemeClr val="tx2">
-                      <a:lumMod val="50000"/>
-                    </a:schemeClr>
-                  </a:solidFill>
-                  <a:effectLst/>
-                  <a:uLnTx/>
-                  <a:uFillTx/>
-                  <a:ea typeface="ＭＳ Ｐゴシック" charset="0"/>
-                  <a:cs typeface="ＭＳ Ｐゴシック" charset="0"/>
-                </a:rPr>
-                <a:t>RACR</a:t>
-              </a:r>
-            </a:p>
-          </p:txBody>
-        </p:sp>
-        <p:sp>
-          <p:nvSpPr>
-            <p:cNvPr id="149" name="Rectangle 148"/>
-            <p:cNvSpPr/>
-            <p:nvPr/>
-          </p:nvSpPr>
-          <p:spPr bwMode="auto">
-            <a:xfrm>
-              <a:off x="2903865" y="36336188"/>
-              <a:ext cx="8279215" cy="1113382"/>
-            </a:xfrm>
-            <a:prstGeom prst="rect">
-              <a:avLst/>
-            </a:prstGeom>
-            <a:pattFill prst="dkVert">
-              <a:fgClr>
-                <a:srgbClr val="008000"/>
-              </a:fgClr>
-              <a:bgClr>
-                <a:schemeClr val="tx2">
-                  <a:lumMod val="50000"/>
-                </a:schemeClr>
-              </a:bgClr>
-            </a:pattFill>
-            <a:ln w="9525" cap="flat" cmpd="sng" algn="ctr">
-              <a:noFill/>
-              <a:prstDash val="solid"/>
-              <a:round/>
-              <a:headEnd type="none" w="med" len="med"/>
-              <a:tailEnd type="none" w="med" len="med"/>
-            </a:ln>
-            <a:effectLst/>
-          </p:spPr>
-          <p:txBody>
-            <a:bodyPr vert="horz" wrap="square" lIns="91440" tIns="45720" rIns="91440" bIns="45720" numCol="1" rtlCol="0" anchor="t" anchorCtr="0" compatLnSpc="1">
-              <a:prstTxWarp prst="textNoShape">
-                <a:avLst/>
-              </a:prstTxWarp>
-            </a:bodyPr>
-            <a:lstStyle/>
-            <a:p>
-              <a:pPr marL="0" marR="0" lvl="0" indent="0" algn="l" defTabSz="914400" rtl="0" eaLnBrk="1" fontAlgn="base" latinLnBrk="0" hangingPunct="1">
-                <a:lnSpc>
-                  <a:spcPct val="100000"/>
-                </a:lnSpc>
-                <a:spcBef>
-                  <a:spcPct val="0"/>
-                </a:spcBef>
-                <a:spcAft>
-                  <a:spcPct val="0"/>
-                </a:spcAft>
-                <a:buClrTx/>
-                <a:buSzTx/>
-                <a:buFontTx/>
-                <a:buNone/>
-                <a:tabLst/>
-                <a:defRPr/>
-              </a:pPr>
-              <a:endParaRPr kumimoji="0" lang="en-GB" sz="2800" b="1" i="0" u="none" strike="noStrike" kern="0" cap="none" spc="0" normalizeH="0" baseline="0" noProof="0" smtClean="0">
-                <a:ln>
-                  <a:noFill/>
-                </a:ln>
-                <a:solidFill>
-                  <a:srgbClr val="808080"/>
-                </a:solidFill>
-                <a:effectLst/>
-                <a:uLnTx/>
-                <a:uFillTx/>
-              </a:endParaRPr>
-            </a:p>
-          </p:txBody>
-        </p:sp>
-        <p:sp>
-          <p:nvSpPr>
-            <p:cNvPr id="150" name="Rectangle 149"/>
-            <p:cNvSpPr/>
-            <p:nvPr/>
-          </p:nvSpPr>
-          <p:spPr bwMode="auto">
-            <a:xfrm>
-              <a:off x="11183079" y="35007935"/>
-              <a:ext cx="2937786" cy="1328253"/>
-            </a:xfrm>
-            <a:prstGeom prst="rect">
-              <a:avLst/>
-            </a:prstGeom>
-            <a:pattFill prst="dkHorz">
-              <a:fgClr>
-                <a:srgbClr val="008000"/>
-              </a:fgClr>
-              <a:bgClr>
-                <a:srgbClr val="660066"/>
-              </a:bgClr>
-            </a:pattFill>
-            <a:ln w="9525" cap="flat" cmpd="sng" algn="ctr">
-              <a:noFill/>
-              <a:prstDash val="solid"/>
-              <a:round/>
-              <a:headEnd type="none" w="med" len="med"/>
-              <a:tailEnd type="none" w="med" len="med"/>
-            </a:ln>
-            <a:effectLst/>
-          </p:spPr>
-          <p:txBody>
-            <a:bodyPr vert="horz" wrap="square" lIns="91440" tIns="45720" rIns="91440" bIns="45720" numCol="1" rtlCol="0" anchor="t" anchorCtr="0" compatLnSpc="1">
-              <a:prstTxWarp prst="textNoShape">
-                <a:avLst/>
-              </a:prstTxWarp>
-            </a:bodyPr>
-            <a:lstStyle/>
-            <a:p>
-              <a:pPr marL="0" marR="0" lvl="0" indent="0" algn="l" defTabSz="914400" rtl="0" eaLnBrk="1" fontAlgn="base" latinLnBrk="0" hangingPunct="1">
-                <a:lnSpc>
-                  <a:spcPct val="100000"/>
-                </a:lnSpc>
-                <a:spcBef>
-                  <a:spcPct val="0"/>
-                </a:spcBef>
-                <a:spcAft>
-                  <a:spcPct val="0"/>
-                </a:spcAft>
-                <a:buClrTx/>
-                <a:buSzTx/>
-                <a:buFontTx/>
-                <a:buNone/>
-                <a:tabLst/>
-                <a:defRPr/>
-              </a:pPr>
-              <a:endParaRPr kumimoji="0" lang="en-GB" sz="2800" b="1" i="0" u="none" strike="noStrike" kern="0" cap="none" spc="0" normalizeH="0" baseline="0" noProof="0" smtClean="0">
-                <a:ln>
-                  <a:noFill/>
-                </a:ln>
-                <a:solidFill>
-                  <a:srgbClr val="808080"/>
-                </a:solidFill>
-                <a:effectLst/>
-                <a:uLnTx/>
-                <a:uFillTx/>
-              </a:endParaRPr>
-            </a:p>
-          </p:txBody>
-        </p:sp>
-        <p:sp>
-          <p:nvSpPr>
-            <p:cNvPr id="151" name="Rectangle 150"/>
-            <p:cNvSpPr/>
-            <p:nvPr/>
-          </p:nvSpPr>
-          <p:spPr bwMode="auto">
-            <a:xfrm>
-              <a:off x="14120865" y="36336188"/>
-              <a:ext cx="1602429" cy="1729328"/>
-            </a:xfrm>
-            <a:prstGeom prst="rect">
-              <a:avLst/>
-            </a:prstGeom>
-            <a:pattFill prst="wdUpDiag">
-              <a:fgClr>
-                <a:schemeClr val="tx2">
-                  <a:lumMod val="50000"/>
-                </a:schemeClr>
-              </a:fgClr>
-              <a:bgClr>
-                <a:srgbClr val="660066"/>
-              </a:bgClr>
-            </a:pattFill>
-            <a:ln w="9525" cap="flat" cmpd="sng" algn="ctr">
-              <a:noFill/>
-              <a:prstDash val="solid"/>
-              <a:round/>
-              <a:headEnd type="none" w="med" len="med"/>
-              <a:tailEnd type="none" w="med" len="med"/>
-            </a:ln>
-            <a:effectLst/>
-          </p:spPr>
-          <p:txBody>
-            <a:bodyPr vert="horz" wrap="square" lIns="91440" tIns="45720" rIns="91440" bIns="45720" numCol="1" rtlCol="0" anchor="t" anchorCtr="0" compatLnSpc="1">
-              <a:prstTxWarp prst="textNoShape">
-                <a:avLst/>
-              </a:prstTxWarp>
-            </a:bodyPr>
-            <a:lstStyle/>
-            <a:p>
-              <a:pPr marL="0" marR="0" lvl="0" indent="0" algn="l" defTabSz="914400" rtl="0" eaLnBrk="1" fontAlgn="base" latinLnBrk="0" hangingPunct="1">
-                <a:lnSpc>
-                  <a:spcPct val="100000"/>
-                </a:lnSpc>
-                <a:spcBef>
-                  <a:spcPct val="0"/>
-                </a:spcBef>
-                <a:spcAft>
-                  <a:spcPct val="0"/>
-                </a:spcAft>
-                <a:buClrTx/>
-                <a:buSzTx/>
-                <a:buFontTx/>
-                <a:buNone/>
-                <a:tabLst/>
-                <a:defRPr/>
-              </a:pPr>
-              <a:endParaRPr kumimoji="0" lang="en-GB" sz="2800" b="1" i="0" u="none" strike="noStrike" kern="0" cap="none" spc="0" normalizeH="0" baseline="0" noProof="0" smtClean="0">
-                <a:ln>
-                  <a:noFill/>
-                </a:ln>
-                <a:solidFill>
-                  <a:srgbClr val="808080"/>
-                </a:solidFill>
-                <a:effectLst/>
-                <a:uLnTx/>
-                <a:uFillTx/>
-              </a:endParaRPr>
-            </a:p>
-          </p:txBody>
-        </p:sp>
-        <p:sp>
-          <p:nvSpPr>
-            <p:cNvPr id="153" name="Rectangle 152"/>
-            <p:cNvSpPr/>
-            <p:nvPr/>
-          </p:nvSpPr>
-          <p:spPr bwMode="auto">
-            <a:xfrm>
-              <a:off x="11183079" y="36336191"/>
-              <a:ext cx="2937786" cy="1113382"/>
-            </a:xfrm>
-            <a:prstGeom prst="rect">
-              <a:avLst/>
-            </a:prstGeom>
-            <a:pattFill prst="smCheck">
-              <a:fgClr>
-                <a:schemeClr val="tx2">
-                  <a:lumMod val="50000"/>
-                </a:schemeClr>
-              </a:fgClr>
-              <a:bgClr>
-                <a:srgbClr val="660066"/>
-              </a:bgClr>
-            </a:pattFill>
-            <a:ln w="9525" cap="flat" cmpd="sng" algn="ctr">
-              <a:noFill/>
-              <a:prstDash val="solid"/>
-              <a:round/>
-              <a:headEnd type="none" w="med" len="med"/>
-              <a:tailEnd type="none" w="med" len="med"/>
-            </a:ln>
-            <a:effectLst/>
-          </p:spPr>
-          <p:txBody>
-            <a:bodyPr vert="horz" wrap="square" lIns="91440" tIns="45720" rIns="91440" bIns="45720" numCol="1" rtlCol="0" anchor="t" anchorCtr="0" compatLnSpc="1">
-              <a:prstTxWarp prst="textNoShape">
-                <a:avLst/>
-              </a:prstTxWarp>
-            </a:bodyPr>
-            <a:lstStyle/>
-            <a:p>
-              <a:pPr marL="0" marR="0" lvl="0" indent="0" algn="l" defTabSz="914400" rtl="0" eaLnBrk="1" fontAlgn="base" latinLnBrk="0" hangingPunct="1">
-                <a:lnSpc>
-                  <a:spcPct val="100000"/>
-                </a:lnSpc>
-                <a:spcBef>
-                  <a:spcPct val="0"/>
-                </a:spcBef>
-                <a:spcAft>
-                  <a:spcPct val="0"/>
-                </a:spcAft>
-                <a:buClrTx/>
-                <a:buSzTx/>
-                <a:buFontTx/>
-                <a:buNone/>
-                <a:tabLst/>
-                <a:defRPr/>
-              </a:pPr>
-              <a:endParaRPr kumimoji="0" lang="en-GB" sz="2800" b="1" i="0" u="none" strike="noStrike" kern="0" cap="none" spc="0" normalizeH="0" baseline="0" noProof="0" smtClean="0">
-                <a:ln>
-                  <a:noFill/>
-                </a:ln>
-                <a:solidFill>
-                  <a:srgbClr val="808080"/>
-                </a:solidFill>
-                <a:effectLst/>
-                <a:uLnTx/>
-                <a:uFillTx/>
-              </a:endParaRPr>
-            </a:p>
-          </p:txBody>
-        </p:sp>
-        <p:sp>
-          <p:nvSpPr>
-            <p:cNvPr id="154" name="Rectangle 153"/>
-            <p:cNvSpPr/>
-            <p:nvPr/>
-          </p:nvSpPr>
-          <p:spPr bwMode="auto">
-            <a:xfrm>
-              <a:off x="11183079" y="37449570"/>
-              <a:ext cx="2937786" cy="615947"/>
-            </a:xfrm>
-            <a:prstGeom prst="rect">
-              <a:avLst/>
-            </a:prstGeom>
-            <a:pattFill prst="wdUpDiag">
-              <a:fgClr>
-                <a:schemeClr val="tx2">
-                  <a:lumMod val="50000"/>
-                </a:schemeClr>
-              </a:fgClr>
-              <a:bgClr>
-                <a:srgbClr val="660066"/>
-              </a:bgClr>
-            </a:pattFill>
-            <a:ln w="9525" cap="flat" cmpd="sng" algn="ctr">
-              <a:noFill/>
-              <a:prstDash val="solid"/>
-              <a:round/>
-              <a:headEnd type="none" w="med" len="med"/>
-              <a:tailEnd type="none" w="med" len="med"/>
-            </a:ln>
-            <a:effectLst/>
-          </p:spPr>
-          <p:txBody>
-            <a:bodyPr vert="horz" wrap="square" lIns="91440" tIns="45720" rIns="91440" bIns="45720" numCol="1" rtlCol="0" anchor="t" anchorCtr="0" compatLnSpc="1">
-              <a:prstTxWarp prst="textNoShape">
-                <a:avLst/>
-              </a:prstTxWarp>
-            </a:bodyPr>
-            <a:lstStyle/>
-            <a:p>
-              <a:pPr marL="0" marR="0" lvl="0" indent="0" algn="l" defTabSz="914400" rtl="0" eaLnBrk="1" fontAlgn="base" latinLnBrk="0" hangingPunct="1">
-                <a:lnSpc>
-                  <a:spcPct val="100000"/>
-                </a:lnSpc>
-                <a:spcBef>
-                  <a:spcPct val="0"/>
-                </a:spcBef>
-                <a:spcAft>
-                  <a:spcPct val="0"/>
-                </a:spcAft>
-                <a:buClrTx/>
-                <a:buSzTx/>
-                <a:buFontTx/>
-                <a:buNone/>
-                <a:tabLst/>
-                <a:defRPr/>
-              </a:pPr>
-              <a:endParaRPr kumimoji="0" lang="en-GB" sz="2800" b="1" i="0" u="none" strike="noStrike" kern="0" cap="none" spc="0" normalizeH="0" baseline="0" noProof="0" smtClean="0">
-                <a:ln>
-                  <a:noFill/>
-                </a:ln>
-                <a:solidFill>
-                  <a:srgbClr val="808080"/>
-                </a:solidFill>
-                <a:effectLst/>
-                <a:uLnTx/>
-                <a:uFillTx/>
-              </a:endParaRPr>
-            </a:p>
-          </p:txBody>
-        </p:sp>
-      </p:grpSp>
-      <p:grpSp>
-        <p:nvGrpSpPr>
-          <p:cNvPr id="157" name="Group 156"/>
-          <p:cNvGrpSpPr/>
-          <p:nvPr/>
-        </p:nvGrpSpPr>
-        <p:grpSpPr>
-          <a:xfrm>
-            <a:off x="3503631" y="1378541"/>
-            <a:ext cx="2324454" cy="2329040"/>
-            <a:chOff x="25294565" y="515488"/>
-            <a:chExt cx="4648907" cy="4658080"/>
-          </a:xfrm>
-        </p:grpSpPr>
-        <p:sp>
-          <p:nvSpPr>
-            <p:cNvPr id="158" name="Oval 157"/>
-            <p:cNvSpPr/>
-            <p:nvPr/>
-          </p:nvSpPr>
-          <p:spPr bwMode="auto">
-            <a:xfrm>
-              <a:off x="25455279" y="681198"/>
-              <a:ext cx="4317762" cy="4314240"/>
-            </a:xfrm>
-            <a:prstGeom prst="ellipse">
-              <a:avLst/>
-            </a:prstGeom>
-            <a:solidFill>
-              <a:schemeClr val="accent1">
-                <a:lumMod val="75000"/>
-              </a:schemeClr>
-            </a:solidFill>
-            <a:ln w="19050" cap="flat" cmpd="sng" algn="ctr">
+            <a:ln w="3175" cap="flat" cmpd="sng" algn="ctr">
               <a:solidFill>
-                <a:schemeClr val="tx1"/>
+                <a:srgbClr val="000000"/>
               </a:solidFill>
               <a:prstDash val="solid"/>
               <a:round/>
@@ -19562,7 +18280,7 @@
                 <a:buNone/>
                 <a:tabLst/>
               </a:pPr>
-              <a:endParaRPr kumimoji="0" lang="en-GB" sz="1000" b="1" i="0" u="none" strike="noStrike" cap="none" normalizeH="0" baseline="0" smtClean="0">
+              <a:endParaRPr kumimoji="0" lang="en-GB" sz="1000" i="0" u="none" strike="noStrike" cap="none" normalizeH="0" baseline="0" smtClean="0">
                 <a:ln>
                   <a:noFill/>
                 </a:ln>
@@ -19570,21 +18288,20 @@
                   <a:schemeClr val="bg2"/>
                 </a:solidFill>
                 <a:effectLst/>
-                <a:latin typeface="Microsoft Sans Serif" pitchFamily="34" charset="0"/>
               </a:endParaRPr>
             </a:p>
           </p:txBody>
         </p:sp>
         <p:sp>
           <p:nvSpPr>
-            <p:cNvPr id="159" name="Octagon 158"/>
+            <p:cNvPr id="87" name="Octagon 86"/>
             <p:cNvSpPr/>
             <p:nvPr/>
           </p:nvSpPr>
           <p:spPr bwMode="auto">
             <a:xfrm>
-              <a:off x="27275923" y="681198"/>
-              <a:ext cx="403245" cy="403245"/>
+              <a:off x="4632681" y="1407393"/>
+              <a:ext cx="201622" cy="201622"/>
             </a:xfrm>
             <a:prstGeom prst="octagon">
               <a:avLst>
@@ -19593,12 +18310,12 @@
             </a:prstGeom>
             <a:solidFill>
               <a:schemeClr val="bg1">
-                <a:lumMod val="95000"/>
+                <a:lumMod val="75000"/>
               </a:schemeClr>
             </a:solidFill>
-            <a:ln w="19050" cap="flat" cmpd="sng" algn="ctr">
+            <a:ln w="3175" cap="flat" cmpd="sng" algn="ctr">
               <a:solidFill>
-                <a:schemeClr val="tx1"/>
+                <a:srgbClr val="000000"/>
               </a:solidFill>
               <a:prstDash val="solid"/>
               <a:round/>
@@ -19631,7 +18348,7 @@
                 <a:buNone/>
                 <a:tabLst/>
               </a:pPr>
-              <a:endParaRPr kumimoji="0" lang="en-GB" sz="1000" b="1" i="0" u="none" strike="noStrike" cap="none" normalizeH="0" baseline="0" smtClean="0">
+              <a:endParaRPr kumimoji="0" lang="en-GB" sz="1000" i="0" u="none" strike="noStrike" cap="none" normalizeH="0" baseline="0" smtClean="0">
                 <a:ln>
                   <a:noFill/>
                 </a:ln>
@@ -19639,21 +18356,20 @@
                   <a:schemeClr val="bg2"/>
                 </a:solidFill>
                 <a:effectLst/>
-                <a:latin typeface="Microsoft Sans Serif" pitchFamily="34" charset="0"/>
               </a:endParaRPr>
             </a:p>
           </p:txBody>
         </p:sp>
         <p:sp>
           <p:nvSpPr>
-            <p:cNvPr id="164" name="Octagon 163"/>
+            <p:cNvPr id="88" name="Octagon 87"/>
             <p:cNvSpPr/>
             <p:nvPr/>
           </p:nvSpPr>
           <p:spPr bwMode="auto">
             <a:xfrm>
-              <a:off x="27738203" y="698978"/>
-              <a:ext cx="403245" cy="403245"/>
+              <a:off x="4863821" y="1460733"/>
+              <a:ext cx="201622" cy="201622"/>
             </a:xfrm>
             <a:prstGeom prst="octagon">
               <a:avLst>
@@ -19662,12 +18378,12 @@
             </a:prstGeom>
             <a:solidFill>
               <a:schemeClr val="bg1">
-                <a:lumMod val="95000"/>
+                <a:lumMod val="75000"/>
               </a:schemeClr>
             </a:solidFill>
-            <a:ln w="19050" cap="flat" cmpd="sng" algn="ctr">
+            <a:ln w="3175" cap="flat" cmpd="sng" algn="ctr">
               <a:solidFill>
-                <a:schemeClr val="tx1"/>
+                <a:srgbClr val="000000"/>
               </a:solidFill>
               <a:prstDash val="solid"/>
               <a:round/>
@@ -19700,7 +18416,7 @@
                 <a:buNone/>
                 <a:tabLst/>
               </a:pPr>
-              <a:endParaRPr kumimoji="0" lang="en-GB" sz="1000" b="1" i="0" u="none" strike="noStrike" cap="none" normalizeH="0" baseline="0" smtClean="0">
+              <a:endParaRPr kumimoji="0" lang="en-GB" sz="1000" i="0" u="none" strike="noStrike" cap="none" normalizeH="0" baseline="0" smtClean="0">
                 <a:ln>
                   <a:noFill/>
                 </a:ln>
@@ -19708,21 +18424,20 @@
                   <a:schemeClr val="bg2"/>
                 </a:solidFill>
                 <a:effectLst/>
-                <a:latin typeface="Microsoft Sans Serif" pitchFamily="34" charset="0"/>
               </a:endParaRPr>
             </a:p>
           </p:txBody>
         </p:sp>
         <p:sp>
           <p:nvSpPr>
-            <p:cNvPr id="165" name="Octagon 164"/>
+            <p:cNvPr id="89" name="Octagon 88"/>
             <p:cNvSpPr/>
             <p:nvPr/>
           </p:nvSpPr>
           <p:spPr bwMode="auto">
             <a:xfrm>
-              <a:off x="28200483" y="805658"/>
-              <a:ext cx="403245" cy="403245"/>
+              <a:off x="5068291" y="1567413"/>
+              <a:ext cx="201622" cy="201622"/>
             </a:xfrm>
             <a:prstGeom prst="octagon">
               <a:avLst>
@@ -19731,12 +18446,12 @@
             </a:prstGeom>
             <a:solidFill>
               <a:schemeClr val="bg1">
-                <a:lumMod val="95000"/>
+                <a:lumMod val="75000"/>
               </a:schemeClr>
             </a:solidFill>
-            <a:ln w="19050" cap="flat" cmpd="sng" algn="ctr">
+            <a:ln w="3175" cap="flat" cmpd="sng" algn="ctr">
               <a:solidFill>
-                <a:schemeClr val="tx1"/>
+                <a:srgbClr val="000000"/>
               </a:solidFill>
               <a:prstDash val="solid"/>
               <a:round/>
@@ -19769,7 +18484,7 @@
                 <a:buNone/>
                 <a:tabLst/>
               </a:pPr>
-              <a:endParaRPr kumimoji="0" lang="en-GB" sz="1000" b="1" i="0" u="none" strike="noStrike" cap="none" normalizeH="0" baseline="0" smtClean="0">
+              <a:endParaRPr kumimoji="0" lang="en-GB" sz="1000" i="0" u="none" strike="noStrike" cap="none" normalizeH="0" baseline="0" smtClean="0">
                 <a:ln>
                   <a:noFill/>
                 </a:ln>
@@ -19777,21 +18492,20 @@
                   <a:schemeClr val="bg2"/>
                 </a:solidFill>
                 <a:effectLst/>
-                <a:latin typeface="Microsoft Sans Serif" pitchFamily="34" charset="0"/>
               </a:endParaRPr>
             </a:p>
           </p:txBody>
         </p:sp>
         <p:sp>
           <p:nvSpPr>
-            <p:cNvPr id="166" name="Octagon 165"/>
+            <p:cNvPr id="90" name="Octagon 89"/>
             <p:cNvSpPr/>
             <p:nvPr/>
           </p:nvSpPr>
           <p:spPr bwMode="auto">
             <a:xfrm>
-              <a:off x="28609423" y="1019018"/>
-              <a:ext cx="403245" cy="403245"/>
+              <a:off x="5246092" y="1718543"/>
+              <a:ext cx="201622" cy="201622"/>
             </a:xfrm>
             <a:prstGeom prst="octagon">
               <a:avLst>
@@ -19800,12 +18514,12 @@
             </a:prstGeom>
             <a:solidFill>
               <a:schemeClr val="bg1">
-                <a:lumMod val="95000"/>
+                <a:lumMod val="75000"/>
               </a:schemeClr>
             </a:solidFill>
-            <a:ln w="19050" cap="flat" cmpd="sng" algn="ctr">
+            <a:ln w="3175" cap="flat" cmpd="sng" algn="ctr">
               <a:solidFill>
-                <a:schemeClr val="tx1"/>
+                <a:srgbClr val="000000"/>
               </a:solidFill>
               <a:prstDash val="solid"/>
               <a:round/>
@@ -19838,7 +18552,7 @@
                 <a:buNone/>
                 <a:tabLst/>
               </a:pPr>
-              <a:endParaRPr kumimoji="0" lang="en-GB" sz="1000" b="1" i="0" u="none" strike="noStrike" cap="none" normalizeH="0" baseline="0" smtClean="0">
+              <a:endParaRPr kumimoji="0" lang="en-GB" sz="1000" i="0" u="none" strike="noStrike" cap="none" normalizeH="0" baseline="0" smtClean="0">
                 <a:ln>
                   <a:noFill/>
                 </a:ln>
@@ -19846,21 +18560,20 @@
                   <a:schemeClr val="bg2"/>
                 </a:solidFill>
                 <a:effectLst/>
-                <a:latin typeface="Microsoft Sans Serif" pitchFamily="34" charset="0"/>
               </a:endParaRPr>
             </a:p>
           </p:txBody>
         </p:sp>
         <p:sp>
           <p:nvSpPr>
-            <p:cNvPr id="168" name="Octagon 167"/>
+            <p:cNvPr id="91" name="Octagon 90"/>
             <p:cNvSpPr/>
             <p:nvPr/>
           </p:nvSpPr>
           <p:spPr bwMode="auto">
             <a:xfrm>
-              <a:off x="28965023" y="1321278"/>
-              <a:ext cx="403245" cy="403245"/>
+              <a:off x="5367981" y="1914817"/>
+              <a:ext cx="201622" cy="201622"/>
             </a:xfrm>
             <a:prstGeom prst="octagon">
               <a:avLst>
@@ -19869,12 +18582,12 @@
             </a:prstGeom>
             <a:solidFill>
               <a:schemeClr val="bg1">
-                <a:lumMod val="95000"/>
+                <a:lumMod val="75000"/>
               </a:schemeClr>
             </a:solidFill>
-            <a:ln w="19050" cap="flat" cmpd="sng" algn="ctr">
+            <a:ln w="3175" cap="flat" cmpd="sng" algn="ctr">
               <a:solidFill>
-                <a:schemeClr val="tx1"/>
+                <a:srgbClr val="000000"/>
               </a:solidFill>
               <a:prstDash val="solid"/>
               <a:round/>
@@ -19907,7 +18620,7 @@
                 <a:buNone/>
                 <a:tabLst/>
               </a:pPr>
-              <a:endParaRPr kumimoji="0" lang="en-GB" sz="1000" b="1" i="0" u="none" strike="noStrike" cap="none" normalizeH="0" baseline="0" smtClean="0">
+              <a:endParaRPr kumimoji="0" lang="en-GB" sz="1000" i="0" u="none" strike="noStrike" cap="none" normalizeH="0" baseline="0" smtClean="0">
                 <a:ln>
                   <a:noFill/>
                 </a:ln>
@@ -19915,21 +18628,20 @@
                   <a:schemeClr val="bg2"/>
                 </a:solidFill>
                 <a:effectLst/>
-                <a:latin typeface="Microsoft Sans Serif" pitchFamily="34" charset="0"/>
               </a:endParaRPr>
             </a:p>
           </p:txBody>
         </p:sp>
         <p:sp>
           <p:nvSpPr>
-            <p:cNvPr id="169" name="Octagon 168"/>
+            <p:cNvPr id="92" name="Octagon 91"/>
             <p:cNvSpPr/>
             <p:nvPr/>
           </p:nvSpPr>
           <p:spPr bwMode="auto">
             <a:xfrm>
-              <a:off x="29208802" y="1713826"/>
-              <a:ext cx="403245" cy="403245"/>
+              <a:off x="5457228" y="2608237"/>
+              <a:ext cx="201622" cy="201622"/>
             </a:xfrm>
             <a:prstGeom prst="octagon">
               <a:avLst>
@@ -19938,12 +18650,12 @@
             </a:prstGeom>
             <a:solidFill>
               <a:schemeClr val="bg1">
-                <a:lumMod val="95000"/>
+                <a:lumMod val="75000"/>
               </a:schemeClr>
             </a:solidFill>
-            <a:ln w="19050" cap="flat" cmpd="sng" algn="ctr">
+            <a:ln w="3175" cap="flat" cmpd="sng" algn="ctr">
               <a:solidFill>
-                <a:schemeClr val="tx1"/>
+                <a:srgbClr val="000000"/>
               </a:solidFill>
               <a:prstDash val="solid"/>
               <a:round/>
@@ -19976,7 +18688,7 @@
                 <a:buNone/>
                 <a:tabLst/>
               </a:pPr>
-              <a:endParaRPr kumimoji="0" lang="en-GB" sz="1000" b="1" i="0" u="none" strike="noStrike" cap="none" normalizeH="0" baseline="0" smtClean="0">
+              <a:endParaRPr kumimoji="0" lang="en-GB" sz="1000" i="0" u="none" strike="noStrike" cap="none" normalizeH="0" baseline="0" smtClean="0">
                 <a:ln>
                   <a:noFill/>
                 </a:ln>
@@ -19984,21 +18696,20 @@
                   <a:schemeClr val="bg2"/>
                 </a:solidFill>
                 <a:effectLst/>
-                <a:latin typeface="Microsoft Sans Serif" pitchFamily="34" charset="0"/>
               </a:endParaRPr>
             </a:p>
           </p:txBody>
         </p:sp>
         <p:sp>
           <p:nvSpPr>
-            <p:cNvPr id="170" name="Octagon 169"/>
+            <p:cNvPr id="93" name="Octagon 92"/>
             <p:cNvSpPr/>
             <p:nvPr/>
           </p:nvSpPr>
           <p:spPr bwMode="auto">
             <a:xfrm>
-              <a:off x="29387297" y="3100666"/>
-              <a:ext cx="403245" cy="403245"/>
+              <a:off x="5480704" y="2362512"/>
+              <a:ext cx="201622" cy="201622"/>
             </a:xfrm>
             <a:prstGeom prst="octagon">
               <a:avLst>
@@ -20007,12 +18718,12 @@
             </a:prstGeom>
             <a:solidFill>
               <a:schemeClr val="bg1">
-                <a:lumMod val="95000"/>
+                <a:lumMod val="75000"/>
               </a:schemeClr>
             </a:solidFill>
-            <a:ln w="19050" cap="flat" cmpd="sng" algn="ctr">
+            <a:ln w="3175" cap="flat" cmpd="sng" algn="ctr">
               <a:solidFill>
-                <a:schemeClr val="tx1"/>
+                <a:srgbClr val="000000"/>
               </a:solidFill>
               <a:prstDash val="solid"/>
               <a:round/>
@@ -20045,7 +18756,7 @@
                 <a:buNone/>
                 <a:tabLst/>
               </a:pPr>
-              <a:endParaRPr kumimoji="0" lang="en-GB" sz="1000" b="1" i="0" u="none" strike="noStrike" cap="none" normalizeH="0" baseline="0" smtClean="0">
+              <a:endParaRPr kumimoji="0" lang="en-GB" sz="1000" i="0" u="none" strike="noStrike" cap="none" normalizeH="0" baseline="0" smtClean="0">
                 <a:ln>
                   <a:noFill/>
                 </a:ln>
@@ -20053,21 +18764,20 @@
                   <a:schemeClr val="bg2"/>
                 </a:solidFill>
                 <a:effectLst/>
-                <a:latin typeface="Microsoft Sans Serif" pitchFamily="34" charset="0"/>
               </a:endParaRPr>
             </a:p>
           </p:txBody>
         </p:sp>
         <p:sp>
           <p:nvSpPr>
-            <p:cNvPr id="171" name="Octagon 170"/>
+            <p:cNvPr id="94" name="Octagon 93"/>
             <p:cNvSpPr/>
             <p:nvPr/>
           </p:nvSpPr>
           <p:spPr bwMode="auto">
             <a:xfrm>
-              <a:off x="29434247" y="2609216"/>
-              <a:ext cx="403245" cy="403245"/>
+              <a:off x="5459729" y="2128524"/>
+              <a:ext cx="201622" cy="201622"/>
             </a:xfrm>
             <a:prstGeom prst="octagon">
               <a:avLst>
@@ -20076,12 +18786,12 @@
             </a:prstGeom>
             <a:solidFill>
               <a:schemeClr val="bg1">
-                <a:lumMod val="95000"/>
+                <a:lumMod val="75000"/>
               </a:schemeClr>
             </a:solidFill>
-            <a:ln w="19050" cap="flat" cmpd="sng" algn="ctr">
+            <a:ln w="3175" cap="flat" cmpd="sng" algn="ctr">
               <a:solidFill>
-                <a:schemeClr val="tx1"/>
+                <a:srgbClr val="000000"/>
               </a:solidFill>
               <a:prstDash val="solid"/>
               <a:round/>
@@ -20114,7 +18824,7 @@
                 <a:buNone/>
                 <a:tabLst/>
               </a:pPr>
-              <a:endParaRPr kumimoji="0" lang="en-GB" sz="1000" b="1" i="0" u="none" strike="noStrike" cap="none" normalizeH="0" baseline="0" smtClean="0">
+              <a:endParaRPr kumimoji="0" lang="en-GB" sz="1000" i="0" u="none" strike="noStrike" cap="none" normalizeH="0" baseline="0" smtClean="0">
                 <a:ln>
                   <a:noFill/>
                 </a:ln>
@@ -20122,21 +18832,20 @@
                   <a:schemeClr val="bg2"/>
                 </a:solidFill>
                 <a:effectLst/>
-                <a:latin typeface="Microsoft Sans Serif" pitchFamily="34" charset="0"/>
               </a:endParaRPr>
             </a:p>
           </p:txBody>
         </p:sp>
         <p:sp>
           <p:nvSpPr>
-            <p:cNvPr id="172" name="Octagon 171"/>
+            <p:cNvPr id="95" name="Octagon 94"/>
             <p:cNvSpPr/>
             <p:nvPr/>
           </p:nvSpPr>
           <p:spPr bwMode="auto">
             <a:xfrm>
-              <a:off x="29392298" y="2141241"/>
-              <a:ext cx="403245" cy="403245"/>
+              <a:off x="5371176" y="2827987"/>
+              <a:ext cx="201622" cy="201622"/>
             </a:xfrm>
             <a:prstGeom prst="octagon">
               <a:avLst>
@@ -20145,12 +18854,12 @@
             </a:prstGeom>
             <a:solidFill>
               <a:schemeClr val="bg1">
-                <a:lumMod val="95000"/>
+                <a:lumMod val="75000"/>
               </a:schemeClr>
             </a:solidFill>
-            <a:ln w="19050" cap="flat" cmpd="sng" algn="ctr">
+            <a:ln w="3175" cap="flat" cmpd="sng" algn="ctr">
               <a:solidFill>
-                <a:schemeClr val="tx1"/>
+                <a:srgbClr val="000000"/>
               </a:solidFill>
               <a:prstDash val="solid"/>
               <a:round/>
@@ -20183,7 +18892,7 @@
                 <a:buNone/>
                 <a:tabLst/>
               </a:pPr>
-              <a:endParaRPr kumimoji="0" lang="en-GB" sz="1000" b="1" i="0" u="none" strike="noStrike" cap="none" normalizeH="0" baseline="0" smtClean="0">
+              <a:endParaRPr kumimoji="0" lang="en-GB" sz="1000" i="0" u="none" strike="noStrike" cap="none" normalizeH="0" baseline="0" smtClean="0">
                 <a:ln>
                   <a:noFill/>
                 </a:ln>
@@ -20191,21 +18900,20 @@
                   <a:schemeClr val="bg2"/>
                 </a:solidFill>
                 <a:effectLst/>
-                <a:latin typeface="Microsoft Sans Serif" pitchFamily="34" charset="0"/>
               </a:endParaRPr>
             </a:p>
           </p:txBody>
         </p:sp>
         <p:sp>
           <p:nvSpPr>
-            <p:cNvPr id="173" name="Octagon 172"/>
+            <p:cNvPr id="96" name="Octagon 95"/>
             <p:cNvSpPr/>
             <p:nvPr/>
           </p:nvSpPr>
           <p:spPr bwMode="auto">
             <a:xfrm>
-              <a:off x="29215192" y="3540166"/>
-              <a:ext cx="403245" cy="403245"/>
+              <a:off x="5068569" y="3177892"/>
+              <a:ext cx="201622" cy="201622"/>
             </a:xfrm>
             <a:prstGeom prst="octagon">
               <a:avLst>
@@ -20214,12 +18922,12 @@
             </a:prstGeom>
             <a:solidFill>
               <a:schemeClr val="bg1">
-                <a:lumMod val="95000"/>
+                <a:lumMod val="75000"/>
               </a:schemeClr>
             </a:solidFill>
-            <a:ln w="19050" cap="flat" cmpd="sng" algn="ctr">
+            <a:ln w="3175" cap="flat" cmpd="sng" algn="ctr">
               <a:solidFill>
-                <a:schemeClr val="tx1"/>
+                <a:srgbClr val="000000"/>
               </a:solidFill>
               <a:prstDash val="solid"/>
               <a:round/>
@@ -20252,7 +18960,7 @@
                 <a:buNone/>
                 <a:tabLst/>
               </a:pPr>
-              <a:endParaRPr kumimoji="0" lang="en-GB" sz="1000" b="1" i="0" u="none" strike="noStrike" cap="none" normalizeH="0" baseline="0" smtClean="0">
+              <a:endParaRPr kumimoji="0" lang="en-GB" sz="1000" i="0" u="none" strike="noStrike" cap="none" normalizeH="0" baseline="0" smtClean="0">
                 <a:ln>
                   <a:noFill/>
                 </a:ln>
@@ -20260,21 +18968,20 @@
                   <a:schemeClr val="bg2"/>
                 </a:solidFill>
                 <a:effectLst/>
-                <a:latin typeface="Microsoft Sans Serif" pitchFamily="34" charset="0"/>
               </a:endParaRPr>
             </a:p>
           </p:txBody>
         </p:sp>
         <p:sp>
           <p:nvSpPr>
-            <p:cNvPr id="175" name="Octagon 174"/>
+            <p:cNvPr id="97" name="Octagon 96"/>
             <p:cNvSpPr/>
             <p:nvPr/>
           </p:nvSpPr>
           <p:spPr bwMode="auto">
             <a:xfrm>
-              <a:off x="28609978" y="4239975"/>
-              <a:ext cx="403245" cy="403245"/>
+              <a:off x="5237132" y="3015024"/>
+              <a:ext cx="201622" cy="201622"/>
             </a:xfrm>
             <a:prstGeom prst="octagon">
               <a:avLst>
@@ -20283,12 +18990,12 @@
             </a:prstGeom>
             <a:solidFill>
               <a:schemeClr val="bg1">
-                <a:lumMod val="95000"/>
+                <a:lumMod val="75000"/>
               </a:schemeClr>
             </a:solidFill>
-            <a:ln w="19050" cap="flat" cmpd="sng" algn="ctr">
+            <a:ln w="3175" cap="flat" cmpd="sng" algn="ctr">
               <a:solidFill>
-                <a:schemeClr val="tx1"/>
+                <a:srgbClr val="000000"/>
               </a:solidFill>
               <a:prstDash val="solid"/>
               <a:round/>
@@ -20321,7 +19028,7 @@
                 <a:buNone/>
                 <a:tabLst/>
               </a:pPr>
-              <a:endParaRPr kumimoji="0" lang="en-GB" sz="1000" b="1" i="0" u="none" strike="noStrike" cap="none" normalizeH="0" baseline="0" smtClean="0">
+              <a:endParaRPr kumimoji="0" lang="en-GB" sz="1000" i="0" u="none" strike="noStrike" cap="none" normalizeH="0" baseline="0" smtClean="0">
                 <a:ln>
                   <a:noFill/>
                 </a:ln>
@@ -20329,21 +19036,20 @@
                   <a:schemeClr val="bg2"/>
                 </a:solidFill>
                 <a:effectLst/>
-                <a:latin typeface="Microsoft Sans Serif" pitchFamily="34" charset="0"/>
               </a:endParaRPr>
             </a:p>
           </p:txBody>
         </p:sp>
         <p:sp>
           <p:nvSpPr>
-            <p:cNvPr id="176" name="Octagon 175"/>
+            <p:cNvPr id="98" name="Octagon 97"/>
             <p:cNvSpPr/>
             <p:nvPr/>
           </p:nvSpPr>
           <p:spPr bwMode="auto">
             <a:xfrm>
-              <a:off x="28947103" y="3914240"/>
-              <a:ext cx="403245" cy="403245"/>
+              <a:off x="4188806" y="3348608"/>
+              <a:ext cx="201622" cy="201622"/>
             </a:xfrm>
             <a:prstGeom prst="octagon">
               <a:avLst>
@@ -20352,12 +19058,12 @@
             </a:prstGeom>
             <a:solidFill>
               <a:schemeClr val="bg1">
-                <a:lumMod val="95000"/>
+                <a:lumMod val="75000"/>
               </a:schemeClr>
             </a:solidFill>
-            <a:ln w="19050" cap="flat" cmpd="sng" algn="ctr">
+            <a:ln w="3175" cap="flat" cmpd="sng" algn="ctr">
               <a:solidFill>
-                <a:schemeClr val="tx1"/>
+                <a:srgbClr val="000000"/>
               </a:solidFill>
               <a:prstDash val="solid"/>
               <a:round/>
@@ -20390,7 +19096,7 @@
                 <a:buNone/>
                 <a:tabLst/>
               </a:pPr>
-              <a:endParaRPr kumimoji="0" lang="en-GB" sz="1000" b="1" i="0" u="none" strike="noStrike" cap="none" normalizeH="0" baseline="0" smtClean="0">
+              <a:endParaRPr kumimoji="0" lang="en-GB" sz="1000" i="0" u="none" strike="noStrike" cap="none" normalizeH="0" baseline="0" smtClean="0">
                 <a:ln>
                   <a:noFill/>
                 </a:ln>
@@ -20398,21 +19104,20 @@
                   <a:schemeClr val="bg2"/>
                 </a:solidFill>
                 <a:effectLst/>
-                <a:latin typeface="Microsoft Sans Serif" pitchFamily="34" charset="0"/>
               </a:endParaRPr>
             </a:p>
           </p:txBody>
         </p:sp>
         <p:sp>
           <p:nvSpPr>
-            <p:cNvPr id="177" name="Octagon 176"/>
+            <p:cNvPr id="99" name="Octagon 98"/>
             <p:cNvSpPr/>
             <p:nvPr/>
           </p:nvSpPr>
           <p:spPr bwMode="auto">
             <a:xfrm>
-              <a:off x="26850452" y="4581407"/>
-              <a:ext cx="403245" cy="403245"/>
+              <a:off x="3975446" y="3250818"/>
+              <a:ext cx="201622" cy="201622"/>
             </a:xfrm>
             <a:prstGeom prst="octagon">
               <a:avLst>
@@ -20421,12 +19126,12 @@
             </a:prstGeom>
             <a:solidFill>
               <a:schemeClr val="bg1">
-                <a:lumMod val="95000"/>
+                <a:lumMod val="75000"/>
               </a:schemeClr>
             </a:solidFill>
-            <a:ln w="19050" cap="flat" cmpd="sng" algn="ctr">
+            <a:ln w="3175" cap="flat" cmpd="sng" algn="ctr">
               <a:solidFill>
-                <a:schemeClr val="tx1"/>
+                <a:srgbClr val="000000"/>
               </a:solidFill>
               <a:prstDash val="solid"/>
               <a:round/>
@@ -20459,7 +19164,7 @@
                 <a:buNone/>
                 <a:tabLst/>
               </a:pPr>
-              <a:endParaRPr kumimoji="0" lang="en-GB" sz="1000" b="1" i="0" u="none" strike="noStrike" cap="none" normalizeH="0" baseline="0" smtClean="0">
+              <a:endParaRPr kumimoji="0" lang="en-GB" sz="1000" i="0" u="none" strike="noStrike" cap="none" normalizeH="0" baseline="0" smtClean="0">
                 <a:ln>
                   <a:noFill/>
                 </a:ln>
@@ -20467,21 +19172,20 @@
                   <a:schemeClr val="bg2"/>
                 </a:solidFill>
                 <a:effectLst/>
-                <a:latin typeface="Microsoft Sans Serif" pitchFamily="34" charset="0"/>
               </a:endParaRPr>
             </a:p>
           </p:txBody>
         </p:sp>
         <p:sp>
           <p:nvSpPr>
-            <p:cNvPr id="178" name="Octagon 177"/>
+            <p:cNvPr id="100" name="Octagon 99"/>
             <p:cNvSpPr/>
             <p:nvPr/>
           </p:nvSpPr>
           <p:spPr bwMode="auto">
             <a:xfrm>
-              <a:off x="26423732" y="4385827"/>
-              <a:ext cx="403245" cy="403245"/>
+              <a:off x="3788756" y="3126358"/>
+              <a:ext cx="201622" cy="201622"/>
             </a:xfrm>
             <a:prstGeom prst="octagon">
               <a:avLst>
@@ -20490,12 +19194,12 @@
             </a:prstGeom>
             <a:solidFill>
               <a:schemeClr val="bg1">
-                <a:lumMod val="95000"/>
+                <a:lumMod val="75000"/>
               </a:schemeClr>
             </a:solidFill>
-            <a:ln w="19050" cap="flat" cmpd="sng" algn="ctr">
+            <a:ln w="3175" cap="flat" cmpd="sng" algn="ctr">
               <a:solidFill>
-                <a:schemeClr val="tx1"/>
+                <a:srgbClr val="000000"/>
               </a:solidFill>
               <a:prstDash val="solid"/>
               <a:round/>
@@ -20528,7 +19232,7 @@
                 <a:buNone/>
                 <a:tabLst/>
               </a:pPr>
-              <a:endParaRPr kumimoji="0" lang="en-GB" sz="1000" b="1" i="0" u="none" strike="noStrike" cap="none" normalizeH="0" baseline="0" smtClean="0">
+              <a:endParaRPr kumimoji="0" lang="en-GB" sz="1000" i="0" u="none" strike="noStrike" cap="none" normalizeH="0" baseline="0" smtClean="0">
                 <a:ln>
                   <a:noFill/>
                 </a:ln>
@@ -20536,21 +19240,20 @@
                   <a:schemeClr val="bg2"/>
                 </a:solidFill>
                 <a:effectLst/>
-                <a:latin typeface="Microsoft Sans Serif" pitchFamily="34" charset="0"/>
               </a:endParaRPr>
             </a:p>
           </p:txBody>
         </p:sp>
         <p:sp>
           <p:nvSpPr>
-            <p:cNvPr id="180" name="Octagon 179"/>
+            <p:cNvPr id="101" name="Octagon 100"/>
             <p:cNvSpPr/>
             <p:nvPr/>
           </p:nvSpPr>
           <p:spPr bwMode="auto">
             <a:xfrm>
-              <a:off x="26050352" y="4136907"/>
-              <a:ext cx="403245" cy="403245"/>
+              <a:off x="3637626" y="2948558"/>
+              <a:ext cx="201622" cy="201622"/>
             </a:xfrm>
             <a:prstGeom prst="octagon">
               <a:avLst>
@@ -20559,12 +19262,12 @@
             </a:prstGeom>
             <a:solidFill>
               <a:schemeClr val="bg1">
-                <a:lumMod val="95000"/>
+                <a:lumMod val="75000"/>
               </a:schemeClr>
             </a:solidFill>
-            <a:ln w="19050" cap="flat" cmpd="sng" algn="ctr">
+            <a:ln w="3175" cap="flat" cmpd="sng" algn="ctr">
               <a:solidFill>
-                <a:schemeClr val="tx1"/>
+                <a:srgbClr val="000000"/>
               </a:solidFill>
               <a:prstDash val="solid"/>
               <a:round/>
@@ -20597,7 +19300,7 @@
                 <a:buNone/>
                 <a:tabLst/>
               </a:pPr>
-              <a:endParaRPr kumimoji="0" lang="en-GB" sz="1000" b="1" i="0" u="none" strike="noStrike" cap="none" normalizeH="0" baseline="0" smtClean="0">
+              <a:endParaRPr kumimoji="0" lang="en-GB" sz="1000" i="0" u="none" strike="noStrike" cap="none" normalizeH="0" baseline="0" smtClean="0">
                 <a:ln>
                   <a:noFill/>
                 </a:ln>
@@ -20605,21 +19308,20 @@
                   <a:schemeClr val="bg2"/>
                 </a:solidFill>
                 <a:effectLst/>
-                <a:latin typeface="Microsoft Sans Serif" pitchFamily="34" charset="0"/>
               </a:endParaRPr>
             </a:p>
           </p:txBody>
         </p:sp>
         <p:sp>
           <p:nvSpPr>
-            <p:cNvPr id="181" name="Octagon 180"/>
+            <p:cNvPr id="102" name="Octagon 101"/>
             <p:cNvSpPr/>
             <p:nvPr/>
           </p:nvSpPr>
           <p:spPr bwMode="auto">
             <a:xfrm>
-              <a:off x="25748092" y="3781307"/>
-              <a:ext cx="403245" cy="403245"/>
+              <a:off x="3530946" y="2735198"/>
+              <a:ext cx="201622" cy="201622"/>
             </a:xfrm>
             <a:prstGeom prst="octagon">
               <a:avLst>
@@ -20628,12 +19330,12 @@
             </a:prstGeom>
             <a:solidFill>
               <a:schemeClr val="bg1">
-                <a:lumMod val="95000"/>
+                <a:lumMod val="75000"/>
               </a:schemeClr>
             </a:solidFill>
-            <a:ln w="19050" cap="flat" cmpd="sng" algn="ctr">
+            <a:ln w="3175" cap="flat" cmpd="sng" algn="ctr">
               <a:solidFill>
-                <a:schemeClr val="tx1"/>
+                <a:srgbClr val="000000"/>
               </a:solidFill>
               <a:prstDash val="solid"/>
               <a:round/>
@@ -20666,7 +19368,7 @@
                 <a:buNone/>
                 <a:tabLst/>
               </a:pPr>
-              <a:endParaRPr kumimoji="0" lang="en-GB" sz="1000" b="1" i="0" u="none" strike="noStrike" cap="none" normalizeH="0" baseline="0" smtClean="0">
+              <a:endParaRPr kumimoji="0" lang="en-GB" sz="1000" i="0" u="none" strike="noStrike" cap="none" normalizeH="0" baseline="0" smtClean="0">
                 <a:ln>
                   <a:noFill/>
                 </a:ln>
@@ -20674,21 +19376,20 @@
                   <a:schemeClr val="bg2"/>
                 </a:solidFill>
                 <a:effectLst/>
-                <a:latin typeface="Microsoft Sans Serif" pitchFamily="34" charset="0"/>
               </a:endParaRPr>
             </a:p>
           </p:txBody>
         </p:sp>
         <p:sp>
           <p:nvSpPr>
-            <p:cNvPr id="182" name="Octagon 181"/>
+            <p:cNvPr id="103" name="Octagon 102"/>
             <p:cNvSpPr/>
             <p:nvPr/>
           </p:nvSpPr>
           <p:spPr bwMode="auto">
             <a:xfrm>
-              <a:off x="25534732" y="3354587"/>
-              <a:ext cx="403245" cy="403245"/>
+              <a:off x="3477606" y="2504058"/>
+              <a:ext cx="201622" cy="201622"/>
             </a:xfrm>
             <a:prstGeom prst="octagon">
               <a:avLst>
@@ -20697,12 +19398,12 @@
             </a:prstGeom>
             <a:solidFill>
               <a:schemeClr val="bg1">
-                <a:lumMod val="95000"/>
+                <a:lumMod val="75000"/>
               </a:schemeClr>
             </a:solidFill>
-            <a:ln w="19050" cap="flat" cmpd="sng" algn="ctr">
+            <a:ln w="3175" cap="flat" cmpd="sng" algn="ctr">
               <a:solidFill>
-                <a:schemeClr val="tx1"/>
+                <a:srgbClr val="000000"/>
               </a:solidFill>
               <a:prstDash val="solid"/>
               <a:round/>
@@ -20735,7 +19436,7 @@
                 <a:buNone/>
                 <a:tabLst/>
               </a:pPr>
-              <a:endParaRPr kumimoji="0" lang="en-GB" sz="1000" b="1" i="0" u="none" strike="noStrike" cap="none" normalizeH="0" baseline="0" smtClean="0">
+              <a:endParaRPr kumimoji="0" lang="en-GB" sz="1000" i="0" u="none" strike="noStrike" cap="none" normalizeH="0" baseline="0" smtClean="0">
                 <a:ln>
                   <a:noFill/>
                 </a:ln>
@@ -20743,21 +19444,20 @@
                   <a:schemeClr val="bg2"/>
                 </a:solidFill>
                 <a:effectLst/>
-                <a:latin typeface="Microsoft Sans Serif" pitchFamily="34" charset="0"/>
               </a:endParaRPr>
             </a:p>
           </p:txBody>
         </p:sp>
         <p:sp>
           <p:nvSpPr>
-            <p:cNvPr id="183" name="Octagon 182"/>
+            <p:cNvPr id="104" name="Octagon 103"/>
             <p:cNvSpPr/>
             <p:nvPr/>
           </p:nvSpPr>
           <p:spPr bwMode="auto">
             <a:xfrm>
-              <a:off x="25428052" y="2892307"/>
-              <a:ext cx="403245" cy="403245"/>
+              <a:off x="3459826" y="2272918"/>
+              <a:ext cx="201622" cy="201622"/>
             </a:xfrm>
             <a:prstGeom prst="octagon">
               <a:avLst>
@@ -20766,12 +19466,12 @@
             </a:prstGeom>
             <a:solidFill>
               <a:schemeClr val="bg1">
-                <a:lumMod val="95000"/>
+                <a:lumMod val="75000"/>
               </a:schemeClr>
             </a:solidFill>
-            <a:ln w="19050" cap="flat" cmpd="sng" algn="ctr">
+            <a:ln w="3175" cap="flat" cmpd="sng" algn="ctr">
               <a:solidFill>
-                <a:schemeClr val="tx1"/>
+                <a:srgbClr val="000000"/>
               </a:solidFill>
               <a:prstDash val="solid"/>
               <a:round/>
@@ -20804,7 +19504,7 @@
                 <a:buNone/>
                 <a:tabLst/>
               </a:pPr>
-              <a:endParaRPr kumimoji="0" lang="en-GB" sz="1000" b="1" i="0" u="none" strike="noStrike" cap="none" normalizeH="0" baseline="0" smtClean="0">
+              <a:endParaRPr kumimoji="0" lang="en-GB" sz="1000" i="0" u="none" strike="noStrike" cap="none" normalizeH="0" baseline="0" smtClean="0">
                 <a:ln>
                   <a:noFill/>
                 </a:ln>
@@ -20812,21 +19512,20 @@
                   <a:schemeClr val="bg2"/>
                 </a:solidFill>
                 <a:effectLst/>
-                <a:latin typeface="Microsoft Sans Serif" pitchFamily="34" charset="0"/>
               </a:endParaRPr>
             </a:p>
           </p:txBody>
         </p:sp>
         <p:sp>
           <p:nvSpPr>
-            <p:cNvPr id="186" name="Octagon 185"/>
+            <p:cNvPr id="105" name="Octagon 104"/>
             <p:cNvSpPr/>
             <p:nvPr/>
           </p:nvSpPr>
           <p:spPr bwMode="auto">
             <a:xfrm>
-              <a:off x="25392492" y="2430027"/>
-              <a:ext cx="403245" cy="403245"/>
+              <a:off x="3513166" y="2041778"/>
+              <a:ext cx="201622" cy="201622"/>
             </a:xfrm>
             <a:prstGeom prst="octagon">
               <a:avLst>
@@ -20835,12 +19534,12 @@
             </a:prstGeom>
             <a:solidFill>
               <a:schemeClr val="bg1">
-                <a:lumMod val="95000"/>
+                <a:lumMod val="75000"/>
               </a:schemeClr>
             </a:solidFill>
-            <a:ln w="19050" cap="flat" cmpd="sng" algn="ctr">
+            <a:ln w="3175" cap="flat" cmpd="sng" algn="ctr">
               <a:solidFill>
-                <a:schemeClr val="tx1"/>
+                <a:srgbClr val="000000"/>
               </a:solidFill>
               <a:prstDash val="solid"/>
               <a:round/>
@@ -20873,7 +19572,7 @@
                 <a:buNone/>
                 <a:tabLst/>
               </a:pPr>
-              <a:endParaRPr kumimoji="0" lang="en-GB" sz="1000" b="1" i="0" u="none" strike="noStrike" cap="none" normalizeH="0" baseline="0" smtClean="0">
+              <a:endParaRPr kumimoji="0" lang="en-GB" sz="1000" i="0" u="none" strike="noStrike" cap="none" normalizeH="0" baseline="0" smtClean="0">
                 <a:ln>
                   <a:noFill/>
                 </a:ln>
@@ -20881,21 +19580,20 @@
                   <a:schemeClr val="bg2"/>
                 </a:solidFill>
                 <a:effectLst/>
-                <a:latin typeface="Microsoft Sans Serif" pitchFamily="34" charset="0"/>
               </a:endParaRPr>
             </a:p>
           </p:txBody>
         </p:sp>
         <p:sp>
           <p:nvSpPr>
-            <p:cNvPr id="187" name="Octagon 186"/>
+            <p:cNvPr id="106" name="Octagon 105"/>
             <p:cNvSpPr/>
             <p:nvPr/>
           </p:nvSpPr>
           <p:spPr bwMode="auto">
             <a:xfrm>
-              <a:off x="25499172" y="1967747"/>
-              <a:ext cx="403245" cy="403245"/>
+              <a:off x="3957666" y="1499488"/>
+              <a:ext cx="201622" cy="201622"/>
             </a:xfrm>
             <a:prstGeom prst="octagon">
               <a:avLst>
@@ -20904,12 +19602,12 @@
             </a:prstGeom>
             <a:solidFill>
               <a:schemeClr val="bg1">
-                <a:lumMod val="95000"/>
+                <a:lumMod val="75000"/>
               </a:schemeClr>
             </a:solidFill>
-            <a:ln w="19050" cap="flat" cmpd="sng" algn="ctr">
+            <a:ln w="3175" cap="flat" cmpd="sng" algn="ctr">
               <a:solidFill>
-                <a:schemeClr val="tx1"/>
+                <a:srgbClr val="000000"/>
               </a:solidFill>
               <a:prstDash val="solid"/>
               <a:round/>
@@ -20942,7 +19640,7 @@
                 <a:buNone/>
                 <a:tabLst/>
               </a:pPr>
-              <a:endParaRPr kumimoji="0" lang="en-GB" sz="1000" b="1" i="0" u="none" strike="noStrike" cap="none" normalizeH="0" baseline="0" smtClean="0">
+              <a:endParaRPr kumimoji="0" lang="en-GB" sz="1000" i="0" u="none" strike="noStrike" cap="none" normalizeH="0" baseline="0" smtClean="0">
                 <a:ln>
                   <a:noFill/>
                 </a:ln>
@@ -20950,21 +19648,20 @@
                   <a:schemeClr val="bg2"/>
                 </a:solidFill>
                 <a:effectLst/>
-                <a:latin typeface="Microsoft Sans Serif" pitchFamily="34" charset="0"/>
               </a:endParaRPr>
             </a:p>
           </p:txBody>
         </p:sp>
         <p:sp>
           <p:nvSpPr>
-            <p:cNvPr id="188" name="Octagon 187"/>
+            <p:cNvPr id="107" name="Octagon 106"/>
             <p:cNvSpPr/>
             <p:nvPr/>
           </p:nvSpPr>
           <p:spPr bwMode="auto">
             <a:xfrm>
-              <a:off x="26388172" y="883167"/>
-              <a:ext cx="403245" cy="403245"/>
+              <a:off x="4179916" y="1428368"/>
+              <a:ext cx="201622" cy="201622"/>
             </a:xfrm>
             <a:prstGeom prst="octagon">
               <a:avLst>
@@ -20973,12 +19670,12 @@
             </a:prstGeom>
             <a:solidFill>
               <a:schemeClr val="bg1">
-                <a:lumMod val="95000"/>
+                <a:lumMod val="75000"/>
               </a:schemeClr>
             </a:solidFill>
-            <a:ln w="19050" cap="flat" cmpd="sng" algn="ctr">
+            <a:ln w="3175" cap="flat" cmpd="sng" algn="ctr">
               <a:solidFill>
-                <a:schemeClr val="tx1"/>
+                <a:srgbClr val="000000"/>
               </a:solidFill>
               <a:prstDash val="solid"/>
               <a:round/>
@@ -21011,7 +19708,7 @@
                 <a:buNone/>
                 <a:tabLst/>
               </a:pPr>
-              <a:endParaRPr kumimoji="0" lang="en-GB" sz="1000" b="1" i="0" u="none" strike="noStrike" cap="none" normalizeH="0" baseline="0" smtClean="0">
+              <a:endParaRPr kumimoji="0" lang="en-GB" sz="1000" i="0" u="none" strike="noStrike" cap="none" normalizeH="0" baseline="0" smtClean="0">
                 <a:ln>
                   <a:noFill/>
                 </a:ln>
@@ -21019,21 +19716,20 @@
                   <a:schemeClr val="bg2"/>
                 </a:solidFill>
                 <a:effectLst/>
-                <a:latin typeface="Microsoft Sans Serif" pitchFamily="34" charset="0"/>
               </a:endParaRPr>
             </a:p>
           </p:txBody>
         </p:sp>
         <p:sp>
           <p:nvSpPr>
-            <p:cNvPr id="189" name="Octagon 188"/>
+            <p:cNvPr id="108" name="Octagon 107"/>
             <p:cNvSpPr/>
             <p:nvPr/>
           </p:nvSpPr>
           <p:spPr bwMode="auto">
             <a:xfrm>
-              <a:off x="26832672" y="740927"/>
-              <a:ext cx="403245" cy="403245"/>
+              <a:off x="3610956" y="1846198"/>
+              <a:ext cx="201622" cy="201622"/>
             </a:xfrm>
             <a:prstGeom prst="octagon">
               <a:avLst>
@@ -21042,12 +19738,12 @@
             </a:prstGeom>
             <a:solidFill>
               <a:schemeClr val="bg1">
-                <a:lumMod val="95000"/>
+                <a:lumMod val="75000"/>
               </a:schemeClr>
             </a:solidFill>
-            <a:ln w="19050" cap="flat" cmpd="sng" algn="ctr">
+            <a:ln w="3175" cap="flat" cmpd="sng" algn="ctr">
               <a:solidFill>
-                <a:schemeClr val="tx1"/>
+                <a:srgbClr val="000000"/>
               </a:solidFill>
               <a:prstDash val="solid"/>
               <a:round/>
@@ -21080,7 +19776,7 @@
                 <a:buNone/>
                 <a:tabLst/>
               </a:pPr>
-              <a:endParaRPr kumimoji="0" lang="en-GB" sz="1000" b="1" i="0" u="none" strike="noStrike" cap="none" normalizeH="0" baseline="0" smtClean="0">
+              <a:endParaRPr kumimoji="0" lang="en-GB" sz="1000" i="0" u="none" strike="noStrike" cap="none" normalizeH="0" baseline="0" smtClean="0">
                 <a:ln>
                   <a:noFill/>
                 </a:ln>
@@ -21088,21 +19784,20 @@
                   <a:schemeClr val="bg2"/>
                 </a:solidFill>
                 <a:effectLst/>
-                <a:latin typeface="Microsoft Sans Serif" pitchFamily="34" charset="0"/>
               </a:endParaRPr>
             </a:p>
           </p:txBody>
         </p:sp>
         <p:sp>
           <p:nvSpPr>
-            <p:cNvPr id="190" name="Octagon 189"/>
+            <p:cNvPr id="109" name="Octagon 108"/>
             <p:cNvSpPr/>
             <p:nvPr/>
           </p:nvSpPr>
           <p:spPr bwMode="auto">
             <a:xfrm>
-              <a:off x="25694752" y="1576587"/>
-              <a:ext cx="403245" cy="403245"/>
+              <a:off x="3770976" y="1632838"/>
+              <a:ext cx="201622" cy="201622"/>
             </a:xfrm>
             <a:prstGeom prst="octagon">
               <a:avLst>
@@ -21111,12 +19806,12 @@
             </a:prstGeom>
             <a:solidFill>
               <a:schemeClr val="bg1">
-                <a:lumMod val="95000"/>
+                <a:lumMod val="75000"/>
               </a:schemeClr>
             </a:solidFill>
-            <a:ln w="19050" cap="flat" cmpd="sng" algn="ctr">
+            <a:ln w="3175" cap="flat" cmpd="sng" algn="ctr">
               <a:solidFill>
-                <a:schemeClr val="tx1"/>
+                <a:srgbClr val="000000"/>
               </a:solidFill>
               <a:prstDash val="solid"/>
               <a:round/>
@@ -21149,7 +19844,7 @@
                 <a:buNone/>
                 <a:tabLst/>
               </a:pPr>
-              <a:endParaRPr kumimoji="0" lang="en-GB" sz="1000" b="1" i="0" u="none" strike="noStrike" cap="none" normalizeH="0" baseline="0" smtClean="0">
+              <a:endParaRPr kumimoji="0" lang="en-GB" sz="1000" i="0" u="none" strike="noStrike" cap="none" normalizeH="0" baseline="0" smtClean="0">
                 <a:ln>
                   <a:noFill/>
                 </a:ln>
@@ -21157,21 +19852,20 @@
                   <a:schemeClr val="bg2"/>
                 </a:solidFill>
                 <a:effectLst/>
-                <a:latin typeface="Microsoft Sans Serif" pitchFamily="34" charset="0"/>
               </a:endParaRPr>
             </a:p>
           </p:txBody>
         </p:sp>
         <p:sp>
           <p:nvSpPr>
-            <p:cNvPr id="191" name="Octagon 190"/>
+            <p:cNvPr id="110" name="Octagon 109"/>
             <p:cNvSpPr/>
             <p:nvPr/>
           </p:nvSpPr>
           <p:spPr bwMode="auto">
             <a:xfrm>
-              <a:off x="26014792" y="1149867"/>
-              <a:ext cx="403245" cy="403245"/>
+              <a:off x="4885073" y="3296309"/>
+              <a:ext cx="201622" cy="201622"/>
             </a:xfrm>
             <a:prstGeom prst="octagon">
               <a:avLst>
@@ -21180,12 +19874,12 @@
             </a:prstGeom>
             <a:solidFill>
               <a:schemeClr val="bg1">
-                <a:lumMod val="95000"/>
+                <a:lumMod val="75000"/>
               </a:schemeClr>
             </a:solidFill>
-            <a:ln w="19050" cap="flat" cmpd="sng" algn="ctr">
+            <a:ln w="3175" cap="flat" cmpd="sng" algn="ctr">
               <a:solidFill>
-                <a:schemeClr val="tx1"/>
+                <a:srgbClr val="000000"/>
               </a:solidFill>
               <a:prstDash val="solid"/>
               <a:round/>
@@ -21218,7 +19912,7 @@
                 <a:buNone/>
                 <a:tabLst/>
               </a:pPr>
-              <a:endParaRPr kumimoji="0" lang="en-GB" sz="1000" b="1" i="0" u="none" strike="noStrike" cap="none" normalizeH="0" baseline="0" smtClean="0">
+              <a:endParaRPr kumimoji="0" lang="en-GB" sz="1000" i="0" u="none" strike="noStrike" cap="none" normalizeH="0" baseline="0" smtClean="0">
                 <a:ln>
                   <a:noFill/>
                 </a:ln>
@@ -21226,21 +19920,20 @@
                   <a:schemeClr val="bg2"/>
                 </a:solidFill>
                 <a:effectLst/>
-                <a:latin typeface="Microsoft Sans Serif" pitchFamily="34" charset="0"/>
               </a:endParaRPr>
             </a:p>
           </p:txBody>
         </p:sp>
         <p:sp>
           <p:nvSpPr>
-            <p:cNvPr id="192" name="Octagon 191"/>
+            <p:cNvPr id="111" name="Octagon 110"/>
             <p:cNvSpPr/>
             <p:nvPr/>
           </p:nvSpPr>
           <p:spPr bwMode="auto">
             <a:xfrm>
-              <a:off x="28242987" y="4476810"/>
-              <a:ext cx="403245" cy="403245"/>
+              <a:off x="4397582" y="3391252"/>
+              <a:ext cx="201622" cy="201622"/>
             </a:xfrm>
             <a:prstGeom prst="octagon">
               <a:avLst>
@@ -21249,12 +19942,12 @@
             </a:prstGeom>
             <a:solidFill>
               <a:schemeClr val="bg1">
-                <a:lumMod val="95000"/>
+                <a:lumMod val="75000"/>
               </a:schemeClr>
             </a:solidFill>
-            <a:ln w="19050" cap="flat" cmpd="sng" algn="ctr">
+            <a:ln w="3175" cap="flat" cmpd="sng" algn="ctr">
               <a:solidFill>
-                <a:schemeClr val="tx1"/>
+                <a:srgbClr val="000000"/>
               </a:solidFill>
               <a:prstDash val="solid"/>
               <a:round/>
@@ -21287,7 +19980,7 @@
                 <a:buNone/>
                 <a:tabLst/>
               </a:pPr>
-              <a:endParaRPr kumimoji="0" lang="en-GB" sz="1000" b="1" i="0" u="none" strike="noStrike" cap="none" normalizeH="0" baseline="0" smtClean="0">
+              <a:endParaRPr kumimoji="0" lang="en-GB" sz="1000" i="0" u="none" strike="noStrike" cap="none" normalizeH="0" baseline="0" smtClean="0">
                 <a:ln>
                   <a:noFill/>
                 </a:ln>
@@ -21295,21 +19988,20 @@
                   <a:schemeClr val="bg2"/>
                 </a:solidFill>
                 <a:effectLst/>
-                <a:latin typeface="Microsoft Sans Serif" pitchFamily="34" charset="0"/>
               </a:endParaRPr>
             </a:p>
           </p:txBody>
         </p:sp>
         <p:sp>
           <p:nvSpPr>
-            <p:cNvPr id="193" name="Octagon 192"/>
+            <p:cNvPr id="112" name="Octagon 111"/>
             <p:cNvSpPr/>
             <p:nvPr/>
           </p:nvSpPr>
           <p:spPr bwMode="auto">
             <a:xfrm>
-              <a:off x="27268005" y="4666695"/>
-              <a:ext cx="403245" cy="403245"/>
+              <a:off x="4661782" y="3397294"/>
+              <a:ext cx="201622" cy="201622"/>
             </a:xfrm>
             <a:prstGeom prst="octagon">
               <a:avLst>
@@ -21318,12 +20010,12 @@
             </a:prstGeom>
             <a:solidFill>
               <a:schemeClr val="bg1">
-                <a:lumMod val="95000"/>
+                <a:lumMod val="75000"/>
               </a:schemeClr>
             </a:solidFill>
-            <a:ln w="19050" cap="flat" cmpd="sng" algn="ctr">
+            <a:ln w="3175" cap="flat" cmpd="sng" algn="ctr">
               <a:solidFill>
-                <a:schemeClr val="tx1"/>
+                <a:srgbClr val="000000"/>
               </a:solidFill>
               <a:prstDash val="solid"/>
               <a:round/>
@@ -21356,7 +20048,7 @@
                 <a:buNone/>
                 <a:tabLst/>
               </a:pPr>
-              <a:endParaRPr kumimoji="0" lang="en-GB" sz="1000" b="1" i="0" u="none" strike="noStrike" cap="none" normalizeH="0" baseline="0" smtClean="0">
+              <a:endParaRPr kumimoji="0" lang="en-GB" sz="1000" i="0" u="none" strike="noStrike" cap="none" normalizeH="0" baseline="0" smtClean="0">
                 <a:ln>
                   <a:noFill/>
                 </a:ln>
@@ -21364,2050 +20056,2918 @@
                   <a:schemeClr val="bg2"/>
                 </a:solidFill>
                 <a:effectLst/>
-                <a:latin typeface="Microsoft Sans Serif" pitchFamily="34" charset="0"/>
               </a:endParaRPr>
             </a:p>
           </p:txBody>
         </p:sp>
-        <p:sp>
-          <p:nvSpPr>
-            <p:cNvPr id="194" name="Octagon 193"/>
-            <p:cNvSpPr/>
-            <p:nvPr/>
-          </p:nvSpPr>
-          <p:spPr bwMode="auto">
-            <a:xfrm>
-              <a:off x="27796404" y="4678780"/>
-              <a:ext cx="403245" cy="403245"/>
-            </a:xfrm>
-            <a:prstGeom prst="octagon">
-              <a:avLst>
-                <a:gd name="adj" fmla="val 30759"/>
-              </a:avLst>
-            </a:prstGeom>
-            <a:solidFill>
-              <a:schemeClr val="bg1">
-                <a:lumMod val="95000"/>
-              </a:schemeClr>
-            </a:solidFill>
-            <a:ln w="19050" cap="flat" cmpd="sng" algn="ctr">
+      </p:grpSp>
+      <p:sp>
+        <p:nvSpPr>
+          <p:cNvPr id="2" name="Title 1"/>
+          <p:cNvSpPr>
+            <a:spLocks noGrp="1"/>
+          </p:cNvSpPr>
+          <p:nvPr>
+            <p:ph type="title"/>
+          </p:nvPr>
+        </p:nvSpPr>
+        <p:spPr/>
+        <p:txBody>
+          <a:bodyPr>
+            <a:normAutofit fontScale="90000"/>
+          </a:bodyPr>
+          <a:lstStyle/>
+          <a:p>
+            <a:r>
+              <a:rPr lang="en-GB" dirty="0" smtClean="0"/>
+              <a:t>Benefits of RAG</a:t>
+            </a:r>
+            <a:r>
+              <a:rPr lang="en-GB" dirty="0"/>
+              <a:t>-controlled </a:t>
+            </a:r>
+            <a:r>
+              <a:rPr lang="en-GB" dirty="0" smtClean="0"/>
+              <a:t>rewriting</a:t>
+            </a:r>
+            <a:endParaRPr lang="en-GB" dirty="0"/>
+          </a:p>
+        </p:txBody>
+      </p:sp>
+      <p:sp>
+        <p:nvSpPr>
+          <p:cNvPr id="3" name="TextBox 2"/>
+          <p:cNvSpPr txBox="1"/>
+          <p:nvPr/>
+        </p:nvSpPr>
+        <p:spPr>
+          <a:xfrm>
+            <a:off x="838665" y="1470286"/>
+            <a:ext cx="1187457" cy="369332"/>
+          </a:xfrm>
+          <a:prstGeom prst="rect">
+            <a:avLst/>
+          </a:prstGeom>
+          <a:noFill/>
+        </p:spPr>
+        <p:txBody>
+          <a:bodyPr wrap="none" rtlCol="0">
+            <a:spAutoFit/>
+          </a:bodyPr>
+          <a:lstStyle/>
+          <a:p>
+            <a:r>
+              <a:rPr lang="en-GB" dirty="0" smtClean="0"/>
+              <a:t>interactive</a:t>
+            </a:r>
+            <a:endParaRPr lang="en-GB" dirty="0"/>
+          </a:p>
+        </p:txBody>
+      </p:sp>
+      <p:sp>
+        <p:nvSpPr>
+          <p:cNvPr id="5" name="TextBox 4"/>
+          <p:cNvSpPr txBox="1"/>
+          <p:nvPr/>
+        </p:nvSpPr>
+        <p:spPr>
+          <a:xfrm>
+            <a:off x="6063403" y="1579338"/>
+            <a:ext cx="1673242" cy="369332"/>
+          </a:xfrm>
+          <a:prstGeom prst="rect">
+            <a:avLst/>
+          </a:prstGeom>
+          <a:noFill/>
+        </p:spPr>
+        <p:txBody>
+          <a:bodyPr wrap="none" rtlCol="0">
+            <a:spAutoFit/>
+          </a:bodyPr>
+          <a:lstStyle/>
+          <a:p>
+            <a:pPr algn="ctr"/>
+            <a:r>
+              <a:rPr lang="en-GB" dirty="0" smtClean="0"/>
+              <a:t>runtime models</a:t>
+            </a:r>
+            <a:endParaRPr lang="en-GB" dirty="0"/>
+          </a:p>
+        </p:txBody>
+      </p:sp>
+      <p:sp>
+        <p:nvSpPr>
+          <p:cNvPr id="6" name="TextBox 5"/>
+          <p:cNvSpPr txBox="1"/>
+          <p:nvPr/>
+        </p:nvSpPr>
+        <p:spPr>
+          <a:xfrm>
+            <a:off x="457200" y="3042169"/>
+            <a:ext cx="2251225" cy="369332"/>
+          </a:xfrm>
+          <a:prstGeom prst="rect">
+            <a:avLst/>
+          </a:prstGeom>
+          <a:noFill/>
+        </p:spPr>
+        <p:txBody>
+          <a:bodyPr wrap="none" rtlCol="0">
+            <a:spAutoFit/>
+          </a:bodyPr>
+          <a:lstStyle/>
+          <a:p>
+            <a:r>
+              <a:rPr lang="en-GB" dirty="0" smtClean="0"/>
+              <a:t>model transformation</a:t>
+            </a:r>
+            <a:endParaRPr lang="en-GB" dirty="0"/>
+          </a:p>
+        </p:txBody>
+      </p:sp>
+      <p:sp>
+        <p:nvSpPr>
+          <p:cNvPr id="8" name="TextBox 7"/>
+          <p:cNvSpPr txBox="1"/>
+          <p:nvPr/>
+        </p:nvSpPr>
+        <p:spPr>
+          <a:xfrm>
+            <a:off x="6137908" y="2768738"/>
+            <a:ext cx="2287518" cy="369332"/>
+          </a:xfrm>
+          <a:prstGeom prst="rect">
+            <a:avLst/>
+          </a:prstGeom>
+          <a:noFill/>
+        </p:spPr>
+        <p:txBody>
+          <a:bodyPr wrap="none" rtlCol="0">
+            <a:spAutoFit/>
+          </a:bodyPr>
+          <a:lstStyle/>
+          <a:p>
+            <a:r>
+              <a:rPr lang="en-GB" dirty="0" smtClean="0"/>
+              <a:t>incremental reasoning</a:t>
+            </a:r>
+            <a:endParaRPr lang="en-GB" dirty="0"/>
+          </a:p>
+        </p:txBody>
+      </p:sp>
+      <p:sp>
+        <p:nvSpPr>
+          <p:cNvPr id="9" name="TextBox 8"/>
+          <p:cNvSpPr txBox="1"/>
+          <p:nvPr/>
+        </p:nvSpPr>
+        <p:spPr>
+          <a:xfrm>
+            <a:off x="1219665" y="2104671"/>
+            <a:ext cx="1998865" cy="646331"/>
+          </a:xfrm>
+          <a:prstGeom prst="rect">
+            <a:avLst/>
+          </a:prstGeom>
+          <a:noFill/>
+        </p:spPr>
+        <p:txBody>
+          <a:bodyPr wrap="none" rtlCol="0">
+            <a:spAutoFit/>
+          </a:bodyPr>
+          <a:lstStyle/>
+          <a:p>
+            <a:pPr algn="ctr"/>
+            <a:r>
+              <a:rPr lang="en-GB" dirty="0"/>
+              <a:t>i</a:t>
+            </a:r>
+            <a:r>
+              <a:rPr lang="en-GB" dirty="0" smtClean="0"/>
+              <a:t>ncremental</a:t>
+            </a:r>
+          </a:p>
+          <a:p>
+            <a:pPr algn="ctr"/>
+            <a:r>
+              <a:rPr lang="en-GB" dirty="0" smtClean="0"/>
+              <a:t>meta programming</a:t>
+            </a:r>
+            <a:endParaRPr lang="en-GB" dirty="0"/>
+          </a:p>
+        </p:txBody>
+      </p:sp>
+      <p:sp>
+        <p:nvSpPr>
+          <p:cNvPr id="11" name="TextBox 10"/>
+          <p:cNvSpPr txBox="1"/>
+          <p:nvPr/>
+        </p:nvSpPr>
+        <p:spPr>
+          <a:xfrm>
+            <a:off x="7148811" y="2240303"/>
+            <a:ext cx="587834" cy="369332"/>
+          </a:xfrm>
+          <a:prstGeom prst="rect">
+            <a:avLst/>
+          </a:prstGeom>
+          <a:noFill/>
+        </p:spPr>
+        <p:txBody>
+          <a:bodyPr wrap="none" rtlCol="0">
+            <a:spAutoFit/>
+          </a:bodyPr>
+          <a:lstStyle/>
+          <a:p>
+            <a:r>
+              <a:rPr lang="en-GB" dirty="0" smtClean="0"/>
+              <a:t>IDEs</a:t>
+            </a:r>
+            <a:endParaRPr lang="en-GB" dirty="0"/>
+          </a:p>
+        </p:txBody>
+      </p:sp>
+      <p:sp>
+        <p:nvSpPr>
+          <p:cNvPr id="13" name="TextBox 12"/>
+          <p:cNvSpPr txBox="1"/>
+          <p:nvPr/>
+        </p:nvSpPr>
+        <p:spPr>
+          <a:xfrm>
+            <a:off x="6745185" y="3223312"/>
+            <a:ext cx="348886" cy="369332"/>
+          </a:xfrm>
+          <a:prstGeom prst="rect">
+            <a:avLst/>
+          </a:prstGeom>
+          <a:noFill/>
+        </p:spPr>
+        <p:txBody>
+          <a:bodyPr wrap="none" rtlCol="0">
+            <a:spAutoFit/>
+          </a:bodyPr>
+          <a:lstStyle/>
+          <a:p>
+            <a:r>
+              <a:rPr lang="en-GB" b="1" dirty="0" smtClean="0"/>
+              <a:t>…</a:t>
+            </a:r>
+            <a:endParaRPr lang="en-GB" b="1" dirty="0"/>
+          </a:p>
+        </p:txBody>
+      </p:sp>
+      <p:sp>
+        <p:nvSpPr>
+          <p:cNvPr id="224" name="TextBox 223"/>
+          <p:cNvSpPr txBox="1"/>
+          <p:nvPr/>
+        </p:nvSpPr>
+        <p:spPr>
+          <a:xfrm>
+            <a:off x="2384589" y="1498954"/>
+            <a:ext cx="348886" cy="369332"/>
+          </a:xfrm>
+          <a:prstGeom prst="rect">
+            <a:avLst/>
+          </a:prstGeom>
+          <a:noFill/>
+        </p:spPr>
+        <p:txBody>
+          <a:bodyPr wrap="none" rtlCol="0">
+            <a:spAutoFit/>
+          </a:bodyPr>
+          <a:lstStyle/>
+          <a:p>
+            <a:r>
+              <a:rPr lang="en-GB" b="1" dirty="0" smtClean="0"/>
+              <a:t>…</a:t>
+            </a:r>
+            <a:endParaRPr lang="en-GB" b="1" dirty="0"/>
+          </a:p>
+        </p:txBody>
+      </p:sp>
+      <p:sp>
+        <p:nvSpPr>
+          <p:cNvPr id="82" name="TextBox 81"/>
+          <p:cNvSpPr txBox="1"/>
+          <p:nvPr/>
+        </p:nvSpPr>
+        <p:spPr>
+          <a:xfrm>
+            <a:off x="7731982" y="1875638"/>
+            <a:ext cx="1220707" cy="369332"/>
+          </a:xfrm>
+          <a:prstGeom prst="rect">
+            <a:avLst/>
+          </a:prstGeom>
+          <a:noFill/>
+        </p:spPr>
+        <p:txBody>
+          <a:bodyPr wrap="none" rtlCol="0">
+            <a:spAutoFit/>
+          </a:bodyPr>
+          <a:lstStyle/>
+          <a:p>
+            <a:r>
+              <a:rPr lang="en-GB" dirty="0" smtClean="0"/>
+              <a:t>declarative</a:t>
+            </a:r>
+            <a:endParaRPr lang="en-GB" dirty="0"/>
+          </a:p>
+        </p:txBody>
+      </p:sp>
+      <p:sp>
+        <p:nvSpPr>
+          <p:cNvPr id="85" name="Donut 84"/>
+          <p:cNvSpPr/>
+          <p:nvPr/>
+        </p:nvSpPr>
+        <p:spPr bwMode="auto">
+          <a:xfrm>
+            <a:off x="3410862" y="1315648"/>
+            <a:ext cx="2324454" cy="2329040"/>
+          </a:xfrm>
+          <a:prstGeom prst="donut">
+            <a:avLst>
+              <a:gd name="adj" fmla="val 6622"/>
+            </a:avLst>
+          </a:prstGeom>
+          <a:solidFill>
+            <a:srgbClr val="BFBFBF"/>
+          </a:solidFill>
+          <a:ln w="3175" cap="flat" cmpd="sng" algn="ctr">
+            <a:solidFill>
+              <a:srgbClr val="000000"/>
+            </a:solidFill>
+            <a:prstDash val="solid"/>
+            <a:round/>
+            <a:headEnd type="none" w="med" len="med"/>
+            <a:tailEnd type="none" w="med" len="med"/>
+          </a:ln>
+          <a:effectLst/>
+        </p:spPr>
+        <p:txBody>
+          <a:bodyPr vert="horz" wrap="square" lIns="91440" tIns="45720" rIns="91440" bIns="45720" numCol="1" rtlCol="0" anchor="t" anchorCtr="0" compatLnSpc="1">
+            <a:prstTxWarp prst="textNoShape">
+              <a:avLst/>
+            </a:prstTxWarp>
+          </a:bodyPr>
+          <a:lstStyle/>
+          <a:p>
+            <a:pPr marL="0" marR="0" indent="0" algn="l" defTabSz="914400" rtl="0" eaLnBrk="1" fontAlgn="base" latinLnBrk="0" hangingPunct="1">
+              <a:lnSpc>
+                <a:spcPct val="100000"/>
+              </a:lnSpc>
+              <a:spcBef>
+                <a:spcPct val="0"/>
+              </a:spcBef>
+              <a:spcAft>
+                <a:spcPct val="0"/>
+              </a:spcAft>
+              <a:buClrTx/>
+              <a:buSzTx/>
+              <a:buFontTx/>
+              <a:buNone/>
+              <a:tabLst/>
+            </a:pPr>
+            <a:endParaRPr kumimoji="0" lang="en-GB" sz="1000" i="0" u="none" strike="noStrike" cap="none" normalizeH="0" baseline="0" smtClean="0">
+              <a:ln>
+                <a:noFill/>
+              </a:ln>
               <a:solidFill>
-                <a:schemeClr val="tx1"/>
+                <a:schemeClr val="bg2"/>
               </a:solidFill>
-              <a:prstDash val="solid"/>
-              <a:round/>
-              <a:headEnd type="none" w="med" len="med"/>
-              <a:tailEnd type="none" w="med" len="med"/>
-            </a:ln>
-            <a:effectLst/>
-          </p:spPr>
-          <p:txBody>
-            <a:bodyPr vert="horz" wrap="square" lIns="91440" tIns="45720" rIns="91440" bIns="45720" numCol="1" rtlCol="0" anchor="t" anchorCtr="0" compatLnSpc="1">
-              <a:prstTxWarp prst="textNoShape">
-                <a:avLst/>
-              </a:prstTxWarp>
-            </a:bodyPr>
-            <a:lstStyle/>
-            <a:p>
-              <a:pPr marL="0" marR="0" indent="0" algn="l" defTabSz="914400" rtl="0" eaLnBrk="1" fontAlgn="base" latinLnBrk="0" hangingPunct="1">
-                <a:lnSpc>
-                  <a:spcPct val="100000"/>
-                </a:lnSpc>
-                <a:spcBef>
-                  <a:spcPct val="0"/>
-                </a:spcBef>
-                <a:spcAft>
-                  <a:spcPct val="0"/>
-                </a:spcAft>
-                <a:buClrTx/>
-                <a:buSzTx/>
-                <a:buFontTx/>
-                <a:buNone/>
-                <a:tabLst/>
-              </a:pPr>
-              <a:endParaRPr kumimoji="0" lang="en-GB" sz="1000" b="1" i="0" u="none" strike="noStrike" cap="none" normalizeH="0" baseline="0" smtClean="0">
-                <a:ln>
-                  <a:noFill/>
-                </a:ln>
-                <a:solidFill>
-                  <a:schemeClr val="bg2"/>
-                </a:solidFill>
-                <a:effectLst/>
-                <a:latin typeface="Microsoft Sans Serif" pitchFamily="34" charset="0"/>
-              </a:endParaRPr>
-            </a:p>
-          </p:txBody>
-        </p:sp>
+              <a:effectLst/>
+            </a:endParaRPr>
+          </a:p>
+        </p:txBody>
+      </p:sp>
+      <p:grpSp>
+        <p:nvGrpSpPr>
+          <p:cNvPr id="113" name="Group 112"/>
+          <p:cNvGrpSpPr/>
+          <p:nvPr/>
+        </p:nvGrpSpPr>
+        <p:grpSpPr>
+          <a:xfrm>
+            <a:off x="3757569" y="1688885"/>
+            <a:ext cx="1520190" cy="1742440"/>
+            <a:chOff x="5445224" y="1518725"/>
+            <a:chExt cx="575731" cy="704321"/>
+          </a:xfrm>
+        </p:grpSpPr>
         <p:grpSp>
           <p:nvGrpSpPr>
-            <p:cNvPr id="195" name="Group 194"/>
+            <p:cNvPr id="114" name="Group 113"/>
             <p:cNvGrpSpPr/>
             <p:nvPr/>
           </p:nvGrpSpPr>
           <p:grpSpPr>
             <a:xfrm>
-              <a:off x="25987979" y="1261962"/>
-              <a:ext cx="3040380" cy="3484880"/>
-              <a:chOff x="5445224" y="1518725"/>
-              <a:chExt cx="575731" cy="704321"/>
+              <a:off x="5604849" y="1891466"/>
+              <a:ext cx="345115" cy="331580"/>
+              <a:chOff x="5592149" y="1888291"/>
+              <a:chExt cx="345115" cy="331580"/>
             </a:xfrm>
           </p:grpSpPr>
-          <p:grpSp>
-            <p:nvGrpSpPr>
-              <p:cNvPr id="197" name="Group 196"/>
-              <p:cNvGrpSpPr/>
+          <p:sp>
+            <p:nvSpPr>
+              <p:cNvPr id="133" name="Rounded Rectangle 132"/>
+              <p:cNvSpPr/>
               <p:nvPr/>
-            </p:nvGrpSpPr>
-            <p:grpSpPr>
+            </p:nvSpPr>
+            <p:spPr bwMode="auto">
               <a:xfrm>
-                <a:off x="5604849" y="1891466"/>
-                <a:ext cx="345115" cy="331580"/>
-                <a:chOff x="5592149" y="1888291"/>
-                <a:chExt cx="345115" cy="331580"/>
+                <a:off x="5747579" y="1889528"/>
+                <a:ext cx="39389" cy="330343"/>
               </a:xfrm>
-            </p:grpSpPr>
-            <p:sp>
-              <p:nvSpPr>
-                <p:cNvPr id="216" name="Rounded Rectangle 215"/>
-                <p:cNvSpPr/>
-                <p:nvPr/>
-              </p:nvSpPr>
-              <p:spPr bwMode="auto">
-                <a:xfrm>
-                  <a:off x="5747579" y="1889528"/>
-                  <a:ext cx="39389" cy="330343"/>
-                </a:xfrm>
-                <a:prstGeom prst="roundRect">
+              <a:prstGeom prst="roundRect">
+                <a:avLst/>
+              </a:prstGeom>
+              <a:solidFill>
+                <a:schemeClr val="bg1"/>
+              </a:solidFill>
+              <a:ln w="9525" cap="flat" cmpd="sng" algn="ctr">
+                <a:solidFill>
+                  <a:schemeClr val="tx1"/>
+                </a:solidFill>
+                <a:prstDash val="solid"/>
+                <a:round/>
+                <a:headEnd type="none" w="med" len="med"/>
+                <a:tailEnd type="none" w="med" len="med"/>
+              </a:ln>
+              <a:effectLst/>
+            </p:spPr>
+            <p:txBody>
+              <a:bodyPr vert="horz" wrap="square" lIns="91440" tIns="45720" rIns="91440" bIns="45720" numCol="1" rtlCol="0" anchor="t" anchorCtr="0" compatLnSpc="1">
+                <a:prstTxWarp prst="textNoShape">
                   <a:avLst/>
-                </a:prstGeom>
+                </a:prstTxWarp>
+              </a:bodyPr>
+              <a:lstStyle/>
+              <a:p>
+                <a:pPr marL="0" marR="0" indent="0" algn="l" defTabSz="914400" rtl="0" eaLnBrk="1" fontAlgn="base" latinLnBrk="0" hangingPunct="1">
+                  <a:lnSpc>
+                    <a:spcPct val="100000"/>
+                  </a:lnSpc>
+                  <a:spcBef>
+                    <a:spcPct val="0"/>
+                  </a:spcBef>
+                  <a:spcAft>
+                    <a:spcPct val="0"/>
+                  </a:spcAft>
+                  <a:buClrTx/>
+                  <a:buSzTx/>
+                  <a:buFontTx/>
+                  <a:buNone/>
+                  <a:tabLst/>
+                </a:pPr>
+                <a:endParaRPr kumimoji="0" lang="en-GB" sz="1000" i="0" u="none" strike="noStrike" cap="none" normalizeH="0" baseline="0" smtClean="0">
+                  <a:ln>
+                    <a:noFill/>
+                  </a:ln>
+                  <a:solidFill>
+                    <a:schemeClr val="bg2"/>
+                  </a:solidFill>
+                  <a:effectLst/>
+                </a:endParaRPr>
+              </a:p>
+            </p:txBody>
+          </p:sp>
+          <p:sp>
+            <p:nvSpPr>
+              <p:cNvPr id="134" name="Rounded Rectangle 133"/>
+              <p:cNvSpPr/>
+              <p:nvPr/>
+            </p:nvSpPr>
+            <p:spPr bwMode="auto">
+              <a:xfrm rot="16200000">
+                <a:off x="5745714" y="1880949"/>
+                <a:ext cx="37985" cy="342549"/>
+              </a:xfrm>
+              <a:prstGeom prst="roundRect">
+                <a:avLst/>
+              </a:prstGeom>
+              <a:solidFill>
+                <a:schemeClr val="bg1"/>
+              </a:solidFill>
+              <a:ln w="9525" cap="flat" cmpd="sng" algn="ctr">
                 <a:solidFill>
-                  <a:schemeClr val="bg1"/>
+                  <a:schemeClr val="tx1"/>
                 </a:solidFill>
-                <a:ln w="19050" cap="flat" cmpd="sng" algn="ctr">
+                <a:prstDash val="solid"/>
+                <a:round/>
+                <a:headEnd type="none" w="med" len="med"/>
+                <a:tailEnd type="none" w="med" len="med"/>
+              </a:ln>
+              <a:effectLst/>
+            </p:spPr>
+            <p:txBody>
+              <a:bodyPr vert="horz" wrap="square" lIns="91440" tIns="45720" rIns="91440" bIns="45720" numCol="1" rtlCol="0" anchor="t" anchorCtr="0" compatLnSpc="1">
+                <a:prstTxWarp prst="textNoShape">
+                  <a:avLst/>
+                </a:prstTxWarp>
+              </a:bodyPr>
+              <a:lstStyle/>
+              <a:p>
+                <a:pPr marL="0" marR="0" indent="0" algn="l" defTabSz="914400" rtl="0" eaLnBrk="1" fontAlgn="base" latinLnBrk="0" hangingPunct="1">
+                  <a:lnSpc>
+                    <a:spcPct val="100000"/>
+                  </a:lnSpc>
+                  <a:spcBef>
+                    <a:spcPct val="0"/>
+                  </a:spcBef>
+                  <a:spcAft>
+                    <a:spcPct val="0"/>
+                  </a:spcAft>
+                  <a:buClrTx/>
+                  <a:buSzTx/>
+                  <a:buFontTx/>
+                  <a:buNone/>
+                  <a:tabLst/>
+                </a:pPr>
+                <a:endParaRPr kumimoji="0" lang="en-GB" sz="1000" i="0" u="none" strike="noStrike" cap="none" normalizeH="0" baseline="0" smtClean="0">
+                  <a:ln>
+                    <a:noFill/>
+                  </a:ln>
                   <a:solidFill>
-                    <a:schemeClr val="tx1"/>
+                    <a:schemeClr val="bg2"/>
                   </a:solidFill>
-                  <a:prstDash val="solid"/>
-                  <a:round/>
-                  <a:headEnd type="none" w="med" len="med"/>
-                  <a:tailEnd type="none" w="med" len="med"/>
-                </a:ln>
-                <a:effectLst/>
-              </p:spPr>
-              <p:txBody>
-                <a:bodyPr vert="horz" wrap="square" lIns="91440" tIns="45720" rIns="91440" bIns="45720" numCol="1" rtlCol="0" anchor="t" anchorCtr="0" compatLnSpc="1">
-                  <a:prstTxWarp prst="textNoShape">
-                    <a:avLst/>
-                  </a:prstTxWarp>
-                </a:bodyPr>
-                <a:lstStyle/>
-                <a:p>
-                  <a:pPr marL="0" marR="0" indent="0" algn="l" defTabSz="914400" rtl="0" eaLnBrk="1" fontAlgn="base" latinLnBrk="0" hangingPunct="1">
-                    <a:lnSpc>
-                      <a:spcPct val="100000"/>
-                    </a:lnSpc>
-                    <a:spcBef>
-                      <a:spcPct val="0"/>
-                    </a:spcBef>
-                    <a:spcAft>
-                      <a:spcPct val="0"/>
-                    </a:spcAft>
-                    <a:buClrTx/>
-                    <a:buSzTx/>
-                    <a:buFontTx/>
-                    <a:buNone/>
-                    <a:tabLst/>
-                  </a:pPr>
-                  <a:endParaRPr kumimoji="0" lang="en-GB" sz="1000" b="1" i="0" u="none" strike="noStrike" cap="none" normalizeH="0" baseline="0" smtClean="0">
-                    <a:ln>
-                      <a:noFill/>
-                    </a:ln>
-                    <a:solidFill>
-                      <a:schemeClr val="bg2"/>
-                    </a:solidFill>
-                    <a:effectLst/>
-                    <a:latin typeface="Microsoft Sans Serif" pitchFamily="34" charset="0"/>
-                  </a:endParaRPr>
-                </a:p>
-              </p:txBody>
-            </p:sp>
-            <p:sp>
-              <p:nvSpPr>
-                <p:cNvPr id="217" name="Rounded Rectangle 216"/>
-                <p:cNvSpPr/>
-                <p:nvPr/>
-              </p:nvSpPr>
-              <p:spPr bwMode="auto">
-                <a:xfrm rot="16200000">
-                  <a:off x="5745714" y="1880949"/>
-                  <a:ext cx="37985" cy="342549"/>
-                </a:xfrm>
-                <a:prstGeom prst="roundRect">
+                  <a:effectLst/>
+                </a:endParaRPr>
+              </a:p>
+            </p:txBody>
+          </p:sp>
+          <p:sp>
+            <p:nvSpPr>
+              <p:cNvPr id="135" name="Rounded Rectangle 134"/>
+              <p:cNvSpPr/>
+              <p:nvPr/>
+            </p:nvSpPr>
+            <p:spPr bwMode="auto">
+              <a:xfrm rot="18000000">
+                <a:off x="5746997" y="1881281"/>
+                <a:ext cx="37985" cy="342549"/>
+              </a:xfrm>
+              <a:prstGeom prst="roundRect">
+                <a:avLst/>
+              </a:prstGeom>
+              <a:solidFill>
+                <a:schemeClr val="bg1"/>
+              </a:solidFill>
+              <a:ln w="9525" cap="flat" cmpd="sng" algn="ctr">
+                <a:solidFill>
+                  <a:schemeClr val="tx1"/>
+                </a:solidFill>
+                <a:prstDash val="solid"/>
+                <a:round/>
+                <a:headEnd type="none" w="med" len="med"/>
+                <a:tailEnd type="none" w="med" len="med"/>
+              </a:ln>
+              <a:effectLst/>
+            </p:spPr>
+            <p:txBody>
+              <a:bodyPr vert="horz" wrap="square" lIns="91440" tIns="45720" rIns="91440" bIns="45720" numCol="1" rtlCol="0" anchor="t" anchorCtr="0" compatLnSpc="1">
+                <a:prstTxWarp prst="textNoShape">
                   <a:avLst/>
-                </a:prstGeom>
+                </a:prstTxWarp>
+              </a:bodyPr>
+              <a:lstStyle/>
+              <a:p>
+                <a:pPr marL="0" marR="0" indent="0" algn="l" defTabSz="914400" rtl="0" eaLnBrk="1" fontAlgn="base" latinLnBrk="0" hangingPunct="1">
+                  <a:lnSpc>
+                    <a:spcPct val="100000"/>
+                  </a:lnSpc>
+                  <a:spcBef>
+                    <a:spcPct val="0"/>
+                  </a:spcBef>
+                  <a:spcAft>
+                    <a:spcPct val="0"/>
+                  </a:spcAft>
+                  <a:buClrTx/>
+                  <a:buSzTx/>
+                  <a:buFontTx/>
+                  <a:buNone/>
+                  <a:tabLst/>
+                </a:pPr>
+                <a:endParaRPr kumimoji="0" lang="en-GB" sz="1000" i="0" u="none" strike="noStrike" cap="none" normalizeH="0" baseline="0" smtClean="0">
+                  <a:ln>
+                    <a:noFill/>
+                  </a:ln>
+                  <a:solidFill>
+                    <a:schemeClr val="bg2"/>
+                  </a:solidFill>
+                  <a:effectLst/>
+                </a:endParaRPr>
+              </a:p>
+            </p:txBody>
+          </p:sp>
+          <p:sp>
+            <p:nvSpPr>
+              <p:cNvPr id="136" name="Rounded Rectangle 135"/>
+              <p:cNvSpPr/>
+              <p:nvPr/>
+            </p:nvSpPr>
+            <p:spPr bwMode="auto">
+              <a:xfrm rot="19800000">
+                <a:off x="5747236" y="1888291"/>
+                <a:ext cx="39389" cy="330343"/>
+              </a:xfrm>
+              <a:prstGeom prst="roundRect">
+                <a:avLst/>
+              </a:prstGeom>
+              <a:solidFill>
+                <a:schemeClr val="bg1"/>
+              </a:solidFill>
+              <a:ln w="9525" cap="flat" cmpd="sng" algn="ctr">
                 <a:solidFill>
-                  <a:schemeClr val="bg1"/>
+                  <a:schemeClr val="tx1"/>
                 </a:solidFill>
-                <a:ln w="19050" cap="flat" cmpd="sng" algn="ctr">
+                <a:prstDash val="solid"/>
+                <a:round/>
+                <a:headEnd type="none" w="med" len="med"/>
+                <a:tailEnd type="none" w="med" len="med"/>
+              </a:ln>
+              <a:effectLst/>
+            </p:spPr>
+            <p:txBody>
+              <a:bodyPr vert="horz" wrap="square" lIns="91440" tIns="45720" rIns="91440" bIns="45720" numCol="1" rtlCol="0" anchor="t" anchorCtr="0" compatLnSpc="1">
+                <a:prstTxWarp prst="textNoShape">
+                  <a:avLst/>
+                </a:prstTxWarp>
+              </a:bodyPr>
+              <a:lstStyle/>
+              <a:p>
+                <a:pPr marL="0" marR="0" indent="0" algn="l" defTabSz="914400" rtl="0" eaLnBrk="1" fontAlgn="base" latinLnBrk="0" hangingPunct="1">
+                  <a:lnSpc>
+                    <a:spcPct val="100000"/>
+                  </a:lnSpc>
+                  <a:spcBef>
+                    <a:spcPct val="0"/>
+                  </a:spcBef>
+                  <a:spcAft>
+                    <a:spcPct val="0"/>
+                  </a:spcAft>
+                  <a:buClrTx/>
+                  <a:buSzTx/>
+                  <a:buFontTx/>
+                  <a:buNone/>
+                  <a:tabLst/>
+                </a:pPr>
+                <a:endParaRPr kumimoji="0" lang="en-GB" sz="1000" i="0" u="none" strike="noStrike" cap="none" normalizeH="0" baseline="0" smtClean="0">
+                  <a:ln>
+                    <a:noFill/>
+                  </a:ln>
                   <a:solidFill>
-                    <a:schemeClr val="tx1"/>
+                    <a:schemeClr val="bg2"/>
                   </a:solidFill>
-                  <a:prstDash val="solid"/>
-                  <a:round/>
-                  <a:headEnd type="none" w="med" len="med"/>
-                  <a:tailEnd type="none" w="med" len="med"/>
-                </a:ln>
-                <a:effectLst/>
-              </p:spPr>
-              <p:txBody>
-                <a:bodyPr vert="horz" wrap="square" lIns="91440" tIns="45720" rIns="91440" bIns="45720" numCol="1" rtlCol="0" anchor="t" anchorCtr="0" compatLnSpc="1">
-                  <a:prstTxWarp prst="textNoShape">
-                    <a:avLst/>
-                  </a:prstTxWarp>
-                </a:bodyPr>
-                <a:lstStyle/>
-                <a:p>
-                  <a:pPr marL="0" marR="0" indent="0" algn="l" defTabSz="914400" rtl="0" eaLnBrk="1" fontAlgn="base" latinLnBrk="0" hangingPunct="1">
-                    <a:lnSpc>
-                      <a:spcPct val="100000"/>
-                    </a:lnSpc>
-                    <a:spcBef>
-                      <a:spcPct val="0"/>
-                    </a:spcBef>
-                    <a:spcAft>
-                      <a:spcPct val="0"/>
-                    </a:spcAft>
-                    <a:buClrTx/>
-                    <a:buSzTx/>
-                    <a:buFontTx/>
-                    <a:buNone/>
-                    <a:tabLst/>
-                  </a:pPr>
-                  <a:endParaRPr kumimoji="0" lang="en-GB" sz="1000" b="1" i="0" u="none" strike="noStrike" cap="none" normalizeH="0" baseline="0" smtClean="0">
-                    <a:ln>
-                      <a:noFill/>
-                    </a:ln>
-                    <a:solidFill>
-                      <a:schemeClr val="bg2"/>
-                    </a:solidFill>
-                    <a:effectLst/>
-                    <a:latin typeface="Microsoft Sans Serif" pitchFamily="34" charset="0"/>
-                  </a:endParaRPr>
-                </a:p>
-              </p:txBody>
-            </p:sp>
-            <p:sp>
-              <p:nvSpPr>
-                <p:cNvPr id="218" name="Rounded Rectangle 217"/>
-                <p:cNvSpPr/>
-                <p:nvPr/>
-              </p:nvSpPr>
-              <p:spPr bwMode="auto">
-                <a:xfrm rot="18000000">
-                  <a:off x="5746997" y="1881281"/>
-                  <a:ext cx="37985" cy="342549"/>
-                </a:xfrm>
-                <a:prstGeom prst="roundRect">
+                  <a:effectLst/>
+                </a:endParaRPr>
+              </a:p>
+            </p:txBody>
+          </p:sp>
+          <p:sp>
+            <p:nvSpPr>
+              <p:cNvPr id="137" name="Rounded Rectangle 136"/>
+              <p:cNvSpPr/>
+              <p:nvPr/>
+            </p:nvSpPr>
+            <p:spPr bwMode="auto">
+              <a:xfrm rot="14400000">
+                <a:off x="5744431" y="1881281"/>
+                <a:ext cx="37985" cy="342549"/>
+              </a:xfrm>
+              <a:prstGeom prst="roundRect">
+                <a:avLst/>
+              </a:prstGeom>
+              <a:solidFill>
+                <a:schemeClr val="bg1"/>
+              </a:solidFill>
+              <a:ln w="9525" cap="flat" cmpd="sng" algn="ctr">
+                <a:solidFill>
+                  <a:schemeClr val="tx1"/>
+                </a:solidFill>
+                <a:prstDash val="solid"/>
+                <a:round/>
+                <a:headEnd type="none" w="med" len="med"/>
+                <a:tailEnd type="none" w="med" len="med"/>
+              </a:ln>
+              <a:effectLst/>
+            </p:spPr>
+            <p:txBody>
+              <a:bodyPr vert="horz" wrap="square" lIns="91440" tIns="45720" rIns="91440" bIns="45720" numCol="1" rtlCol="0" anchor="t" anchorCtr="0" compatLnSpc="1">
+                <a:prstTxWarp prst="textNoShape">
                   <a:avLst/>
-                </a:prstGeom>
+                </a:prstTxWarp>
+              </a:bodyPr>
+              <a:lstStyle/>
+              <a:p>
+                <a:pPr marL="0" marR="0" indent="0" algn="l" defTabSz="914400" rtl="0" eaLnBrk="1" fontAlgn="base" latinLnBrk="0" hangingPunct="1">
+                  <a:lnSpc>
+                    <a:spcPct val="100000"/>
+                  </a:lnSpc>
+                  <a:spcBef>
+                    <a:spcPct val="0"/>
+                  </a:spcBef>
+                  <a:spcAft>
+                    <a:spcPct val="0"/>
+                  </a:spcAft>
+                  <a:buClrTx/>
+                  <a:buSzTx/>
+                  <a:buFontTx/>
+                  <a:buNone/>
+                  <a:tabLst/>
+                </a:pPr>
+                <a:endParaRPr kumimoji="0" lang="en-GB" sz="1000" i="0" u="none" strike="noStrike" cap="none" normalizeH="0" baseline="0" smtClean="0">
+                  <a:ln>
+                    <a:noFill/>
+                  </a:ln>
+                  <a:solidFill>
+                    <a:schemeClr val="bg2"/>
+                  </a:solidFill>
+                  <a:effectLst/>
+                </a:endParaRPr>
+              </a:p>
+            </p:txBody>
+          </p:sp>
+          <p:sp>
+            <p:nvSpPr>
+              <p:cNvPr id="142" name="Rounded Rectangle 141"/>
+              <p:cNvSpPr/>
+              <p:nvPr/>
+            </p:nvSpPr>
+            <p:spPr bwMode="auto">
+              <a:xfrm rot="12600000">
+                <a:off x="5742789" y="1888291"/>
+                <a:ext cx="39389" cy="330343"/>
+              </a:xfrm>
+              <a:prstGeom prst="roundRect">
+                <a:avLst/>
+              </a:prstGeom>
+              <a:solidFill>
+                <a:schemeClr val="bg1"/>
+              </a:solidFill>
+              <a:ln w="9525" cap="flat" cmpd="sng" algn="ctr">
                 <a:solidFill>
-                  <a:schemeClr val="bg1"/>
+                  <a:schemeClr val="tx1"/>
                 </a:solidFill>
-                <a:ln w="19050" cap="flat" cmpd="sng" algn="ctr">
+                <a:prstDash val="solid"/>
+                <a:round/>
+                <a:headEnd type="none" w="med" len="med"/>
+                <a:tailEnd type="none" w="med" len="med"/>
+              </a:ln>
+              <a:effectLst/>
+            </p:spPr>
+            <p:txBody>
+              <a:bodyPr vert="horz" wrap="square" lIns="91440" tIns="45720" rIns="91440" bIns="45720" numCol="1" rtlCol="0" anchor="t" anchorCtr="0" compatLnSpc="1">
+                <a:prstTxWarp prst="textNoShape">
+                  <a:avLst/>
+                </a:prstTxWarp>
+              </a:bodyPr>
+              <a:lstStyle/>
+              <a:p>
+                <a:pPr marL="0" marR="0" indent="0" algn="l" defTabSz="914400" rtl="0" eaLnBrk="1" fontAlgn="base" latinLnBrk="0" hangingPunct="1">
+                  <a:lnSpc>
+                    <a:spcPct val="100000"/>
+                  </a:lnSpc>
+                  <a:spcBef>
+                    <a:spcPct val="0"/>
+                  </a:spcBef>
+                  <a:spcAft>
+                    <a:spcPct val="0"/>
+                  </a:spcAft>
+                  <a:buClrTx/>
+                  <a:buSzTx/>
+                  <a:buFontTx/>
+                  <a:buNone/>
+                  <a:tabLst/>
+                </a:pPr>
+                <a:endParaRPr kumimoji="0" lang="en-GB" sz="1000" i="0" u="none" strike="noStrike" cap="none" normalizeH="0" baseline="0" smtClean="0">
+                  <a:ln>
+                    <a:noFill/>
+                  </a:ln>
                   <a:solidFill>
-                    <a:schemeClr val="tx1"/>
+                    <a:schemeClr val="bg2"/>
                   </a:solidFill>
-                  <a:prstDash val="solid"/>
-                  <a:round/>
-                  <a:headEnd type="none" w="med" len="med"/>
-                  <a:tailEnd type="none" w="med" len="med"/>
-                </a:ln>
-                <a:effectLst/>
-              </p:spPr>
-              <p:txBody>
-                <a:bodyPr vert="horz" wrap="square" lIns="91440" tIns="45720" rIns="91440" bIns="45720" numCol="1" rtlCol="0" anchor="t" anchorCtr="0" compatLnSpc="1">
-                  <a:prstTxWarp prst="textNoShape">
-                    <a:avLst/>
-                  </a:prstTxWarp>
-                </a:bodyPr>
-                <a:lstStyle/>
-                <a:p>
-                  <a:pPr marL="0" marR="0" indent="0" algn="l" defTabSz="914400" rtl="0" eaLnBrk="1" fontAlgn="base" latinLnBrk="0" hangingPunct="1">
-                    <a:lnSpc>
-                      <a:spcPct val="100000"/>
-                    </a:lnSpc>
-                    <a:spcBef>
-                      <a:spcPct val="0"/>
-                    </a:spcBef>
-                    <a:spcAft>
-                      <a:spcPct val="0"/>
-                    </a:spcAft>
-                    <a:buClrTx/>
-                    <a:buSzTx/>
-                    <a:buFontTx/>
-                    <a:buNone/>
-                    <a:tabLst/>
-                  </a:pPr>
-                  <a:endParaRPr kumimoji="0" lang="en-GB" sz="1000" b="1" i="0" u="none" strike="noStrike" cap="none" normalizeH="0" baseline="0" smtClean="0">
-                    <a:ln>
-                      <a:noFill/>
-                    </a:ln>
-                    <a:solidFill>
-                      <a:schemeClr val="bg2"/>
-                    </a:solidFill>
-                    <a:effectLst/>
-                    <a:latin typeface="Microsoft Sans Serif" pitchFamily="34" charset="0"/>
-                  </a:endParaRPr>
-                </a:p>
-              </p:txBody>
-            </p:sp>
-            <p:sp>
-              <p:nvSpPr>
-                <p:cNvPr id="219" name="Rounded Rectangle 218"/>
-                <p:cNvSpPr/>
-                <p:nvPr/>
-              </p:nvSpPr>
-              <p:spPr bwMode="auto">
-                <a:xfrm rot="19800000">
-                  <a:off x="5747236" y="1888291"/>
-                  <a:ext cx="39389" cy="330343"/>
-                </a:xfrm>
-                <a:prstGeom prst="roundRect">
+                  <a:effectLst/>
+                </a:endParaRPr>
+              </a:p>
+            </p:txBody>
+          </p:sp>
+          <p:sp>
+            <p:nvSpPr>
+              <p:cNvPr id="143" name="Oval 142"/>
+              <p:cNvSpPr/>
+              <p:nvPr/>
+            </p:nvSpPr>
+            <p:spPr bwMode="auto">
+              <a:xfrm>
+                <a:off x="5622878" y="1915279"/>
+                <a:ext cx="287397" cy="276997"/>
+              </a:xfrm>
+              <a:prstGeom prst="ellipse">
+                <a:avLst/>
+              </a:prstGeom>
+              <a:solidFill>
+                <a:schemeClr val="bg1"/>
+              </a:solidFill>
+              <a:ln w="9525" cap="flat" cmpd="sng" algn="ctr">
+                <a:solidFill>
+                  <a:schemeClr val="tx1"/>
+                </a:solidFill>
+                <a:prstDash val="solid"/>
+                <a:round/>
+                <a:headEnd type="none" w="med" len="med"/>
+                <a:tailEnd type="none" w="med" len="med"/>
+              </a:ln>
+              <a:effectLst/>
+            </p:spPr>
+            <p:txBody>
+              <a:bodyPr vert="horz" wrap="square" lIns="91440" tIns="45720" rIns="91440" bIns="45720" numCol="1" rtlCol="0" anchor="t" anchorCtr="0" compatLnSpc="1">
+                <a:prstTxWarp prst="textNoShape">
                   <a:avLst/>
-                </a:prstGeom>
+                </a:prstTxWarp>
+              </a:bodyPr>
+              <a:lstStyle/>
+              <a:p>
+                <a:pPr marL="0" marR="0" indent="0" algn="l" defTabSz="914400" rtl="0" eaLnBrk="1" fontAlgn="base" latinLnBrk="0" hangingPunct="1">
+                  <a:lnSpc>
+                    <a:spcPct val="100000"/>
+                  </a:lnSpc>
+                  <a:spcBef>
+                    <a:spcPct val="0"/>
+                  </a:spcBef>
+                  <a:spcAft>
+                    <a:spcPct val="0"/>
+                  </a:spcAft>
+                  <a:buClrTx/>
+                  <a:buSzTx/>
+                  <a:buFontTx/>
+                  <a:buNone/>
+                  <a:tabLst/>
+                </a:pPr>
+                <a:endParaRPr kumimoji="0" lang="en-GB" sz="1000" i="0" u="none" strike="noStrike" cap="none" normalizeH="0" baseline="0" smtClean="0">
+                  <a:ln>
+                    <a:noFill/>
+                  </a:ln>
+                  <a:solidFill>
+                    <a:schemeClr val="bg2"/>
+                  </a:solidFill>
+                  <a:effectLst/>
+                </a:endParaRPr>
+              </a:p>
+            </p:txBody>
+          </p:sp>
+          <p:sp>
+            <p:nvSpPr>
+              <p:cNvPr id="147" name="Oval 146"/>
+              <p:cNvSpPr/>
+              <p:nvPr/>
+            </p:nvSpPr>
+            <p:spPr bwMode="auto">
+              <a:xfrm>
+                <a:off x="5664449" y="1955597"/>
+                <a:ext cx="205507" cy="198184"/>
+              </a:xfrm>
+              <a:prstGeom prst="ellipse">
+                <a:avLst/>
+              </a:prstGeom>
+              <a:solidFill>
+                <a:srgbClr val="660066"/>
+              </a:solidFill>
+              <a:ln w="9525" cap="flat" cmpd="sng" algn="ctr">
                 <a:solidFill>
-                  <a:schemeClr val="bg1"/>
+                  <a:srgbClr val="000000"/>
                 </a:solidFill>
-                <a:ln w="19050" cap="flat" cmpd="sng" algn="ctr">
+                <a:prstDash val="solid"/>
+                <a:round/>
+                <a:headEnd type="none" w="med" len="med"/>
+                <a:tailEnd type="none" w="med" len="med"/>
+              </a:ln>
+              <a:effectLst/>
+            </p:spPr>
+            <p:txBody>
+              <a:bodyPr vert="horz" wrap="square" lIns="91440" tIns="45720" rIns="91440" bIns="45720" numCol="1" rtlCol="0" anchor="t" anchorCtr="0" compatLnSpc="1">
+                <a:prstTxWarp prst="textNoShape">
+                  <a:avLst/>
+                </a:prstTxWarp>
+              </a:bodyPr>
+              <a:lstStyle/>
+              <a:p>
+                <a:pPr marL="0" marR="0" indent="0" algn="l" defTabSz="914400" rtl="0" eaLnBrk="1" fontAlgn="base" latinLnBrk="0" hangingPunct="1">
+                  <a:lnSpc>
+                    <a:spcPct val="100000"/>
+                  </a:lnSpc>
+                  <a:spcBef>
+                    <a:spcPct val="0"/>
+                  </a:spcBef>
+                  <a:spcAft>
+                    <a:spcPct val="0"/>
+                  </a:spcAft>
+                  <a:buClrTx/>
+                  <a:buSzTx/>
+                  <a:buFontTx/>
+                  <a:buNone/>
+                  <a:tabLst/>
+                </a:pPr>
+                <a:endParaRPr kumimoji="0" lang="en-GB" sz="1000" i="0" u="none" strike="noStrike" cap="none" normalizeH="0" baseline="0" smtClean="0">
+                  <a:ln>
+                    <a:noFill/>
+                  </a:ln>
                   <a:solidFill>
-                    <a:schemeClr val="tx1"/>
+                    <a:schemeClr val="bg2"/>
                   </a:solidFill>
-                  <a:prstDash val="solid"/>
-                  <a:round/>
-                  <a:headEnd type="none" w="med" len="med"/>
-                  <a:tailEnd type="none" w="med" len="med"/>
-                </a:ln>
-                <a:effectLst/>
-              </p:spPr>
-              <p:txBody>
-                <a:bodyPr vert="horz" wrap="square" lIns="91440" tIns="45720" rIns="91440" bIns="45720" numCol="1" rtlCol="0" anchor="t" anchorCtr="0" compatLnSpc="1">
-                  <a:prstTxWarp prst="textNoShape">
-                    <a:avLst/>
-                  </a:prstTxWarp>
-                </a:bodyPr>
-                <a:lstStyle/>
-                <a:p>
-                  <a:pPr marL="0" marR="0" indent="0" algn="l" defTabSz="914400" rtl="0" eaLnBrk="1" fontAlgn="base" latinLnBrk="0" hangingPunct="1">
-                    <a:lnSpc>
-                      <a:spcPct val="100000"/>
-                    </a:lnSpc>
-                    <a:spcBef>
-                      <a:spcPct val="0"/>
-                    </a:spcBef>
-                    <a:spcAft>
-                      <a:spcPct val="0"/>
-                    </a:spcAft>
-                    <a:buClrTx/>
-                    <a:buSzTx/>
-                    <a:buFontTx/>
-                    <a:buNone/>
-                    <a:tabLst/>
-                  </a:pPr>
-                  <a:endParaRPr kumimoji="0" lang="en-GB" sz="1000" b="1" i="0" u="none" strike="noStrike" cap="none" normalizeH="0" baseline="0" smtClean="0">
-                    <a:ln>
-                      <a:noFill/>
-                    </a:ln>
-                    <a:solidFill>
-                      <a:schemeClr val="bg2"/>
-                    </a:solidFill>
-                    <a:effectLst/>
-                    <a:latin typeface="Microsoft Sans Serif" pitchFamily="34" charset="0"/>
-                  </a:endParaRPr>
-                </a:p>
-              </p:txBody>
-            </p:sp>
-            <p:sp>
-              <p:nvSpPr>
-                <p:cNvPr id="220" name="Rounded Rectangle 219"/>
-                <p:cNvSpPr/>
-                <p:nvPr/>
-              </p:nvSpPr>
-              <p:spPr bwMode="auto">
-                <a:xfrm rot="14400000">
-                  <a:off x="5744431" y="1881281"/>
-                  <a:ext cx="37985" cy="342549"/>
-                </a:xfrm>
-                <a:prstGeom prst="roundRect">
+                  <a:effectLst/>
+                </a:endParaRPr>
+              </a:p>
+            </p:txBody>
+          </p:sp>
+        </p:grpSp>
+        <p:grpSp>
+          <p:nvGrpSpPr>
+            <p:cNvPr id="115" name="Group 114"/>
+            <p:cNvGrpSpPr/>
+            <p:nvPr/>
+          </p:nvGrpSpPr>
+          <p:grpSpPr>
+            <a:xfrm>
+              <a:off x="5749131" y="1670330"/>
+              <a:ext cx="271824" cy="258334"/>
+              <a:chOff x="4939885" y="1567387"/>
+              <a:chExt cx="345116" cy="331580"/>
+            </a:xfrm>
+          </p:grpSpPr>
+          <p:sp>
+            <p:nvSpPr>
+              <p:cNvPr id="125" name="Rounded Rectangle 124"/>
+              <p:cNvSpPr/>
+              <p:nvPr/>
+            </p:nvSpPr>
+            <p:spPr bwMode="auto">
+              <a:xfrm>
+                <a:off x="5095315" y="1568624"/>
+                <a:ext cx="39389" cy="330343"/>
+              </a:xfrm>
+              <a:prstGeom prst="roundRect">
+                <a:avLst/>
+              </a:prstGeom>
+              <a:solidFill>
+                <a:srgbClr val="FFFFFF"/>
+              </a:solidFill>
+              <a:ln w="9525" cap="flat" cmpd="sng" algn="ctr">
+                <a:solidFill>
+                  <a:srgbClr val="000000"/>
+                </a:solidFill>
+                <a:prstDash val="solid"/>
+                <a:round/>
+                <a:headEnd type="none" w="med" len="med"/>
+                <a:tailEnd type="none" w="med" len="med"/>
+              </a:ln>
+              <a:effectLst/>
+            </p:spPr>
+            <p:txBody>
+              <a:bodyPr vert="horz" wrap="square" lIns="91440" tIns="45720" rIns="91440" bIns="45720" numCol="1" rtlCol="0" anchor="t" anchorCtr="0" compatLnSpc="1">
+                <a:prstTxWarp prst="textNoShape">
                   <a:avLst/>
-                </a:prstGeom>
+                </a:prstTxWarp>
+              </a:bodyPr>
+              <a:lstStyle/>
+              <a:p>
+                <a:pPr marL="0" marR="0" indent="0" algn="l" defTabSz="914400" rtl="0" eaLnBrk="1" fontAlgn="base" latinLnBrk="0" hangingPunct="1">
+                  <a:lnSpc>
+                    <a:spcPct val="100000"/>
+                  </a:lnSpc>
+                  <a:spcBef>
+                    <a:spcPct val="0"/>
+                  </a:spcBef>
+                  <a:spcAft>
+                    <a:spcPct val="0"/>
+                  </a:spcAft>
+                  <a:buClrTx/>
+                  <a:buSzTx/>
+                  <a:buFontTx/>
+                  <a:buNone/>
+                  <a:tabLst/>
+                </a:pPr>
+                <a:endParaRPr kumimoji="0" lang="en-GB" sz="1000" i="0" u="none" strike="noStrike" cap="none" normalizeH="0" baseline="0" smtClean="0">
+                  <a:ln>
+                    <a:noFill/>
+                  </a:ln>
+                  <a:solidFill>
+                    <a:schemeClr val="bg2"/>
+                  </a:solidFill>
+                  <a:effectLst/>
+                </a:endParaRPr>
+              </a:p>
+            </p:txBody>
+          </p:sp>
+          <p:sp>
+            <p:nvSpPr>
+              <p:cNvPr id="126" name="Rounded Rectangle 125"/>
+              <p:cNvSpPr/>
+              <p:nvPr/>
+            </p:nvSpPr>
+            <p:spPr bwMode="auto">
+              <a:xfrm rot="16200000">
+                <a:off x="5093450" y="1560045"/>
+                <a:ext cx="37985" cy="342549"/>
+              </a:xfrm>
+              <a:prstGeom prst="roundRect">
+                <a:avLst/>
+              </a:prstGeom>
+              <a:solidFill>
+                <a:srgbClr val="FFFFFF"/>
+              </a:solidFill>
+              <a:ln w="9525" cap="flat" cmpd="sng" algn="ctr">
                 <a:solidFill>
-                  <a:schemeClr val="bg1"/>
+                  <a:srgbClr val="000000"/>
                 </a:solidFill>
-                <a:ln w="19050" cap="flat" cmpd="sng" algn="ctr">
+                <a:prstDash val="solid"/>
+                <a:round/>
+                <a:headEnd type="none" w="med" len="med"/>
+                <a:tailEnd type="none" w="med" len="med"/>
+              </a:ln>
+              <a:effectLst/>
+            </p:spPr>
+            <p:txBody>
+              <a:bodyPr vert="horz" wrap="square" lIns="91440" tIns="45720" rIns="91440" bIns="45720" numCol="1" rtlCol="0" anchor="t" anchorCtr="0" compatLnSpc="1">
+                <a:prstTxWarp prst="textNoShape">
+                  <a:avLst/>
+                </a:prstTxWarp>
+              </a:bodyPr>
+              <a:lstStyle/>
+              <a:p>
+                <a:pPr marL="0" marR="0" indent="0" algn="l" defTabSz="914400" rtl="0" eaLnBrk="1" fontAlgn="base" latinLnBrk="0" hangingPunct="1">
+                  <a:lnSpc>
+                    <a:spcPct val="100000"/>
+                  </a:lnSpc>
+                  <a:spcBef>
+                    <a:spcPct val="0"/>
+                  </a:spcBef>
+                  <a:spcAft>
+                    <a:spcPct val="0"/>
+                  </a:spcAft>
+                  <a:buClrTx/>
+                  <a:buSzTx/>
+                  <a:buFontTx/>
+                  <a:buNone/>
+                  <a:tabLst/>
+                </a:pPr>
+                <a:endParaRPr kumimoji="0" lang="en-GB" sz="1000" i="0" u="none" strike="noStrike" cap="none" normalizeH="0" baseline="0" smtClean="0">
+                  <a:ln>
+                    <a:noFill/>
+                  </a:ln>
                   <a:solidFill>
-                    <a:schemeClr val="tx1"/>
+                    <a:schemeClr val="bg2"/>
                   </a:solidFill>
-                  <a:prstDash val="solid"/>
-                  <a:round/>
-                  <a:headEnd type="none" w="med" len="med"/>
-                  <a:tailEnd type="none" w="med" len="med"/>
-                </a:ln>
-                <a:effectLst/>
-              </p:spPr>
-              <p:txBody>
-                <a:bodyPr vert="horz" wrap="square" lIns="91440" tIns="45720" rIns="91440" bIns="45720" numCol="1" rtlCol="0" anchor="t" anchorCtr="0" compatLnSpc="1">
-                  <a:prstTxWarp prst="textNoShape">
-                    <a:avLst/>
-                  </a:prstTxWarp>
-                </a:bodyPr>
-                <a:lstStyle/>
-                <a:p>
-                  <a:pPr marL="0" marR="0" indent="0" algn="l" defTabSz="914400" rtl="0" eaLnBrk="1" fontAlgn="base" latinLnBrk="0" hangingPunct="1">
-                    <a:lnSpc>
-                      <a:spcPct val="100000"/>
-                    </a:lnSpc>
-                    <a:spcBef>
-                      <a:spcPct val="0"/>
-                    </a:spcBef>
-                    <a:spcAft>
-                      <a:spcPct val="0"/>
-                    </a:spcAft>
-                    <a:buClrTx/>
-                    <a:buSzTx/>
-                    <a:buFontTx/>
-                    <a:buNone/>
-                    <a:tabLst/>
-                  </a:pPr>
-                  <a:endParaRPr kumimoji="0" lang="en-GB" sz="1000" b="1" i="0" u="none" strike="noStrike" cap="none" normalizeH="0" baseline="0" smtClean="0">
-                    <a:ln>
-                      <a:noFill/>
-                    </a:ln>
-                    <a:solidFill>
-                      <a:schemeClr val="bg2"/>
-                    </a:solidFill>
-                    <a:effectLst/>
-                    <a:latin typeface="Microsoft Sans Serif" pitchFamily="34" charset="0"/>
-                  </a:endParaRPr>
-                </a:p>
-              </p:txBody>
-            </p:sp>
-            <p:sp>
-              <p:nvSpPr>
-                <p:cNvPr id="221" name="Rounded Rectangle 220"/>
-                <p:cNvSpPr/>
-                <p:nvPr/>
-              </p:nvSpPr>
-              <p:spPr bwMode="auto">
-                <a:xfrm rot="12600000">
-                  <a:off x="5742789" y="1888291"/>
-                  <a:ext cx="39389" cy="330343"/>
-                </a:xfrm>
-                <a:prstGeom prst="roundRect">
+                  <a:effectLst/>
+                </a:endParaRPr>
+              </a:p>
+            </p:txBody>
+          </p:sp>
+          <p:sp>
+            <p:nvSpPr>
+              <p:cNvPr id="127" name="Rounded Rectangle 126"/>
+              <p:cNvSpPr/>
+              <p:nvPr/>
+            </p:nvSpPr>
+            <p:spPr bwMode="auto">
+              <a:xfrm rot="18000000">
+                <a:off x="5094734" y="1560377"/>
+                <a:ext cx="37985" cy="342549"/>
+              </a:xfrm>
+              <a:prstGeom prst="roundRect">
+                <a:avLst/>
+              </a:prstGeom>
+              <a:solidFill>
+                <a:srgbClr val="FFFFFF"/>
+              </a:solidFill>
+              <a:ln w="9525" cap="flat" cmpd="sng" algn="ctr">
+                <a:solidFill>
+                  <a:srgbClr val="000000"/>
+                </a:solidFill>
+                <a:prstDash val="solid"/>
+                <a:round/>
+                <a:headEnd type="none" w="med" len="med"/>
+                <a:tailEnd type="none" w="med" len="med"/>
+              </a:ln>
+              <a:effectLst/>
+            </p:spPr>
+            <p:txBody>
+              <a:bodyPr vert="horz" wrap="square" lIns="91440" tIns="45720" rIns="91440" bIns="45720" numCol="1" rtlCol="0" anchor="t" anchorCtr="0" compatLnSpc="1">
+                <a:prstTxWarp prst="textNoShape">
                   <a:avLst/>
-                </a:prstGeom>
+                </a:prstTxWarp>
+              </a:bodyPr>
+              <a:lstStyle/>
+              <a:p>
+                <a:pPr marL="0" marR="0" indent="0" algn="l" defTabSz="914400" rtl="0" eaLnBrk="1" fontAlgn="base" latinLnBrk="0" hangingPunct="1">
+                  <a:lnSpc>
+                    <a:spcPct val="100000"/>
+                  </a:lnSpc>
+                  <a:spcBef>
+                    <a:spcPct val="0"/>
+                  </a:spcBef>
+                  <a:spcAft>
+                    <a:spcPct val="0"/>
+                  </a:spcAft>
+                  <a:buClrTx/>
+                  <a:buSzTx/>
+                  <a:buFontTx/>
+                  <a:buNone/>
+                  <a:tabLst/>
+                </a:pPr>
+                <a:endParaRPr kumimoji="0" lang="en-GB" sz="1000" i="0" u="none" strike="noStrike" cap="none" normalizeH="0" baseline="0" smtClean="0">
+                  <a:ln>
+                    <a:noFill/>
+                  </a:ln>
+                  <a:solidFill>
+                    <a:schemeClr val="bg2"/>
+                  </a:solidFill>
+                  <a:effectLst/>
+                </a:endParaRPr>
+              </a:p>
+            </p:txBody>
+          </p:sp>
+          <p:sp>
+            <p:nvSpPr>
+              <p:cNvPr id="128" name="Rounded Rectangle 127"/>
+              <p:cNvSpPr/>
+              <p:nvPr/>
+            </p:nvSpPr>
+            <p:spPr bwMode="auto">
+              <a:xfrm rot="19800000">
+                <a:off x="5094972" y="1567387"/>
+                <a:ext cx="39389" cy="330343"/>
+              </a:xfrm>
+              <a:prstGeom prst="roundRect">
+                <a:avLst/>
+              </a:prstGeom>
+              <a:solidFill>
+                <a:srgbClr val="FFFFFF"/>
+              </a:solidFill>
+              <a:ln w="9525" cap="flat" cmpd="sng" algn="ctr">
                 <a:solidFill>
-                  <a:schemeClr val="bg1"/>
+                  <a:srgbClr val="000000"/>
                 </a:solidFill>
-                <a:ln w="19050" cap="flat" cmpd="sng" algn="ctr">
+                <a:prstDash val="solid"/>
+                <a:round/>
+                <a:headEnd type="none" w="med" len="med"/>
+                <a:tailEnd type="none" w="med" len="med"/>
+              </a:ln>
+              <a:effectLst/>
+            </p:spPr>
+            <p:txBody>
+              <a:bodyPr vert="horz" wrap="square" lIns="91440" tIns="45720" rIns="91440" bIns="45720" numCol="1" rtlCol="0" anchor="t" anchorCtr="0" compatLnSpc="1">
+                <a:prstTxWarp prst="textNoShape">
+                  <a:avLst/>
+                </a:prstTxWarp>
+              </a:bodyPr>
+              <a:lstStyle/>
+              <a:p>
+                <a:pPr marL="0" marR="0" indent="0" algn="l" defTabSz="914400" rtl="0" eaLnBrk="1" fontAlgn="base" latinLnBrk="0" hangingPunct="1">
+                  <a:lnSpc>
+                    <a:spcPct val="100000"/>
+                  </a:lnSpc>
+                  <a:spcBef>
+                    <a:spcPct val="0"/>
+                  </a:spcBef>
+                  <a:spcAft>
+                    <a:spcPct val="0"/>
+                  </a:spcAft>
+                  <a:buClrTx/>
+                  <a:buSzTx/>
+                  <a:buFontTx/>
+                  <a:buNone/>
+                  <a:tabLst/>
+                </a:pPr>
+                <a:endParaRPr kumimoji="0" lang="en-GB" sz="1000" i="0" u="none" strike="noStrike" cap="none" normalizeH="0" baseline="0" smtClean="0">
+                  <a:ln>
+                    <a:noFill/>
+                  </a:ln>
                   <a:solidFill>
-                    <a:schemeClr val="tx1"/>
+                    <a:schemeClr val="bg2"/>
                   </a:solidFill>
-                  <a:prstDash val="solid"/>
-                  <a:round/>
-                  <a:headEnd type="none" w="med" len="med"/>
-                  <a:tailEnd type="none" w="med" len="med"/>
-                </a:ln>
-                <a:effectLst/>
-              </p:spPr>
-              <p:txBody>
-                <a:bodyPr vert="horz" wrap="square" lIns="91440" tIns="45720" rIns="91440" bIns="45720" numCol="1" rtlCol="0" anchor="t" anchorCtr="0" compatLnSpc="1">
-                  <a:prstTxWarp prst="textNoShape">
-                    <a:avLst/>
-                  </a:prstTxWarp>
-                </a:bodyPr>
-                <a:lstStyle/>
-                <a:p>
-                  <a:pPr marL="0" marR="0" indent="0" algn="l" defTabSz="914400" rtl="0" eaLnBrk="1" fontAlgn="base" latinLnBrk="0" hangingPunct="1">
-                    <a:lnSpc>
-                      <a:spcPct val="100000"/>
-                    </a:lnSpc>
-                    <a:spcBef>
-                      <a:spcPct val="0"/>
-                    </a:spcBef>
-                    <a:spcAft>
-                      <a:spcPct val="0"/>
-                    </a:spcAft>
-                    <a:buClrTx/>
-                    <a:buSzTx/>
-                    <a:buFontTx/>
-                    <a:buNone/>
-                    <a:tabLst/>
-                  </a:pPr>
-                  <a:endParaRPr kumimoji="0" lang="en-GB" sz="1000" b="1" i="0" u="none" strike="noStrike" cap="none" normalizeH="0" baseline="0" smtClean="0">
-                    <a:ln>
-                      <a:noFill/>
-                    </a:ln>
-                    <a:solidFill>
-                      <a:schemeClr val="bg2"/>
-                    </a:solidFill>
-                    <a:effectLst/>
-                    <a:latin typeface="Microsoft Sans Serif" pitchFamily="34" charset="0"/>
-                  </a:endParaRPr>
-                </a:p>
-              </p:txBody>
-            </p:sp>
-            <p:sp>
-              <p:nvSpPr>
-                <p:cNvPr id="222" name="Oval 221"/>
-                <p:cNvSpPr/>
-                <p:nvPr/>
-              </p:nvSpPr>
-              <p:spPr bwMode="auto">
-                <a:xfrm>
-                  <a:off x="5622878" y="1915279"/>
-                  <a:ext cx="287397" cy="276997"/>
-                </a:xfrm>
-                <a:prstGeom prst="ellipse">
+                  <a:effectLst/>
+                </a:endParaRPr>
+              </a:p>
+            </p:txBody>
+          </p:sp>
+          <p:sp>
+            <p:nvSpPr>
+              <p:cNvPr id="129" name="Rounded Rectangle 128"/>
+              <p:cNvSpPr/>
+              <p:nvPr/>
+            </p:nvSpPr>
+            <p:spPr bwMode="auto">
+              <a:xfrm rot="14400000">
+                <a:off x="5092167" y="1560377"/>
+                <a:ext cx="37985" cy="342549"/>
+              </a:xfrm>
+              <a:prstGeom prst="roundRect">
+                <a:avLst/>
+              </a:prstGeom>
+              <a:solidFill>
+                <a:srgbClr val="FFFFFF"/>
+              </a:solidFill>
+              <a:ln w="9525" cap="flat" cmpd="sng" algn="ctr">
+                <a:solidFill>
+                  <a:srgbClr val="000000"/>
+                </a:solidFill>
+                <a:prstDash val="solid"/>
+                <a:round/>
+                <a:headEnd type="none" w="med" len="med"/>
+                <a:tailEnd type="none" w="med" len="med"/>
+              </a:ln>
+              <a:effectLst/>
+            </p:spPr>
+            <p:txBody>
+              <a:bodyPr vert="horz" wrap="square" lIns="91440" tIns="45720" rIns="91440" bIns="45720" numCol="1" rtlCol="0" anchor="t" anchorCtr="0" compatLnSpc="1">
+                <a:prstTxWarp prst="textNoShape">
                   <a:avLst/>
-                </a:prstGeom>
+                </a:prstTxWarp>
+              </a:bodyPr>
+              <a:lstStyle/>
+              <a:p>
+                <a:pPr marL="0" marR="0" indent="0" algn="l" defTabSz="914400" rtl="0" eaLnBrk="1" fontAlgn="base" latinLnBrk="0" hangingPunct="1">
+                  <a:lnSpc>
+                    <a:spcPct val="100000"/>
+                  </a:lnSpc>
+                  <a:spcBef>
+                    <a:spcPct val="0"/>
+                  </a:spcBef>
+                  <a:spcAft>
+                    <a:spcPct val="0"/>
+                  </a:spcAft>
+                  <a:buClrTx/>
+                  <a:buSzTx/>
+                  <a:buFontTx/>
+                  <a:buNone/>
+                  <a:tabLst/>
+                </a:pPr>
+                <a:endParaRPr kumimoji="0" lang="en-GB" sz="1000" i="0" u="none" strike="noStrike" cap="none" normalizeH="0" baseline="0" smtClean="0">
+                  <a:ln>
+                    <a:noFill/>
+                  </a:ln>
+                  <a:solidFill>
+                    <a:schemeClr val="bg2"/>
+                  </a:solidFill>
+                  <a:effectLst/>
+                </a:endParaRPr>
+              </a:p>
+            </p:txBody>
+          </p:sp>
+          <p:sp>
+            <p:nvSpPr>
+              <p:cNvPr id="130" name="Rounded Rectangle 129"/>
+              <p:cNvSpPr/>
+              <p:nvPr/>
+            </p:nvSpPr>
+            <p:spPr bwMode="auto">
+              <a:xfrm rot="12600000">
+                <a:off x="5090525" y="1567387"/>
+                <a:ext cx="39389" cy="330343"/>
+              </a:xfrm>
+              <a:prstGeom prst="roundRect">
+                <a:avLst/>
+              </a:prstGeom>
+              <a:solidFill>
+                <a:srgbClr val="FFFFFF"/>
+              </a:solidFill>
+              <a:ln w="9525" cap="flat" cmpd="sng" algn="ctr">
                 <a:solidFill>
-                  <a:schemeClr val="bg1"/>
+                  <a:srgbClr val="000000"/>
                 </a:solidFill>
-                <a:ln w="19050" cap="flat" cmpd="sng" algn="ctr">
+                <a:prstDash val="solid"/>
+                <a:round/>
+                <a:headEnd type="none" w="med" len="med"/>
+                <a:tailEnd type="none" w="med" len="med"/>
+              </a:ln>
+              <a:effectLst/>
+            </p:spPr>
+            <p:txBody>
+              <a:bodyPr vert="horz" wrap="square" lIns="91440" tIns="45720" rIns="91440" bIns="45720" numCol="1" rtlCol="0" anchor="t" anchorCtr="0" compatLnSpc="1">
+                <a:prstTxWarp prst="textNoShape">
+                  <a:avLst/>
+                </a:prstTxWarp>
+              </a:bodyPr>
+              <a:lstStyle/>
+              <a:p>
+                <a:pPr marL="0" marR="0" indent="0" algn="l" defTabSz="914400" rtl="0" eaLnBrk="1" fontAlgn="base" latinLnBrk="0" hangingPunct="1">
+                  <a:lnSpc>
+                    <a:spcPct val="100000"/>
+                  </a:lnSpc>
+                  <a:spcBef>
+                    <a:spcPct val="0"/>
+                  </a:spcBef>
+                  <a:spcAft>
+                    <a:spcPct val="0"/>
+                  </a:spcAft>
+                  <a:buClrTx/>
+                  <a:buSzTx/>
+                  <a:buFontTx/>
+                  <a:buNone/>
+                  <a:tabLst/>
+                </a:pPr>
+                <a:endParaRPr kumimoji="0" lang="en-GB" sz="1000" i="0" u="none" strike="noStrike" cap="none" normalizeH="0" baseline="0" smtClean="0">
+                  <a:ln>
+                    <a:noFill/>
+                  </a:ln>
                   <a:solidFill>
-                    <a:schemeClr val="tx1"/>
+                    <a:schemeClr val="bg2"/>
                   </a:solidFill>
-                  <a:prstDash val="solid"/>
-                  <a:round/>
-                  <a:headEnd type="none" w="med" len="med"/>
-                  <a:tailEnd type="none" w="med" len="med"/>
-                </a:ln>
-                <a:effectLst/>
-              </p:spPr>
-              <p:txBody>
-                <a:bodyPr vert="horz" wrap="square" lIns="91440" tIns="45720" rIns="91440" bIns="45720" numCol="1" rtlCol="0" anchor="t" anchorCtr="0" compatLnSpc="1">
-                  <a:prstTxWarp prst="textNoShape">
-                    <a:avLst/>
-                  </a:prstTxWarp>
-                </a:bodyPr>
-                <a:lstStyle/>
-                <a:p>
-                  <a:pPr marL="0" marR="0" indent="0" algn="l" defTabSz="914400" rtl="0" eaLnBrk="1" fontAlgn="base" latinLnBrk="0" hangingPunct="1">
-                    <a:lnSpc>
-                      <a:spcPct val="100000"/>
-                    </a:lnSpc>
-                    <a:spcBef>
-                      <a:spcPct val="0"/>
-                    </a:spcBef>
-                    <a:spcAft>
-                      <a:spcPct val="0"/>
-                    </a:spcAft>
-                    <a:buClrTx/>
-                    <a:buSzTx/>
-                    <a:buFontTx/>
-                    <a:buNone/>
-                    <a:tabLst/>
-                  </a:pPr>
-                  <a:endParaRPr kumimoji="0" lang="en-GB" sz="1000" b="1" i="0" u="none" strike="noStrike" cap="none" normalizeH="0" baseline="0" smtClean="0">
-                    <a:ln>
-                      <a:noFill/>
-                    </a:ln>
-                    <a:solidFill>
-                      <a:schemeClr val="bg2"/>
-                    </a:solidFill>
-                    <a:effectLst/>
-                    <a:latin typeface="Microsoft Sans Serif" pitchFamily="34" charset="0"/>
-                  </a:endParaRPr>
-                </a:p>
-              </p:txBody>
-            </p:sp>
-            <p:sp>
-              <p:nvSpPr>
-                <p:cNvPr id="223" name="Oval 222"/>
-                <p:cNvSpPr/>
-                <p:nvPr/>
-              </p:nvSpPr>
-              <p:spPr bwMode="auto">
-                <a:xfrm>
-                  <a:off x="5664449" y="1955597"/>
-                  <a:ext cx="205507" cy="198184"/>
-                </a:xfrm>
-                <a:prstGeom prst="ellipse">
+                  <a:effectLst/>
+                </a:endParaRPr>
+              </a:p>
+            </p:txBody>
+          </p:sp>
+          <p:sp>
+            <p:nvSpPr>
+              <p:cNvPr id="131" name="Oval 130"/>
+              <p:cNvSpPr/>
+              <p:nvPr/>
+            </p:nvSpPr>
+            <p:spPr bwMode="auto">
+              <a:xfrm>
+                <a:off x="4970614" y="1594375"/>
+                <a:ext cx="287397" cy="276997"/>
+              </a:xfrm>
+              <a:prstGeom prst="ellipse">
+                <a:avLst/>
+              </a:prstGeom>
+              <a:solidFill>
+                <a:schemeClr val="bg1"/>
+              </a:solidFill>
+              <a:ln w="9525" cap="flat" cmpd="sng" algn="ctr">
+                <a:solidFill>
+                  <a:srgbClr val="000000"/>
+                </a:solidFill>
+                <a:prstDash val="solid"/>
+                <a:round/>
+                <a:headEnd type="none" w="med" len="med"/>
+                <a:tailEnd type="none" w="med" len="med"/>
+              </a:ln>
+              <a:effectLst/>
+            </p:spPr>
+            <p:txBody>
+              <a:bodyPr vert="horz" wrap="square" lIns="91440" tIns="45720" rIns="91440" bIns="45720" numCol="1" rtlCol="0" anchor="t" anchorCtr="0" compatLnSpc="1">
+                <a:prstTxWarp prst="textNoShape">
                   <a:avLst/>
-                </a:prstGeom>
+                </a:prstTxWarp>
+              </a:bodyPr>
+              <a:lstStyle/>
+              <a:p>
+                <a:pPr marL="0" marR="0" indent="0" algn="l" defTabSz="914400" rtl="0" eaLnBrk="1" fontAlgn="base" latinLnBrk="0" hangingPunct="1">
+                  <a:lnSpc>
+                    <a:spcPct val="100000"/>
+                  </a:lnSpc>
+                  <a:spcBef>
+                    <a:spcPct val="0"/>
+                  </a:spcBef>
+                  <a:spcAft>
+                    <a:spcPct val="0"/>
+                  </a:spcAft>
+                  <a:buClrTx/>
+                  <a:buSzTx/>
+                  <a:buFontTx/>
+                  <a:buNone/>
+                  <a:tabLst/>
+                </a:pPr>
+                <a:endParaRPr kumimoji="0" lang="en-GB" sz="1000" i="0" u="none" strike="noStrike" cap="none" normalizeH="0" baseline="0" smtClean="0">
+                  <a:ln>
+                    <a:noFill/>
+                  </a:ln>
+                  <a:solidFill>
+                    <a:schemeClr val="bg2"/>
+                  </a:solidFill>
+                  <a:effectLst/>
+                </a:endParaRPr>
+              </a:p>
+            </p:txBody>
+          </p:sp>
+          <p:sp>
+            <p:nvSpPr>
+              <p:cNvPr id="132" name="Oval 131"/>
+              <p:cNvSpPr/>
+              <p:nvPr/>
+            </p:nvSpPr>
+            <p:spPr bwMode="auto">
+              <a:xfrm>
+                <a:off x="5012186" y="1634693"/>
+                <a:ext cx="205507" cy="198184"/>
+              </a:xfrm>
+              <a:prstGeom prst="ellipse">
+                <a:avLst/>
+              </a:prstGeom>
+              <a:solidFill>
+                <a:srgbClr val="0000FF"/>
+              </a:solidFill>
+              <a:ln w="9525" cap="flat" cmpd="sng" algn="ctr">
                 <a:solidFill>
-                  <a:srgbClr val="660066"/>
+                  <a:srgbClr val="000000"/>
                 </a:solidFill>
-                <a:ln w="19050" cap="flat" cmpd="sng" algn="ctr">
+                <a:prstDash val="solid"/>
+                <a:round/>
+                <a:headEnd type="none" w="med" len="med"/>
+                <a:tailEnd type="none" w="med" len="med"/>
+              </a:ln>
+              <a:effectLst/>
+            </p:spPr>
+            <p:txBody>
+              <a:bodyPr vert="horz" wrap="square" lIns="91440" tIns="45720" rIns="91440" bIns="45720" numCol="1" rtlCol="0" anchor="t" anchorCtr="0" compatLnSpc="1">
+                <a:prstTxWarp prst="textNoShape">
+                  <a:avLst/>
+                </a:prstTxWarp>
+              </a:bodyPr>
+              <a:lstStyle/>
+              <a:p>
+                <a:pPr marL="0" marR="0" indent="0" algn="l" defTabSz="914400" rtl="0" eaLnBrk="1" fontAlgn="base" latinLnBrk="0" hangingPunct="1">
+                  <a:lnSpc>
+                    <a:spcPct val="100000"/>
+                  </a:lnSpc>
+                  <a:spcBef>
+                    <a:spcPct val="0"/>
+                  </a:spcBef>
+                  <a:spcAft>
+                    <a:spcPct val="0"/>
+                  </a:spcAft>
+                  <a:buClrTx/>
+                  <a:buSzTx/>
+                  <a:buFontTx/>
+                  <a:buNone/>
+                  <a:tabLst/>
+                </a:pPr>
+                <a:endParaRPr kumimoji="0" lang="en-GB" sz="1000" i="0" u="none" strike="noStrike" cap="none" normalizeH="0" baseline="0" smtClean="0">
+                  <a:ln>
+                    <a:noFill/>
+                  </a:ln>
                   <a:solidFill>
-                    <a:srgbClr val="000000"/>
+                    <a:schemeClr val="bg2"/>
                   </a:solidFill>
-                  <a:prstDash val="solid"/>
-                  <a:round/>
-                  <a:headEnd type="none" w="med" len="med"/>
-                  <a:tailEnd type="none" w="med" len="med"/>
-                </a:ln>
-                <a:effectLst/>
-              </p:spPr>
-              <p:txBody>
-                <a:bodyPr vert="horz" wrap="square" lIns="91440" tIns="45720" rIns="91440" bIns="45720" numCol="1" rtlCol="0" anchor="t" anchorCtr="0" compatLnSpc="1">
-                  <a:prstTxWarp prst="textNoShape">
-                    <a:avLst/>
-                  </a:prstTxWarp>
-                </a:bodyPr>
-                <a:lstStyle/>
-                <a:p>
-                  <a:pPr marL="0" marR="0" indent="0" algn="l" defTabSz="914400" rtl="0" eaLnBrk="1" fontAlgn="base" latinLnBrk="0" hangingPunct="1">
-                    <a:lnSpc>
-                      <a:spcPct val="100000"/>
-                    </a:lnSpc>
-                    <a:spcBef>
-                      <a:spcPct val="0"/>
-                    </a:spcBef>
-                    <a:spcAft>
-                      <a:spcPct val="0"/>
-                    </a:spcAft>
-                    <a:buClrTx/>
-                    <a:buSzTx/>
-                    <a:buFontTx/>
-                    <a:buNone/>
-                    <a:tabLst/>
-                  </a:pPr>
-                  <a:endParaRPr kumimoji="0" lang="en-GB" sz="1000" b="1" i="0" u="none" strike="noStrike" cap="none" normalizeH="0" baseline="0" smtClean="0">
-                    <a:ln>
-                      <a:noFill/>
-                    </a:ln>
-                    <a:solidFill>
-                      <a:schemeClr val="bg2"/>
-                    </a:solidFill>
-                    <a:effectLst/>
-                    <a:latin typeface="Microsoft Sans Serif" pitchFamily="34" charset="0"/>
-                  </a:endParaRPr>
-                </a:p>
-              </p:txBody>
-            </p:sp>
-          </p:grpSp>
-          <p:grpSp>
-            <p:nvGrpSpPr>
-              <p:cNvPr id="198" name="Group 197"/>
-              <p:cNvGrpSpPr/>
+                  <a:effectLst/>
+                </a:endParaRPr>
+              </a:p>
+            </p:txBody>
+          </p:sp>
+        </p:grpSp>
+        <p:grpSp>
+          <p:nvGrpSpPr>
+            <p:cNvPr id="116" name="Group 115"/>
+            <p:cNvGrpSpPr/>
+            <p:nvPr/>
+          </p:nvGrpSpPr>
+          <p:grpSpPr>
+            <a:xfrm>
+              <a:off x="5445224" y="1518725"/>
+              <a:ext cx="345115" cy="331581"/>
+              <a:chOff x="5445224" y="1525075"/>
+              <a:chExt cx="345115" cy="331581"/>
+            </a:xfrm>
+          </p:grpSpPr>
+          <p:sp>
+            <p:nvSpPr>
+              <p:cNvPr id="117" name="Rounded Rectangle 116"/>
+              <p:cNvSpPr/>
               <p:nvPr/>
-            </p:nvGrpSpPr>
-            <p:grpSpPr>
+            </p:nvSpPr>
+            <p:spPr bwMode="auto">
               <a:xfrm>
-                <a:off x="5749131" y="1670330"/>
-                <a:ext cx="271824" cy="258334"/>
-                <a:chOff x="4939885" y="1567387"/>
-                <a:chExt cx="345116" cy="331580"/>
+                <a:off x="5600654" y="1526313"/>
+                <a:ext cx="39389" cy="330343"/>
               </a:xfrm>
-            </p:grpSpPr>
-            <p:sp>
-              <p:nvSpPr>
-                <p:cNvPr id="208" name="Rounded Rectangle 207"/>
-                <p:cNvSpPr/>
-                <p:nvPr/>
-              </p:nvSpPr>
-              <p:spPr bwMode="auto">
-                <a:xfrm>
-                  <a:off x="5095315" y="1568624"/>
-                  <a:ext cx="39389" cy="330343"/>
-                </a:xfrm>
-                <a:prstGeom prst="roundRect">
+              <a:prstGeom prst="roundRect">
+                <a:avLst/>
+              </a:prstGeom>
+              <a:solidFill>
+                <a:srgbClr val="FFFFFF"/>
+              </a:solidFill>
+              <a:ln w="9525" cap="flat" cmpd="sng" algn="ctr">
+                <a:solidFill>
+                  <a:srgbClr val="000000"/>
+                </a:solidFill>
+                <a:prstDash val="solid"/>
+                <a:round/>
+                <a:headEnd type="none" w="med" len="med"/>
+                <a:tailEnd type="none" w="med" len="med"/>
+              </a:ln>
+              <a:effectLst/>
+            </p:spPr>
+            <p:txBody>
+              <a:bodyPr vert="horz" wrap="square" lIns="91440" tIns="45720" rIns="91440" bIns="45720" numCol="1" rtlCol="0" anchor="t" anchorCtr="0" compatLnSpc="1">
+                <a:prstTxWarp prst="textNoShape">
                   <a:avLst/>
-                </a:prstGeom>
+                </a:prstTxWarp>
+              </a:bodyPr>
+              <a:lstStyle/>
+              <a:p>
+                <a:pPr marL="0" marR="0" indent="0" algn="l" defTabSz="914400" rtl="0" eaLnBrk="1" fontAlgn="base" latinLnBrk="0" hangingPunct="1">
+                  <a:lnSpc>
+                    <a:spcPct val="100000"/>
+                  </a:lnSpc>
+                  <a:spcBef>
+                    <a:spcPct val="0"/>
+                  </a:spcBef>
+                  <a:spcAft>
+                    <a:spcPct val="0"/>
+                  </a:spcAft>
+                  <a:buClrTx/>
+                  <a:buSzTx/>
+                  <a:buFontTx/>
+                  <a:buNone/>
+                  <a:tabLst/>
+                </a:pPr>
+                <a:endParaRPr kumimoji="0" lang="en-GB" sz="1000" i="0" u="none" strike="noStrike" cap="none" normalizeH="0" baseline="0" smtClean="0">
+                  <a:ln>
+                    <a:noFill/>
+                  </a:ln>
+                  <a:solidFill>
+                    <a:schemeClr val="bg2"/>
+                  </a:solidFill>
+                  <a:effectLst/>
+                </a:endParaRPr>
+              </a:p>
+            </p:txBody>
+          </p:sp>
+          <p:sp>
+            <p:nvSpPr>
+              <p:cNvPr id="118" name="Rounded Rectangle 117"/>
+              <p:cNvSpPr/>
+              <p:nvPr/>
+            </p:nvSpPr>
+            <p:spPr bwMode="auto">
+              <a:xfrm rot="16200000">
+                <a:off x="5598789" y="1517734"/>
+                <a:ext cx="37985" cy="342549"/>
+              </a:xfrm>
+              <a:prstGeom prst="roundRect">
+                <a:avLst/>
+              </a:prstGeom>
+              <a:solidFill>
+                <a:srgbClr val="FFFFFF"/>
+              </a:solidFill>
+              <a:ln w="9525" cap="flat" cmpd="sng" algn="ctr">
                 <a:solidFill>
-                  <a:srgbClr val="FFFFFF"/>
+                  <a:srgbClr val="000000"/>
                 </a:solidFill>
-                <a:ln w="19050" cap="flat" cmpd="sng" algn="ctr">
+                <a:prstDash val="solid"/>
+                <a:round/>
+                <a:headEnd type="none" w="med" len="med"/>
+                <a:tailEnd type="none" w="med" len="med"/>
+              </a:ln>
+              <a:effectLst/>
+            </p:spPr>
+            <p:txBody>
+              <a:bodyPr vert="horz" wrap="square" lIns="91440" tIns="45720" rIns="91440" bIns="45720" numCol="1" rtlCol="0" anchor="t" anchorCtr="0" compatLnSpc="1">
+                <a:prstTxWarp prst="textNoShape">
+                  <a:avLst/>
+                </a:prstTxWarp>
+              </a:bodyPr>
+              <a:lstStyle/>
+              <a:p>
+                <a:pPr marL="0" marR="0" indent="0" algn="l" defTabSz="914400" rtl="0" eaLnBrk="1" fontAlgn="base" latinLnBrk="0" hangingPunct="1">
+                  <a:lnSpc>
+                    <a:spcPct val="100000"/>
+                  </a:lnSpc>
+                  <a:spcBef>
+                    <a:spcPct val="0"/>
+                  </a:spcBef>
+                  <a:spcAft>
+                    <a:spcPct val="0"/>
+                  </a:spcAft>
+                  <a:buClrTx/>
+                  <a:buSzTx/>
+                  <a:buFontTx/>
+                  <a:buNone/>
+                  <a:tabLst/>
+                </a:pPr>
+                <a:endParaRPr kumimoji="0" lang="en-GB" sz="1000" i="0" u="none" strike="noStrike" cap="none" normalizeH="0" baseline="0" smtClean="0">
+                  <a:ln>
+                    <a:noFill/>
+                  </a:ln>
                   <a:solidFill>
-                    <a:srgbClr val="000000"/>
+                    <a:schemeClr val="bg2"/>
                   </a:solidFill>
-                  <a:prstDash val="solid"/>
-                  <a:round/>
-                  <a:headEnd type="none" w="med" len="med"/>
-                  <a:tailEnd type="none" w="med" len="med"/>
-                </a:ln>
-                <a:effectLst/>
-              </p:spPr>
-              <p:txBody>
-                <a:bodyPr vert="horz" wrap="square" lIns="91440" tIns="45720" rIns="91440" bIns="45720" numCol="1" rtlCol="0" anchor="t" anchorCtr="0" compatLnSpc="1">
-                  <a:prstTxWarp prst="textNoShape">
-                    <a:avLst/>
-                  </a:prstTxWarp>
-                </a:bodyPr>
-                <a:lstStyle/>
-                <a:p>
-                  <a:pPr marL="0" marR="0" indent="0" algn="l" defTabSz="914400" rtl="0" eaLnBrk="1" fontAlgn="base" latinLnBrk="0" hangingPunct="1">
-                    <a:lnSpc>
-                      <a:spcPct val="100000"/>
-                    </a:lnSpc>
-                    <a:spcBef>
-                      <a:spcPct val="0"/>
-                    </a:spcBef>
-                    <a:spcAft>
-                      <a:spcPct val="0"/>
-                    </a:spcAft>
-                    <a:buClrTx/>
-                    <a:buSzTx/>
-                    <a:buFontTx/>
-                    <a:buNone/>
-                    <a:tabLst/>
-                  </a:pPr>
-                  <a:endParaRPr kumimoji="0" lang="en-GB" sz="1000" b="1" i="0" u="none" strike="noStrike" cap="none" normalizeH="0" baseline="0" smtClean="0">
-                    <a:ln>
-                      <a:noFill/>
-                    </a:ln>
-                    <a:solidFill>
-                      <a:schemeClr val="bg2"/>
-                    </a:solidFill>
-                    <a:effectLst/>
-                    <a:latin typeface="Microsoft Sans Serif" pitchFamily="34" charset="0"/>
-                  </a:endParaRPr>
-                </a:p>
-              </p:txBody>
-            </p:sp>
-            <p:sp>
-              <p:nvSpPr>
-                <p:cNvPr id="209" name="Rounded Rectangle 208"/>
-                <p:cNvSpPr/>
-                <p:nvPr/>
-              </p:nvSpPr>
-              <p:spPr bwMode="auto">
-                <a:xfrm rot="16200000">
-                  <a:off x="5093450" y="1560045"/>
-                  <a:ext cx="37985" cy="342549"/>
-                </a:xfrm>
-                <a:prstGeom prst="roundRect">
+                  <a:effectLst/>
+                </a:endParaRPr>
+              </a:p>
+            </p:txBody>
+          </p:sp>
+          <p:sp>
+            <p:nvSpPr>
+              <p:cNvPr id="119" name="Rounded Rectangle 118"/>
+              <p:cNvSpPr/>
+              <p:nvPr/>
+            </p:nvSpPr>
+            <p:spPr bwMode="auto">
+              <a:xfrm rot="18000000">
+                <a:off x="5600072" y="1518065"/>
+                <a:ext cx="37985" cy="342549"/>
+              </a:xfrm>
+              <a:prstGeom prst="roundRect">
+                <a:avLst/>
+              </a:prstGeom>
+              <a:solidFill>
+                <a:srgbClr val="FFFFFF"/>
+              </a:solidFill>
+              <a:ln w="9525" cap="flat" cmpd="sng" algn="ctr">
+                <a:solidFill>
+                  <a:srgbClr val="000000"/>
+                </a:solidFill>
+                <a:prstDash val="solid"/>
+                <a:round/>
+                <a:headEnd type="none" w="med" len="med"/>
+                <a:tailEnd type="none" w="med" len="med"/>
+              </a:ln>
+              <a:effectLst/>
+            </p:spPr>
+            <p:txBody>
+              <a:bodyPr vert="horz" wrap="square" lIns="91440" tIns="45720" rIns="91440" bIns="45720" numCol="1" rtlCol="0" anchor="t" anchorCtr="0" compatLnSpc="1">
+                <a:prstTxWarp prst="textNoShape">
                   <a:avLst/>
-                </a:prstGeom>
+                </a:prstTxWarp>
+              </a:bodyPr>
+              <a:lstStyle/>
+              <a:p>
+                <a:pPr marL="0" marR="0" indent="0" algn="l" defTabSz="914400" rtl="0" eaLnBrk="1" fontAlgn="base" latinLnBrk="0" hangingPunct="1">
+                  <a:lnSpc>
+                    <a:spcPct val="100000"/>
+                  </a:lnSpc>
+                  <a:spcBef>
+                    <a:spcPct val="0"/>
+                  </a:spcBef>
+                  <a:spcAft>
+                    <a:spcPct val="0"/>
+                  </a:spcAft>
+                  <a:buClrTx/>
+                  <a:buSzTx/>
+                  <a:buFontTx/>
+                  <a:buNone/>
+                  <a:tabLst/>
+                </a:pPr>
+                <a:endParaRPr kumimoji="0" lang="en-GB" sz="1000" i="0" u="none" strike="noStrike" cap="none" normalizeH="0" baseline="0" smtClean="0">
+                  <a:ln>
+                    <a:noFill/>
+                  </a:ln>
+                  <a:solidFill>
+                    <a:schemeClr val="bg2"/>
+                  </a:solidFill>
+                  <a:effectLst/>
+                </a:endParaRPr>
+              </a:p>
+            </p:txBody>
+          </p:sp>
+          <p:sp>
+            <p:nvSpPr>
+              <p:cNvPr id="120" name="Rounded Rectangle 119"/>
+              <p:cNvSpPr/>
+              <p:nvPr/>
+            </p:nvSpPr>
+            <p:spPr bwMode="auto">
+              <a:xfrm rot="19800000">
+                <a:off x="5600311" y="1525075"/>
+                <a:ext cx="39389" cy="330343"/>
+              </a:xfrm>
+              <a:prstGeom prst="roundRect">
+                <a:avLst/>
+              </a:prstGeom>
+              <a:solidFill>
+                <a:srgbClr val="FFFFFF"/>
+              </a:solidFill>
+              <a:ln w="9525" cap="flat" cmpd="sng" algn="ctr">
                 <a:solidFill>
-                  <a:srgbClr val="FFFFFF"/>
+                  <a:srgbClr val="000000"/>
                 </a:solidFill>
-                <a:ln w="19050" cap="flat" cmpd="sng" algn="ctr">
+                <a:prstDash val="solid"/>
+                <a:round/>
+                <a:headEnd type="none" w="med" len="med"/>
+                <a:tailEnd type="none" w="med" len="med"/>
+              </a:ln>
+              <a:effectLst/>
+            </p:spPr>
+            <p:txBody>
+              <a:bodyPr vert="horz" wrap="square" lIns="91440" tIns="45720" rIns="91440" bIns="45720" numCol="1" rtlCol="0" anchor="t" anchorCtr="0" compatLnSpc="1">
+                <a:prstTxWarp prst="textNoShape">
+                  <a:avLst/>
+                </a:prstTxWarp>
+              </a:bodyPr>
+              <a:lstStyle/>
+              <a:p>
+                <a:pPr marL="0" marR="0" indent="0" algn="l" defTabSz="914400" rtl="0" eaLnBrk="1" fontAlgn="base" latinLnBrk="0" hangingPunct="1">
+                  <a:lnSpc>
+                    <a:spcPct val="100000"/>
+                  </a:lnSpc>
+                  <a:spcBef>
+                    <a:spcPct val="0"/>
+                  </a:spcBef>
+                  <a:spcAft>
+                    <a:spcPct val="0"/>
+                  </a:spcAft>
+                  <a:buClrTx/>
+                  <a:buSzTx/>
+                  <a:buFontTx/>
+                  <a:buNone/>
+                  <a:tabLst/>
+                </a:pPr>
+                <a:endParaRPr kumimoji="0" lang="en-GB" sz="1000" i="0" u="none" strike="noStrike" cap="none" normalizeH="0" baseline="0" smtClean="0">
+                  <a:ln>
+                    <a:noFill/>
+                  </a:ln>
                   <a:solidFill>
-                    <a:srgbClr val="000000"/>
+                    <a:schemeClr val="bg2"/>
                   </a:solidFill>
-                  <a:prstDash val="solid"/>
-                  <a:round/>
-                  <a:headEnd type="none" w="med" len="med"/>
-                  <a:tailEnd type="none" w="med" len="med"/>
-                </a:ln>
-                <a:effectLst/>
-              </p:spPr>
-              <p:txBody>
-                <a:bodyPr vert="horz" wrap="square" lIns="91440" tIns="45720" rIns="91440" bIns="45720" numCol="1" rtlCol="0" anchor="t" anchorCtr="0" compatLnSpc="1">
-                  <a:prstTxWarp prst="textNoShape">
-                    <a:avLst/>
-                  </a:prstTxWarp>
-                </a:bodyPr>
-                <a:lstStyle/>
-                <a:p>
-                  <a:pPr marL="0" marR="0" indent="0" algn="l" defTabSz="914400" rtl="0" eaLnBrk="1" fontAlgn="base" latinLnBrk="0" hangingPunct="1">
-                    <a:lnSpc>
-                      <a:spcPct val="100000"/>
-                    </a:lnSpc>
-                    <a:spcBef>
-                      <a:spcPct val="0"/>
-                    </a:spcBef>
-                    <a:spcAft>
-                      <a:spcPct val="0"/>
-                    </a:spcAft>
-                    <a:buClrTx/>
-                    <a:buSzTx/>
-                    <a:buFontTx/>
-                    <a:buNone/>
-                    <a:tabLst/>
-                  </a:pPr>
-                  <a:endParaRPr kumimoji="0" lang="en-GB" sz="1000" b="1" i="0" u="none" strike="noStrike" cap="none" normalizeH="0" baseline="0" smtClean="0">
-                    <a:ln>
-                      <a:noFill/>
-                    </a:ln>
-                    <a:solidFill>
-                      <a:schemeClr val="bg2"/>
-                    </a:solidFill>
-                    <a:effectLst/>
-                    <a:latin typeface="Microsoft Sans Serif" pitchFamily="34" charset="0"/>
-                  </a:endParaRPr>
-                </a:p>
-              </p:txBody>
-            </p:sp>
-            <p:sp>
-              <p:nvSpPr>
-                <p:cNvPr id="210" name="Rounded Rectangle 209"/>
-                <p:cNvSpPr/>
-                <p:nvPr/>
-              </p:nvSpPr>
-              <p:spPr bwMode="auto">
-                <a:xfrm rot="18000000">
-                  <a:off x="5094734" y="1560377"/>
-                  <a:ext cx="37985" cy="342549"/>
-                </a:xfrm>
-                <a:prstGeom prst="roundRect">
+                  <a:effectLst/>
+                </a:endParaRPr>
+              </a:p>
+            </p:txBody>
+          </p:sp>
+          <p:sp>
+            <p:nvSpPr>
+              <p:cNvPr id="121" name="Rounded Rectangle 120"/>
+              <p:cNvSpPr/>
+              <p:nvPr/>
+            </p:nvSpPr>
+            <p:spPr bwMode="auto">
+              <a:xfrm rot="14400000">
+                <a:off x="5597506" y="1518065"/>
+                <a:ext cx="37985" cy="342549"/>
+              </a:xfrm>
+              <a:prstGeom prst="roundRect">
+                <a:avLst/>
+              </a:prstGeom>
+              <a:solidFill>
+                <a:srgbClr val="FFFFFF"/>
+              </a:solidFill>
+              <a:ln w="9525" cap="flat" cmpd="sng" algn="ctr">
+                <a:solidFill>
+                  <a:srgbClr val="000000"/>
+                </a:solidFill>
+                <a:prstDash val="solid"/>
+                <a:round/>
+                <a:headEnd type="none" w="med" len="med"/>
+                <a:tailEnd type="none" w="med" len="med"/>
+              </a:ln>
+              <a:effectLst/>
+            </p:spPr>
+            <p:txBody>
+              <a:bodyPr vert="horz" wrap="square" lIns="91440" tIns="45720" rIns="91440" bIns="45720" numCol="1" rtlCol="0" anchor="t" anchorCtr="0" compatLnSpc="1">
+                <a:prstTxWarp prst="textNoShape">
                   <a:avLst/>
-                </a:prstGeom>
+                </a:prstTxWarp>
+              </a:bodyPr>
+              <a:lstStyle/>
+              <a:p>
+                <a:pPr marL="0" marR="0" indent="0" algn="l" defTabSz="914400" rtl="0" eaLnBrk="1" fontAlgn="base" latinLnBrk="0" hangingPunct="1">
+                  <a:lnSpc>
+                    <a:spcPct val="100000"/>
+                  </a:lnSpc>
+                  <a:spcBef>
+                    <a:spcPct val="0"/>
+                  </a:spcBef>
+                  <a:spcAft>
+                    <a:spcPct val="0"/>
+                  </a:spcAft>
+                  <a:buClrTx/>
+                  <a:buSzTx/>
+                  <a:buFontTx/>
+                  <a:buNone/>
+                  <a:tabLst/>
+                </a:pPr>
+                <a:endParaRPr kumimoji="0" lang="en-GB" sz="1000" i="0" u="none" strike="noStrike" cap="none" normalizeH="0" baseline="0" smtClean="0">
+                  <a:ln>
+                    <a:noFill/>
+                  </a:ln>
+                  <a:solidFill>
+                    <a:schemeClr val="bg2"/>
+                  </a:solidFill>
+                  <a:effectLst/>
+                </a:endParaRPr>
+              </a:p>
+            </p:txBody>
+          </p:sp>
+          <p:sp>
+            <p:nvSpPr>
+              <p:cNvPr id="122" name="Rounded Rectangle 121"/>
+              <p:cNvSpPr/>
+              <p:nvPr/>
+            </p:nvSpPr>
+            <p:spPr bwMode="auto">
+              <a:xfrm rot="12600000">
+                <a:off x="5595864" y="1525075"/>
+                <a:ext cx="39389" cy="330343"/>
+              </a:xfrm>
+              <a:prstGeom prst="roundRect">
+                <a:avLst/>
+              </a:prstGeom>
+              <a:solidFill>
+                <a:srgbClr val="FFFFFF"/>
+              </a:solidFill>
+              <a:ln w="9525" cap="flat" cmpd="sng" algn="ctr">
                 <a:solidFill>
-                  <a:srgbClr val="FFFFFF"/>
+                  <a:srgbClr val="000000"/>
                 </a:solidFill>
-                <a:ln w="19050" cap="flat" cmpd="sng" algn="ctr">
+                <a:prstDash val="solid"/>
+                <a:round/>
+                <a:headEnd type="none" w="med" len="med"/>
+                <a:tailEnd type="none" w="med" len="med"/>
+              </a:ln>
+              <a:effectLst/>
+            </p:spPr>
+            <p:txBody>
+              <a:bodyPr vert="horz" wrap="square" lIns="91440" tIns="45720" rIns="91440" bIns="45720" numCol="1" rtlCol="0" anchor="t" anchorCtr="0" compatLnSpc="1">
+                <a:prstTxWarp prst="textNoShape">
+                  <a:avLst/>
+                </a:prstTxWarp>
+              </a:bodyPr>
+              <a:lstStyle/>
+              <a:p>
+                <a:pPr marL="0" marR="0" indent="0" algn="l" defTabSz="914400" rtl="0" eaLnBrk="1" fontAlgn="base" latinLnBrk="0" hangingPunct="1">
+                  <a:lnSpc>
+                    <a:spcPct val="100000"/>
+                  </a:lnSpc>
+                  <a:spcBef>
+                    <a:spcPct val="0"/>
+                  </a:spcBef>
+                  <a:spcAft>
+                    <a:spcPct val="0"/>
+                  </a:spcAft>
+                  <a:buClrTx/>
+                  <a:buSzTx/>
+                  <a:buFontTx/>
+                  <a:buNone/>
+                  <a:tabLst/>
+                </a:pPr>
+                <a:endParaRPr kumimoji="0" lang="en-GB" sz="1000" i="0" u="none" strike="noStrike" cap="none" normalizeH="0" baseline="0" smtClean="0">
+                  <a:ln>
+                    <a:noFill/>
+                  </a:ln>
                   <a:solidFill>
-                    <a:srgbClr val="000000"/>
+                    <a:schemeClr val="bg2"/>
                   </a:solidFill>
-                  <a:prstDash val="solid"/>
-                  <a:round/>
-                  <a:headEnd type="none" w="med" len="med"/>
-                  <a:tailEnd type="none" w="med" len="med"/>
-                </a:ln>
-                <a:effectLst/>
-              </p:spPr>
-              <p:txBody>
-                <a:bodyPr vert="horz" wrap="square" lIns="91440" tIns="45720" rIns="91440" bIns="45720" numCol="1" rtlCol="0" anchor="t" anchorCtr="0" compatLnSpc="1">
-                  <a:prstTxWarp prst="textNoShape">
-                    <a:avLst/>
-                  </a:prstTxWarp>
-                </a:bodyPr>
-                <a:lstStyle/>
-                <a:p>
-                  <a:pPr marL="0" marR="0" indent="0" algn="l" defTabSz="914400" rtl="0" eaLnBrk="1" fontAlgn="base" latinLnBrk="0" hangingPunct="1">
-                    <a:lnSpc>
-                      <a:spcPct val="100000"/>
-                    </a:lnSpc>
-                    <a:spcBef>
-                      <a:spcPct val="0"/>
-                    </a:spcBef>
-                    <a:spcAft>
-                      <a:spcPct val="0"/>
-                    </a:spcAft>
-                    <a:buClrTx/>
-                    <a:buSzTx/>
-                    <a:buFontTx/>
-                    <a:buNone/>
-                    <a:tabLst/>
-                  </a:pPr>
-                  <a:endParaRPr kumimoji="0" lang="en-GB" sz="1000" b="1" i="0" u="none" strike="noStrike" cap="none" normalizeH="0" baseline="0" smtClean="0">
-                    <a:ln>
-                      <a:noFill/>
-                    </a:ln>
-                    <a:solidFill>
-                      <a:schemeClr val="bg2"/>
-                    </a:solidFill>
-                    <a:effectLst/>
-                    <a:latin typeface="Microsoft Sans Serif" pitchFamily="34" charset="0"/>
-                  </a:endParaRPr>
-                </a:p>
-              </p:txBody>
-            </p:sp>
-            <p:sp>
-              <p:nvSpPr>
-                <p:cNvPr id="211" name="Rounded Rectangle 210"/>
-                <p:cNvSpPr/>
-                <p:nvPr/>
-              </p:nvSpPr>
-              <p:spPr bwMode="auto">
-                <a:xfrm rot="19800000">
-                  <a:off x="5094972" y="1567387"/>
-                  <a:ext cx="39389" cy="330343"/>
-                </a:xfrm>
-                <a:prstGeom prst="roundRect">
+                  <a:effectLst/>
+                </a:endParaRPr>
+              </a:p>
+            </p:txBody>
+          </p:sp>
+          <p:sp>
+            <p:nvSpPr>
+              <p:cNvPr id="123" name="Oval 122"/>
+              <p:cNvSpPr/>
+              <p:nvPr/>
+            </p:nvSpPr>
+            <p:spPr bwMode="auto">
+              <a:xfrm>
+                <a:off x="5477066" y="1548187"/>
+                <a:ext cx="287397" cy="276997"/>
+              </a:xfrm>
+              <a:prstGeom prst="ellipse">
+                <a:avLst/>
+              </a:prstGeom>
+              <a:solidFill>
+                <a:srgbClr val="FFFFFF"/>
+              </a:solidFill>
+              <a:ln w="9525" cap="flat" cmpd="sng" algn="ctr">
+                <a:solidFill>
+                  <a:srgbClr val="000000"/>
+                </a:solidFill>
+                <a:prstDash val="solid"/>
+                <a:round/>
+                <a:headEnd type="none" w="med" len="med"/>
+                <a:tailEnd type="none" w="med" len="med"/>
+              </a:ln>
+              <a:effectLst/>
+            </p:spPr>
+            <p:txBody>
+              <a:bodyPr vert="horz" wrap="square" lIns="91440" tIns="45720" rIns="91440" bIns="45720" numCol="1" rtlCol="0" anchor="t" anchorCtr="0" compatLnSpc="1">
+                <a:prstTxWarp prst="textNoShape">
                   <a:avLst/>
-                </a:prstGeom>
+                </a:prstTxWarp>
+              </a:bodyPr>
+              <a:lstStyle/>
+              <a:p>
+                <a:pPr marL="0" marR="0" indent="0" algn="l" defTabSz="914400" rtl="0" eaLnBrk="1" fontAlgn="base" latinLnBrk="0" hangingPunct="1">
+                  <a:lnSpc>
+                    <a:spcPct val="100000"/>
+                  </a:lnSpc>
+                  <a:spcBef>
+                    <a:spcPct val="0"/>
+                  </a:spcBef>
+                  <a:spcAft>
+                    <a:spcPct val="0"/>
+                  </a:spcAft>
+                  <a:buClrTx/>
+                  <a:buSzTx/>
+                  <a:buFontTx/>
+                  <a:buNone/>
+                  <a:tabLst/>
+                </a:pPr>
+                <a:endParaRPr kumimoji="0" lang="en-GB" sz="1000" i="0" u="none" strike="noStrike" cap="none" normalizeH="0" baseline="0" smtClean="0">
+                  <a:ln>
+                    <a:noFill/>
+                  </a:ln>
+                  <a:solidFill>
+                    <a:schemeClr val="bg2"/>
+                  </a:solidFill>
+                  <a:effectLst/>
+                </a:endParaRPr>
+              </a:p>
+            </p:txBody>
+          </p:sp>
+          <p:sp>
+            <p:nvSpPr>
+              <p:cNvPr id="124" name="Oval 123"/>
+              <p:cNvSpPr/>
+              <p:nvPr/>
+            </p:nvSpPr>
+            <p:spPr bwMode="auto">
+              <a:xfrm>
+                <a:off x="5517524" y="1588921"/>
+                <a:ext cx="205507" cy="198184"/>
+              </a:xfrm>
+              <a:prstGeom prst="ellipse">
+                <a:avLst/>
+              </a:prstGeom>
+              <a:solidFill>
+                <a:srgbClr val="008000"/>
+              </a:solidFill>
+              <a:ln w="9525" cap="flat" cmpd="sng" algn="ctr">
                 <a:solidFill>
-                  <a:srgbClr val="FFFFFF"/>
+                  <a:srgbClr val="000000"/>
                 </a:solidFill>
-                <a:ln w="19050" cap="flat" cmpd="sng" algn="ctr">
+                <a:prstDash val="solid"/>
+                <a:round/>
+                <a:headEnd type="none" w="med" len="med"/>
+                <a:tailEnd type="none" w="med" len="med"/>
+              </a:ln>
+              <a:effectLst/>
+            </p:spPr>
+            <p:txBody>
+              <a:bodyPr vert="horz" wrap="square" lIns="91440" tIns="45720" rIns="91440" bIns="45720" numCol="1" rtlCol="0" anchor="t" anchorCtr="0" compatLnSpc="1">
+                <a:prstTxWarp prst="textNoShape">
+                  <a:avLst/>
+                </a:prstTxWarp>
+              </a:bodyPr>
+              <a:lstStyle/>
+              <a:p>
+                <a:pPr marL="0" marR="0" indent="0" algn="l" defTabSz="914400" rtl="0" eaLnBrk="1" fontAlgn="base" latinLnBrk="0" hangingPunct="1">
+                  <a:lnSpc>
+                    <a:spcPct val="100000"/>
+                  </a:lnSpc>
+                  <a:spcBef>
+                    <a:spcPct val="0"/>
+                  </a:spcBef>
+                  <a:spcAft>
+                    <a:spcPct val="0"/>
+                  </a:spcAft>
+                  <a:buClrTx/>
+                  <a:buSzTx/>
+                  <a:buFontTx/>
+                  <a:buNone/>
+                  <a:tabLst/>
+                </a:pPr>
+                <a:endParaRPr kumimoji="0" lang="en-GB" sz="1000" i="0" u="none" strike="noStrike" cap="none" normalizeH="0" baseline="0" smtClean="0">
+                  <a:ln>
+                    <a:noFill/>
+                  </a:ln>
                   <a:solidFill>
-                    <a:srgbClr val="000000"/>
+                    <a:schemeClr val="bg2"/>
                   </a:solidFill>
-                  <a:prstDash val="solid"/>
-                  <a:round/>
-                  <a:headEnd type="none" w="med" len="med"/>
-                  <a:tailEnd type="none" w="med" len="med"/>
-                </a:ln>
-                <a:effectLst/>
-              </p:spPr>
-              <p:txBody>
-                <a:bodyPr vert="horz" wrap="square" lIns="91440" tIns="45720" rIns="91440" bIns="45720" numCol="1" rtlCol="0" anchor="t" anchorCtr="0" compatLnSpc="1">
-                  <a:prstTxWarp prst="textNoShape">
-                    <a:avLst/>
-                  </a:prstTxWarp>
-                </a:bodyPr>
-                <a:lstStyle/>
-                <a:p>
-                  <a:pPr marL="0" marR="0" indent="0" algn="l" defTabSz="914400" rtl="0" eaLnBrk="1" fontAlgn="base" latinLnBrk="0" hangingPunct="1">
-                    <a:lnSpc>
-                      <a:spcPct val="100000"/>
-                    </a:lnSpc>
-                    <a:spcBef>
-                      <a:spcPct val="0"/>
-                    </a:spcBef>
-                    <a:spcAft>
-                      <a:spcPct val="0"/>
-                    </a:spcAft>
-                    <a:buClrTx/>
-                    <a:buSzTx/>
-                    <a:buFontTx/>
-                    <a:buNone/>
-                    <a:tabLst/>
-                  </a:pPr>
-                  <a:endParaRPr kumimoji="0" lang="en-GB" sz="1000" b="1" i="0" u="none" strike="noStrike" cap="none" normalizeH="0" baseline="0" smtClean="0">
-                    <a:ln>
-                      <a:noFill/>
-                    </a:ln>
-                    <a:solidFill>
-                      <a:schemeClr val="bg2"/>
-                    </a:solidFill>
-                    <a:effectLst/>
-                    <a:latin typeface="Microsoft Sans Serif" pitchFamily="34" charset="0"/>
-                  </a:endParaRPr>
-                </a:p>
-              </p:txBody>
-            </p:sp>
-            <p:sp>
-              <p:nvSpPr>
-                <p:cNvPr id="212" name="Rounded Rectangle 211"/>
-                <p:cNvSpPr/>
-                <p:nvPr/>
-              </p:nvSpPr>
-              <p:spPr bwMode="auto">
-                <a:xfrm rot="14400000">
-                  <a:off x="5092167" y="1560377"/>
-                  <a:ext cx="37985" cy="342549"/>
-                </a:xfrm>
-                <a:prstGeom prst="roundRect">
-                  <a:avLst/>
-                </a:prstGeom>
-                <a:solidFill>
-                  <a:srgbClr val="FFFFFF"/>
-                </a:solidFill>
-                <a:ln w="19050" cap="flat" cmpd="sng" algn="ctr">
-                  <a:solidFill>
-                    <a:srgbClr val="000000"/>
-                  </a:solidFill>
-                  <a:prstDash val="solid"/>
-                  <a:round/>
-                  <a:headEnd type="none" w="med" len="med"/>
-                  <a:tailEnd type="none" w="med" len="med"/>
-                </a:ln>
-                <a:effectLst/>
-              </p:spPr>
-              <p:txBody>
-                <a:bodyPr vert="horz" wrap="square" lIns="91440" tIns="45720" rIns="91440" bIns="45720" numCol="1" rtlCol="0" anchor="t" anchorCtr="0" compatLnSpc="1">
-                  <a:prstTxWarp prst="textNoShape">
-                    <a:avLst/>
-                  </a:prstTxWarp>
-                </a:bodyPr>
-                <a:lstStyle/>
-                <a:p>
-                  <a:pPr marL="0" marR="0" indent="0" algn="l" defTabSz="914400" rtl="0" eaLnBrk="1" fontAlgn="base" latinLnBrk="0" hangingPunct="1">
-                    <a:lnSpc>
-                      <a:spcPct val="100000"/>
-                    </a:lnSpc>
-                    <a:spcBef>
-                      <a:spcPct val="0"/>
-                    </a:spcBef>
-                    <a:spcAft>
-                      <a:spcPct val="0"/>
-                    </a:spcAft>
-                    <a:buClrTx/>
-                    <a:buSzTx/>
-                    <a:buFontTx/>
-                    <a:buNone/>
-                    <a:tabLst/>
-                  </a:pPr>
-                  <a:endParaRPr kumimoji="0" lang="en-GB" sz="1000" b="1" i="0" u="none" strike="noStrike" cap="none" normalizeH="0" baseline="0" smtClean="0">
-                    <a:ln>
-                      <a:noFill/>
-                    </a:ln>
-                    <a:solidFill>
-                      <a:schemeClr val="bg2"/>
-                    </a:solidFill>
-                    <a:effectLst/>
-                    <a:latin typeface="Microsoft Sans Serif" pitchFamily="34" charset="0"/>
-                  </a:endParaRPr>
-                </a:p>
-              </p:txBody>
-            </p:sp>
-            <p:sp>
-              <p:nvSpPr>
-                <p:cNvPr id="213" name="Rounded Rectangle 212"/>
-                <p:cNvSpPr/>
-                <p:nvPr/>
-              </p:nvSpPr>
-              <p:spPr bwMode="auto">
-                <a:xfrm rot="12600000">
-                  <a:off x="5090525" y="1567387"/>
-                  <a:ext cx="39389" cy="330343"/>
-                </a:xfrm>
-                <a:prstGeom prst="roundRect">
-                  <a:avLst/>
-                </a:prstGeom>
-                <a:solidFill>
-                  <a:srgbClr val="FFFFFF"/>
-                </a:solidFill>
-                <a:ln w="19050" cap="flat" cmpd="sng" algn="ctr">
-                  <a:solidFill>
-                    <a:srgbClr val="000000"/>
-                  </a:solidFill>
-                  <a:prstDash val="solid"/>
-                  <a:round/>
-                  <a:headEnd type="none" w="med" len="med"/>
-                  <a:tailEnd type="none" w="med" len="med"/>
-                </a:ln>
-                <a:effectLst/>
-              </p:spPr>
-              <p:txBody>
-                <a:bodyPr vert="horz" wrap="square" lIns="91440" tIns="45720" rIns="91440" bIns="45720" numCol="1" rtlCol="0" anchor="t" anchorCtr="0" compatLnSpc="1">
-                  <a:prstTxWarp prst="textNoShape">
-                    <a:avLst/>
-                  </a:prstTxWarp>
-                </a:bodyPr>
-                <a:lstStyle/>
-                <a:p>
-                  <a:pPr marL="0" marR="0" indent="0" algn="l" defTabSz="914400" rtl="0" eaLnBrk="1" fontAlgn="base" latinLnBrk="0" hangingPunct="1">
-                    <a:lnSpc>
-                      <a:spcPct val="100000"/>
-                    </a:lnSpc>
-                    <a:spcBef>
-                      <a:spcPct val="0"/>
-                    </a:spcBef>
-                    <a:spcAft>
-                      <a:spcPct val="0"/>
-                    </a:spcAft>
-                    <a:buClrTx/>
-                    <a:buSzTx/>
-                    <a:buFontTx/>
-                    <a:buNone/>
-                    <a:tabLst/>
-                  </a:pPr>
-                  <a:endParaRPr kumimoji="0" lang="en-GB" sz="1000" b="1" i="0" u="none" strike="noStrike" cap="none" normalizeH="0" baseline="0" smtClean="0">
-                    <a:ln>
-                      <a:noFill/>
-                    </a:ln>
-                    <a:solidFill>
-                      <a:schemeClr val="bg2"/>
-                    </a:solidFill>
-                    <a:effectLst/>
-                    <a:latin typeface="Microsoft Sans Serif" pitchFamily="34" charset="0"/>
-                  </a:endParaRPr>
-                </a:p>
-              </p:txBody>
-            </p:sp>
-            <p:sp>
-              <p:nvSpPr>
-                <p:cNvPr id="214" name="Oval 213"/>
-                <p:cNvSpPr/>
-                <p:nvPr/>
-              </p:nvSpPr>
-              <p:spPr bwMode="auto">
-                <a:xfrm>
-                  <a:off x="4970614" y="1594375"/>
-                  <a:ext cx="287397" cy="276997"/>
-                </a:xfrm>
-                <a:prstGeom prst="ellipse">
-                  <a:avLst/>
-                </a:prstGeom>
-                <a:solidFill>
-                  <a:schemeClr val="bg1"/>
-                </a:solidFill>
-                <a:ln w="19050" cap="flat" cmpd="sng" algn="ctr">
-                  <a:solidFill>
-                    <a:srgbClr val="000000"/>
-                  </a:solidFill>
-                  <a:prstDash val="solid"/>
-                  <a:round/>
-                  <a:headEnd type="none" w="med" len="med"/>
-                  <a:tailEnd type="none" w="med" len="med"/>
-                </a:ln>
-                <a:effectLst/>
-              </p:spPr>
-              <p:txBody>
-                <a:bodyPr vert="horz" wrap="square" lIns="91440" tIns="45720" rIns="91440" bIns="45720" numCol="1" rtlCol="0" anchor="t" anchorCtr="0" compatLnSpc="1">
-                  <a:prstTxWarp prst="textNoShape">
-                    <a:avLst/>
-                  </a:prstTxWarp>
-                </a:bodyPr>
-                <a:lstStyle/>
-                <a:p>
-                  <a:pPr marL="0" marR="0" indent="0" algn="l" defTabSz="914400" rtl="0" eaLnBrk="1" fontAlgn="base" latinLnBrk="0" hangingPunct="1">
-                    <a:lnSpc>
-                      <a:spcPct val="100000"/>
-                    </a:lnSpc>
-                    <a:spcBef>
-                      <a:spcPct val="0"/>
-                    </a:spcBef>
-                    <a:spcAft>
-                      <a:spcPct val="0"/>
-                    </a:spcAft>
-                    <a:buClrTx/>
-                    <a:buSzTx/>
-                    <a:buFontTx/>
-                    <a:buNone/>
-                    <a:tabLst/>
-                  </a:pPr>
-                  <a:endParaRPr kumimoji="0" lang="en-GB" sz="1000" b="1" i="0" u="none" strike="noStrike" cap="none" normalizeH="0" baseline="0" smtClean="0">
-                    <a:ln>
-                      <a:noFill/>
-                    </a:ln>
-                    <a:solidFill>
-                      <a:schemeClr val="bg2"/>
-                    </a:solidFill>
-                    <a:effectLst/>
-                    <a:latin typeface="Microsoft Sans Serif" pitchFamily="34" charset="0"/>
-                  </a:endParaRPr>
-                </a:p>
-              </p:txBody>
-            </p:sp>
-            <p:sp>
-              <p:nvSpPr>
-                <p:cNvPr id="215" name="Oval 214"/>
-                <p:cNvSpPr/>
-                <p:nvPr/>
-              </p:nvSpPr>
-              <p:spPr bwMode="auto">
-                <a:xfrm>
-                  <a:off x="5012186" y="1634693"/>
-                  <a:ext cx="205507" cy="198184"/>
-                </a:xfrm>
-                <a:prstGeom prst="ellipse">
-                  <a:avLst/>
-                </a:prstGeom>
-                <a:solidFill>
-                  <a:srgbClr val="10253F"/>
-                </a:solidFill>
-                <a:ln w="19050" cap="flat" cmpd="sng" algn="ctr">
-                  <a:solidFill>
-                    <a:srgbClr val="000000"/>
-                  </a:solidFill>
-                  <a:prstDash val="solid"/>
-                  <a:round/>
-                  <a:headEnd type="none" w="med" len="med"/>
-                  <a:tailEnd type="none" w="med" len="med"/>
-                </a:ln>
-                <a:effectLst/>
-              </p:spPr>
-              <p:txBody>
-                <a:bodyPr vert="horz" wrap="square" lIns="91440" tIns="45720" rIns="91440" bIns="45720" numCol="1" rtlCol="0" anchor="t" anchorCtr="0" compatLnSpc="1">
-                  <a:prstTxWarp prst="textNoShape">
-                    <a:avLst/>
-                  </a:prstTxWarp>
-                </a:bodyPr>
-                <a:lstStyle/>
-                <a:p>
-                  <a:pPr marL="0" marR="0" indent="0" algn="l" defTabSz="914400" rtl="0" eaLnBrk="1" fontAlgn="base" latinLnBrk="0" hangingPunct="1">
-                    <a:lnSpc>
-                      <a:spcPct val="100000"/>
-                    </a:lnSpc>
-                    <a:spcBef>
-                      <a:spcPct val="0"/>
-                    </a:spcBef>
-                    <a:spcAft>
-                      <a:spcPct val="0"/>
-                    </a:spcAft>
-                    <a:buClrTx/>
-                    <a:buSzTx/>
-                    <a:buFontTx/>
-                    <a:buNone/>
-                    <a:tabLst/>
-                  </a:pPr>
-                  <a:endParaRPr kumimoji="0" lang="en-GB" sz="1000" b="1" i="0" u="none" strike="noStrike" cap="none" normalizeH="0" baseline="0" smtClean="0">
-                    <a:ln>
-                      <a:noFill/>
-                    </a:ln>
-                    <a:solidFill>
-                      <a:schemeClr val="bg2"/>
-                    </a:solidFill>
-                    <a:effectLst/>
-                    <a:latin typeface="Microsoft Sans Serif" pitchFamily="34" charset="0"/>
-                  </a:endParaRPr>
-                </a:p>
-              </p:txBody>
-            </p:sp>
-          </p:grpSp>
-          <p:grpSp>
-            <p:nvGrpSpPr>
-              <p:cNvPr id="199" name="Group 198"/>
-              <p:cNvGrpSpPr/>
-              <p:nvPr/>
-            </p:nvGrpSpPr>
-            <p:grpSpPr>
-              <a:xfrm>
-                <a:off x="5445224" y="1518725"/>
-                <a:ext cx="345115" cy="331581"/>
-                <a:chOff x="5445224" y="1525075"/>
-                <a:chExt cx="345115" cy="331581"/>
-              </a:xfrm>
-            </p:grpSpPr>
-            <p:sp>
-              <p:nvSpPr>
-                <p:cNvPr id="200" name="Rounded Rectangle 199"/>
-                <p:cNvSpPr/>
-                <p:nvPr/>
-              </p:nvSpPr>
-              <p:spPr bwMode="auto">
-                <a:xfrm>
-                  <a:off x="5600654" y="1526313"/>
-                  <a:ext cx="39389" cy="330343"/>
-                </a:xfrm>
-                <a:prstGeom prst="roundRect">
-                  <a:avLst/>
-                </a:prstGeom>
-                <a:solidFill>
-                  <a:srgbClr val="FFFFFF"/>
-                </a:solidFill>
-                <a:ln w="19050" cap="flat" cmpd="sng" algn="ctr">
-                  <a:solidFill>
-                    <a:srgbClr val="000000"/>
-                  </a:solidFill>
-                  <a:prstDash val="solid"/>
-                  <a:round/>
-                  <a:headEnd type="none" w="med" len="med"/>
-                  <a:tailEnd type="none" w="med" len="med"/>
-                </a:ln>
-                <a:effectLst/>
-              </p:spPr>
-              <p:txBody>
-                <a:bodyPr vert="horz" wrap="square" lIns="91440" tIns="45720" rIns="91440" bIns="45720" numCol="1" rtlCol="0" anchor="t" anchorCtr="0" compatLnSpc="1">
-                  <a:prstTxWarp prst="textNoShape">
-                    <a:avLst/>
-                  </a:prstTxWarp>
-                </a:bodyPr>
-                <a:lstStyle/>
-                <a:p>
-                  <a:pPr marL="0" marR="0" indent="0" algn="l" defTabSz="914400" rtl="0" eaLnBrk="1" fontAlgn="base" latinLnBrk="0" hangingPunct="1">
-                    <a:lnSpc>
-                      <a:spcPct val="100000"/>
-                    </a:lnSpc>
-                    <a:spcBef>
-                      <a:spcPct val="0"/>
-                    </a:spcBef>
-                    <a:spcAft>
-                      <a:spcPct val="0"/>
-                    </a:spcAft>
-                    <a:buClrTx/>
-                    <a:buSzTx/>
-                    <a:buFontTx/>
-                    <a:buNone/>
-                    <a:tabLst/>
-                  </a:pPr>
-                  <a:endParaRPr kumimoji="0" lang="en-GB" sz="1000" b="1" i="0" u="none" strike="noStrike" cap="none" normalizeH="0" baseline="0" smtClean="0">
-                    <a:ln>
-                      <a:noFill/>
-                    </a:ln>
-                    <a:solidFill>
-                      <a:schemeClr val="bg2"/>
-                    </a:solidFill>
-                    <a:effectLst/>
-                    <a:latin typeface="Microsoft Sans Serif" pitchFamily="34" charset="0"/>
-                  </a:endParaRPr>
-                </a:p>
-              </p:txBody>
-            </p:sp>
-            <p:sp>
-              <p:nvSpPr>
-                <p:cNvPr id="201" name="Rounded Rectangle 200"/>
-                <p:cNvSpPr/>
-                <p:nvPr/>
-              </p:nvSpPr>
-              <p:spPr bwMode="auto">
-                <a:xfrm rot="16200000">
-                  <a:off x="5598789" y="1517734"/>
-                  <a:ext cx="37985" cy="342549"/>
-                </a:xfrm>
-                <a:prstGeom prst="roundRect">
-                  <a:avLst/>
-                </a:prstGeom>
-                <a:solidFill>
-                  <a:srgbClr val="FFFFFF"/>
-                </a:solidFill>
-                <a:ln w="19050" cap="flat" cmpd="sng" algn="ctr">
-                  <a:solidFill>
-                    <a:srgbClr val="000000"/>
-                  </a:solidFill>
-                  <a:prstDash val="solid"/>
-                  <a:round/>
-                  <a:headEnd type="none" w="med" len="med"/>
-                  <a:tailEnd type="none" w="med" len="med"/>
-                </a:ln>
-                <a:effectLst/>
-              </p:spPr>
-              <p:txBody>
-                <a:bodyPr vert="horz" wrap="square" lIns="91440" tIns="45720" rIns="91440" bIns="45720" numCol="1" rtlCol="0" anchor="t" anchorCtr="0" compatLnSpc="1">
-                  <a:prstTxWarp prst="textNoShape">
-                    <a:avLst/>
-                  </a:prstTxWarp>
-                </a:bodyPr>
-                <a:lstStyle/>
-                <a:p>
-                  <a:pPr marL="0" marR="0" indent="0" algn="l" defTabSz="914400" rtl="0" eaLnBrk="1" fontAlgn="base" latinLnBrk="0" hangingPunct="1">
-                    <a:lnSpc>
-                      <a:spcPct val="100000"/>
-                    </a:lnSpc>
-                    <a:spcBef>
-                      <a:spcPct val="0"/>
-                    </a:spcBef>
-                    <a:spcAft>
-                      <a:spcPct val="0"/>
-                    </a:spcAft>
-                    <a:buClrTx/>
-                    <a:buSzTx/>
-                    <a:buFontTx/>
-                    <a:buNone/>
-                    <a:tabLst/>
-                  </a:pPr>
-                  <a:endParaRPr kumimoji="0" lang="en-GB" sz="1000" b="1" i="0" u="none" strike="noStrike" cap="none" normalizeH="0" baseline="0" smtClean="0">
-                    <a:ln>
-                      <a:noFill/>
-                    </a:ln>
-                    <a:solidFill>
-                      <a:schemeClr val="bg2"/>
-                    </a:solidFill>
-                    <a:effectLst/>
-                    <a:latin typeface="Microsoft Sans Serif" pitchFamily="34" charset="0"/>
-                  </a:endParaRPr>
-                </a:p>
-              </p:txBody>
-            </p:sp>
-            <p:sp>
-              <p:nvSpPr>
-                <p:cNvPr id="202" name="Rounded Rectangle 201"/>
-                <p:cNvSpPr/>
-                <p:nvPr/>
-              </p:nvSpPr>
-              <p:spPr bwMode="auto">
-                <a:xfrm rot="18000000">
-                  <a:off x="5600072" y="1518065"/>
-                  <a:ext cx="37985" cy="342549"/>
-                </a:xfrm>
-                <a:prstGeom prst="roundRect">
-                  <a:avLst/>
-                </a:prstGeom>
-                <a:solidFill>
-                  <a:srgbClr val="FFFFFF"/>
-                </a:solidFill>
-                <a:ln w="19050" cap="flat" cmpd="sng" algn="ctr">
-                  <a:solidFill>
-                    <a:srgbClr val="000000"/>
-                  </a:solidFill>
-                  <a:prstDash val="solid"/>
-                  <a:round/>
-                  <a:headEnd type="none" w="med" len="med"/>
-                  <a:tailEnd type="none" w="med" len="med"/>
-                </a:ln>
-                <a:effectLst/>
-              </p:spPr>
-              <p:txBody>
-                <a:bodyPr vert="horz" wrap="square" lIns="91440" tIns="45720" rIns="91440" bIns="45720" numCol="1" rtlCol="0" anchor="t" anchorCtr="0" compatLnSpc="1">
-                  <a:prstTxWarp prst="textNoShape">
-                    <a:avLst/>
-                  </a:prstTxWarp>
-                </a:bodyPr>
-                <a:lstStyle/>
-                <a:p>
-                  <a:pPr marL="0" marR="0" indent="0" algn="l" defTabSz="914400" rtl="0" eaLnBrk="1" fontAlgn="base" latinLnBrk="0" hangingPunct="1">
-                    <a:lnSpc>
-                      <a:spcPct val="100000"/>
-                    </a:lnSpc>
-                    <a:spcBef>
-                      <a:spcPct val="0"/>
-                    </a:spcBef>
-                    <a:spcAft>
-                      <a:spcPct val="0"/>
-                    </a:spcAft>
-                    <a:buClrTx/>
-                    <a:buSzTx/>
-                    <a:buFontTx/>
-                    <a:buNone/>
-                    <a:tabLst/>
-                  </a:pPr>
-                  <a:endParaRPr kumimoji="0" lang="en-GB" sz="1000" b="1" i="0" u="none" strike="noStrike" cap="none" normalizeH="0" baseline="0" smtClean="0">
-                    <a:ln>
-                      <a:noFill/>
-                    </a:ln>
-                    <a:solidFill>
-                      <a:schemeClr val="bg2"/>
-                    </a:solidFill>
-                    <a:effectLst/>
-                    <a:latin typeface="Microsoft Sans Serif" pitchFamily="34" charset="0"/>
-                  </a:endParaRPr>
-                </a:p>
-              </p:txBody>
-            </p:sp>
-            <p:sp>
-              <p:nvSpPr>
-                <p:cNvPr id="203" name="Rounded Rectangle 202"/>
-                <p:cNvSpPr/>
-                <p:nvPr/>
-              </p:nvSpPr>
-              <p:spPr bwMode="auto">
-                <a:xfrm rot="19800000">
-                  <a:off x="5600311" y="1525075"/>
-                  <a:ext cx="39389" cy="330343"/>
-                </a:xfrm>
-                <a:prstGeom prst="roundRect">
-                  <a:avLst/>
-                </a:prstGeom>
-                <a:solidFill>
-                  <a:srgbClr val="FFFFFF"/>
-                </a:solidFill>
-                <a:ln w="19050" cap="flat" cmpd="sng" algn="ctr">
-                  <a:solidFill>
-                    <a:srgbClr val="000000"/>
-                  </a:solidFill>
-                  <a:prstDash val="solid"/>
-                  <a:round/>
-                  <a:headEnd type="none" w="med" len="med"/>
-                  <a:tailEnd type="none" w="med" len="med"/>
-                </a:ln>
-                <a:effectLst/>
-              </p:spPr>
-              <p:txBody>
-                <a:bodyPr vert="horz" wrap="square" lIns="91440" tIns="45720" rIns="91440" bIns="45720" numCol="1" rtlCol="0" anchor="t" anchorCtr="0" compatLnSpc="1">
-                  <a:prstTxWarp prst="textNoShape">
-                    <a:avLst/>
-                  </a:prstTxWarp>
-                </a:bodyPr>
-                <a:lstStyle/>
-                <a:p>
-                  <a:pPr marL="0" marR="0" indent="0" algn="l" defTabSz="914400" rtl="0" eaLnBrk="1" fontAlgn="base" latinLnBrk="0" hangingPunct="1">
-                    <a:lnSpc>
-                      <a:spcPct val="100000"/>
-                    </a:lnSpc>
-                    <a:spcBef>
-                      <a:spcPct val="0"/>
-                    </a:spcBef>
-                    <a:spcAft>
-                      <a:spcPct val="0"/>
-                    </a:spcAft>
-                    <a:buClrTx/>
-                    <a:buSzTx/>
-                    <a:buFontTx/>
-                    <a:buNone/>
-                    <a:tabLst/>
-                  </a:pPr>
-                  <a:endParaRPr kumimoji="0" lang="en-GB" sz="1000" b="1" i="0" u="none" strike="noStrike" cap="none" normalizeH="0" baseline="0" smtClean="0">
-                    <a:ln>
-                      <a:noFill/>
-                    </a:ln>
-                    <a:solidFill>
-                      <a:schemeClr val="bg2"/>
-                    </a:solidFill>
-                    <a:effectLst/>
-                    <a:latin typeface="Microsoft Sans Serif" pitchFamily="34" charset="0"/>
-                  </a:endParaRPr>
-                </a:p>
-              </p:txBody>
-            </p:sp>
-            <p:sp>
-              <p:nvSpPr>
-                <p:cNvPr id="204" name="Rounded Rectangle 203"/>
-                <p:cNvSpPr/>
-                <p:nvPr/>
-              </p:nvSpPr>
-              <p:spPr bwMode="auto">
-                <a:xfrm rot="14400000">
-                  <a:off x="5597506" y="1518065"/>
-                  <a:ext cx="37985" cy="342549"/>
-                </a:xfrm>
-                <a:prstGeom prst="roundRect">
-                  <a:avLst/>
-                </a:prstGeom>
-                <a:solidFill>
-                  <a:srgbClr val="FFFFFF"/>
-                </a:solidFill>
-                <a:ln w="19050" cap="flat" cmpd="sng" algn="ctr">
-                  <a:solidFill>
-                    <a:srgbClr val="000000"/>
-                  </a:solidFill>
-                  <a:prstDash val="solid"/>
-                  <a:round/>
-                  <a:headEnd type="none" w="med" len="med"/>
-                  <a:tailEnd type="none" w="med" len="med"/>
-                </a:ln>
-                <a:effectLst/>
-              </p:spPr>
-              <p:txBody>
-                <a:bodyPr vert="horz" wrap="square" lIns="91440" tIns="45720" rIns="91440" bIns="45720" numCol="1" rtlCol="0" anchor="t" anchorCtr="0" compatLnSpc="1">
-                  <a:prstTxWarp prst="textNoShape">
-                    <a:avLst/>
-                  </a:prstTxWarp>
-                </a:bodyPr>
-                <a:lstStyle/>
-                <a:p>
-                  <a:pPr marL="0" marR="0" indent="0" algn="l" defTabSz="914400" rtl="0" eaLnBrk="1" fontAlgn="base" latinLnBrk="0" hangingPunct="1">
-                    <a:lnSpc>
-                      <a:spcPct val="100000"/>
-                    </a:lnSpc>
-                    <a:spcBef>
-                      <a:spcPct val="0"/>
-                    </a:spcBef>
-                    <a:spcAft>
-                      <a:spcPct val="0"/>
-                    </a:spcAft>
-                    <a:buClrTx/>
-                    <a:buSzTx/>
-                    <a:buFontTx/>
-                    <a:buNone/>
-                    <a:tabLst/>
-                  </a:pPr>
-                  <a:endParaRPr kumimoji="0" lang="en-GB" sz="1000" b="1" i="0" u="none" strike="noStrike" cap="none" normalizeH="0" baseline="0" smtClean="0">
-                    <a:ln>
-                      <a:noFill/>
-                    </a:ln>
-                    <a:solidFill>
-                      <a:schemeClr val="bg2"/>
-                    </a:solidFill>
-                    <a:effectLst/>
-                    <a:latin typeface="Microsoft Sans Serif" pitchFamily="34" charset="0"/>
-                  </a:endParaRPr>
-                </a:p>
-              </p:txBody>
-            </p:sp>
-            <p:sp>
-              <p:nvSpPr>
-                <p:cNvPr id="205" name="Rounded Rectangle 204"/>
-                <p:cNvSpPr/>
-                <p:nvPr/>
-              </p:nvSpPr>
-              <p:spPr bwMode="auto">
-                <a:xfrm rot="12600000">
-                  <a:off x="5595864" y="1525075"/>
-                  <a:ext cx="39389" cy="330343"/>
-                </a:xfrm>
-                <a:prstGeom prst="roundRect">
-                  <a:avLst/>
-                </a:prstGeom>
-                <a:solidFill>
-                  <a:srgbClr val="FFFFFF"/>
-                </a:solidFill>
-                <a:ln w="19050" cap="flat" cmpd="sng" algn="ctr">
-                  <a:solidFill>
-                    <a:srgbClr val="000000"/>
-                  </a:solidFill>
-                  <a:prstDash val="solid"/>
-                  <a:round/>
-                  <a:headEnd type="none" w="med" len="med"/>
-                  <a:tailEnd type="none" w="med" len="med"/>
-                </a:ln>
-                <a:effectLst/>
-              </p:spPr>
-              <p:txBody>
-                <a:bodyPr vert="horz" wrap="square" lIns="91440" tIns="45720" rIns="91440" bIns="45720" numCol="1" rtlCol="0" anchor="t" anchorCtr="0" compatLnSpc="1">
-                  <a:prstTxWarp prst="textNoShape">
-                    <a:avLst/>
-                  </a:prstTxWarp>
-                </a:bodyPr>
-                <a:lstStyle/>
-                <a:p>
-                  <a:pPr marL="0" marR="0" indent="0" algn="l" defTabSz="914400" rtl="0" eaLnBrk="1" fontAlgn="base" latinLnBrk="0" hangingPunct="1">
-                    <a:lnSpc>
-                      <a:spcPct val="100000"/>
-                    </a:lnSpc>
-                    <a:spcBef>
-                      <a:spcPct val="0"/>
-                    </a:spcBef>
-                    <a:spcAft>
-                      <a:spcPct val="0"/>
-                    </a:spcAft>
-                    <a:buClrTx/>
-                    <a:buSzTx/>
-                    <a:buFontTx/>
-                    <a:buNone/>
-                    <a:tabLst/>
-                  </a:pPr>
-                  <a:endParaRPr kumimoji="0" lang="en-GB" sz="1000" b="1" i="0" u="none" strike="noStrike" cap="none" normalizeH="0" baseline="0" smtClean="0">
-                    <a:ln>
-                      <a:noFill/>
-                    </a:ln>
-                    <a:solidFill>
-                      <a:schemeClr val="bg2"/>
-                    </a:solidFill>
-                    <a:effectLst/>
-                    <a:latin typeface="Microsoft Sans Serif" pitchFamily="34" charset="0"/>
-                  </a:endParaRPr>
-                </a:p>
-              </p:txBody>
-            </p:sp>
-            <p:sp>
-              <p:nvSpPr>
-                <p:cNvPr id="206" name="Oval 205"/>
-                <p:cNvSpPr/>
-                <p:nvPr/>
-              </p:nvSpPr>
-              <p:spPr bwMode="auto">
-                <a:xfrm>
-                  <a:off x="5477066" y="1548187"/>
-                  <a:ext cx="287397" cy="276997"/>
-                </a:xfrm>
-                <a:prstGeom prst="ellipse">
-                  <a:avLst/>
-                </a:prstGeom>
-                <a:solidFill>
-                  <a:srgbClr val="FFFFFF"/>
-                </a:solidFill>
-                <a:ln w="19050" cap="flat" cmpd="sng" algn="ctr">
-                  <a:solidFill>
-                    <a:srgbClr val="000000"/>
-                  </a:solidFill>
-                  <a:prstDash val="solid"/>
-                  <a:round/>
-                  <a:headEnd type="none" w="med" len="med"/>
-                  <a:tailEnd type="none" w="med" len="med"/>
-                </a:ln>
-                <a:effectLst/>
-              </p:spPr>
-              <p:txBody>
-                <a:bodyPr vert="horz" wrap="square" lIns="91440" tIns="45720" rIns="91440" bIns="45720" numCol="1" rtlCol="0" anchor="t" anchorCtr="0" compatLnSpc="1">
-                  <a:prstTxWarp prst="textNoShape">
-                    <a:avLst/>
-                  </a:prstTxWarp>
-                </a:bodyPr>
-                <a:lstStyle/>
-                <a:p>
-                  <a:pPr marL="0" marR="0" indent="0" algn="l" defTabSz="914400" rtl="0" eaLnBrk="1" fontAlgn="base" latinLnBrk="0" hangingPunct="1">
-                    <a:lnSpc>
-                      <a:spcPct val="100000"/>
-                    </a:lnSpc>
-                    <a:spcBef>
-                      <a:spcPct val="0"/>
-                    </a:spcBef>
-                    <a:spcAft>
-                      <a:spcPct val="0"/>
-                    </a:spcAft>
-                    <a:buClrTx/>
-                    <a:buSzTx/>
-                    <a:buFontTx/>
-                    <a:buNone/>
-                    <a:tabLst/>
-                  </a:pPr>
-                  <a:endParaRPr kumimoji="0" lang="en-GB" sz="1000" b="1" i="0" u="none" strike="noStrike" cap="none" normalizeH="0" baseline="0" smtClean="0">
-                    <a:ln>
-                      <a:noFill/>
-                    </a:ln>
-                    <a:solidFill>
-                      <a:schemeClr val="bg2"/>
-                    </a:solidFill>
-                    <a:effectLst/>
-                    <a:latin typeface="Microsoft Sans Serif" pitchFamily="34" charset="0"/>
-                  </a:endParaRPr>
-                </a:p>
-              </p:txBody>
-            </p:sp>
-            <p:sp>
-              <p:nvSpPr>
-                <p:cNvPr id="207" name="Oval 206"/>
-                <p:cNvSpPr/>
-                <p:nvPr/>
-              </p:nvSpPr>
-              <p:spPr bwMode="auto">
-                <a:xfrm>
-                  <a:off x="5517524" y="1588921"/>
-                  <a:ext cx="205507" cy="198184"/>
-                </a:xfrm>
-                <a:prstGeom prst="ellipse">
-                  <a:avLst/>
-                </a:prstGeom>
-                <a:solidFill>
-                  <a:srgbClr val="008000"/>
-                </a:solidFill>
-                <a:ln w="19050" cap="flat" cmpd="sng" algn="ctr">
-                  <a:solidFill>
-                    <a:srgbClr val="000000"/>
-                  </a:solidFill>
-                  <a:prstDash val="solid"/>
-                  <a:round/>
-                  <a:headEnd type="none" w="med" len="med"/>
-                  <a:tailEnd type="none" w="med" len="med"/>
-                </a:ln>
-                <a:effectLst/>
-              </p:spPr>
-              <p:txBody>
-                <a:bodyPr vert="horz" wrap="square" lIns="91440" tIns="45720" rIns="91440" bIns="45720" numCol="1" rtlCol="0" anchor="t" anchorCtr="0" compatLnSpc="1">
-                  <a:prstTxWarp prst="textNoShape">
-                    <a:avLst/>
-                  </a:prstTxWarp>
-                </a:bodyPr>
-                <a:lstStyle/>
-                <a:p>
-                  <a:pPr marL="0" marR="0" indent="0" algn="l" defTabSz="914400" rtl="0" eaLnBrk="1" fontAlgn="base" latinLnBrk="0" hangingPunct="1">
-                    <a:lnSpc>
-                      <a:spcPct val="100000"/>
-                    </a:lnSpc>
-                    <a:spcBef>
-                      <a:spcPct val="0"/>
-                    </a:spcBef>
-                    <a:spcAft>
-                      <a:spcPct val="0"/>
-                    </a:spcAft>
-                    <a:buClrTx/>
-                    <a:buSzTx/>
-                    <a:buFontTx/>
-                    <a:buNone/>
-                    <a:tabLst/>
-                  </a:pPr>
-                  <a:endParaRPr kumimoji="0" lang="en-GB" sz="1000" b="1" i="0" u="none" strike="noStrike" cap="none" normalizeH="0" baseline="0" smtClean="0">
-                    <a:ln>
-                      <a:noFill/>
-                    </a:ln>
-                    <a:solidFill>
-                      <a:schemeClr val="bg2"/>
-                    </a:solidFill>
-                    <a:effectLst/>
-                    <a:latin typeface="Microsoft Sans Serif" pitchFamily="34" charset="0"/>
-                  </a:endParaRPr>
-                </a:p>
-              </p:txBody>
-            </p:sp>
-          </p:grpSp>
+                  <a:effectLst/>
+                </a:endParaRPr>
+              </a:p>
+            </p:txBody>
+          </p:sp>
         </p:grpSp>
-        <p:sp>
-          <p:nvSpPr>
-            <p:cNvPr id="196" name="Donut 195"/>
-            <p:cNvSpPr/>
-            <p:nvPr/>
-          </p:nvSpPr>
-          <p:spPr bwMode="auto">
-            <a:xfrm>
-              <a:off x="25294565" y="515488"/>
-              <a:ext cx="4648907" cy="4658080"/>
-            </a:xfrm>
-            <a:prstGeom prst="donut">
-              <a:avLst>
-                <a:gd name="adj" fmla="val 6622"/>
-              </a:avLst>
-            </a:prstGeom>
-            <a:solidFill>
-              <a:schemeClr val="bg1">
-                <a:lumMod val="95000"/>
-              </a:schemeClr>
-            </a:solidFill>
-            <a:ln w="19050" cap="flat" cmpd="sng" algn="ctr">
+      </p:grpSp>
+      <p:sp>
+        <p:nvSpPr>
+          <p:cNvPr id="227" name="Rechteck 1"/>
+          <p:cNvSpPr/>
+          <p:nvPr/>
+        </p:nvSpPr>
+        <p:spPr bwMode="auto">
+          <a:xfrm>
+            <a:off x="4001446" y="4175282"/>
+            <a:ext cx="4840997" cy="1400175"/>
+          </a:xfrm>
+          <a:prstGeom prst="rect">
+            <a:avLst/>
+          </a:prstGeom>
+          <a:solidFill>
+            <a:srgbClr val="BFBFBF"/>
+          </a:solidFill>
+          <a:ln w="9525" cap="flat" cmpd="sng" algn="ctr">
+            <a:noFill/>
+            <a:prstDash val="solid"/>
+            <a:round/>
+            <a:headEnd type="none" w="med" len="med"/>
+            <a:tailEnd type="none" w="med" len="med"/>
+          </a:ln>
+          <a:effectLst/>
+        </p:spPr>
+        <p:txBody>
+          <a:bodyPr vert="horz" wrap="square" lIns="91440" tIns="45720" rIns="91440" bIns="45720" numCol="1" rtlCol="0" anchor="t" anchorCtr="0" compatLnSpc="1">
+            <a:prstTxWarp prst="textNoShape">
+              <a:avLst/>
+            </a:prstTxWarp>
+          </a:bodyPr>
+          <a:lstStyle/>
+          <a:p>
+            <a:pPr algn="r" defTabSz="914323"/>
+            <a:endParaRPr lang="de-DE" dirty="0" smtClean="0">
               <a:solidFill>
                 <a:schemeClr val="tx1"/>
               </a:solidFill>
-              <a:prstDash val="solid"/>
-              <a:round/>
-              <a:headEnd type="none" w="med" len="med"/>
-              <a:tailEnd type="none" w="med" len="med"/>
-            </a:ln>
-            <a:effectLst/>
-          </p:spPr>
-          <p:txBody>
-            <a:bodyPr vert="horz" wrap="square" lIns="91440" tIns="45720" rIns="91440" bIns="45720" numCol="1" rtlCol="0" anchor="t" anchorCtr="0" compatLnSpc="1">
-              <a:prstTxWarp prst="textNoShape">
-                <a:avLst/>
-              </a:prstTxWarp>
-            </a:bodyPr>
-            <a:lstStyle/>
-            <a:p>
-              <a:pPr marL="0" marR="0" indent="0" algn="l" defTabSz="914400" rtl="0" eaLnBrk="1" fontAlgn="base" latinLnBrk="0" hangingPunct="1">
-                <a:lnSpc>
-                  <a:spcPct val="100000"/>
-                </a:lnSpc>
-                <a:spcBef>
-                  <a:spcPct val="0"/>
-                </a:spcBef>
-                <a:spcAft>
-                  <a:spcPct val="0"/>
-                </a:spcAft>
-                <a:buClrTx/>
-                <a:buSzTx/>
-                <a:buFontTx/>
-                <a:buNone/>
-                <a:tabLst/>
-              </a:pPr>
-              <a:endParaRPr kumimoji="0" lang="en-GB" sz="1000" b="1" i="0" u="none" strike="noStrike" cap="none" normalizeH="0" baseline="0" smtClean="0">
+              <a:cs typeface="Arial"/>
+            </a:endParaRPr>
+          </a:p>
+        </p:txBody>
+      </p:sp>
+      <p:sp>
+        <p:nvSpPr>
+          <p:cNvPr id="228" name="Rechteck 13"/>
+          <p:cNvSpPr/>
+          <p:nvPr/>
+        </p:nvSpPr>
+        <p:spPr bwMode="auto">
+          <a:xfrm>
+            <a:off x="241369" y="4060982"/>
+            <a:ext cx="5191125" cy="1214438"/>
+          </a:xfrm>
+          <a:prstGeom prst="rect">
+            <a:avLst/>
+          </a:prstGeom>
+          <a:solidFill>
+            <a:srgbClr val="BFBFBF"/>
+          </a:solidFill>
+          <a:ln w="9525" cap="flat" cmpd="sng" algn="ctr">
+            <a:noFill/>
+            <a:prstDash val="solid"/>
+            <a:round/>
+            <a:headEnd type="none" w="med" len="med"/>
+            <a:tailEnd type="none" w="med" len="med"/>
+          </a:ln>
+          <a:effectLst/>
+        </p:spPr>
+        <p:txBody>
+          <a:bodyPr vert="horz" wrap="square" lIns="91440" tIns="45720" rIns="91440" bIns="45720" numCol="1" rtlCol="0" anchor="t" anchorCtr="0" compatLnSpc="1">
+            <a:prstTxWarp prst="textNoShape">
+              <a:avLst/>
+            </a:prstTxWarp>
+          </a:bodyPr>
+          <a:lstStyle/>
+          <a:p>
+            <a:pPr defTabSz="914323"/>
+            <a:endParaRPr lang="de-DE" dirty="0">
+              <a:solidFill>
+                <a:schemeClr val="tx1"/>
+              </a:solidFill>
+              <a:cs typeface="Arial"/>
+            </a:endParaRPr>
+          </a:p>
+        </p:txBody>
+      </p:sp>
+      <p:sp>
+        <p:nvSpPr>
+          <p:cNvPr id="229" name="Rechteck 16"/>
+          <p:cNvSpPr/>
+          <p:nvPr/>
+        </p:nvSpPr>
+        <p:spPr bwMode="auto">
+          <a:xfrm>
+            <a:off x="717618" y="5036753"/>
+            <a:ext cx="7542795" cy="1167354"/>
+          </a:xfrm>
+          <a:prstGeom prst="rect">
+            <a:avLst/>
+          </a:prstGeom>
+          <a:solidFill>
+            <a:srgbClr val="BFBFBF"/>
+          </a:solidFill>
+          <a:ln w="9525" cap="flat" cmpd="sng" algn="ctr">
+            <a:noFill/>
+            <a:prstDash val="solid"/>
+            <a:round/>
+            <a:headEnd type="none" w="med" len="med"/>
+            <a:tailEnd type="none" w="med" len="med"/>
+          </a:ln>
+          <a:effectLst/>
+        </p:spPr>
+        <p:txBody>
+          <a:bodyPr vert="horz" wrap="square" lIns="91440" tIns="45720" rIns="91440" bIns="45720" numCol="1" rtlCol="0" anchor="b" anchorCtr="0" compatLnSpc="1">
+            <a:prstTxWarp prst="textNoShape">
+              <a:avLst/>
+            </a:prstTxWarp>
+          </a:bodyPr>
+          <a:lstStyle/>
+          <a:p>
+            <a:pPr algn="ctr"/>
+            <a:endParaRPr lang="de-DE" dirty="0" smtClean="0">
+              <a:solidFill>
+                <a:schemeClr val="tx1"/>
+              </a:solidFill>
+              <a:cs typeface="Arial"/>
+            </a:endParaRPr>
+          </a:p>
+        </p:txBody>
+      </p:sp>
+      <p:sp>
+        <p:nvSpPr>
+          <p:cNvPr id="230" name="Rechteck 1"/>
+          <p:cNvSpPr/>
+          <p:nvPr/>
+        </p:nvSpPr>
+        <p:spPr bwMode="auto">
+          <a:xfrm>
+            <a:off x="3615897" y="4249844"/>
+            <a:ext cx="5135108" cy="1188132"/>
+          </a:xfrm>
+          <a:prstGeom prst="rect">
+            <a:avLst/>
+          </a:prstGeom>
+          <a:solidFill>
+            <a:srgbClr val="660066"/>
+          </a:solidFill>
+          <a:ln w="9525" cap="flat" cmpd="sng" algn="ctr">
+            <a:noFill/>
+            <a:prstDash val="solid"/>
+            <a:round/>
+            <a:headEnd type="none" w="med" len="med"/>
+            <a:tailEnd type="none" w="med" len="med"/>
+          </a:ln>
+          <a:effectLst/>
+        </p:spPr>
+        <p:txBody>
+          <a:bodyPr vert="horz" wrap="square" lIns="91440" tIns="45720" rIns="91440" bIns="45720" numCol="1" rtlCol="0" anchor="t" anchorCtr="0" compatLnSpc="1">
+            <a:prstTxWarp prst="textNoShape">
+              <a:avLst/>
+            </a:prstTxWarp>
+          </a:bodyPr>
+          <a:lstStyle/>
+          <a:p>
+            <a:pPr algn="r" defTabSz="914323"/>
+            <a:r>
+              <a:rPr kumimoji="0" lang="de-DE" sz="2400" b="1" i="0" u="none" strike="noStrike" cap="none" normalizeH="0" baseline="0" dirty="0" err="1" smtClean="0">
                 <a:ln>
                   <a:noFill/>
                 </a:ln>
                 <a:solidFill>
-                  <a:schemeClr val="bg2"/>
+                  <a:srgbClr val="FFFFFF"/>
                 </a:solidFill>
                 <a:effectLst/>
-                <a:latin typeface="Microsoft Sans Serif" pitchFamily="34" charset="0"/>
-              </a:endParaRPr>
-            </a:p>
-          </p:txBody>
-        </p:sp>
-      </p:grpSp>
-      <p:sp>
-        <p:nvSpPr>
-          <p:cNvPr id="3" name="TextBox 2"/>
-          <p:cNvSpPr txBox="1"/>
-          <p:nvPr/>
-        </p:nvSpPr>
-        <p:spPr>
-          <a:xfrm>
-            <a:off x="838665" y="1470286"/>
-            <a:ext cx="1187457" cy="369332"/>
+                <a:cs typeface="Arial"/>
+              </a:rPr>
+              <a:t>Efficient</a:t>
+            </a:r>
+            <a:r>
+              <a:rPr kumimoji="0" lang="de-DE" sz="2400" b="1" i="0" u="none" strike="noStrike" cap="none" normalizeH="0" baseline="0" dirty="0" smtClean="0">
+                <a:ln>
+                  <a:noFill/>
+                </a:ln>
+                <a:solidFill>
+                  <a:srgbClr val="FFFFFF"/>
+                </a:solidFill>
+                <a:effectLst/>
+                <a:cs typeface="Arial"/>
+              </a:rPr>
+              <a:t> </a:t>
+            </a:r>
+            <a:r>
+              <a:rPr kumimoji="0" lang="de-DE" sz="2400" b="1" i="0" u="none" strike="noStrike" cap="none" normalizeH="0" baseline="0" dirty="0" err="1" smtClean="0">
+                <a:ln>
+                  <a:noFill/>
+                </a:ln>
+                <a:solidFill>
+                  <a:srgbClr val="FFFFFF"/>
+                </a:solidFill>
+                <a:effectLst/>
+                <a:cs typeface="Arial"/>
+              </a:rPr>
+              <a:t>Rewriting</a:t>
+            </a:r>
+            <a:endParaRPr lang="de-DE" sz="2400" b="1" dirty="0" smtClean="0">
+              <a:solidFill>
+                <a:srgbClr val="FFFFFF"/>
+              </a:solidFill>
+              <a:cs typeface="Arial"/>
+            </a:endParaRPr>
+          </a:p>
+        </p:txBody>
+      </p:sp>
+      <p:sp>
+        <p:nvSpPr>
+          <p:cNvPr id="231" name="Rechteck 13"/>
+          <p:cNvSpPr/>
+          <p:nvPr/>
+        </p:nvSpPr>
+        <p:spPr bwMode="auto">
+          <a:xfrm>
+            <a:off x="329731" y="4141831"/>
+            <a:ext cx="5016927" cy="1050338"/>
           </a:xfrm>
           <a:prstGeom prst="rect">
             <a:avLst/>
           </a:prstGeom>
-          <a:noFill/>
-        </p:spPr>
-        <p:txBody>
-          <a:bodyPr wrap="none" rtlCol="0">
-            <a:spAutoFit/>
+          <a:solidFill>
+            <a:srgbClr val="008000"/>
+          </a:solidFill>
+          <a:ln w="9525" cap="flat" cmpd="sng" algn="ctr">
+            <a:noFill/>
+            <a:prstDash val="solid"/>
+            <a:round/>
+            <a:headEnd type="none" w="med" len="med"/>
+            <a:tailEnd type="none" w="med" len="med"/>
+          </a:ln>
+          <a:effectLst/>
+        </p:spPr>
+        <p:txBody>
+          <a:bodyPr vert="horz" wrap="square" lIns="91440" tIns="45720" rIns="91440" bIns="45720" numCol="1" rtlCol="0" anchor="t" anchorCtr="0" compatLnSpc="1">
+            <a:prstTxWarp prst="textNoShape">
+              <a:avLst/>
+            </a:prstTxWarp>
           </a:bodyPr>
           <a:lstStyle/>
           <a:p>
-            <a:r>
-              <a:rPr lang="en-GB" dirty="0" smtClean="0"/>
-              <a:t>interactive</a:t>
-            </a:r>
-            <a:endParaRPr lang="en-GB" dirty="0"/>
-          </a:p>
-        </p:txBody>
-      </p:sp>
-      <p:sp>
-        <p:nvSpPr>
-          <p:cNvPr id="5" name="TextBox 4"/>
-          <p:cNvSpPr txBox="1"/>
-          <p:nvPr/>
-        </p:nvSpPr>
-        <p:spPr>
-          <a:xfrm>
-            <a:off x="6063403" y="1579338"/>
-            <a:ext cx="1673242" cy="369332"/>
+            <a:pPr defTabSz="914323"/>
+            <a:r>
+              <a:rPr kumimoji="0" lang="de-DE" sz="2400" b="1" i="0" u="none" strike="noStrike" cap="none" normalizeH="0" baseline="0" dirty="0" err="1" smtClean="0">
+                <a:ln>
+                  <a:noFill/>
+                </a:ln>
+                <a:solidFill>
+                  <a:schemeClr val="bg1"/>
+                </a:solidFill>
+                <a:effectLst/>
+                <a:cs typeface="Arial"/>
+              </a:rPr>
+              <a:t>Efficient</a:t>
+            </a:r>
+            <a:r>
+              <a:rPr kumimoji="0" lang="de-DE" sz="2400" b="1" i="0" u="none" strike="noStrike" cap="none" normalizeH="0" baseline="0" dirty="0" smtClean="0">
+                <a:ln>
+                  <a:noFill/>
+                </a:ln>
+                <a:solidFill>
+                  <a:schemeClr val="bg1"/>
+                </a:solidFill>
+                <a:effectLst/>
+                <a:cs typeface="Arial"/>
+              </a:rPr>
+              <a:t> </a:t>
+            </a:r>
+            <a:r>
+              <a:rPr kumimoji="0" lang="de-DE" sz="2400" b="1" i="0" u="none" strike="noStrike" cap="none" normalizeH="0" baseline="0" dirty="0" err="1" smtClean="0">
+                <a:ln>
+                  <a:noFill/>
+                </a:ln>
+                <a:solidFill>
+                  <a:schemeClr val="bg1"/>
+                </a:solidFill>
+                <a:effectLst/>
+                <a:cs typeface="Arial"/>
+              </a:rPr>
+              <a:t>Analyses</a:t>
+            </a:r>
+            <a:endParaRPr lang="de-DE" sz="2400" b="1" dirty="0">
+              <a:solidFill>
+                <a:schemeClr val="bg1"/>
+              </a:solidFill>
+              <a:cs typeface="Arial"/>
+            </a:endParaRPr>
+          </a:p>
+        </p:txBody>
+      </p:sp>
+      <p:sp>
+        <p:nvSpPr>
+          <p:cNvPr id="232" name="Rechteck 16"/>
+          <p:cNvSpPr/>
+          <p:nvPr/>
+        </p:nvSpPr>
+        <p:spPr bwMode="auto">
+          <a:xfrm>
+            <a:off x="807585" y="4930030"/>
+            <a:ext cx="5184578" cy="1185821"/>
           </a:xfrm>
           <a:prstGeom prst="rect">
             <a:avLst/>
           </a:prstGeom>
-          <a:noFill/>
-        </p:spPr>
-        <p:txBody>
-          <a:bodyPr wrap="none" rtlCol="0">
-            <a:spAutoFit/>
+          <a:solidFill>
+            <a:srgbClr val="0000FF"/>
+          </a:solidFill>
+          <a:ln w="9525" cap="flat" cmpd="sng" algn="ctr">
+            <a:noFill/>
+            <a:prstDash val="solid"/>
+            <a:round/>
+            <a:headEnd type="none" w="med" len="med"/>
+            <a:tailEnd type="none" w="med" len="med"/>
+          </a:ln>
+          <a:effectLst/>
+        </p:spPr>
+        <p:txBody>
+          <a:bodyPr vert="horz" wrap="square" lIns="91440" tIns="45720" rIns="91440" bIns="45720" numCol="1" rtlCol="0" anchor="b" anchorCtr="0" compatLnSpc="1">
+            <a:prstTxWarp prst="textNoShape">
+              <a:avLst/>
+            </a:prstTxWarp>
           </a:bodyPr>
           <a:lstStyle/>
           <a:p>
-            <a:pPr algn="ctr"/>
-            <a:r>
-              <a:rPr lang="en-GB" dirty="0" smtClean="0"/>
-              <a:t>runtime models</a:t>
-            </a:r>
-            <a:endParaRPr lang="en-GB" dirty="0"/>
-          </a:p>
-        </p:txBody>
-      </p:sp>
-      <p:sp>
-        <p:nvSpPr>
-          <p:cNvPr id="6" name="TextBox 5"/>
-          <p:cNvSpPr txBox="1"/>
-          <p:nvPr/>
-        </p:nvSpPr>
-        <p:spPr>
-          <a:xfrm>
-            <a:off x="457200" y="3042169"/>
-            <a:ext cx="2251225" cy="369332"/>
+            <a:r>
+              <a:rPr lang="de-DE" sz="2400" b="1" dirty="0" err="1" smtClean="0">
+                <a:solidFill>
+                  <a:srgbClr val="FFFFFF"/>
+                </a:solidFill>
+                <a:cs typeface="Arial"/>
+              </a:rPr>
+              <a:t>Programmed</a:t>
+            </a:r>
+            <a:r>
+              <a:rPr lang="de-DE" sz="2400" b="1" dirty="0" smtClean="0">
+                <a:solidFill>
+                  <a:srgbClr val="FFFFFF"/>
+                </a:solidFill>
+                <a:cs typeface="Arial"/>
+              </a:rPr>
+              <a:t> /</a:t>
+            </a:r>
+          </a:p>
+          <a:p>
+            <a:r>
+              <a:rPr lang="de-DE" sz="2400" b="1" dirty="0" smtClean="0">
+                <a:solidFill>
+                  <a:srgbClr val="FFFFFF"/>
+                </a:solidFill>
+                <a:cs typeface="Arial"/>
+              </a:rPr>
+              <a:t>RAG </a:t>
+            </a:r>
+            <a:r>
+              <a:rPr lang="de-DE" sz="2400" b="1" dirty="0" err="1" smtClean="0">
+                <a:solidFill>
+                  <a:srgbClr val="FFFFFF"/>
+                </a:solidFill>
+                <a:cs typeface="Arial"/>
+              </a:rPr>
+              <a:t>Controlled</a:t>
+            </a:r>
+            <a:r>
+              <a:rPr lang="de-DE" sz="2400" b="1" dirty="0" smtClean="0">
+                <a:solidFill>
+                  <a:srgbClr val="FFFFFF"/>
+                </a:solidFill>
+                <a:cs typeface="Arial"/>
+              </a:rPr>
+              <a:t> </a:t>
+            </a:r>
+            <a:r>
+              <a:rPr lang="de-DE" sz="2400" b="1" dirty="0" err="1" smtClean="0">
+                <a:solidFill>
+                  <a:srgbClr val="FFFFFF"/>
+                </a:solidFill>
+                <a:cs typeface="Arial"/>
+              </a:rPr>
+              <a:t>Rewriting</a:t>
+            </a:r>
+            <a:endParaRPr lang="de-DE" sz="2400" b="1" dirty="0" smtClean="0">
+              <a:solidFill>
+                <a:srgbClr val="FFFFFF"/>
+              </a:solidFill>
+              <a:cs typeface="Arial"/>
+            </a:endParaRPr>
+          </a:p>
+        </p:txBody>
+      </p:sp>
+      <p:sp>
+        <p:nvSpPr>
+          <p:cNvPr id="233" name="Rectangle 3" descr=" 5126"/>
+          <p:cNvSpPr txBox="1">
+            <a:spLocks noChangeArrowheads="1"/>
+          </p:cNvSpPr>
+          <p:nvPr/>
+        </p:nvSpPr>
+        <p:spPr bwMode="auto">
+          <a:xfrm>
+            <a:off x="5987262" y="5456318"/>
+            <a:ext cx="2273151" cy="659531"/>
           </a:xfrm>
           <a:prstGeom prst="rect">
             <a:avLst/>
           </a:prstGeom>
           <a:noFill/>
-        </p:spPr>
-        <p:txBody>
-          <a:bodyPr wrap="none" rtlCol="0">
-            <a:spAutoFit/>
+          <a:ln>
+            <a:noFill/>
+          </a:ln>
+          <a:extLst>
+            <a:ext uri="{909E8E84-426E-40dd-AFC4-6F175D3DCCD1}">
+              <a14:hiddenFill xmlns:a14="http://schemas.microsoft.com/office/drawing/2010/main">
+                <a:solidFill>
+                  <a:srgbClr val="FFFFFF"/>
+                </a:solidFill>
+              </a14:hiddenFill>
+            </a:ext>
+            <a:ext uri="{91240B29-F687-4f45-9708-019B960494DF}">
+              <a14:hiddenLine xmlns:a14="http://schemas.microsoft.com/office/drawing/2010/main" w="9525">
+                <a:solidFill>
+                  <a:srgbClr val="000000"/>
+                </a:solidFill>
+                <a:miter lim="800000"/>
+                <a:headEnd/>
+                <a:tailEnd/>
+              </a14:hiddenLine>
+            </a:ext>
+            <a:ext uri="{FAA26D3D-D897-4be2-8F04-BA451C77F1D7}">
+              <ma14:placeholderFlag xmlns:ma14="http://schemas.microsoft.com/office/mac/drawingml/2011/main" val="1"/>
+            </a:ext>
+          </a:extLst>
+        </p:spPr>
+        <p:txBody>
+          <a:bodyPr vert="horz" wrap="square" lIns="0" tIns="0" rIns="0" bIns="0" numCol="1" anchor="ctr" anchorCtr="0" compatLnSpc="1">
+            <a:prstTxWarp prst="textNoShape">
+              <a:avLst/>
+            </a:prstTxWarp>
+          </a:bodyPr>
+          <a:lstStyle>
+            <a:lvl1pPr marL="342900" indent="-342900" algn="l" rtl="0" eaLnBrk="0" fontAlgn="base" hangingPunct="0">
+              <a:spcBef>
+                <a:spcPct val="20000"/>
+              </a:spcBef>
+              <a:spcAft>
+                <a:spcPct val="0"/>
+              </a:spcAft>
+              <a:defRPr sz="1400">
+                <a:solidFill>
+                  <a:srgbClr val="001D4B"/>
+                </a:solidFill>
+                <a:latin typeface="+mn-lt"/>
+                <a:ea typeface="ＭＳ Ｐゴシック" charset="0"/>
+                <a:cs typeface="ＭＳ Ｐゴシック" charset="0"/>
+              </a:defRPr>
+            </a:lvl1pPr>
+            <a:lvl2pPr marL="742950" indent="-285750" algn="l" rtl="0" eaLnBrk="0" fontAlgn="base" hangingPunct="0">
+              <a:spcBef>
+                <a:spcPct val="20000"/>
+              </a:spcBef>
+              <a:spcAft>
+                <a:spcPct val="0"/>
+              </a:spcAft>
+              <a:defRPr sz="1400">
+                <a:solidFill>
+                  <a:srgbClr val="001D4B"/>
+                </a:solidFill>
+                <a:latin typeface="+mn-lt"/>
+                <a:ea typeface="ＭＳ Ｐゴシック" charset="0"/>
+              </a:defRPr>
+            </a:lvl2pPr>
+            <a:lvl3pPr marL="1143000" indent="-228600" algn="l" rtl="0" eaLnBrk="0" fontAlgn="base" hangingPunct="0">
+              <a:spcBef>
+                <a:spcPct val="20000"/>
+              </a:spcBef>
+              <a:spcAft>
+                <a:spcPct val="0"/>
+              </a:spcAft>
+              <a:defRPr sz="1400">
+                <a:solidFill>
+                  <a:srgbClr val="001D4B"/>
+                </a:solidFill>
+                <a:latin typeface="+mn-lt"/>
+                <a:ea typeface="ＭＳ Ｐゴシック" charset="0"/>
+              </a:defRPr>
+            </a:lvl3pPr>
+            <a:lvl4pPr marL="1600200" indent="-228600" algn="l" rtl="0" eaLnBrk="0" fontAlgn="base" hangingPunct="0">
+              <a:spcBef>
+                <a:spcPct val="20000"/>
+              </a:spcBef>
+              <a:spcAft>
+                <a:spcPct val="0"/>
+              </a:spcAft>
+              <a:defRPr sz="1400">
+                <a:solidFill>
+                  <a:srgbClr val="001D4B"/>
+                </a:solidFill>
+                <a:latin typeface="+mn-lt"/>
+                <a:ea typeface="ＭＳ Ｐゴシック" charset="0"/>
+              </a:defRPr>
+            </a:lvl4pPr>
+            <a:lvl5pPr marL="2057400" indent="-228600" algn="l" rtl="0" eaLnBrk="0" fontAlgn="base" hangingPunct="0">
+              <a:spcBef>
+                <a:spcPct val="20000"/>
+              </a:spcBef>
+              <a:spcAft>
+                <a:spcPct val="0"/>
+              </a:spcAft>
+              <a:defRPr sz="1400">
+                <a:solidFill>
+                  <a:srgbClr val="001D4B"/>
+                </a:solidFill>
+                <a:latin typeface="+mn-lt"/>
+                <a:ea typeface="ＭＳ Ｐゴシック" charset="0"/>
+              </a:defRPr>
+            </a:lvl5pPr>
+            <a:lvl6pPr marL="2514600" indent="-228600" algn="l" rtl="0" fontAlgn="base">
+              <a:spcBef>
+                <a:spcPct val="20000"/>
+              </a:spcBef>
+              <a:spcAft>
+                <a:spcPct val="0"/>
+              </a:spcAft>
+              <a:defRPr sz="1400">
+                <a:solidFill>
+                  <a:srgbClr val="001D4B"/>
+                </a:solidFill>
+                <a:latin typeface="+mn-lt"/>
+              </a:defRPr>
+            </a:lvl6pPr>
+            <a:lvl7pPr marL="2971800" indent="-228600" algn="l" rtl="0" fontAlgn="base">
+              <a:spcBef>
+                <a:spcPct val="20000"/>
+              </a:spcBef>
+              <a:spcAft>
+                <a:spcPct val="0"/>
+              </a:spcAft>
+              <a:defRPr sz="1400">
+                <a:solidFill>
+                  <a:srgbClr val="001D4B"/>
+                </a:solidFill>
+                <a:latin typeface="+mn-lt"/>
+              </a:defRPr>
+            </a:lvl7pPr>
+            <a:lvl8pPr marL="3429000" indent="-228600" algn="l" rtl="0" fontAlgn="base">
+              <a:spcBef>
+                <a:spcPct val="20000"/>
+              </a:spcBef>
+              <a:spcAft>
+                <a:spcPct val="0"/>
+              </a:spcAft>
+              <a:defRPr sz="1400">
+                <a:solidFill>
+                  <a:srgbClr val="001D4B"/>
+                </a:solidFill>
+                <a:latin typeface="+mn-lt"/>
+              </a:defRPr>
+            </a:lvl8pPr>
+            <a:lvl9pPr marL="3886200" indent="-228600" algn="l" rtl="0" fontAlgn="base">
+              <a:spcBef>
+                <a:spcPct val="20000"/>
+              </a:spcBef>
+              <a:spcAft>
+                <a:spcPct val="0"/>
+              </a:spcAft>
+              <a:defRPr sz="1400">
+                <a:solidFill>
+                  <a:srgbClr val="001D4B"/>
+                </a:solidFill>
+                <a:latin typeface="+mn-lt"/>
+              </a:defRPr>
+            </a:lvl9pPr>
+          </a:lstStyle>
+          <a:p>
+            <a:pPr algn="ctr" eaLnBrk="1" hangingPunct="1">
+              <a:defRPr/>
+            </a:pPr>
+            <a:r>
+              <a:rPr lang="en-US" sz="4800" b="1" i="1" dirty="0" smtClean="0">
+                <a:solidFill>
+                  <a:schemeClr val="tx1"/>
+                </a:solidFill>
+                <a:ea typeface="+mn-ea"/>
+                <a:cs typeface="+mn-cs"/>
+              </a:rPr>
+              <a:t>RACR</a:t>
+            </a:r>
+          </a:p>
+        </p:txBody>
+      </p:sp>
+      <p:sp>
+        <p:nvSpPr>
+          <p:cNvPr id="234" name="Rectangle 233"/>
+          <p:cNvSpPr/>
+          <p:nvPr/>
+        </p:nvSpPr>
+        <p:spPr bwMode="auto">
+          <a:xfrm>
+            <a:off x="807585" y="4766911"/>
+            <a:ext cx="3348372" cy="432048"/>
+          </a:xfrm>
+          <a:prstGeom prst="rect">
+            <a:avLst/>
+          </a:prstGeom>
+          <a:pattFill prst="dkVert">
+            <a:fgClr>
+              <a:srgbClr val="008000"/>
+            </a:fgClr>
+            <a:bgClr>
+              <a:srgbClr val="0000FF"/>
+            </a:bgClr>
+          </a:pattFill>
+          <a:ln w="9525" cap="flat" cmpd="sng" algn="ctr">
+            <a:noFill/>
+            <a:prstDash val="solid"/>
+            <a:round/>
+            <a:headEnd type="none" w="med" len="med"/>
+            <a:tailEnd type="none" w="med" len="med"/>
+          </a:ln>
+          <a:effectLst/>
+        </p:spPr>
+        <p:txBody>
+          <a:bodyPr vert="horz" wrap="square" lIns="91440" tIns="45720" rIns="91440" bIns="45720" numCol="1" rtlCol="0" anchor="t" anchorCtr="0" compatLnSpc="1">
+            <a:prstTxWarp prst="textNoShape">
+              <a:avLst/>
+            </a:prstTxWarp>
           </a:bodyPr>
           <a:lstStyle/>
           <a:p>
-            <a:r>
-              <a:rPr lang="en-GB" dirty="0" smtClean="0"/>
-              <a:t>model transformation</a:t>
-            </a:r>
-            <a:endParaRPr lang="en-GB" dirty="0"/>
-          </a:p>
-        </p:txBody>
-      </p:sp>
-      <p:sp>
-        <p:nvSpPr>
-          <p:cNvPr id="8" name="TextBox 7"/>
-          <p:cNvSpPr txBox="1"/>
-          <p:nvPr/>
-        </p:nvSpPr>
-        <p:spPr>
-          <a:xfrm>
-            <a:off x="6137908" y="2768738"/>
-            <a:ext cx="2287518" cy="369332"/>
+            <a:pPr marL="0" marR="0" indent="0" algn="l" defTabSz="914400" rtl="0" eaLnBrk="1" fontAlgn="base" latinLnBrk="0" hangingPunct="1">
+              <a:lnSpc>
+                <a:spcPct val="100000"/>
+              </a:lnSpc>
+              <a:spcBef>
+                <a:spcPct val="0"/>
+              </a:spcBef>
+              <a:spcAft>
+                <a:spcPct val="0"/>
+              </a:spcAft>
+              <a:buClrTx/>
+              <a:buSzTx/>
+              <a:buFontTx/>
+              <a:buNone/>
+              <a:tabLst/>
+            </a:pPr>
+            <a:endParaRPr kumimoji="0" lang="en-GB" sz="1000" b="1" i="0" u="none" strike="noStrike" cap="none" normalizeH="0" baseline="0" smtClean="0">
+              <a:ln>
+                <a:noFill/>
+              </a:ln>
+              <a:solidFill>
+                <a:schemeClr val="bg2"/>
+              </a:solidFill>
+              <a:effectLst/>
+            </a:endParaRPr>
+          </a:p>
+        </p:txBody>
+      </p:sp>
+      <p:sp>
+        <p:nvSpPr>
+          <p:cNvPr id="235" name="Rectangle 234"/>
+          <p:cNvSpPr/>
+          <p:nvPr/>
+        </p:nvSpPr>
+        <p:spPr bwMode="auto">
+          <a:xfrm>
+            <a:off x="4155957" y="4251482"/>
+            <a:ext cx="1188132" cy="515429"/>
           </a:xfrm>
           <a:prstGeom prst="rect">
             <a:avLst/>
           </a:prstGeom>
-          <a:noFill/>
-        </p:spPr>
-        <p:txBody>
-          <a:bodyPr wrap="none" rtlCol="0">
-            <a:spAutoFit/>
+          <a:pattFill prst="dkHorz">
+            <a:fgClr>
+              <a:srgbClr val="008000"/>
+            </a:fgClr>
+            <a:bgClr>
+              <a:srgbClr val="660066"/>
+            </a:bgClr>
+          </a:pattFill>
+          <a:ln w="9525" cap="flat" cmpd="sng" algn="ctr">
+            <a:noFill/>
+            <a:prstDash val="solid"/>
+            <a:round/>
+            <a:headEnd type="none" w="med" len="med"/>
+            <a:tailEnd type="none" w="med" len="med"/>
+          </a:ln>
+          <a:effectLst/>
+        </p:spPr>
+        <p:txBody>
+          <a:bodyPr vert="horz" wrap="square" lIns="91440" tIns="45720" rIns="91440" bIns="45720" numCol="1" rtlCol="0" anchor="t" anchorCtr="0" compatLnSpc="1">
+            <a:prstTxWarp prst="textNoShape">
+              <a:avLst/>
+            </a:prstTxWarp>
           </a:bodyPr>
           <a:lstStyle/>
           <a:p>
-            <a:r>
-              <a:rPr lang="en-GB" dirty="0" smtClean="0"/>
-              <a:t>incremental reasoning</a:t>
-            </a:r>
-            <a:endParaRPr lang="en-GB" dirty="0"/>
-          </a:p>
-        </p:txBody>
-      </p:sp>
-      <p:sp>
-        <p:nvSpPr>
-          <p:cNvPr id="9" name="TextBox 8"/>
-          <p:cNvSpPr txBox="1"/>
-          <p:nvPr/>
-        </p:nvSpPr>
-        <p:spPr>
-          <a:xfrm>
-            <a:off x="1219665" y="2104671"/>
-            <a:ext cx="1998865" cy="646331"/>
+            <a:pPr marL="0" marR="0" indent="0" algn="l" defTabSz="914400" rtl="0" eaLnBrk="1" fontAlgn="base" latinLnBrk="0" hangingPunct="1">
+              <a:lnSpc>
+                <a:spcPct val="100000"/>
+              </a:lnSpc>
+              <a:spcBef>
+                <a:spcPct val="0"/>
+              </a:spcBef>
+              <a:spcAft>
+                <a:spcPct val="0"/>
+              </a:spcAft>
+              <a:buClrTx/>
+              <a:buSzTx/>
+              <a:buFontTx/>
+              <a:buNone/>
+              <a:tabLst/>
+            </a:pPr>
+            <a:endParaRPr kumimoji="0" lang="en-GB" sz="1000" b="1" i="0" u="none" strike="noStrike" cap="none" normalizeH="0" baseline="0" smtClean="0">
+              <a:ln>
+                <a:noFill/>
+              </a:ln>
+              <a:solidFill>
+                <a:schemeClr val="bg2"/>
+              </a:solidFill>
+              <a:effectLst/>
+            </a:endParaRPr>
+          </a:p>
+        </p:txBody>
+      </p:sp>
+      <p:sp>
+        <p:nvSpPr>
+          <p:cNvPr id="236" name="Rectangle 235"/>
+          <p:cNvSpPr/>
+          <p:nvPr/>
+        </p:nvSpPr>
+        <p:spPr bwMode="auto">
+          <a:xfrm>
+            <a:off x="5344089" y="4766911"/>
+            <a:ext cx="648072" cy="648072"/>
           </a:xfrm>
           <a:prstGeom prst="rect">
             <a:avLst/>
           </a:prstGeom>
-          <a:noFill/>
-        </p:spPr>
-        <p:txBody>
-          <a:bodyPr wrap="none" rtlCol="0">
-            <a:spAutoFit/>
+          <a:pattFill prst="wdUpDiag">
+            <a:fgClr>
+              <a:srgbClr val="0000FF"/>
+            </a:fgClr>
+            <a:bgClr>
+              <a:srgbClr val="660066"/>
+            </a:bgClr>
+          </a:pattFill>
+          <a:ln w="9525" cap="flat" cmpd="sng" algn="ctr">
+            <a:noFill/>
+            <a:prstDash val="solid"/>
+            <a:round/>
+            <a:headEnd type="none" w="med" len="med"/>
+            <a:tailEnd type="none" w="med" len="med"/>
+          </a:ln>
+          <a:effectLst/>
+        </p:spPr>
+        <p:txBody>
+          <a:bodyPr vert="horz" wrap="square" lIns="91440" tIns="45720" rIns="91440" bIns="45720" numCol="1" rtlCol="0" anchor="t" anchorCtr="0" compatLnSpc="1">
+            <a:prstTxWarp prst="textNoShape">
+              <a:avLst/>
+            </a:prstTxWarp>
           </a:bodyPr>
           <a:lstStyle/>
           <a:p>
-            <a:pPr algn="ctr"/>
-            <a:r>
-              <a:rPr lang="en-GB" dirty="0"/>
-              <a:t>i</a:t>
-            </a:r>
-            <a:r>
-              <a:rPr lang="en-GB" dirty="0" smtClean="0"/>
-              <a:t>ncremental</a:t>
-            </a:r>
-          </a:p>
-          <a:p>
-            <a:pPr algn="ctr"/>
-            <a:r>
-              <a:rPr lang="en-GB" dirty="0" smtClean="0"/>
-              <a:t>meta programming</a:t>
-            </a:r>
-            <a:endParaRPr lang="en-GB" dirty="0"/>
-          </a:p>
-        </p:txBody>
-      </p:sp>
-      <p:sp>
-        <p:nvSpPr>
-          <p:cNvPr id="11" name="TextBox 10"/>
-          <p:cNvSpPr txBox="1"/>
-          <p:nvPr/>
-        </p:nvSpPr>
-        <p:spPr>
-          <a:xfrm>
-            <a:off x="7148811" y="2240303"/>
-            <a:ext cx="587834" cy="369332"/>
+            <a:pPr marL="0" marR="0" indent="0" algn="l" defTabSz="914400" rtl="0" eaLnBrk="1" fontAlgn="base" latinLnBrk="0" hangingPunct="1">
+              <a:lnSpc>
+                <a:spcPct val="100000"/>
+              </a:lnSpc>
+              <a:spcBef>
+                <a:spcPct val="0"/>
+              </a:spcBef>
+              <a:spcAft>
+                <a:spcPct val="0"/>
+              </a:spcAft>
+              <a:buClrTx/>
+              <a:buSzTx/>
+              <a:buFontTx/>
+              <a:buNone/>
+              <a:tabLst/>
+            </a:pPr>
+            <a:endParaRPr kumimoji="0" lang="en-GB" sz="1000" b="1" i="0" u="none" strike="noStrike" cap="none" normalizeH="0" baseline="0" smtClean="0">
+              <a:ln>
+                <a:noFill/>
+              </a:ln>
+              <a:solidFill>
+                <a:schemeClr val="bg2"/>
+              </a:solidFill>
+              <a:effectLst/>
+            </a:endParaRPr>
+          </a:p>
+        </p:txBody>
+      </p:sp>
+      <p:sp>
+        <p:nvSpPr>
+          <p:cNvPr id="237" name="Rectangle 236"/>
+          <p:cNvSpPr/>
+          <p:nvPr/>
+        </p:nvSpPr>
+        <p:spPr bwMode="auto">
+          <a:xfrm>
+            <a:off x="4155957" y="4766912"/>
+            <a:ext cx="1188132" cy="432048"/>
           </a:xfrm>
           <a:prstGeom prst="rect">
             <a:avLst/>
           </a:prstGeom>
-          <a:noFill/>
-        </p:spPr>
-        <p:txBody>
-          <a:bodyPr wrap="none" rtlCol="0">
-            <a:spAutoFit/>
+          <a:pattFill prst="smCheck">
+            <a:fgClr>
+              <a:srgbClr val="0000FF"/>
+            </a:fgClr>
+            <a:bgClr>
+              <a:srgbClr val="660066"/>
+            </a:bgClr>
+          </a:pattFill>
+          <a:ln w="9525" cap="flat" cmpd="sng" algn="ctr">
+            <a:noFill/>
+            <a:prstDash val="solid"/>
+            <a:round/>
+            <a:headEnd type="none" w="med" len="med"/>
+            <a:tailEnd type="none" w="med" len="med"/>
+          </a:ln>
+          <a:effectLst/>
+        </p:spPr>
+        <p:txBody>
+          <a:bodyPr vert="horz" wrap="square" lIns="91440" tIns="45720" rIns="91440" bIns="45720" numCol="1" rtlCol="0" anchor="t" anchorCtr="0" compatLnSpc="1">
+            <a:prstTxWarp prst="textNoShape">
+              <a:avLst/>
+            </a:prstTxWarp>
           </a:bodyPr>
           <a:lstStyle/>
           <a:p>
-            <a:r>
-              <a:rPr lang="en-GB" dirty="0" smtClean="0"/>
-              <a:t>IDEs</a:t>
-            </a:r>
-            <a:endParaRPr lang="en-GB" dirty="0"/>
-          </a:p>
-        </p:txBody>
-      </p:sp>
-      <p:sp>
-        <p:nvSpPr>
-          <p:cNvPr id="13" name="TextBox 12"/>
-          <p:cNvSpPr txBox="1"/>
-          <p:nvPr/>
-        </p:nvSpPr>
-        <p:spPr>
-          <a:xfrm>
-            <a:off x="6745185" y="3223312"/>
-            <a:ext cx="348886" cy="369332"/>
+            <a:pPr marL="0" marR="0" indent="0" algn="l" defTabSz="914400" rtl="0" eaLnBrk="1" fontAlgn="base" latinLnBrk="0" hangingPunct="1">
+              <a:lnSpc>
+                <a:spcPct val="100000"/>
+              </a:lnSpc>
+              <a:spcBef>
+                <a:spcPct val="0"/>
+              </a:spcBef>
+              <a:spcAft>
+                <a:spcPct val="0"/>
+              </a:spcAft>
+              <a:buClrTx/>
+              <a:buSzTx/>
+              <a:buFontTx/>
+              <a:buNone/>
+              <a:tabLst/>
+            </a:pPr>
+            <a:endParaRPr kumimoji="0" lang="en-GB" sz="1000" b="1" i="0" u="none" strike="noStrike" cap="none" normalizeH="0" baseline="0" smtClean="0">
+              <a:ln>
+                <a:noFill/>
+              </a:ln>
+              <a:solidFill>
+                <a:schemeClr val="bg2"/>
+              </a:solidFill>
+              <a:effectLst/>
+            </a:endParaRPr>
+          </a:p>
+        </p:txBody>
+      </p:sp>
+      <p:sp>
+        <p:nvSpPr>
+          <p:cNvPr id="238" name="Rectangle 237"/>
+          <p:cNvSpPr/>
+          <p:nvPr/>
+        </p:nvSpPr>
+        <p:spPr bwMode="auto">
+          <a:xfrm>
+            <a:off x="4155957" y="5198959"/>
+            <a:ext cx="1188132" cy="216024"/>
           </a:xfrm>
           <a:prstGeom prst="rect">
             <a:avLst/>
           </a:prstGeom>
-          <a:noFill/>
-        </p:spPr>
-        <p:txBody>
-          <a:bodyPr wrap="none" rtlCol="0">
-            <a:spAutoFit/>
+          <a:pattFill prst="wdUpDiag">
+            <a:fgClr>
+              <a:srgbClr val="0000FF"/>
+            </a:fgClr>
+            <a:bgClr>
+              <a:srgbClr val="660066"/>
+            </a:bgClr>
+          </a:pattFill>
+          <a:ln w="9525" cap="flat" cmpd="sng" algn="ctr">
+            <a:noFill/>
+            <a:prstDash val="solid"/>
+            <a:round/>
+            <a:headEnd type="none" w="med" len="med"/>
+            <a:tailEnd type="none" w="med" len="med"/>
+          </a:ln>
+          <a:effectLst/>
+        </p:spPr>
+        <p:txBody>
+          <a:bodyPr vert="horz" wrap="square" lIns="91440" tIns="45720" rIns="91440" bIns="45720" numCol="1" rtlCol="0" anchor="t" anchorCtr="0" compatLnSpc="1">
+            <a:prstTxWarp prst="textNoShape">
+              <a:avLst/>
+            </a:prstTxWarp>
           </a:bodyPr>
           <a:lstStyle/>
           <a:p>
-            <a:r>
-              <a:rPr lang="en-GB" b="1" dirty="0" smtClean="0"/>
-              <a:t>…</a:t>
-            </a:r>
-            <a:endParaRPr lang="en-GB" b="1" dirty="0"/>
-          </a:p>
-        </p:txBody>
-      </p:sp>
-      <p:sp>
-        <p:nvSpPr>
-          <p:cNvPr id="224" name="TextBox 223"/>
-          <p:cNvSpPr txBox="1"/>
-          <p:nvPr/>
-        </p:nvSpPr>
-        <p:spPr>
-          <a:xfrm>
-            <a:off x="2384589" y="1498954"/>
-            <a:ext cx="348886" cy="369332"/>
-          </a:xfrm>
-          <a:prstGeom prst="rect">
-            <a:avLst/>
-          </a:prstGeom>
-          <a:noFill/>
-        </p:spPr>
-        <p:txBody>
-          <a:bodyPr wrap="none" rtlCol="0">
-            <a:spAutoFit/>
-          </a:bodyPr>
-          <a:lstStyle/>
-          <a:p>
-            <a:r>
-              <a:rPr lang="en-GB" b="1" dirty="0" smtClean="0"/>
-              <a:t>…</a:t>
-            </a:r>
-            <a:endParaRPr lang="en-GB" b="1" dirty="0"/>
-          </a:p>
-        </p:txBody>
-      </p:sp>
-      <p:sp>
-        <p:nvSpPr>
-          <p:cNvPr id="82" name="TextBox 81"/>
-          <p:cNvSpPr txBox="1"/>
-          <p:nvPr/>
-        </p:nvSpPr>
-        <p:spPr>
-          <a:xfrm>
-            <a:off x="7731982" y="1875638"/>
-            <a:ext cx="1220707" cy="369332"/>
-          </a:xfrm>
-          <a:prstGeom prst="rect">
-            <a:avLst/>
-          </a:prstGeom>
-          <a:noFill/>
-        </p:spPr>
-        <p:txBody>
-          <a:bodyPr wrap="none" rtlCol="0">
-            <a:spAutoFit/>
-          </a:bodyPr>
-          <a:lstStyle/>
-          <a:p>
-            <a:r>
-              <a:rPr lang="en-GB" dirty="0" smtClean="0"/>
-              <a:t>declarative</a:t>
-            </a:r>
-            <a:endParaRPr lang="en-GB" dirty="0"/>
+            <a:pPr marL="0" marR="0" indent="0" algn="l" defTabSz="914400" rtl="0" eaLnBrk="1" fontAlgn="base" latinLnBrk="0" hangingPunct="1">
+              <a:lnSpc>
+                <a:spcPct val="100000"/>
+              </a:lnSpc>
+              <a:spcBef>
+                <a:spcPct val="0"/>
+              </a:spcBef>
+              <a:spcAft>
+                <a:spcPct val="0"/>
+              </a:spcAft>
+              <a:buClrTx/>
+              <a:buSzTx/>
+              <a:buFontTx/>
+              <a:buNone/>
+              <a:tabLst/>
+            </a:pPr>
+            <a:endParaRPr kumimoji="0" lang="en-GB" sz="1000" b="1" i="0" u="none" strike="noStrike" cap="none" normalizeH="0" baseline="0" smtClean="0">
+              <a:ln>
+                <a:noFill/>
+              </a:ln>
+              <a:solidFill>
+                <a:schemeClr val="bg2"/>
+              </a:solidFill>
+              <a:effectLst/>
+            </a:endParaRPr>
           </a:p>
         </p:txBody>
       </p:sp>

--- a/examples/ttc-2015-fuml-activity-diagrams/documentation/figures/solution-presentation.pptx
+++ b/examples/ttc-2015-fuml-activity-diagrams/documentation/figures/solution-presentation.pptx
@@ -213,7 +213,7 @@
           <a:p>
             <a:fld id="{2DC44254-5F95-204D-8F07-2678B782EA19}" type="datetimeFigureOut">
               <a:rPr lang="en-US" smtClean="0"/>
-              <a:t>11/05/16</a:t>
+              <a:t>16/05/16</a:t>
             </a:fld>
             <a:endParaRPr lang="en-GB"/>
           </a:p>
@@ -998,7 +998,7 @@
           <a:p>
             <a:fld id="{9F50B6A4-EEFC-6D43-8633-B920B387D5FF}" type="datetimeFigureOut">
               <a:rPr lang="en-US" smtClean="0"/>
-              <a:t>11/05/16</a:t>
+              <a:t>16/05/16</a:t>
             </a:fld>
             <a:endParaRPr lang="en-GB"/>
           </a:p>
@@ -1168,7 +1168,7 @@
           <a:p>
             <a:fld id="{9F50B6A4-EEFC-6D43-8633-B920B387D5FF}" type="datetimeFigureOut">
               <a:rPr lang="en-US" smtClean="0"/>
-              <a:t>11/05/16</a:t>
+              <a:t>16/05/16</a:t>
             </a:fld>
             <a:endParaRPr lang="en-GB"/>
           </a:p>
@@ -1348,7 +1348,7 @@
           <a:p>
             <a:fld id="{9F50B6A4-EEFC-6D43-8633-B920B387D5FF}" type="datetimeFigureOut">
               <a:rPr lang="en-US" smtClean="0"/>
-              <a:t>11/05/16</a:t>
+              <a:t>16/05/16</a:t>
             </a:fld>
             <a:endParaRPr lang="en-GB"/>
           </a:p>
@@ -1518,7 +1518,7 @@
           <a:p>
             <a:fld id="{9F50B6A4-EEFC-6D43-8633-B920B387D5FF}" type="datetimeFigureOut">
               <a:rPr lang="en-US" smtClean="0"/>
-              <a:t>11/05/16</a:t>
+              <a:t>16/05/16</a:t>
             </a:fld>
             <a:endParaRPr lang="en-GB"/>
           </a:p>
@@ -1764,7 +1764,7 @@
           <a:p>
             <a:fld id="{9F50B6A4-EEFC-6D43-8633-B920B387D5FF}" type="datetimeFigureOut">
               <a:rPr lang="en-US" smtClean="0"/>
-              <a:t>11/05/16</a:t>
+              <a:t>16/05/16</a:t>
             </a:fld>
             <a:endParaRPr lang="en-GB"/>
           </a:p>
@@ -2052,7 +2052,7 @@
           <a:p>
             <a:fld id="{9F50B6A4-EEFC-6D43-8633-B920B387D5FF}" type="datetimeFigureOut">
               <a:rPr lang="en-US" smtClean="0"/>
-              <a:t>11/05/16</a:t>
+              <a:t>16/05/16</a:t>
             </a:fld>
             <a:endParaRPr lang="en-GB"/>
           </a:p>
@@ -2474,7 +2474,7 @@
           <a:p>
             <a:fld id="{9F50B6A4-EEFC-6D43-8633-B920B387D5FF}" type="datetimeFigureOut">
               <a:rPr lang="en-US" smtClean="0"/>
-              <a:t>11/05/16</a:t>
+              <a:t>16/05/16</a:t>
             </a:fld>
             <a:endParaRPr lang="en-GB"/>
           </a:p>
@@ -2592,7 +2592,7 @@
           <a:p>
             <a:fld id="{9F50B6A4-EEFC-6D43-8633-B920B387D5FF}" type="datetimeFigureOut">
               <a:rPr lang="en-US" smtClean="0"/>
-              <a:t>11/05/16</a:t>
+              <a:t>16/05/16</a:t>
             </a:fld>
             <a:endParaRPr lang="en-GB"/>
           </a:p>
@@ -2687,7 +2687,7 @@
           <a:p>
             <a:fld id="{9F50B6A4-EEFC-6D43-8633-B920B387D5FF}" type="datetimeFigureOut">
               <a:rPr lang="en-US" smtClean="0"/>
-              <a:t>11/05/16</a:t>
+              <a:t>16/05/16</a:t>
             </a:fld>
             <a:endParaRPr lang="en-GB"/>
           </a:p>
@@ -2964,7 +2964,7 @@
           <a:p>
             <a:fld id="{9F50B6A4-EEFC-6D43-8633-B920B387D5FF}" type="datetimeFigureOut">
               <a:rPr lang="en-US" smtClean="0"/>
-              <a:t>11/05/16</a:t>
+              <a:t>16/05/16</a:t>
             </a:fld>
             <a:endParaRPr lang="en-GB"/>
           </a:p>
@@ -3217,7 +3217,7 @@
           <a:p>
             <a:fld id="{9F50B6A4-EEFC-6D43-8633-B920B387D5FF}" type="datetimeFigureOut">
               <a:rPr lang="en-US" smtClean="0"/>
-              <a:t>11/05/16</a:t>
+              <a:t>16/05/16</a:t>
             </a:fld>
             <a:endParaRPr lang="en-GB"/>
           </a:p>
@@ -3430,7 +3430,7 @@
           <a:p>
             <a:fld id="{9F50B6A4-EEFC-6D43-8633-B920B387D5FF}" type="datetimeFigureOut">
               <a:rPr lang="en-US" smtClean="0"/>
-              <a:t>11/05/16</a:t>
+              <a:t>16/05/16</a:t>
             </a:fld>
             <a:endParaRPr lang="en-GB"/>
           </a:p>
@@ -4984,7 +4984,7 @@
           <a:p>
             <a:r>
               <a:rPr lang="en-GB" dirty="0" smtClean="0"/>
-              <a:t>ASG</a:t>
+              <a:t>Abstract syntax graph</a:t>
             </a:r>
             <a:endParaRPr lang="en-GB" dirty="0"/>
           </a:p>
@@ -18019,6 +18019,143 @@
           </a:prstGeom>
         </p:spPr>
       </p:pic>
+      <p:cxnSp>
+        <p:nvCxnSpPr>
+          <p:cNvPr id="7" name="Gerade Verbindung 72" descr=" 700"/>
+          <p:cNvCxnSpPr>
+            <a:cxnSpLocks noChangeShapeType="1"/>
+          </p:cNvCxnSpPr>
+          <p:nvPr/>
+        </p:nvCxnSpPr>
+        <p:spPr bwMode="auto">
+          <a:xfrm>
+            <a:off x="4219758" y="5260633"/>
+            <a:ext cx="27861" cy="0"/>
+          </a:xfrm>
+          <a:prstGeom prst="line">
+            <a:avLst/>
+          </a:prstGeom>
+          <a:noFill/>
+          <a:ln w="8890">
+            <a:solidFill>
+              <a:schemeClr val="tx1">
+                <a:lumMod val="50000"/>
+                <a:lumOff val="50000"/>
+              </a:schemeClr>
+            </a:solidFill>
+            <a:round/>
+            <a:headEnd/>
+            <a:tailEnd/>
+          </a:ln>
+          <a:extLst>
+            <a:ext uri="{909E8E84-426E-40dd-AFC4-6F175D3DCCD1}">
+              <a14:hiddenFill xmlns:a14="http://schemas.microsoft.com/office/drawing/2010/main">
+                <a:noFill/>
+              </a14:hiddenFill>
+            </a:ext>
+          </a:extLst>
+        </p:spPr>
+      </p:cxnSp>
+      <p:sp>
+        <p:nvSpPr>
+          <p:cNvPr id="11" name="Oval 10"/>
+          <p:cNvSpPr/>
+          <p:nvPr/>
+        </p:nvSpPr>
+        <p:spPr>
+          <a:xfrm>
+            <a:off x="7188201" y="4029075"/>
+            <a:ext cx="1663700" cy="644525"/>
+          </a:xfrm>
+          <a:prstGeom prst="ellipse">
+            <a:avLst/>
+          </a:prstGeom>
+          <a:solidFill>
+            <a:srgbClr val="660066">
+              <a:alpha val="20000"/>
+            </a:srgbClr>
+          </a:solidFill>
+          <a:ln w="44450">
+            <a:solidFill>
+              <a:srgbClr val="660066"/>
+            </a:solidFill>
+            <a:prstDash val="sysDot"/>
+          </a:ln>
+        </p:spPr>
+        <p:style>
+          <a:lnRef idx="1">
+            <a:schemeClr val="accent1"/>
+          </a:lnRef>
+          <a:fillRef idx="3">
+            <a:schemeClr val="accent1"/>
+          </a:fillRef>
+          <a:effectRef idx="2">
+            <a:schemeClr val="accent1"/>
+          </a:effectRef>
+          <a:fontRef idx="minor">
+            <a:schemeClr val="lt1"/>
+          </a:fontRef>
+        </p:style>
+        <p:txBody>
+          <a:bodyPr rtlCol="0" anchor="ctr"/>
+          <a:lstStyle/>
+          <a:p>
+            <a:pPr algn="ctr"/>
+            <a:endParaRPr lang="en-GB"/>
+          </a:p>
+        </p:txBody>
+      </p:sp>
+      <p:sp>
+        <p:nvSpPr>
+          <p:cNvPr id="12" name="Rectangular Callout 11"/>
+          <p:cNvSpPr/>
+          <p:nvPr/>
+        </p:nvSpPr>
+        <p:spPr>
+          <a:xfrm>
+            <a:off x="6400801" y="5071568"/>
+            <a:ext cx="2247900" cy="1062532"/>
+          </a:xfrm>
+          <a:prstGeom prst="wedgeRectCallout">
+            <a:avLst>
+              <a:gd name="adj1" fmla="val 21812"/>
+              <a:gd name="adj2" fmla="val -85167"/>
+            </a:avLst>
+          </a:prstGeom>
+          <a:solidFill>
+            <a:srgbClr val="660066"/>
+          </a:solidFill>
+          <a:ln>
+            <a:noFill/>
+          </a:ln>
+        </p:spPr>
+        <p:style>
+          <a:lnRef idx="1">
+            <a:schemeClr val="accent1"/>
+          </a:lnRef>
+          <a:fillRef idx="3">
+            <a:schemeClr val="accent1"/>
+          </a:fillRef>
+          <a:effectRef idx="2">
+            <a:schemeClr val="accent1"/>
+          </a:effectRef>
+          <a:fontRef idx="minor">
+            <a:schemeClr val="lt1"/>
+          </a:fontRef>
+        </p:style>
+        <p:txBody>
+          <a:bodyPr rtlCol="0" anchor="ctr"/>
+          <a:lstStyle/>
+          <a:p>
+            <a:pPr algn="ctr"/>
+            <a:r>
+              <a:rPr lang="en-GB" dirty="0" smtClean="0"/>
+              <a:t>time saved by incremental evaluation</a:t>
+            </a:r>
+            <a:endParaRPr lang="en-GB" dirty="0"/>
+          </a:p>
+        </p:txBody>
+      </p:sp>
     </p:spTree>
     <p:extLst>
       <p:ext uri="{BB962C8B-B14F-4D97-AF65-F5344CB8AC3E}">
@@ -18032,9 +18169,124 @@
   <p:timing>
     <p:tnLst>
       <p:par>
-        <p:cTn xmlns:p14="http://schemas.microsoft.com/office/powerpoint/2010/main" id="1" dur="indefinite" restart="never" nodeType="tmRoot"/>
+        <p:cTn xmlns:p14="http://schemas.microsoft.com/office/powerpoint/2010/main" id="1" dur="indefinite" restart="never" nodeType="tmRoot">
+          <p:childTnLst>
+            <p:seq concurrent="1" nextAc="seek">
+              <p:cTn id="2" dur="indefinite" nodeType="mainSeq">
+                <p:childTnLst>
+                  <p:par>
+                    <p:cTn id="3" fill="hold">
+                      <p:stCondLst>
+                        <p:cond delay="indefinite"/>
+                      </p:stCondLst>
+                      <p:childTnLst>
+                        <p:par>
+                          <p:cTn id="4" fill="hold">
+                            <p:stCondLst>
+                              <p:cond delay="0"/>
+                            </p:stCondLst>
+                            <p:childTnLst>
+                              <p:par>
+                                <p:cTn id="5" presetID="9" presetClass="entr" presetSubtype="0" fill="hold" grpId="0" nodeType="clickEffect">
+                                  <p:stCondLst>
+                                    <p:cond delay="0"/>
+                                  </p:stCondLst>
+                                  <p:childTnLst>
+                                    <p:set>
+                                      <p:cBhvr>
+                                        <p:cTn id="6" dur="1" fill="hold">
+                                          <p:stCondLst>
+                                            <p:cond delay="0"/>
+                                          </p:stCondLst>
+                                        </p:cTn>
+                                        <p:tgtEl>
+                                          <p:spTgt spid="12"/>
+                                        </p:tgtEl>
+                                        <p:attrNameLst>
+                                          <p:attrName>style.visibility</p:attrName>
+                                        </p:attrNameLst>
+                                      </p:cBhvr>
+                                      <p:to>
+                                        <p:strVal val="visible"/>
+                                      </p:to>
+                                    </p:set>
+                                    <p:animEffect transition="in" filter="dissolve">
+                                      <p:cBhvr>
+                                        <p:cTn id="7" dur="500"/>
+                                        <p:tgtEl>
+                                          <p:spTgt spid="12"/>
+                                        </p:tgtEl>
+                                      </p:cBhvr>
+                                    </p:animEffect>
+                                  </p:childTnLst>
+                                </p:cTn>
+                              </p:par>
+                              <p:par>
+                                <p:cTn id="8" presetID="9" presetClass="entr" presetSubtype="0" fill="hold" grpId="0" nodeType="withEffect">
+                                  <p:stCondLst>
+                                    <p:cond delay="0"/>
+                                  </p:stCondLst>
+                                  <p:childTnLst>
+                                    <p:set>
+                                      <p:cBhvr>
+                                        <p:cTn id="9" dur="1" fill="hold">
+                                          <p:stCondLst>
+                                            <p:cond delay="0"/>
+                                          </p:stCondLst>
+                                        </p:cTn>
+                                        <p:tgtEl>
+                                          <p:spTgt spid="11"/>
+                                        </p:tgtEl>
+                                        <p:attrNameLst>
+                                          <p:attrName>style.visibility</p:attrName>
+                                        </p:attrNameLst>
+                                      </p:cBhvr>
+                                      <p:to>
+                                        <p:strVal val="visible"/>
+                                      </p:to>
+                                    </p:set>
+                                    <p:animEffect transition="in" filter="dissolve">
+                                      <p:cBhvr>
+                                        <p:cTn id="10" dur="500"/>
+                                        <p:tgtEl>
+                                          <p:spTgt spid="11"/>
+                                        </p:tgtEl>
+                                      </p:cBhvr>
+                                    </p:animEffect>
+                                  </p:childTnLst>
+                                </p:cTn>
+                              </p:par>
+                            </p:childTnLst>
+                          </p:cTn>
+                        </p:par>
+                      </p:childTnLst>
+                    </p:cTn>
+                  </p:par>
+                </p:childTnLst>
+              </p:cTn>
+              <p:prevCondLst>
+                <p:cond evt="onPrev" delay="0">
+                  <p:tgtEl>
+                    <p:sldTgt/>
+                  </p:tgtEl>
+                </p:cond>
+              </p:prevCondLst>
+              <p:nextCondLst>
+                <p:cond evt="onNext" delay="0">
+                  <p:tgtEl>
+                    <p:sldTgt/>
+                  </p:tgtEl>
+                </p:cond>
+              </p:nextCondLst>
+            </p:seq>
+          </p:childTnLst>
+        </p:cTn>
       </p:par>
     </p:tnLst>
+    <p:bldLst>
+      <p:bldP spid="11" grpId="0" animBg="1"/>
+      <p:bldP spid="12" grpId="0" animBg="1"/>
+    </p:bldLst>
   </p:timing>
 </p:sld>
 </file>
@@ -23818,7 +24070,11 @@
             <a:pPr lvl="1"/>
             <a:r>
               <a:rPr lang="en-GB" dirty="0" smtClean="0"/>
-              <a:t>graph rewriting for ASG </a:t>
+              <a:t>graph rewriting for </a:t>
+            </a:r>
+            <a:r>
+              <a:rPr lang="en-GB" dirty="0" smtClean="0"/>
+              <a:t>declarative ASG </a:t>
             </a:r>
             <a:r>
               <a:rPr lang="en-GB" dirty="0" smtClean="0">

--- a/examples/ttc-2015-fuml-activity-diagrams/documentation/figures/solution-presentation.pptx
+++ b/examples/ttc-2015-fuml-activity-diagrams/documentation/figures/solution-presentation.pptx
@@ -213,7 +213,7 @@
           <a:p>
             <a:fld id="{2DC44254-5F95-204D-8F07-2678B782EA19}" type="datetimeFigureOut">
               <a:rPr lang="en-US" smtClean="0"/>
-              <a:t>16/05/16</a:t>
+              <a:t>17/05/16</a:t>
             </a:fld>
             <a:endParaRPr lang="en-GB"/>
           </a:p>
@@ -998,7 +998,7 @@
           <a:p>
             <a:fld id="{9F50B6A4-EEFC-6D43-8633-B920B387D5FF}" type="datetimeFigureOut">
               <a:rPr lang="en-US" smtClean="0"/>
-              <a:t>16/05/16</a:t>
+              <a:t>17/05/16</a:t>
             </a:fld>
             <a:endParaRPr lang="en-GB"/>
           </a:p>
@@ -1168,7 +1168,7 @@
           <a:p>
             <a:fld id="{9F50B6A4-EEFC-6D43-8633-B920B387D5FF}" type="datetimeFigureOut">
               <a:rPr lang="en-US" smtClean="0"/>
-              <a:t>16/05/16</a:t>
+              <a:t>17/05/16</a:t>
             </a:fld>
             <a:endParaRPr lang="en-GB"/>
           </a:p>
@@ -1348,7 +1348,7 @@
           <a:p>
             <a:fld id="{9F50B6A4-EEFC-6D43-8633-B920B387D5FF}" type="datetimeFigureOut">
               <a:rPr lang="en-US" smtClean="0"/>
-              <a:t>16/05/16</a:t>
+              <a:t>17/05/16</a:t>
             </a:fld>
             <a:endParaRPr lang="en-GB"/>
           </a:p>
@@ -1518,7 +1518,7 @@
           <a:p>
             <a:fld id="{9F50B6A4-EEFC-6D43-8633-B920B387D5FF}" type="datetimeFigureOut">
               <a:rPr lang="en-US" smtClean="0"/>
-              <a:t>16/05/16</a:t>
+              <a:t>17/05/16</a:t>
             </a:fld>
             <a:endParaRPr lang="en-GB"/>
           </a:p>
@@ -1764,7 +1764,7 @@
           <a:p>
             <a:fld id="{9F50B6A4-EEFC-6D43-8633-B920B387D5FF}" type="datetimeFigureOut">
               <a:rPr lang="en-US" smtClean="0"/>
-              <a:t>16/05/16</a:t>
+              <a:t>17/05/16</a:t>
             </a:fld>
             <a:endParaRPr lang="en-GB"/>
           </a:p>
@@ -2052,7 +2052,7 @@
           <a:p>
             <a:fld id="{9F50B6A4-EEFC-6D43-8633-B920B387D5FF}" type="datetimeFigureOut">
               <a:rPr lang="en-US" smtClean="0"/>
-              <a:t>16/05/16</a:t>
+              <a:t>17/05/16</a:t>
             </a:fld>
             <a:endParaRPr lang="en-GB"/>
           </a:p>
@@ -2474,7 +2474,7 @@
           <a:p>
             <a:fld id="{9F50B6A4-EEFC-6D43-8633-B920B387D5FF}" type="datetimeFigureOut">
               <a:rPr lang="en-US" smtClean="0"/>
-              <a:t>16/05/16</a:t>
+              <a:t>17/05/16</a:t>
             </a:fld>
             <a:endParaRPr lang="en-GB"/>
           </a:p>
@@ -2592,7 +2592,7 @@
           <a:p>
             <a:fld id="{9F50B6A4-EEFC-6D43-8633-B920B387D5FF}" type="datetimeFigureOut">
               <a:rPr lang="en-US" smtClean="0"/>
-              <a:t>16/05/16</a:t>
+              <a:t>17/05/16</a:t>
             </a:fld>
             <a:endParaRPr lang="en-GB"/>
           </a:p>
@@ -2687,7 +2687,7 @@
           <a:p>
             <a:fld id="{9F50B6A4-EEFC-6D43-8633-B920B387D5FF}" type="datetimeFigureOut">
               <a:rPr lang="en-US" smtClean="0"/>
-              <a:t>16/05/16</a:t>
+              <a:t>17/05/16</a:t>
             </a:fld>
             <a:endParaRPr lang="en-GB"/>
           </a:p>
@@ -2964,7 +2964,7 @@
           <a:p>
             <a:fld id="{9F50B6A4-EEFC-6D43-8633-B920B387D5FF}" type="datetimeFigureOut">
               <a:rPr lang="en-US" smtClean="0"/>
-              <a:t>16/05/16</a:t>
+              <a:t>17/05/16</a:t>
             </a:fld>
             <a:endParaRPr lang="en-GB"/>
           </a:p>
@@ -3217,7 +3217,7 @@
           <a:p>
             <a:fld id="{9F50B6A4-EEFC-6D43-8633-B920B387D5FF}" type="datetimeFigureOut">
               <a:rPr lang="en-US" smtClean="0"/>
-              <a:t>16/05/16</a:t>
+              <a:t>17/05/16</a:t>
             </a:fld>
             <a:endParaRPr lang="en-GB"/>
           </a:p>
@@ -3430,7 +3430,7 @@
           <a:p>
             <a:fld id="{9F50B6A4-EEFC-6D43-8633-B920B387D5FF}" type="datetimeFigureOut">
               <a:rPr lang="en-US" smtClean="0"/>
-              <a:t>16/05/16</a:t>
+              <a:t>17/05/16</a:t>
             </a:fld>
             <a:endParaRPr lang="en-GB"/>
           </a:p>
@@ -17794,7 +17794,7 @@
       </p:sp>
       <p:pic>
         <p:nvPicPr>
-          <p:cNvPr id="4" name="Picture 3" descr="Pages from solution-description.pdf"/>
+          <p:cNvPr id="5" name="Picture 4" descr="Pages from solution-presentation.pdf"/>
           <p:cNvPicPr>
             <a:picLocks noChangeAspect="1"/>
           </p:cNvPicPr>
@@ -17814,8 +17814,8 @@
         </p:blipFill>
         <p:spPr>
           <a:xfrm>
-            <a:off x="457200" y="1219200"/>
-            <a:ext cx="8229600" cy="4937760"/>
+            <a:off x="546100" y="1303338"/>
+            <a:ext cx="8124534" cy="4867562"/>
           </a:xfrm>
           <a:prstGeom prst="rect">
             <a:avLst/>
@@ -24070,11 +24070,7 @@
             <a:pPr lvl="1"/>
             <a:r>
               <a:rPr lang="en-GB" dirty="0" smtClean="0"/>
-              <a:t>graph rewriting for </a:t>
-            </a:r>
-            <a:r>
-              <a:rPr lang="en-GB" dirty="0" smtClean="0"/>
-              <a:t>declarative ASG </a:t>
+              <a:t>graph rewriting for declarative ASG </a:t>
             </a:r>
             <a:r>
               <a:rPr lang="en-GB" dirty="0" smtClean="0">
